--- a/storage structure.pptx
+++ b/storage structure.pptx
@@ -239,7 +239,7 @@
             <a:fld id="{8BCA76E6-379F-489D-9220-B2F237C7F468}" type="datetimeFigureOut">
               <a:rPr lang="ru-RU" smtClean="0"/>
               <a:pPr/>
-              <a:t>10.05.2017</a:t>
+              <a:t>11.05.2017</a:t>
             </a:fld>
             <a:endParaRPr lang="ru-RU" dirty="0"/>
           </a:p>
@@ -3223,17 +3223,7 @@
                 <a:ea typeface="Arial"/>
                 <a:sym typeface="Arial"/>
               </a:rPr>
-              <a:t>Лаборатория «Информационные </a:t>
-            </a:r>
-            <a:r>
-              <a:rPr lang="ru-RU" sz="2000" b="1" dirty="0" smtClean="0">
-                <a:solidFill>
-                  <a:srgbClr val="F3F3F3"/>
-                </a:solidFill>
-                <a:ea typeface="Arial"/>
-                <a:sym typeface="Arial"/>
-              </a:rPr>
-              <a:t>те</a:t>
+              <a:t>Лаборатория «Информационные те</a:t>
             </a:r>
             <a:r>
               <a:rPr lang="ru-RU" sz="2000" b="1" dirty="0">
@@ -3253,17 +3243,7 @@
                 <a:ea typeface="Arial"/>
                 <a:sym typeface="Arial"/>
               </a:rPr>
-              <a:t>нологии</a:t>
-            </a:r>
-            <a:r>
-              <a:rPr lang="ru-RU" sz="2000" b="1" dirty="0" smtClean="0">
-                <a:solidFill>
-                  <a:srgbClr val="F3F3F3"/>
-                </a:solidFill>
-                <a:ea typeface="Arial"/>
-                <a:sym typeface="Arial"/>
-              </a:rPr>
-              <a:t>» (</a:t>
+              <a:t>нологии» (</a:t>
             </a:r>
             <a:r>
               <a:rPr lang="en-US" sz="2000" b="1" dirty="0" err="1" smtClean="0">
@@ -3713,6 +3693,41 @@
           <a:bodyPr/>
           <a:lstStyle/>
           <a:p>
+            <a:r>
+              <a:rPr lang="ru-RU" dirty="0" smtClean="0"/>
+              <a:t>Ознакомиться с предметной областью «Поиск оптимальных решений».</a:t>
+            </a:r>
+          </a:p>
+          <a:p>
+            <a:r>
+              <a:rPr lang="ru-RU" dirty="0"/>
+              <a:t>Разработать программу, которая будет искать глобальный оптимум функции с помощью одного из нескольких методов и визуализировать процесс поиска</a:t>
+            </a:r>
+            <a:r>
+              <a:rPr lang="ru-RU" dirty="0" smtClean="0"/>
+              <a:t>.</a:t>
+            </a:r>
+            <a:endParaRPr lang="ru-RU" dirty="0" smtClean="0"/>
+          </a:p>
+          <a:p>
+            <a:r>
+              <a:rPr lang="ru-RU" dirty="0" smtClean="0"/>
+              <a:t>Получить навыки командной работы.</a:t>
+            </a:r>
+          </a:p>
+          <a:p>
+            <a:r>
+              <a:rPr lang="ru-RU" dirty="0" smtClean="0"/>
+              <a:t>Получить опыт в </a:t>
+            </a:r>
+            <a:r>
+              <a:rPr lang="ru-RU" dirty="0"/>
+              <a:t>реализации и практического использования ряда структур </a:t>
+            </a:r>
+            <a:r>
+              <a:rPr lang="ru-RU" dirty="0" smtClean="0"/>
+              <a:t>данных.</a:t>
+            </a:r>
             <a:endParaRPr lang="ru-RU" dirty="0" smtClean="0"/>
           </a:p>
         </p:txBody>
@@ -4522,28 +4537,28 @@
                 <a:gridCol w="2016670">
                   <a:extLst>
                     <a:ext uri="{9D8B030D-6E8A-4147-A177-3AD203B41FA5}">
-                      <a16:colId xmlns:a16="http://schemas.microsoft.com/office/drawing/2014/main" val="4207553952"/>
+                      <a16:colId xmlns:a16="http://schemas.microsoft.com/office/drawing/2014/main" xmlns="" val="4207553952"/>
                     </a:ext>
                   </a:extLst>
                 </a:gridCol>
                 <a:gridCol w="2412268">
                   <a:extLst>
                     <a:ext uri="{9D8B030D-6E8A-4147-A177-3AD203B41FA5}">
-                      <a16:colId xmlns:a16="http://schemas.microsoft.com/office/drawing/2014/main" val="3459842520"/>
+                      <a16:colId xmlns:a16="http://schemas.microsoft.com/office/drawing/2014/main" xmlns="" val="3459842520"/>
                     </a:ext>
                   </a:extLst>
                 </a:gridCol>
                 <a:gridCol w="2412268">
                   <a:extLst>
                     <a:ext uri="{9D8B030D-6E8A-4147-A177-3AD203B41FA5}">
-                      <a16:colId xmlns:a16="http://schemas.microsoft.com/office/drawing/2014/main" val="3968390463"/>
+                      <a16:colId xmlns:a16="http://schemas.microsoft.com/office/drawing/2014/main" xmlns="" val="3968390463"/>
                     </a:ext>
                   </a:extLst>
                 </a:gridCol>
                 <a:gridCol w="2737510">
                   <a:extLst>
                     <a:ext uri="{9D8B030D-6E8A-4147-A177-3AD203B41FA5}">
-                      <a16:colId xmlns:a16="http://schemas.microsoft.com/office/drawing/2014/main" val="2767897215"/>
+                      <a16:colId xmlns:a16="http://schemas.microsoft.com/office/drawing/2014/main" xmlns="" val="2767897215"/>
                     </a:ext>
                   </a:extLst>
                 </a:gridCol>
@@ -4601,7 +4616,7 @@
                 </a:tc>
                 <a:extLst>
                   <a:ext uri="{0D108BD9-81ED-4DB2-BD59-A6C34878D82A}">
-                    <a16:rowId xmlns:a16="http://schemas.microsoft.com/office/drawing/2014/main" val="32717393"/>
+                    <a16:rowId xmlns:a16="http://schemas.microsoft.com/office/drawing/2014/main" xmlns="" val="32717393"/>
                   </a:ext>
                 </a:extLst>
               </a:tr>
@@ -4678,7 +4693,7 @@
                 </a:tc>
                 <a:extLst>
                   <a:ext uri="{0D108BD9-81ED-4DB2-BD59-A6C34878D82A}">
-                    <a16:rowId xmlns:a16="http://schemas.microsoft.com/office/drawing/2014/main" val="1051533820"/>
+                    <a16:rowId xmlns:a16="http://schemas.microsoft.com/office/drawing/2014/main" xmlns="" val="1051533820"/>
                   </a:ext>
                 </a:extLst>
               </a:tr>
@@ -4776,7 +4791,7 @@
                 </a:tc>
                 <a:extLst>
                   <a:ext uri="{0D108BD9-81ED-4DB2-BD59-A6C34878D82A}">
-                    <a16:rowId xmlns:a16="http://schemas.microsoft.com/office/drawing/2014/main" val="1824347035"/>
+                    <a16:rowId xmlns:a16="http://schemas.microsoft.com/office/drawing/2014/main" xmlns="" val="1824347035"/>
                   </a:ext>
                 </a:extLst>
               </a:tr>
@@ -4918,7 +4933,7 @@
                 </a:tc>
                 <a:extLst>
                   <a:ext uri="{0D108BD9-81ED-4DB2-BD59-A6C34878D82A}">
-                    <a16:rowId xmlns:a16="http://schemas.microsoft.com/office/drawing/2014/main" val="861733343"/>
+                    <a16:rowId xmlns:a16="http://schemas.microsoft.com/office/drawing/2014/main" xmlns="" val="861733343"/>
                   </a:ext>
                 </a:extLst>
               </a:tr>
@@ -5048,7 +5063,7 @@
                 </a:tc>
                 <a:extLst>
                   <a:ext uri="{0D108BD9-81ED-4DB2-BD59-A6C34878D82A}">
-                    <a16:rowId xmlns:a16="http://schemas.microsoft.com/office/drawing/2014/main" val="668560827"/>
+                    <a16:rowId xmlns:a16="http://schemas.microsoft.com/office/drawing/2014/main" xmlns="" val="668560827"/>
                   </a:ext>
                 </a:extLst>
               </a:tr>
@@ -5158,7 +5173,7 @@
                 </a:tc>
                 <a:extLst>
                   <a:ext uri="{0D108BD9-81ED-4DB2-BD59-A6C34878D82A}">
-                    <a16:rowId xmlns:a16="http://schemas.microsoft.com/office/drawing/2014/main" val="210191880"/>
+                    <a16:rowId xmlns:a16="http://schemas.microsoft.com/office/drawing/2014/main" xmlns="" val="210191880"/>
                   </a:ext>
                 </a:extLst>
               </a:tr>

--- a/storage structure.pptx
+++ b/storage structure.pptx
@@ -5,19 +5,23 @@
     <p:sldMasterId id="2147483660" r:id="rId1"/>
   </p:sldMasterIdLst>
   <p:notesMasterIdLst>
-    <p:notesMasterId r:id="rId12"/>
+    <p:notesMasterId r:id="rId16"/>
   </p:notesMasterIdLst>
   <p:sldIdLst>
     <p:sldId id="272" r:id="rId2"/>
     <p:sldId id="257" r:id="rId3"/>
     <p:sldId id="278" r:id="rId4"/>
     <p:sldId id="283" r:id="rId5"/>
-    <p:sldId id="286" r:id="rId6"/>
-    <p:sldId id="285" r:id="rId7"/>
-    <p:sldId id="287" r:id="rId8"/>
-    <p:sldId id="288" r:id="rId9"/>
-    <p:sldId id="284" r:id="rId10"/>
-    <p:sldId id="282" r:id="rId11"/>
+    <p:sldId id="289" r:id="rId6"/>
+    <p:sldId id="290" r:id="rId7"/>
+    <p:sldId id="285" r:id="rId8"/>
+    <p:sldId id="291" r:id="rId9"/>
+    <p:sldId id="292" r:id="rId10"/>
+    <p:sldId id="293" r:id="rId11"/>
+    <p:sldId id="287" r:id="rId12"/>
+    <p:sldId id="288" r:id="rId13"/>
+    <p:sldId id="284" r:id="rId14"/>
+    <p:sldId id="282" r:id="rId15"/>
   </p:sldIdLst>
   <p:sldSz cx="9906000" cy="6858000" type="A4"/>
   <p:notesSz cx="6858000" cy="9144000"/>
@@ -3322,15 +3326,15 @@
           <a:p>
             <a:r>
               <a:rPr lang="ru-RU" dirty="0" smtClean="0"/>
-              <a:t>Спасибо за внимание!</a:t>
-            </a:r>
-            <a:endParaRPr lang="en-US" dirty="0"/>
-          </a:p>
-        </p:txBody>
-      </p:sp>
-      <p:sp>
-        <p:nvSpPr>
-          <p:cNvPr id="3" name="Содержимое 2"/>
+              <a:t>Класс – ретранслятор. Возможности</a:t>
+            </a:r>
+            <a:endParaRPr lang="ru-RU" dirty="0"/>
+          </a:p>
+        </p:txBody>
+      </p:sp>
+      <p:sp>
+        <p:nvSpPr>
+          <p:cNvPr id="3" name="Объект 2"/>
           <p:cNvSpPr>
             <a:spLocks noGrp="1"/>
           </p:cNvSpPr>
@@ -3344,35 +3348,203 @@
           <a:lstStyle/>
           <a:p>
             <a:pPr algn="just"/>
-            <a:endParaRPr lang="ru-RU" dirty="0" smtClean="0"/>
+            <a:r>
+              <a:rPr lang="ru-RU" sz="2800" dirty="0"/>
+              <a:t>Главное допущение – аргумент функции обозначается </a:t>
+            </a:r>
+            <a:r>
+              <a:rPr lang="ru-RU" sz="2800" dirty="0" smtClean="0"/>
+              <a:t>ТОЛЬКО строчным </a:t>
+            </a:r>
+            <a:r>
+              <a:rPr lang="ru-RU" sz="2800" dirty="0"/>
+              <a:t>символом </a:t>
+            </a:r>
+            <a:r>
+              <a:rPr lang="en-US" sz="2800" dirty="0"/>
+              <a:t>‘x</a:t>
+            </a:r>
+            <a:r>
+              <a:rPr lang="en-US" sz="2800" dirty="0" smtClean="0"/>
+              <a:t>’</a:t>
+            </a:r>
+            <a:r>
+              <a:rPr lang="ru-RU" sz="2800" dirty="0" smtClean="0"/>
+              <a:t>.</a:t>
+            </a:r>
+            <a:endParaRPr lang="ru-RU" sz="2800" dirty="0"/>
           </a:p>
           <a:p>
             <a:pPr algn="just"/>
-            <a:endParaRPr lang="ru-RU" dirty="0"/>
-          </a:p>
-          <a:p>
-            <a:pPr algn="just"/>
-            <a:endParaRPr lang="ru-RU" dirty="0" smtClean="0"/>
-          </a:p>
-          <a:p>
-            <a:pPr algn="just"/>
-            <a:endParaRPr lang="ru-RU" dirty="0"/>
-          </a:p>
-          <a:p>
-            <a:pPr marL="0" indent="0" algn="ctr">
+            <a:r>
+              <a:rPr lang="ru-RU" sz="2800" dirty="0" smtClean="0"/>
+              <a:t>Поддерживаемые функции: </a:t>
+            </a:r>
+          </a:p>
+          <a:p>
+            <a:pPr marL="0" indent="0" algn="just">
               <a:buNone/>
             </a:pPr>
             <a:r>
-              <a:rPr lang="ru-RU" sz="3600" dirty="0" smtClean="0"/>
-              <a:t>Вопросы?</a:t>
-            </a:r>
-            <a:endParaRPr lang="en-US" sz="3600" dirty="0"/>
-          </a:p>
-        </p:txBody>
-      </p:sp>
-      <p:sp>
-        <p:nvSpPr>
-          <p:cNvPr id="6" name="Дата 5"/>
+              <a:rPr lang="ru-RU" sz="2800" dirty="0"/>
+              <a:t>	</a:t>
+            </a:r>
+            <a:r>
+              <a:rPr lang="en-US" sz="2800" dirty="0" smtClean="0"/>
+              <a:t>sin(), cos(), </a:t>
+            </a:r>
+            <a:r>
+              <a:rPr lang="en-US" sz="2800" dirty="0" err="1" smtClean="0"/>
+              <a:t>tg</a:t>
+            </a:r>
+            <a:r>
+              <a:rPr lang="en-US" sz="2800" dirty="0" smtClean="0"/>
+              <a:t>(), </a:t>
+            </a:r>
+            <a:r>
+              <a:rPr lang="en-US" sz="2800" dirty="0" err="1" smtClean="0"/>
+              <a:t>ctg</a:t>
+            </a:r>
+            <a:r>
+              <a:rPr lang="en-US" sz="2800" dirty="0" smtClean="0"/>
+              <a:t>(), ln(), abs()</a:t>
+            </a:r>
+            <a:r>
+              <a:rPr lang="ru-RU" sz="2800" dirty="0" smtClean="0"/>
+              <a:t>.</a:t>
+            </a:r>
+          </a:p>
+          <a:p>
+            <a:pPr algn="just"/>
+            <a:r>
+              <a:rPr lang="ru-RU" sz="2800" dirty="0" smtClean="0"/>
+              <a:t>Основные методы:</a:t>
+            </a:r>
+          </a:p>
+          <a:p>
+            <a:pPr marL="0" indent="0" algn="just">
+              <a:buNone/>
+            </a:pPr>
+            <a:r>
+              <a:rPr lang="ru-RU" sz="2800" dirty="0" smtClean="0"/>
+              <a:t>	</a:t>
+            </a:r>
+            <a:r>
+              <a:rPr lang="en-US" sz="2800" dirty="0"/>
+              <a:t>void </a:t>
+            </a:r>
+            <a:r>
+              <a:rPr lang="en-US" sz="2800" dirty="0" err="1" smtClean="0"/>
+              <a:t>SetFunction</a:t>
+            </a:r>
+            <a:r>
+              <a:rPr lang="ru-RU" sz="2800" dirty="0" smtClean="0"/>
+              <a:t> </a:t>
+            </a:r>
+            <a:r>
+              <a:rPr lang="en-US" sz="2800" dirty="0" smtClean="0"/>
+              <a:t>(string</a:t>
+            </a:r>
+            <a:r>
+              <a:rPr lang="ru-RU" sz="2800" dirty="0" smtClean="0"/>
+              <a:t> </a:t>
+            </a:r>
+            <a:r>
+              <a:rPr lang="en-US" sz="2800" dirty="0" smtClean="0">
+                <a:solidFill>
+                  <a:srgbClr val="00B050"/>
+                </a:solidFill>
+              </a:rPr>
+              <a:t>Line</a:t>
+            </a:r>
+            <a:r>
+              <a:rPr lang="en-US" sz="2800" dirty="0" smtClean="0"/>
+              <a:t>)</a:t>
+            </a:r>
+            <a:r>
+              <a:rPr lang="ru-RU" sz="2800" dirty="0" smtClean="0"/>
+              <a:t> – проверяет правильность поступившей строки </a:t>
+            </a:r>
+            <a:r>
+              <a:rPr lang="en-US" sz="2800" dirty="0" smtClean="0">
+                <a:solidFill>
+                  <a:srgbClr val="00B050"/>
+                </a:solidFill>
+              </a:rPr>
+              <a:t>Line</a:t>
+            </a:r>
+            <a:r>
+              <a:rPr lang="en-US" sz="2800" dirty="0" smtClean="0"/>
+              <a:t> </a:t>
+            </a:r>
+            <a:r>
+              <a:rPr lang="ru-RU" sz="2800" dirty="0" smtClean="0"/>
+              <a:t>и задает функцию</a:t>
+            </a:r>
+            <a:r>
+              <a:rPr lang="en-US" sz="2800" dirty="0" smtClean="0"/>
+              <a:t>;</a:t>
+            </a:r>
+          </a:p>
+          <a:p>
+            <a:pPr marL="0" indent="0" algn="just">
+              <a:buNone/>
+            </a:pPr>
+            <a:r>
+              <a:rPr lang="en-US" sz="2800" dirty="0"/>
+              <a:t>	double </a:t>
+            </a:r>
+            <a:r>
+              <a:rPr lang="en-US" sz="2800" dirty="0" smtClean="0"/>
+              <a:t>Calculate(double </a:t>
+            </a:r>
+            <a:r>
+              <a:rPr lang="en-US" sz="2800" dirty="0" smtClean="0">
+                <a:solidFill>
+                  <a:srgbClr val="00B050"/>
+                </a:solidFill>
+              </a:rPr>
+              <a:t>x</a:t>
+            </a:r>
+            <a:r>
+              <a:rPr lang="en-US" sz="2800" dirty="0" smtClean="0"/>
+              <a:t>) – </a:t>
+            </a:r>
+            <a:r>
+              <a:rPr lang="ru-RU" sz="2800" dirty="0" smtClean="0"/>
+              <a:t>подсчитывает значение функции в</a:t>
+            </a:r>
+            <a:r>
+              <a:rPr lang="en-US" sz="2800" dirty="0" smtClean="0"/>
+              <a:t> </a:t>
+            </a:r>
+            <a:r>
+              <a:rPr lang="ru-RU" sz="2800" dirty="0" smtClean="0"/>
+              <a:t>точке </a:t>
+            </a:r>
+            <a:r>
+              <a:rPr lang="en-US" sz="2800" dirty="0" smtClean="0">
+                <a:solidFill>
+                  <a:srgbClr val="00B050"/>
+                </a:solidFill>
+              </a:rPr>
+              <a:t>x</a:t>
+            </a:r>
+            <a:r>
+              <a:rPr lang="ru-RU" sz="2800" dirty="0"/>
+              <a:t>.</a:t>
+            </a:r>
+            <a:endParaRPr lang="ru-RU" sz="2800" dirty="0">
+              <a:solidFill>
+                <a:srgbClr val="00B050"/>
+              </a:solidFill>
+            </a:endParaRPr>
+          </a:p>
+        </p:txBody>
+      </p:sp>
+      <p:sp>
+        <p:nvSpPr>
+          <p:cNvPr id="4" name="Дата 3"/>
           <p:cNvSpPr>
             <a:spLocks noGrp="1"/>
           </p:cNvSpPr>
@@ -3386,6 +3558,9 @@
           <a:lstStyle/>
           <a:p>
             <a:pPr>
+              <a:lnSpc>
+                <a:spcPct val="150000"/>
+              </a:lnSpc>
               <a:defRPr/>
             </a:pPr>
             <a:r>
@@ -3398,7 +3573,36 @@
       </p:sp>
       <p:sp>
         <p:nvSpPr>
-          <p:cNvPr id="7" name="Номер слайда 6"/>
+          <p:cNvPr id="5" name="Нижний колонтитул 4"/>
+          <p:cNvSpPr>
+            <a:spLocks noGrp="1"/>
+          </p:cNvSpPr>
+          <p:nvPr>
+            <p:ph type="ftr" sz="quarter" idx="3"/>
+          </p:nvPr>
+        </p:nvSpPr>
+        <p:spPr/>
+        <p:txBody>
+          <a:bodyPr/>
+          <a:lstStyle/>
+          <a:p>
+            <a:pPr>
+              <a:lnSpc>
+                <a:spcPct val="150000"/>
+              </a:lnSpc>
+              <a:defRPr/>
+            </a:pPr>
+            <a:r>
+              <a:rPr lang="ru-RU" smtClean="0"/>
+              <a:t>Мини-проект по глобальной оптимизации</a:t>
+            </a:r>
+            <a:endParaRPr lang="ru-RU" dirty="0" smtClean="0"/>
+          </a:p>
+        </p:txBody>
+      </p:sp>
+      <p:sp>
+        <p:nvSpPr>
+          <p:cNvPr id="6" name="Номер слайда 5"/>
           <p:cNvSpPr>
             <a:spLocks noGrp="1"/>
           </p:cNvSpPr>
@@ -3425,41 +3629,27 @@
           </a:p>
         </p:txBody>
       </p:sp>
-      <p:sp>
-        <p:nvSpPr>
-          <p:cNvPr id="8" name="Нижний колонтитул 7"/>
-          <p:cNvSpPr>
-            <a:spLocks noGrp="1"/>
-          </p:cNvSpPr>
-          <p:nvPr>
-            <p:ph type="ftr" sz="quarter" idx="3"/>
-          </p:nvPr>
-        </p:nvSpPr>
-        <p:spPr/>
-        <p:txBody>
-          <a:bodyPr/>
-          <a:lstStyle/>
-          <a:p>
-            <a:pPr>
-              <a:defRPr/>
-            </a:pPr>
-            <a:r>
-              <a:rPr lang="ru-RU" smtClean="0"/>
-              <a:t>Мини-проект по глобальной оптимизации</a:t>
-            </a:r>
-            <a:endParaRPr lang="ru-RU" dirty="0"/>
-          </a:p>
-        </p:txBody>
-      </p:sp>
     </p:spTree>
+    <p:extLst>
+      <p:ext uri="{BB962C8B-B14F-4D97-AF65-F5344CB8AC3E}">
+        <p14:creationId xmlns:p14="http://schemas.microsoft.com/office/powerpoint/2010/main" val="522996795"/>
+      </p:ext>
+    </p:extLst>
   </p:cSld>
   <p:clrMapOvr>
     <a:masterClrMapping/>
   </p:clrMapOvr>
+  <p:timing>
+    <p:tnLst>
+      <p:par>
+        <p:cTn id="1" dur="indefinite" restart="never" nodeType="tmRoot"/>
+      </p:par>
+    </p:tnLst>
+  </p:timing>
 </p:sld>
 </file>
 
-<file path=ppt/slides/slide2.xml><?xml version="1.0" encoding="utf-8"?>
+<file path=ppt/slides/slide11.xml><?xml version="1.0" encoding="utf-8"?>
 <p:sld xmlns:a="http://schemas.openxmlformats.org/drawingml/2006/main" xmlns:r="http://schemas.openxmlformats.org/officeDocument/2006/relationships" xmlns:p="http://schemas.openxmlformats.org/presentationml/2006/main">
   <p:cSld>
     <p:spTree>
@@ -3493,15 +3683,15 @@
           <a:p>
             <a:r>
               <a:rPr lang="ru-RU" dirty="0" smtClean="0"/>
-              <a:t>Содержание</a:t>
-            </a:r>
-            <a:endParaRPr lang="en-US" dirty="0"/>
-          </a:p>
-        </p:txBody>
-      </p:sp>
-      <p:sp>
-        <p:nvSpPr>
-          <p:cNvPr id="3" name="Содержимое 2"/>
+              <a:t>Хранилище поисковой информации</a:t>
+            </a:r>
+            <a:endParaRPr lang="ru-RU" dirty="0"/>
+          </a:p>
+        </p:txBody>
+      </p:sp>
+      <p:sp>
+        <p:nvSpPr>
+          <p:cNvPr id="3" name="Объект 2"/>
           <p:cNvSpPr>
             <a:spLocks noGrp="1"/>
           </p:cNvSpPr>
@@ -3516,42 +3706,28 @@
           <a:p>
             <a:r>
               <a:rPr lang="ru-RU" dirty="0" smtClean="0"/>
-              <a:t>Постановка задачи</a:t>
-            </a:r>
+              <a:t>Для реализации данной компоненты было предложено рассмотреть несколько структур данных: массив, список, дерево. Проанализировав сложность основных операций пришли к выводу, что для решения нашей задачи понадобится АВЛ-дерево.</a:t>
+            </a:r>
+            <a:r>
+              <a:rPr lang="en-US" dirty="0" smtClean="0"/>
+              <a:t> </a:t>
+            </a:r>
+            <a:endParaRPr lang="ru-RU" dirty="0" smtClean="0"/>
           </a:p>
           <a:p>
             <a:r>
               <a:rPr lang="ru-RU" dirty="0" smtClean="0"/>
-              <a:t>Методы глобальной оптимизации</a:t>
-            </a:r>
-          </a:p>
-          <a:p>
-            <a:r>
-              <a:rPr lang="ru-RU" dirty="0"/>
-              <a:t>Архитектура </a:t>
-            </a:r>
-            <a:r>
-              <a:rPr lang="ru-RU" dirty="0" smtClean="0"/>
-              <a:t>программной системы</a:t>
-            </a:r>
-          </a:p>
-          <a:p>
-            <a:r>
-              <a:rPr lang="ru-RU" dirty="0" smtClean="0"/>
-              <a:t>Реализация компонент</a:t>
-            </a:r>
-          </a:p>
-          <a:p>
-            <a:r>
-              <a:rPr lang="ru-RU" dirty="0" smtClean="0"/>
-              <a:t>Результаты вычислительных экспериментов</a:t>
-            </a:r>
-          </a:p>
-        </p:txBody>
-      </p:sp>
-      <p:sp>
-        <p:nvSpPr>
-          <p:cNvPr id="6" name="Дата 5"/>
+              <a:t>Выбранная структура данных используется для построения графика введенной функции.</a:t>
+            </a:r>
+          </a:p>
+          <a:p>
+            <a:endParaRPr lang="ru-RU" dirty="0"/>
+          </a:p>
+        </p:txBody>
+      </p:sp>
+      <p:sp>
+        <p:nvSpPr>
+          <p:cNvPr id="4" name="Дата 3"/>
           <p:cNvSpPr>
             <a:spLocks noGrp="1"/>
           </p:cNvSpPr>
@@ -3565,6 +3741,9 @@
           <a:lstStyle/>
           <a:p>
             <a:pPr>
+              <a:lnSpc>
+                <a:spcPct val="150000"/>
+              </a:lnSpc>
               <a:defRPr/>
             </a:pPr>
             <a:r>
@@ -3577,7 +3756,36 @@
       </p:sp>
       <p:sp>
         <p:nvSpPr>
-          <p:cNvPr id="7" name="Номер слайда 6"/>
+          <p:cNvPr id="5" name="Нижний колонтитул 4"/>
+          <p:cNvSpPr>
+            <a:spLocks noGrp="1"/>
+          </p:cNvSpPr>
+          <p:nvPr>
+            <p:ph type="ftr" sz="quarter" idx="3"/>
+          </p:nvPr>
+        </p:nvSpPr>
+        <p:spPr/>
+        <p:txBody>
+          <a:bodyPr/>
+          <a:lstStyle/>
+          <a:p>
+            <a:pPr>
+              <a:lnSpc>
+                <a:spcPct val="150000"/>
+              </a:lnSpc>
+              <a:defRPr/>
+            </a:pPr>
+            <a:r>
+              <a:rPr lang="ru-RU" smtClean="0"/>
+              <a:t>Мини-проект по глобальной оптимизации</a:t>
+            </a:r>
+            <a:endParaRPr lang="ru-RU" dirty="0" smtClean="0"/>
+          </a:p>
+        </p:txBody>
+      </p:sp>
+      <p:sp>
+        <p:nvSpPr>
+          <p:cNvPr id="6" name="Номер слайда 5"/>
           <p:cNvSpPr>
             <a:spLocks noGrp="1"/>
           </p:cNvSpPr>
@@ -3598,858 +3806,7 @@
               <a:pPr>
                 <a:defRPr/>
               </a:pPr>
-              <a:t>2</a:t>
-            </a:fld>
-            <a:endParaRPr lang="ru-RU" dirty="0"/>
-          </a:p>
-        </p:txBody>
-      </p:sp>
-      <p:sp>
-        <p:nvSpPr>
-          <p:cNvPr id="8" name="Нижний колонтитул 7"/>
-          <p:cNvSpPr>
-            <a:spLocks noGrp="1"/>
-          </p:cNvSpPr>
-          <p:nvPr>
-            <p:ph type="ftr" sz="quarter" idx="3"/>
-          </p:nvPr>
-        </p:nvSpPr>
-        <p:spPr/>
-        <p:txBody>
-          <a:bodyPr/>
-          <a:lstStyle/>
-          <a:p>
-            <a:pPr>
-              <a:defRPr/>
-            </a:pPr>
-            <a:r>
-              <a:rPr lang="ru-RU" smtClean="0"/>
-              <a:t>Мини-проект по глобальной оптимизации</a:t>
-            </a:r>
-            <a:endParaRPr lang="ru-RU" dirty="0"/>
-          </a:p>
-        </p:txBody>
-      </p:sp>
-    </p:spTree>
-  </p:cSld>
-  <p:clrMapOvr>
-    <a:masterClrMapping/>
-  </p:clrMapOvr>
-</p:sld>
-</file>
-
-<file path=ppt/slides/slide3.xml><?xml version="1.0" encoding="utf-8"?>
-<p:sld xmlns:a="http://schemas.openxmlformats.org/drawingml/2006/main" xmlns:r="http://schemas.openxmlformats.org/officeDocument/2006/relationships" xmlns:p="http://schemas.openxmlformats.org/presentationml/2006/main">
-  <p:cSld>
-    <p:spTree>
-      <p:nvGrpSpPr>
-        <p:cNvPr id="1" name=""/>
-        <p:cNvGrpSpPr/>
-        <p:nvPr/>
-      </p:nvGrpSpPr>
-      <p:grpSpPr>
-        <a:xfrm>
-          <a:off x="0" y="0"/>
-          <a:ext cx="0" cy="0"/>
-          <a:chOff x="0" y="0"/>
-          <a:chExt cx="0" cy="0"/>
-        </a:xfrm>
-      </p:grpSpPr>
-      <p:sp>
-        <p:nvSpPr>
-          <p:cNvPr id="2" name="Заголовок 1"/>
-          <p:cNvSpPr>
-            <a:spLocks noGrp="1"/>
-          </p:cNvSpPr>
-          <p:nvPr>
-            <p:ph type="title"/>
-          </p:nvPr>
-        </p:nvSpPr>
-        <p:spPr/>
-        <p:txBody>
-          <a:bodyPr/>
-          <a:lstStyle/>
-          <a:p>
-            <a:r>
-              <a:rPr lang="ru-RU" dirty="0" smtClean="0"/>
-              <a:t>Постановка задачи</a:t>
-            </a:r>
-            <a:endParaRPr lang="en-US" dirty="0"/>
-          </a:p>
-        </p:txBody>
-      </p:sp>
-      <p:sp>
-        <p:nvSpPr>
-          <p:cNvPr id="3" name="Содержимое 2"/>
-          <p:cNvSpPr>
-            <a:spLocks noGrp="1"/>
-          </p:cNvSpPr>
-          <p:nvPr>
-            <p:ph idx="1"/>
-          </p:nvPr>
-        </p:nvSpPr>
-        <p:spPr/>
-        <p:txBody>
-          <a:bodyPr/>
-          <a:lstStyle/>
-          <a:p>
-            <a:r>
-              <a:rPr lang="ru-RU" dirty="0" smtClean="0"/>
-              <a:t>Ознакомиться с предметной областью «Поиск оптимальных решений».</a:t>
-            </a:r>
-          </a:p>
-          <a:p>
-            <a:r>
-              <a:rPr lang="ru-RU" dirty="0"/>
-              <a:t>Разработать программу, которая будет искать глобальный оптимум функции с помощью одного из нескольких методов и визуализировать процесс поиска</a:t>
-            </a:r>
-            <a:r>
-              <a:rPr lang="ru-RU" dirty="0" smtClean="0"/>
-              <a:t>.</a:t>
-            </a:r>
-            <a:endParaRPr lang="ru-RU" dirty="0" smtClean="0"/>
-          </a:p>
-          <a:p>
-            <a:r>
-              <a:rPr lang="ru-RU" dirty="0" smtClean="0"/>
-              <a:t>Получить навыки командной работы.</a:t>
-            </a:r>
-          </a:p>
-          <a:p>
-            <a:r>
-              <a:rPr lang="ru-RU" dirty="0" smtClean="0"/>
-              <a:t>Получить опыт в </a:t>
-            </a:r>
-            <a:r>
-              <a:rPr lang="ru-RU" dirty="0"/>
-              <a:t>реализации и практического использования ряда структур </a:t>
-            </a:r>
-            <a:r>
-              <a:rPr lang="ru-RU" dirty="0" smtClean="0"/>
-              <a:t>данных.</a:t>
-            </a:r>
-            <a:endParaRPr lang="ru-RU" dirty="0" smtClean="0"/>
-          </a:p>
-        </p:txBody>
-      </p:sp>
-      <p:sp>
-        <p:nvSpPr>
-          <p:cNvPr id="6" name="Дата 5"/>
-          <p:cNvSpPr>
-            <a:spLocks noGrp="1"/>
-          </p:cNvSpPr>
-          <p:nvPr>
-            <p:ph type="dt" sz="half" idx="2"/>
-          </p:nvPr>
-        </p:nvSpPr>
-        <p:spPr/>
-        <p:txBody>
-          <a:bodyPr/>
-          <a:lstStyle/>
-          <a:p>
-            <a:pPr>
-              <a:defRPr/>
-            </a:pPr>
-            <a:r>
-              <a:rPr lang="ru-RU" smtClean="0"/>
-              <a:t>Нижний Новгород, 2017 г.</a:t>
-            </a:r>
-            <a:endParaRPr lang="ru-RU" dirty="0"/>
-          </a:p>
-        </p:txBody>
-      </p:sp>
-      <p:sp>
-        <p:nvSpPr>
-          <p:cNvPr id="7" name="Номер слайда 6"/>
-          <p:cNvSpPr>
-            <a:spLocks noGrp="1"/>
-          </p:cNvSpPr>
-          <p:nvPr>
-            <p:ph type="sldNum" sz="quarter" idx="4"/>
-          </p:nvPr>
-        </p:nvSpPr>
-        <p:spPr/>
-        <p:txBody>
-          <a:bodyPr/>
-          <a:lstStyle/>
-          <a:p>
-            <a:pPr>
-              <a:defRPr/>
-            </a:pPr>
-            <a:fld id="{4F2367BF-7A57-4F5A-B357-719264272D2E}" type="slidenum">
-              <a:rPr lang="ru-RU" smtClean="0"/>
-              <a:pPr>
-                <a:defRPr/>
-              </a:pPr>
-              <a:t>3</a:t>
-            </a:fld>
-            <a:endParaRPr lang="ru-RU" dirty="0"/>
-          </a:p>
-        </p:txBody>
-      </p:sp>
-      <p:sp>
-        <p:nvSpPr>
-          <p:cNvPr id="8" name="Нижний колонтитул 7"/>
-          <p:cNvSpPr>
-            <a:spLocks noGrp="1"/>
-          </p:cNvSpPr>
-          <p:nvPr>
-            <p:ph type="ftr" sz="quarter" idx="3"/>
-          </p:nvPr>
-        </p:nvSpPr>
-        <p:spPr/>
-        <p:txBody>
-          <a:bodyPr/>
-          <a:lstStyle/>
-          <a:p>
-            <a:pPr>
-              <a:defRPr/>
-            </a:pPr>
-            <a:r>
-              <a:rPr lang="ru-RU" smtClean="0"/>
-              <a:t>Мини-проект по глобальной оптимизации</a:t>
-            </a:r>
-            <a:endParaRPr lang="ru-RU" dirty="0"/>
-          </a:p>
-        </p:txBody>
-      </p:sp>
-    </p:spTree>
-  </p:cSld>
-  <p:clrMapOvr>
-    <a:masterClrMapping/>
-  </p:clrMapOvr>
-</p:sld>
-</file>
-
-<file path=ppt/slides/slide4.xml><?xml version="1.0" encoding="utf-8"?>
-<p:sld xmlns:a="http://schemas.openxmlformats.org/drawingml/2006/main" xmlns:r="http://schemas.openxmlformats.org/officeDocument/2006/relationships" xmlns:p="http://schemas.openxmlformats.org/presentationml/2006/main">
-  <p:cSld>
-    <p:spTree>
-      <p:nvGrpSpPr>
-        <p:cNvPr id="1" name=""/>
-        <p:cNvGrpSpPr/>
-        <p:nvPr/>
-      </p:nvGrpSpPr>
-      <p:grpSpPr>
-        <a:xfrm>
-          <a:off x="0" y="0"/>
-          <a:ext cx="0" cy="0"/>
-          <a:chOff x="0" y="0"/>
-          <a:chExt cx="0" cy="0"/>
-        </a:xfrm>
-      </p:grpSpPr>
-      <p:sp>
-        <p:nvSpPr>
-          <p:cNvPr id="2" name="Заголовок 1"/>
-          <p:cNvSpPr>
-            <a:spLocks noGrp="1"/>
-          </p:cNvSpPr>
-          <p:nvPr>
-            <p:ph type="title"/>
-          </p:nvPr>
-        </p:nvSpPr>
-        <p:spPr/>
-        <p:txBody>
-          <a:bodyPr/>
-          <a:lstStyle/>
-          <a:p>
-            <a:r>
-              <a:rPr lang="ru-RU" dirty="0"/>
-              <a:t>Методы глобальной </a:t>
-            </a:r>
-            <a:r>
-              <a:rPr lang="ru-RU" dirty="0" smtClean="0"/>
-              <a:t>оптимизации</a:t>
-            </a:r>
-            <a:endParaRPr lang="ru-RU" dirty="0"/>
-          </a:p>
-        </p:txBody>
-      </p:sp>
-      <p:sp>
-        <p:nvSpPr>
-          <p:cNvPr id="3" name="Содержимое 2"/>
-          <p:cNvSpPr>
-            <a:spLocks noGrp="1"/>
-          </p:cNvSpPr>
-          <p:nvPr>
-            <p:ph idx="1"/>
-          </p:nvPr>
-        </p:nvSpPr>
-        <p:spPr/>
-        <p:txBody>
-          <a:bodyPr/>
-          <a:lstStyle/>
-          <a:p>
-            <a:endParaRPr lang="ru-RU" dirty="0" smtClean="0"/>
-          </a:p>
-        </p:txBody>
-      </p:sp>
-      <p:sp>
-        <p:nvSpPr>
-          <p:cNvPr id="6" name="Дата 5"/>
-          <p:cNvSpPr>
-            <a:spLocks noGrp="1"/>
-          </p:cNvSpPr>
-          <p:nvPr>
-            <p:ph type="dt" sz="half" idx="2"/>
-          </p:nvPr>
-        </p:nvSpPr>
-        <p:spPr/>
-        <p:txBody>
-          <a:bodyPr/>
-          <a:lstStyle/>
-          <a:p>
-            <a:pPr>
-              <a:defRPr/>
-            </a:pPr>
-            <a:r>
-              <a:rPr lang="ru-RU" smtClean="0"/>
-              <a:t>Нижний Новгород, 2017 г.</a:t>
-            </a:r>
-            <a:endParaRPr lang="ru-RU" dirty="0"/>
-          </a:p>
-        </p:txBody>
-      </p:sp>
-      <p:sp>
-        <p:nvSpPr>
-          <p:cNvPr id="7" name="Номер слайда 6"/>
-          <p:cNvSpPr>
-            <a:spLocks noGrp="1"/>
-          </p:cNvSpPr>
-          <p:nvPr>
-            <p:ph type="sldNum" sz="quarter" idx="4"/>
-          </p:nvPr>
-        </p:nvSpPr>
-        <p:spPr/>
-        <p:txBody>
-          <a:bodyPr/>
-          <a:lstStyle/>
-          <a:p>
-            <a:pPr>
-              <a:defRPr/>
-            </a:pPr>
-            <a:fld id="{4F2367BF-7A57-4F5A-B357-719264272D2E}" type="slidenum">
-              <a:rPr lang="ru-RU" smtClean="0"/>
-              <a:pPr>
-                <a:defRPr/>
-              </a:pPr>
-              <a:t>4</a:t>
-            </a:fld>
-            <a:endParaRPr lang="ru-RU" dirty="0"/>
-          </a:p>
-        </p:txBody>
-      </p:sp>
-      <p:sp>
-        <p:nvSpPr>
-          <p:cNvPr id="8" name="Нижний колонтитул 7"/>
-          <p:cNvSpPr>
-            <a:spLocks noGrp="1"/>
-          </p:cNvSpPr>
-          <p:nvPr>
-            <p:ph type="ftr" sz="quarter" idx="3"/>
-          </p:nvPr>
-        </p:nvSpPr>
-        <p:spPr/>
-        <p:txBody>
-          <a:bodyPr/>
-          <a:lstStyle/>
-          <a:p>
-            <a:pPr>
-              <a:defRPr/>
-            </a:pPr>
-            <a:r>
-              <a:rPr lang="ru-RU" smtClean="0"/>
-              <a:t>Мини-проект по глобальной оптимизации</a:t>
-            </a:r>
-            <a:endParaRPr lang="ru-RU" dirty="0"/>
-          </a:p>
-        </p:txBody>
-      </p:sp>
-    </p:spTree>
-    <p:extLst>
-      <p:ext uri="{BB962C8B-B14F-4D97-AF65-F5344CB8AC3E}">
-        <p14:creationId xmlns:p14="http://schemas.microsoft.com/office/powerpoint/2010/main" val="233036638"/>
-      </p:ext>
-    </p:extLst>
-  </p:cSld>
-  <p:clrMapOvr>
-    <a:masterClrMapping/>
-  </p:clrMapOvr>
-</p:sld>
-</file>
-
-<file path=ppt/slides/slide5.xml><?xml version="1.0" encoding="utf-8"?>
-<p:sld xmlns:a="http://schemas.openxmlformats.org/drawingml/2006/main" xmlns:r="http://schemas.openxmlformats.org/officeDocument/2006/relationships" xmlns:p="http://schemas.openxmlformats.org/presentationml/2006/main">
-  <p:cSld>
-    <p:spTree>
-      <p:nvGrpSpPr>
-        <p:cNvPr id="1" name=""/>
-        <p:cNvGrpSpPr/>
-        <p:nvPr/>
-      </p:nvGrpSpPr>
-      <p:grpSpPr>
-        <a:xfrm>
-          <a:off x="0" y="0"/>
-          <a:ext cx="0" cy="0"/>
-          <a:chOff x="0" y="0"/>
-          <a:chExt cx="0" cy="0"/>
-        </a:xfrm>
-      </p:grpSpPr>
-      <p:sp>
-        <p:nvSpPr>
-          <p:cNvPr id="2" name="Заголовок 1"/>
-          <p:cNvSpPr>
-            <a:spLocks noGrp="1"/>
-          </p:cNvSpPr>
-          <p:nvPr>
-            <p:ph type="title"/>
-          </p:nvPr>
-        </p:nvSpPr>
-        <p:spPr/>
-        <p:txBody>
-          <a:bodyPr/>
-          <a:lstStyle/>
-          <a:p>
-            <a:r>
-              <a:rPr lang="ru-RU" dirty="0" smtClean="0"/>
-              <a:t>Архитектура </a:t>
-            </a:r>
-            <a:r>
-              <a:rPr lang="ru-RU" dirty="0"/>
-              <a:t>программной </a:t>
-            </a:r>
-            <a:r>
-              <a:rPr lang="ru-RU" dirty="0" smtClean="0"/>
-              <a:t>системы</a:t>
-            </a:r>
-            <a:endParaRPr lang="ru-RU" dirty="0"/>
-          </a:p>
-        </p:txBody>
-      </p:sp>
-      <p:sp>
-        <p:nvSpPr>
-          <p:cNvPr id="3" name="Содержимое 2"/>
-          <p:cNvSpPr>
-            <a:spLocks noGrp="1"/>
-          </p:cNvSpPr>
-          <p:nvPr>
-            <p:ph idx="1"/>
-          </p:nvPr>
-        </p:nvSpPr>
-        <p:spPr/>
-        <p:txBody>
-          <a:bodyPr/>
-          <a:lstStyle/>
-          <a:p>
-            <a:endParaRPr lang="ru-RU" dirty="0" smtClean="0"/>
-          </a:p>
-        </p:txBody>
-      </p:sp>
-      <p:sp>
-        <p:nvSpPr>
-          <p:cNvPr id="6" name="Дата 5"/>
-          <p:cNvSpPr>
-            <a:spLocks noGrp="1"/>
-          </p:cNvSpPr>
-          <p:nvPr>
-            <p:ph type="dt" sz="half" idx="2"/>
-          </p:nvPr>
-        </p:nvSpPr>
-        <p:spPr/>
-        <p:txBody>
-          <a:bodyPr/>
-          <a:lstStyle/>
-          <a:p>
-            <a:pPr>
-              <a:defRPr/>
-            </a:pPr>
-            <a:r>
-              <a:rPr lang="ru-RU" smtClean="0"/>
-              <a:t>Нижний Новгород, 2017 г.</a:t>
-            </a:r>
-            <a:endParaRPr lang="ru-RU" dirty="0"/>
-          </a:p>
-        </p:txBody>
-      </p:sp>
-      <p:sp>
-        <p:nvSpPr>
-          <p:cNvPr id="7" name="Номер слайда 6"/>
-          <p:cNvSpPr>
-            <a:spLocks noGrp="1"/>
-          </p:cNvSpPr>
-          <p:nvPr>
-            <p:ph type="sldNum" sz="quarter" idx="4"/>
-          </p:nvPr>
-        </p:nvSpPr>
-        <p:spPr/>
-        <p:txBody>
-          <a:bodyPr/>
-          <a:lstStyle/>
-          <a:p>
-            <a:pPr>
-              <a:defRPr/>
-            </a:pPr>
-            <a:fld id="{4F2367BF-7A57-4F5A-B357-719264272D2E}" type="slidenum">
-              <a:rPr lang="ru-RU" smtClean="0"/>
-              <a:pPr>
-                <a:defRPr/>
-              </a:pPr>
-              <a:t>5</a:t>
-            </a:fld>
-            <a:endParaRPr lang="ru-RU" dirty="0"/>
-          </a:p>
-        </p:txBody>
-      </p:sp>
-      <p:sp>
-        <p:nvSpPr>
-          <p:cNvPr id="8" name="Нижний колонтитул 7"/>
-          <p:cNvSpPr>
-            <a:spLocks noGrp="1"/>
-          </p:cNvSpPr>
-          <p:nvPr>
-            <p:ph type="ftr" sz="quarter" idx="3"/>
-          </p:nvPr>
-        </p:nvSpPr>
-        <p:spPr/>
-        <p:txBody>
-          <a:bodyPr/>
-          <a:lstStyle/>
-          <a:p>
-            <a:pPr>
-              <a:defRPr/>
-            </a:pPr>
-            <a:r>
-              <a:rPr lang="ru-RU" smtClean="0"/>
-              <a:t>Мини-проект по глобальной оптимизации</a:t>
-            </a:r>
-            <a:endParaRPr lang="ru-RU" dirty="0"/>
-          </a:p>
-        </p:txBody>
-      </p:sp>
-    </p:spTree>
-    <p:extLst>
-      <p:ext uri="{BB962C8B-B14F-4D97-AF65-F5344CB8AC3E}">
-        <p14:creationId xmlns:p14="http://schemas.microsoft.com/office/powerpoint/2010/main" val="987333209"/>
-      </p:ext>
-    </p:extLst>
-  </p:cSld>
-  <p:clrMapOvr>
-    <a:masterClrMapping/>
-  </p:clrMapOvr>
-</p:sld>
-</file>
-
-<file path=ppt/slides/slide6.xml><?xml version="1.0" encoding="utf-8"?>
-<p:sld xmlns:a="http://schemas.openxmlformats.org/drawingml/2006/main" xmlns:r="http://schemas.openxmlformats.org/officeDocument/2006/relationships" xmlns:p="http://schemas.openxmlformats.org/presentationml/2006/main">
-  <p:cSld>
-    <p:spTree>
-      <p:nvGrpSpPr>
-        <p:cNvPr id="1" name=""/>
-        <p:cNvGrpSpPr/>
-        <p:nvPr/>
-      </p:nvGrpSpPr>
-      <p:grpSpPr>
-        <a:xfrm>
-          <a:off x="0" y="0"/>
-          <a:ext cx="0" cy="0"/>
-          <a:chOff x="0" y="0"/>
-          <a:chExt cx="0" cy="0"/>
-        </a:xfrm>
-      </p:grpSpPr>
-      <p:sp>
-        <p:nvSpPr>
-          <p:cNvPr id="2" name="Заголовок 1"/>
-          <p:cNvSpPr>
-            <a:spLocks noGrp="1"/>
-          </p:cNvSpPr>
-          <p:nvPr>
-            <p:ph type="title"/>
-          </p:nvPr>
-        </p:nvSpPr>
-        <p:spPr/>
-        <p:txBody>
-          <a:bodyPr/>
-          <a:lstStyle/>
-          <a:p>
-            <a:r>
-              <a:rPr lang="ru-RU" dirty="0" smtClean="0"/>
-              <a:t>Реализация компонент</a:t>
-            </a:r>
-            <a:endParaRPr lang="ru-RU" dirty="0"/>
-          </a:p>
-        </p:txBody>
-      </p:sp>
-      <p:sp>
-        <p:nvSpPr>
-          <p:cNvPr id="3" name="Содержимое 2"/>
-          <p:cNvSpPr>
-            <a:spLocks noGrp="1"/>
-          </p:cNvSpPr>
-          <p:nvPr>
-            <p:ph idx="1"/>
-          </p:nvPr>
-        </p:nvSpPr>
-        <p:spPr/>
-        <p:txBody>
-          <a:bodyPr/>
-          <a:lstStyle/>
-          <a:p>
-            <a:endParaRPr lang="ru-RU" dirty="0" smtClean="0"/>
-          </a:p>
-        </p:txBody>
-      </p:sp>
-      <p:sp>
-        <p:nvSpPr>
-          <p:cNvPr id="6" name="Дата 5"/>
-          <p:cNvSpPr>
-            <a:spLocks noGrp="1"/>
-          </p:cNvSpPr>
-          <p:nvPr>
-            <p:ph type="dt" sz="half" idx="2"/>
-          </p:nvPr>
-        </p:nvSpPr>
-        <p:spPr/>
-        <p:txBody>
-          <a:bodyPr/>
-          <a:lstStyle/>
-          <a:p>
-            <a:pPr>
-              <a:defRPr/>
-            </a:pPr>
-            <a:r>
-              <a:rPr lang="ru-RU" smtClean="0"/>
-              <a:t>Нижний Новгород, 2017 г.</a:t>
-            </a:r>
-            <a:endParaRPr lang="ru-RU" dirty="0"/>
-          </a:p>
-        </p:txBody>
-      </p:sp>
-      <p:sp>
-        <p:nvSpPr>
-          <p:cNvPr id="7" name="Номер слайда 6"/>
-          <p:cNvSpPr>
-            <a:spLocks noGrp="1"/>
-          </p:cNvSpPr>
-          <p:nvPr>
-            <p:ph type="sldNum" sz="quarter" idx="4"/>
-          </p:nvPr>
-        </p:nvSpPr>
-        <p:spPr/>
-        <p:txBody>
-          <a:bodyPr/>
-          <a:lstStyle/>
-          <a:p>
-            <a:pPr>
-              <a:defRPr/>
-            </a:pPr>
-            <a:fld id="{4F2367BF-7A57-4F5A-B357-719264272D2E}" type="slidenum">
-              <a:rPr lang="ru-RU" smtClean="0"/>
-              <a:pPr>
-                <a:defRPr/>
-              </a:pPr>
-              <a:t>6</a:t>
-            </a:fld>
-            <a:endParaRPr lang="ru-RU" dirty="0"/>
-          </a:p>
-        </p:txBody>
-      </p:sp>
-      <p:sp>
-        <p:nvSpPr>
-          <p:cNvPr id="8" name="Нижний колонтитул 7"/>
-          <p:cNvSpPr>
-            <a:spLocks noGrp="1"/>
-          </p:cNvSpPr>
-          <p:nvPr>
-            <p:ph type="ftr" sz="quarter" idx="3"/>
-          </p:nvPr>
-        </p:nvSpPr>
-        <p:spPr/>
-        <p:txBody>
-          <a:bodyPr/>
-          <a:lstStyle/>
-          <a:p>
-            <a:pPr>
-              <a:defRPr/>
-            </a:pPr>
-            <a:r>
-              <a:rPr lang="ru-RU" smtClean="0"/>
-              <a:t>Мини-проект по глобальной оптимизации</a:t>
-            </a:r>
-            <a:endParaRPr lang="ru-RU" dirty="0"/>
-          </a:p>
-        </p:txBody>
-      </p:sp>
-    </p:spTree>
-    <p:extLst>
-      <p:ext uri="{BB962C8B-B14F-4D97-AF65-F5344CB8AC3E}">
-        <p14:creationId xmlns:p14="http://schemas.microsoft.com/office/powerpoint/2010/main" val="1020934698"/>
-      </p:ext>
-    </p:extLst>
-  </p:cSld>
-  <p:clrMapOvr>
-    <a:masterClrMapping/>
-  </p:clrMapOvr>
-</p:sld>
-</file>
-
-<file path=ppt/slides/slide7.xml><?xml version="1.0" encoding="utf-8"?>
-<p:sld xmlns:a="http://schemas.openxmlformats.org/drawingml/2006/main" xmlns:r="http://schemas.openxmlformats.org/officeDocument/2006/relationships" xmlns:p="http://schemas.openxmlformats.org/presentationml/2006/main">
-  <p:cSld>
-    <p:spTree>
-      <p:nvGrpSpPr>
-        <p:cNvPr id="1" name=""/>
-        <p:cNvGrpSpPr/>
-        <p:nvPr/>
-      </p:nvGrpSpPr>
-      <p:grpSpPr>
-        <a:xfrm>
-          <a:off x="0" y="0"/>
-          <a:ext cx="0" cy="0"/>
-          <a:chOff x="0" y="0"/>
-          <a:chExt cx="0" cy="0"/>
-        </a:xfrm>
-      </p:grpSpPr>
-      <p:sp>
-        <p:nvSpPr>
-          <p:cNvPr id="2" name="Заголовок 1"/>
-          <p:cNvSpPr>
-            <a:spLocks noGrp="1"/>
-          </p:cNvSpPr>
-          <p:nvPr>
-            <p:ph type="title"/>
-          </p:nvPr>
-        </p:nvSpPr>
-        <p:spPr/>
-        <p:txBody>
-          <a:bodyPr/>
-          <a:lstStyle/>
-          <a:p>
-            <a:r>
-              <a:rPr lang="ru-RU" dirty="0" smtClean="0"/>
-              <a:t>Хранилище поисковой информации</a:t>
-            </a:r>
-            <a:endParaRPr lang="ru-RU" dirty="0"/>
-          </a:p>
-        </p:txBody>
-      </p:sp>
-      <p:sp>
-        <p:nvSpPr>
-          <p:cNvPr id="3" name="Объект 2"/>
-          <p:cNvSpPr>
-            <a:spLocks noGrp="1"/>
-          </p:cNvSpPr>
-          <p:nvPr>
-            <p:ph idx="1"/>
-          </p:nvPr>
-        </p:nvSpPr>
-        <p:spPr/>
-        <p:txBody>
-          <a:bodyPr/>
-          <a:lstStyle/>
-          <a:p>
-            <a:r>
-              <a:rPr lang="ru-RU" dirty="0" smtClean="0"/>
-              <a:t>Для реализации данной компоненты было предложено рассмотреть несколько структур данных: массив, список, дерево. Проанализировав сложность основных операций пришли к выводу, что для решения нашей задачи понадобится АВЛ-дерево.</a:t>
-            </a:r>
-            <a:r>
-              <a:rPr lang="en-US" dirty="0" smtClean="0"/>
-              <a:t> </a:t>
-            </a:r>
-            <a:endParaRPr lang="ru-RU" dirty="0" smtClean="0"/>
-          </a:p>
-          <a:p>
-            <a:r>
-              <a:rPr lang="ru-RU" dirty="0" smtClean="0"/>
-              <a:t>Выбранная структура данных используется для построения графика введенной функции.</a:t>
-            </a:r>
-          </a:p>
-          <a:p>
-            <a:endParaRPr lang="ru-RU" dirty="0"/>
-          </a:p>
-        </p:txBody>
-      </p:sp>
-      <p:sp>
-        <p:nvSpPr>
-          <p:cNvPr id="4" name="Дата 3"/>
-          <p:cNvSpPr>
-            <a:spLocks noGrp="1"/>
-          </p:cNvSpPr>
-          <p:nvPr>
-            <p:ph type="dt" sz="half" idx="2"/>
-          </p:nvPr>
-        </p:nvSpPr>
-        <p:spPr/>
-        <p:txBody>
-          <a:bodyPr/>
-          <a:lstStyle/>
-          <a:p>
-            <a:pPr>
-              <a:lnSpc>
-                <a:spcPct val="150000"/>
-              </a:lnSpc>
-              <a:defRPr/>
-            </a:pPr>
-            <a:r>
-              <a:rPr lang="ru-RU" smtClean="0"/>
-              <a:t>Нижний Новгород, 2017 г.</a:t>
-            </a:r>
-            <a:endParaRPr lang="ru-RU" dirty="0"/>
-          </a:p>
-        </p:txBody>
-      </p:sp>
-      <p:sp>
-        <p:nvSpPr>
-          <p:cNvPr id="5" name="Нижний колонтитул 4"/>
-          <p:cNvSpPr>
-            <a:spLocks noGrp="1"/>
-          </p:cNvSpPr>
-          <p:nvPr>
-            <p:ph type="ftr" sz="quarter" idx="3"/>
-          </p:nvPr>
-        </p:nvSpPr>
-        <p:spPr/>
-        <p:txBody>
-          <a:bodyPr/>
-          <a:lstStyle/>
-          <a:p>
-            <a:pPr>
-              <a:lnSpc>
-                <a:spcPct val="150000"/>
-              </a:lnSpc>
-              <a:defRPr/>
-            </a:pPr>
-            <a:r>
-              <a:rPr lang="ru-RU" smtClean="0"/>
-              <a:t>Мини-проект по глобальной оптимизации</a:t>
-            </a:r>
-            <a:endParaRPr lang="ru-RU" dirty="0" smtClean="0"/>
-          </a:p>
-        </p:txBody>
-      </p:sp>
-      <p:sp>
-        <p:nvSpPr>
-          <p:cNvPr id="6" name="Номер слайда 5"/>
-          <p:cNvSpPr>
-            <a:spLocks noGrp="1"/>
-          </p:cNvSpPr>
-          <p:nvPr>
-            <p:ph type="sldNum" sz="quarter" idx="4"/>
-          </p:nvPr>
-        </p:nvSpPr>
-        <p:spPr/>
-        <p:txBody>
-          <a:bodyPr/>
-          <a:lstStyle/>
-          <a:p>
-            <a:pPr>
-              <a:defRPr/>
-            </a:pPr>
-            <a:fld id="{4F2367BF-7A57-4F5A-B357-719264272D2E}" type="slidenum">
-              <a:rPr lang="ru-RU" smtClean="0"/>
-              <a:pPr>
-                <a:defRPr/>
-              </a:pPr>
-              <a:t>7</a:t>
+              <a:t>11</a:t>
             </a:fld>
             <a:endParaRPr lang="ru-RU" dirty="0"/>
           </a:p>
@@ -4468,7 +3825,7 @@
 </p:sld>
 </file>
 
-<file path=ppt/slides/slide8.xml><?xml version="1.0" encoding="utf-8"?>
+<file path=ppt/slides/slide12.xml><?xml version="1.0" encoding="utf-8"?>
 <p:sld xmlns:a="http://schemas.openxmlformats.org/drawingml/2006/main" xmlns:r="http://schemas.openxmlformats.org/officeDocument/2006/relationships" xmlns:p="http://schemas.openxmlformats.org/presentationml/2006/main">
   <p:cSld>
     <p:spTree>
@@ -5262,7 +4619,7 @@
               <a:pPr>
                 <a:defRPr/>
               </a:pPr>
-              <a:t>8</a:t>
+              <a:t>12</a:t>
             </a:fld>
             <a:endParaRPr lang="ru-RU" dirty="0"/>
           </a:p>
@@ -5278,6 +4635,2713 @@
   <p:clrMapOvr>
     <a:masterClrMapping/>
   </p:clrMapOvr>
+</p:sld>
+</file>
+
+<file path=ppt/slides/slide13.xml><?xml version="1.0" encoding="utf-8"?>
+<p:sld xmlns:a="http://schemas.openxmlformats.org/drawingml/2006/main" xmlns:r="http://schemas.openxmlformats.org/officeDocument/2006/relationships" xmlns:p="http://schemas.openxmlformats.org/presentationml/2006/main">
+  <p:cSld>
+    <p:spTree>
+      <p:nvGrpSpPr>
+        <p:cNvPr id="1" name=""/>
+        <p:cNvGrpSpPr/>
+        <p:nvPr/>
+      </p:nvGrpSpPr>
+      <p:grpSpPr>
+        <a:xfrm>
+          <a:off x="0" y="0"/>
+          <a:ext cx="0" cy="0"/>
+          <a:chOff x="0" y="0"/>
+          <a:chExt cx="0" cy="0"/>
+        </a:xfrm>
+      </p:grpSpPr>
+      <p:sp>
+        <p:nvSpPr>
+          <p:cNvPr id="2" name="Заголовок 1"/>
+          <p:cNvSpPr>
+            <a:spLocks noGrp="1"/>
+          </p:cNvSpPr>
+          <p:nvPr>
+            <p:ph type="title"/>
+          </p:nvPr>
+        </p:nvSpPr>
+        <p:spPr/>
+        <p:txBody>
+          <a:bodyPr/>
+          <a:lstStyle/>
+          <a:p>
+            <a:r>
+              <a:rPr lang="ru-RU" dirty="0" smtClean="0"/>
+              <a:t>Результаты </a:t>
+            </a:r>
+            <a:r>
+              <a:rPr lang="ru-RU" dirty="0"/>
+              <a:t>вычислительных экспериментов</a:t>
+            </a:r>
+          </a:p>
+        </p:txBody>
+      </p:sp>
+      <p:sp>
+        <p:nvSpPr>
+          <p:cNvPr id="3" name="Содержимое 2"/>
+          <p:cNvSpPr>
+            <a:spLocks noGrp="1"/>
+          </p:cNvSpPr>
+          <p:nvPr>
+            <p:ph idx="1"/>
+          </p:nvPr>
+        </p:nvSpPr>
+        <p:spPr/>
+        <p:txBody>
+          <a:bodyPr/>
+          <a:lstStyle/>
+          <a:p>
+            <a:endParaRPr lang="ru-RU" dirty="0" smtClean="0"/>
+          </a:p>
+        </p:txBody>
+      </p:sp>
+      <p:sp>
+        <p:nvSpPr>
+          <p:cNvPr id="6" name="Дата 5"/>
+          <p:cNvSpPr>
+            <a:spLocks noGrp="1"/>
+          </p:cNvSpPr>
+          <p:nvPr>
+            <p:ph type="dt" sz="half" idx="2"/>
+          </p:nvPr>
+        </p:nvSpPr>
+        <p:spPr/>
+        <p:txBody>
+          <a:bodyPr/>
+          <a:lstStyle/>
+          <a:p>
+            <a:pPr>
+              <a:defRPr/>
+            </a:pPr>
+            <a:r>
+              <a:rPr lang="ru-RU" smtClean="0"/>
+              <a:t>Нижний Новгород, 2017 г.</a:t>
+            </a:r>
+            <a:endParaRPr lang="ru-RU" dirty="0"/>
+          </a:p>
+        </p:txBody>
+      </p:sp>
+      <p:sp>
+        <p:nvSpPr>
+          <p:cNvPr id="7" name="Номер слайда 6"/>
+          <p:cNvSpPr>
+            <a:spLocks noGrp="1"/>
+          </p:cNvSpPr>
+          <p:nvPr>
+            <p:ph type="sldNum" sz="quarter" idx="4"/>
+          </p:nvPr>
+        </p:nvSpPr>
+        <p:spPr/>
+        <p:txBody>
+          <a:bodyPr/>
+          <a:lstStyle/>
+          <a:p>
+            <a:pPr>
+              <a:defRPr/>
+            </a:pPr>
+            <a:fld id="{4F2367BF-7A57-4F5A-B357-719264272D2E}" type="slidenum">
+              <a:rPr lang="ru-RU" smtClean="0"/>
+              <a:pPr>
+                <a:defRPr/>
+              </a:pPr>
+              <a:t>13</a:t>
+            </a:fld>
+            <a:endParaRPr lang="ru-RU" dirty="0"/>
+          </a:p>
+        </p:txBody>
+      </p:sp>
+      <p:sp>
+        <p:nvSpPr>
+          <p:cNvPr id="8" name="Нижний колонтитул 7"/>
+          <p:cNvSpPr>
+            <a:spLocks noGrp="1"/>
+          </p:cNvSpPr>
+          <p:nvPr>
+            <p:ph type="ftr" sz="quarter" idx="3"/>
+          </p:nvPr>
+        </p:nvSpPr>
+        <p:spPr/>
+        <p:txBody>
+          <a:bodyPr/>
+          <a:lstStyle/>
+          <a:p>
+            <a:pPr>
+              <a:defRPr/>
+            </a:pPr>
+            <a:r>
+              <a:rPr lang="ru-RU" smtClean="0"/>
+              <a:t>Мини-проект по глобальной оптимизации</a:t>
+            </a:r>
+            <a:endParaRPr lang="ru-RU" dirty="0"/>
+          </a:p>
+        </p:txBody>
+      </p:sp>
+    </p:spTree>
+    <p:extLst>
+      <p:ext uri="{BB962C8B-B14F-4D97-AF65-F5344CB8AC3E}">
+        <p14:creationId xmlns:p14="http://schemas.microsoft.com/office/powerpoint/2010/main" val="49049457"/>
+      </p:ext>
+    </p:extLst>
+  </p:cSld>
+  <p:clrMapOvr>
+    <a:masterClrMapping/>
+  </p:clrMapOvr>
+</p:sld>
+</file>
+
+<file path=ppt/slides/slide14.xml><?xml version="1.0" encoding="utf-8"?>
+<p:sld xmlns:a="http://schemas.openxmlformats.org/drawingml/2006/main" xmlns:r="http://schemas.openxmlformats.org/officeDocument/2006/relationships" xmlns:p="http://schemas.openxmlformats.org/presentationml/2006/main">
+  <p:cSld>
+    <p:spTree>
+      <p:nvGrpSpPr>
+        <p:cNvPr id="1" name=""/>
+        <p:cNvGrpSpPr/>
+        <p:nvPr/>
+      </p:nvGrpSpPr>
+      <p:grpSpPr>
+        <a:xfrm>
+          <a:off x="0" y="0"/>
+          <a:ext cx="0" cy="0"/>
+          <a:chOff x="0" y="0"/>
+          <a:chExt cx="0" cy="0"/>
+        </a:xfrm>
+      </p:grpSpPr>
+      <p:sp>
+        <p:nvSpPr>
+          <p:cNvPr id="2" name="Заголовок 1"/>
+          <p:cNvSpPr>
+            <a:spLocks noGrp="1"/>
+          </p:cNvSpPr>
+          <p:nvPr>
+            <p:ph type="title"/>
+          </p:nvPr>
+        </p:nvSpPr>
+        <p:spPr/>
+        <p:txBody>
+          <a:bodyPr/>
+          <a:lstStyle/>
+          <a:p>
+            <a:r>
+              <a:rPr lang="ru-RU" dirty="0" smtClean="0"/>
+              <a:t>Спасибо за внимание!</a:t>
+            </a:r>
+            <a:endParaRPr lang="en-US" dirty="0"/>
+          </a:p>
+        </p:txBody>
+      </p:sp>
+      <p:sp>
+        <p:nvSpPr>
+          <p:cNvPr id="3" name="Содержимое 2"/>
+          <p:cNvSpPr>
+            <a:spLocks noGrp="1"/>
+          </p:cNvSpPr>
+          <p:nvPr>
+            <p:ph idx="1"/>
+          </p:nvPr>
+        </p:nvSpPr>
+        <p:spPr/>
+        <p:txBody>
+          <a:bodyPr/>
+          <a:lstStyle/>
+          <a:p>
+            <a:pPr algn="just"/>
+            <a:endParaRPr lang="ru-RU" dirty="0" smtClean="0"/>
+          </a:p>
+          <a:p>
+            <a:pPr algn="just"/>
+            <a:endParaRPr lang="ru-RU" dirty="0"/>
+          </a:p>
+          <a:p>
+            <a:pPr algn="just"/>
+            <a:endParaRPr lang="ru-RU" dirty="0" smtClean="0"/>
+          </a:p>
+          <a:p>
+            <a:pPr algn="just"/>
+            <a:endParaRPr lang="ru-RU" dirty="0"/>
+          </a:p>
+          <a:p>
+            <a:pPr marL="0" indent="0" algn="ctr">
+              <a:buNone/>
+            </a:pPr>
+            <a:r>
+              <a:rPr lang="ru-RU" sz="3600" dirty="0" smtClean="0"/>
+              <a:t>Вопросы?</a:t>
+            </a:r>
+            <a:endParaRPr lang="en-US" sz="3600" dirty="0"/>
+          </a:p>
+        </p:txBody>
+      </p:sp>
+      <p:sp>
+        <p:nvSpPr>
+          <p:cNvPr id="6" name="Дата 5"/>
+          <p:cNvSpPr>
+            <a:spLocks noGrp="1"/>
+          </p:cNvSpPr>
+          <p:nvPr>
+            <p:ph type="dt" sz="half" idx="2"/>
+          </p:nvPr>
+        </p:nvSpPr>
+        <p:spPr/>
+        <p:txBody>
+          <a:bodyPr/>
+          <a:lstStyle/>
+          <a:p>
+            <a:pPr>
+              <a:defRPr/>
+            </a:pPr>
+            <a:r>
+              <a:rPr lang="ru-RU" smtClean="0"/>
+              <a:t>Нижний Новгород, 2017 г.</a:t>
+            </a:r>
+            <a:endParaRPr lang="ru-RU" dirty="0"/>
+          </a:p>
+        </p:txBody>
+      </p:sp>
+      <p:sp>
+        <p:nvSpPr>
+          <p:cNvPr id="7" name="Номер слайда 6"/>
+          <p:cNvSpPr>
+            <a:spLocks noGrp="1"/>
+          </p:cNvSpPr>
+          <p:nvPr>
+            <p:ph type="sldNum" sz="quarter" idx="4"/>
+          </p:nvPr>
+        </p:nvSpPr>
+        <p:spPr/>
+        <p:txBody>
+          <a:bodyPr/>
+          <a:lstStyle/>
+          <a:p>
+            <a:pPr>
+              <a:defRPr/>
+            </a:pPr>
+            <a:fld id="{4F2367BF-7A57-4F5A-B357-719264272D2E}" type="slidenum">
+              <a:rPr lang="ru-RU" smtClean="0"/>
+              <a:pPr>
+                <a:defRPr/>
+              </a:pPr>
+              <a:t>14</a:t>
+            </a:fld>
+            <a:endParaRPr lang="ru-RU" dirty="0"/>
+          </a:p>
+        </p:txBody>
+      </p:sp>
+      <p:sp>
+        <p:nvSpPr>
+          <p:cNvPr id="8" name="Нижний колонтитул 7"/>
+          <p:cNvSpPr>
+            <a:spLocks noGrp="1"/>
+          </p:cNvSpPr>
+          <p:nvPr>
+            <p:ph type="ftr" sz="quarter" idx="3"/>
+          </p:nvPr>
+        </p:nvSpPr>
+        <p:spPr/>
+        <p:txBody>
+          <a:bodyPr/>
+          <a:lstStyle/>
+          <a:p>
+            <a:pPr>
+              <a:defRPr/>
+            </a:pPr>
+            <a:r>
+              <a:rPr lang="ru-RU" smtClean="0"/>
+              <a:t>Мини-проект по глобальной оптимизации</a:t>
+            </a:r>
+            <a:endParaRPr lang="ru-RU" dirty="0"/>
+          </a:p>
+        </p:txBody>
+      </p:sp>
+    </p:spTree>
+  </p:cSld>
+  <p:clrMapOvr>
+    <a:masterClrMapping/>
+  </p:clrMapOvr>
+</p:sld>
+</file>
+
+<file path=ppt/slides/slide2.xml><?xml version="1.0" encoding="utf-8"?>
+<p:sld xmlns:a="http://schemas.openxmlformats.org/drawingml/2006/main" xmlns:r="http://schemas.openxmlformats.org/officeDocument/2006/relationships" xmlns:p="http://schemas.openxmlformats.org/presentationml/2006/main">
+  <p:cSld>
+    <p:spTree>
+      <p:nvGrpSpPr>
+        <p:cNvPr id="1" name=""/>
+        <p:cNvGrpSpPr/>
+        <p:nvPr/>
+      </p:nvGrpSpPr>
+      <p:grpSpPr>
+        <a:xfrm>
+          <a:off x="0" y="0"/>
+          <a:ext cx="0" cy="0"/>
+          <a:chOff x="0" y="0"/>
+          <a:chExt cx="0" cy="0"/>
+        </a:xfrm>
+      </p:grpSpPr>
+      <p:sp>
+        <p:nvSpPr>
+          <p:cNvPr id="2" name="Заголовок 1"/>
+          <p:cNvSpPr>
+            <a:spLocks noGrp="1"/>
+          </p:cNvSpPr>
+          <p:nvPr>
+            <p:ph type="title"/>
+          </p:nvPr>
+        </p:nvSpPr>
+        <p:spPr/>
+        <p:txBody>
+          <a:bodyPr/>
+          <a:lstStyle/>
+          <a:p>
+            <a:r>
+              <a:rPr lang="ru-RU" dirty="0" smtClean="0"/>
+              <a:t>Содержание</a:t>
+            </a:r>
+            <a:endParaRPr lang="en-US" dirty="0"/>
+          </a:p>
+        </p:txBody>
+      </p:sp>
+      <p:sp>
+        <p:nvSpPr>
+          <p:cNvPr id="3" name="Содержимое 2"/>
+          <p:cNvSpPr>
+            <a:spLocks noGrp="1"/>
+          </p:cNvSpPr>
+          <p:nvPr>
+            <p:ph idx="1"/>
+          </p:nvPr>
+        </p:nvSpPr>
+        <p:spPr/>
+        <p:txBody>
+          <a:bodyPr/>
+          <a:lstStyle/>
+          <a:p>
+            <a:r>
+              <a:rPr lang="ru-RU" dirty="0" smtClean="0"/>
+              <a:t>Постановка задачи</a:t>
+            </a:r>
+          </a:p>
+          <a:p>
+            <a:r>
+              <a:rPr lang="ru-RU" dirty="0" smtClean="0"/>
+              <a:t>Методы глобальной оптимизации</a:t>
+            </a:r>
+          </a:p>
+          <a:p>
+            <a:r>
+              <a:rPr lang="ru-RU" dirty="0"/>
+              <a:t>Архитектура </a:t>
+            </a:r>
+            <a:r>
+              <a:rPr lang="ru-RU" dirty="0" smtClean="0"/>
+              <a:t>программной системы</a:t>
+            </a:r>
+          </a:p>
+          <a:p>
+            <a:r>
+              <a:rPr lang="ru-RU" dirty="0" smtClean="0"/>
+              <a:t>Реализация компонент</a:t>
+            </a:r>
+          </a:p>
+          <a:p>
+            <a:r>
+              <a:rPr lang="ru-RU" dirty="0" smtClean="0"/>
+              <a:t>Результаты вычислительных экспериментов</a:t>
+            </a:r>
+          </a:p>
+        </p:txBody>
+      </p:sp>
+      <p:sp>
+        <p:nvSpPr>
+          <p:cNvPr id="6" name="Дата 5"/>
+          <p:cNvSpPr>
+            <a:spLocks noGrp="1"/>
+          </p:cNvSpPr>
+          <p:nvPr>
+            <p:ph type="dt" sz="half" idx="2"/>
+          </p:nvPr>
+        </p:nvSpPr>
+        <p:spPr/>
+        <p:txBody>
+          <a:bodyPr/>
+          <a:lstStyle/>
+          <a:p>
+            <a:pPr>
+              <a:defRPr/>
+            </a:pPr>
+            <a:r>
+              <a:rPr lang="ru-RU" smtClean="0"/>
+              <a:t>Нижний Новгород, 2017 г.</a:t>
+            </a:r>
+            <a:endParaRPr lang="ru-RU" dirty="0"/>
+          </a:p>
+        </p:txBody>
+      </p:sp>
+      <p:sp>
+        <p:nvSpPr>
+          <p:cNvPr id="7" name="Номер слайда 6"/>
+          <p:cNvSpPr>
+            <a:spLocks noGrp="1"/>
+          </p:cNvSpPr>
+          <p:nvPr>
+            <p:ph type="sldNum" sz="quarter" idx="4"/>
+          </p:nvPr>
+        </p:nvSpPr>
+        <p:spPr/>
+        <p:txBody>
+          <a:bodyPr/>
+          <a:lstStyle/>
+          <a:p>
+            <a:pPr>
+              <a:defRPr/>
+            </a:pPr>
+            <a:fld id="{4F2367BF-7A57-4F5A-B357-719264272D2E}" type="slidenum">
+              <a:rPr lang="ru-RU" smtClean="0"/>
+              <a:pPr>
+                <a:defRPr/>
+              </a:pPr>
+              <a:t>2</a:t>
+            </a:fld>
+            <a:endParaRPr lang="ru-RU" dirty="0"/>
+          </a:p>
+        </p:txBody>
+      </p:sp>
+      <p:sp>
+        <p:nvSpPr>
+          <p:cNvPr id="8" name="Нижний колонтитул 7"/>
+          <p:cNvSpPr>
+            <a:spLocks noGrp="1"/>
+          </p:cNvSpPr>
+          <p:nvPr>
+            <p:ph type="ftr" sz="quarter" idx="3"/>
+          </p:nvPr>
+        </p:nvSpPr>
+        <p:spPr/>
+        <p:txBody>
+          <a:bodyPr/>
+          <a:lstStyle/>
+          <a:p>
+            <a:pPr>
+              <a:defRPr/>
+            </a:pPr>
+            <a:r>
+              <a:rPr lang="ru-RU" smtClean="0"/>
+              <a:t>Мини-проект по глобальной оптимизации</a:t>
+            </a:r>
+            <a:endParaRPr lang="ru-RU" dirty="0"/>
+          </a:p>
+        </p:txBody>
+      </p:sp>
+    </p:spTree>
+  </p:cSld>
+  <p:clrMapOvr>
+    <a:masterClrMapping/>
+  </p:clrMapOvr>
+</p:sld>
+</file>
+
+<file path=ppt/slides/slide3.xml><?xml version="1.0" encoding="utf-8"?>
+<p:sld xmlns:a="http://schemas.openxmlformats.org/drawingml/2006/main" xmlns:r="http://schemas.openxmlformats.org/officeDocument/2006/relationships" xmlns:p="http://schemas.openxmlformats.org/presentationml/2006/main">
+  <p:cSld>
+    <p:spTree>
+      <p:nvGrpSpPr>
+        <p:cNvPr id="1" name=""/>
+        <p:cNvGrpSpPr/>
+        <p:nvPr/>
+      </p:nvGrpSpPr>
+      <p:grpSpPr>
+        <a:xfrm>
+          <a:off x="0" y="0"/>
+          <a:ext cx="0" cy="0"/>
+          <a:chOff x="0" y="0"/>
+          <a:chExt cx="0" cy="0"/>
+        </a:xfrm>
+      </p:grpSpPr>
+      <p:sp>
+        <p:nvSpPr>
+          <p:cNvPr id="2" name="Заголовок 1"/>
+          <p:cNvSpPr>
+            <a:spLocks noGrp="1"/>
+          </p:cNvSpPr>
+          <p:nvPr>
+            <p:ph type="title"/>
+          </p:nvPr>
+        </p:nvSpPr>
+        <p:spPr/>
+        <p:txBody>
+          <a:bodyPr/>
+          <a:lstStyle/>
+          <a:p>
+            <a:r>
+              <a:rPr lang="ru-RU" dirty="0" smtClean="0"/>
+              <a:t>Постановка задачи</a:t>
+            </a:r>
+            <a:endParaRPr lang="en-US" dirty="0"/>
+          </a:p>
+        </p:txBody>
+      </p:sp>
+      <p:sp>
+        <p:nvSpPr>
+          <p:cNvPr id="3" name="Содержимое 2"/>
+          <p:cNvSpPr>
+            <a:spLocks noGrp="1"/>
+          </p:cNvSpPr>
+          <p:nvPr>
+            <p:ph idx="1"/>
+          </p:nvPr>
+        </p:nvSpPr>
+        <p:spPr/>
+        <p:txBody>
+          <a:bodyPr/>
+          <a:lstStyle/>
+          <a:p>
+            <a:r>
+              <a:rPr lang="ru-RU" dirty="0" smtClean="0"/>
+              <a:t>Ознакомиться с предметной областью «Поиск оптимальных решений».</a:t>
+            </a:r>
+          </a:p>
+          <a:p>
+            <a:r>
+              <a:rPr lang="ru-RU" dirty="0"/>
+              <a:t>Разработать программу, которая будет искать глобальный оптимум функции с помощью одного из нескольких методов и визуализировать процесс поиска</a:t>
+            </a:r>
+            <a:r>
+              <a:rPr lang="ru-RU" dirty="0" smtClean="0"/>
+              <a:t>.</a:t>
+            </a:r>
+            <a:endParaRPr lang="ru-RU" dirty="0" smtClean="0"/>
+          </a:p>
+          <a:p>
+            <a:r>
+              <a:rPr lang="ru-RU" dirty="0" smtClean="0"/>
+              <a:t>Получить навыки командной работы.</a:t>
+            </a:r>
+          </a:p>
+          <a:p>
+            <a:r>
+              <a:rPr lang="ru-RU" dirty="0" smtClean="0"/>
+              <a:t>Получить опыт в </a:t>
+            </a:r>
+            <a:r>
+              <a:rPr lang="ru-RU" dirty="0"/>
+              <a:t>реализации и практического использования ряда структур </a:t>
+            </a:r>
+            <a:r>
+              <a:rPr lang="ru-RU" dirty="0" smtClean="0"/>
+              <a:t>данных.</a:t>
+            </a:r>
+            <a:endParaRPr lang="ru-RU" dirty="0" smtClean="0"/>
+          </a:p>
+        </p:txBody>
+      </p:sp>
+      <p:sp>
+        <p:nvSpPr>
+          <p:cNvPr id="6" name="Дата 5"/>
+          <p:cNvSpPr>
+            <a:spLocks noGrp="1"/>
+          </p:cNvSpPr>
+          <p:nvPr>
+            <p:ph type="dt" sz="half" idx="2"/>
+          </p:nvPr>
+        </p:nvSpPr>
+        <p:spPr/>
+        <p:txBody>
+          <a:bodyPr/>
+          <a:lstStyle/>
+          <a:p>
+            <a:pPr>
+              <a:defRPr/>
+            </a:pPr>
+            <a:r>
+              <a:rPr lang="ru-RU" smtClean="0"/>
+              <a:t>Нижний Новгород, 2017 г.</a:t>
+            </a:r>
+            <a:endParaRPr lang="ru-RU" dirty="0"/>
+          </a:p>
+        </p:txBody>
+      </p:sp>
+      <p:sp>
+        <p:nvSpPr>
+          <p:cNvPr id="7" name="Номер слайда 6"/>
+          <p:cNvSpPr>
+            <a:spLocks noGrp="1"/>
+          </p:cNvSpPr>
+          <p:nvPr>
+            <p:ph type="sldNum" sz="quarter" idx="4"/>
+          </p:nvPr>
+        </p:nvSpPr>
+        <p:spPr/>
+        <p:txBody>
+          <a:bodyPr/>
+          <a:lstStyle/>
+          <a:p>
+            <a:pPr>
+              <a:defRPr/>
+            </a:pPr>
+            <a:fld id="{4F2367BF-7A57-4F5A-B357-719264272D2E}" type="slidenum">
+              <a:rPr lang="ru-RU" smtClean="0"/>
+              <a:pPr>
+                <a:defRPr/>
+              </a:pPr>
+              <a:t>3</a:t>
+            </a:fld>
+            <a:endParaRPr lang="ru-RU" dirty="0"/>
+          </a:p>
+        </p:txBody>
+      </p:sp>
+      <p:sp>
+        <p:nvSpPr>
+          <p:cNvPr id="8" name="Нижний колонтитул 7"/>
+          <p:cNvSpPr>
+            <a:spLocks noGrp="1"/>
+          </p:cNvSpPr>
+          <p:nvPr>
+            <p:ph type="ftr" sz="quarter" idx="3"/>
+          </p:nvPr>
+        </p:nvSpPr>
+        <p:spPr/>
+        <p:txBody>
+          <a:bodyPr/>
+          <a:lstStyle/>
+          <a:p>
+            <a:pPr>
+              <a:defRPr/>
+            </a:pPr>
+            <a:r>
+              <a:rPr lang="ru-RU" smtClean="0"/>
+              <a:t>Мини-проект по глобальной оптимизации</a:t>
+            </a:r>
+            <a:endParaRPr lang="ru-RU" dirty="0"/>
+          </a:p>
+        </p:txBody>
+      </p:sp>
+    </p:spTree>
+  </p:cSld>
+  <p:clrMapOvr>
+    <a:masterClrMapping/>
+  </p:clrMapOvr>
+</p:sld>
+</file>
+
+<file path=ppt/slides/slide4.xml><?xml version="1.0" encoding="utf-8"?>
+<p:sld xmlns:a="http://schemas.openxmlformats.org/drawingml/2006/main" xmlns:r="http://schemas.openxmlformats.org/officeDocument/2006/relationships" xmlns:p="http://schemas.openxmlformats.org/presentationml/2006/main">
+  <p:cSld>
+    <p:spTree>
+      <p:nvGrpSpPr>
+        <p:cNvPr id="1" name=""/>
+        <p:cNvGrpSpPr/>
+        <p:nvPr/>
+      </p:nvGrpSpPr>
+      <p:grpSpPr>
+        <a:xfrm>
+          <a:off x="0" y="0"/>
+          <a:ext cx="0" cy="0"/>
+          <a:chOff x="0" y="0"/>
+          <a:chExt cx="0" cy="0"/>
+        </a:xfrm>
+      </p:grpSpPr>
+      <p:sp>
+        <p:nvSpPr>
+          <p:cNvPr id="2" name="Заголовок 1"/>
+          <p:cNvSpPr>
+            <a:spLocks noGrp="1"/>
+          </p:cNvSpPr>
+          <p:nvPr>
+            <p:ph type="title"/>
+          </p:nvPr>
+        </p:nvSpPr>
+        <p:spPr/>
+        <p:txBody>
+          <a:bodyPr/>
+          <a:lstStyle/>
+          <a:p>
+            <a:r>
+              <a:rPr lang="ru-RU" dirty="0"/>
+              <a:t>Методы глобальной </a:t>
+            </a:r>
+            <a:r>
+              <a:rPr lang="ru-RU" dirty="0" smtClean="0"/>
+              <a:t>оптимизации</a:t>
+            </a:r>
+            <a:endParaRPr lang="ru-RU" dirty="0"/>
+          </a:p>
+        </p:txBody>
+      </p:sp>
+      <p:sp>
+        <p:nvSpPr>
+          <p:cNvPr id="3" name="Содержимое 2"/>
+          <p:cNvSpPr>
+            <a:spLocks noGrp="1"/>
+          </p:cNvSpPr>
+          <p:nvPr>
+            <p:ph idx="1"/>
+          </p:nvPr>
+        </p:nvSpPr>
+        <p:spPr/>
+        <p:txBody>
+          <a:bodyPr/>
+          <a:lstStyle/>
+          <a:p>
+            <a:endParaRPr lang="ru-RU" dirty="0" smtClean="0"/>
+          </a:p>
+        </p:txBody>
+      </p:sp>
+      <p:sp>
+        <p:nvSpPr>
+          <p:cNvPr id="6" name="Дата 5"/>
+          <p:cNvSpPr>
+            <a:spLocks noGrp="1"/>
+          </p:cNvSpPr>
+          <p:nvPr>
+            <p:ph type="dt" sz="half" idx="2"/>
+          </p:nvPr>
+        </p:nvSpPr>
+        <p:spPr/>
+        <p:txBody>
+          <a:bodyPr/>
+          <a:lstStyle/>
+          <a:p>
+            <a:pPr>
+              <a:defRPr/>
+            </a:pPr>
+            <a:r>
+              <a:rPr lang="ru-RU" smtClean="0"/>
+              <a:t>Нижний Новгород, 2017 г.</a:t>
+            </a:r>
+            <a:endParaRPr lang="ru-RU" dirty="0"/>
+          </a:p>
+        </p:txBody>
+      </p:sp>
+      <p:sp>
+        <p:nvSpPr>
+          <p:cNvPr id="7" name="Номер слайда 6"/>
+          <p:cNvSpPr>
+            <a:spLocks noGrp="1"/>
+          </p:cNvSpPr>
+          <p:nvPr>
+            <p:ph type="sldNum" sz="quarter" idx="4"/>
+          </p:nvPr>
+        </p:nvSpPr>
+        <p:spPr/>
+        <p:txBody>
+          <a:bodyPr/>
+          <a:lstStyle/>
+          <a:p>
+            <a:pPr>
+              <a:defRPr/>
+            </a:pPr>
+            <a:fld id="{4F2367BF-7A57-4F5A-B357-719264272D2E}" type="slidenum">
+              <a:rPr lang="ru-RU" smtClean="0"/>
+              <a:pPr>
+                <a:defRPr/>
+              </a:pPr>
+              <a:t>4</a:t>
+            </a:fld>
+            <a:endParaRPr lang="ru-RU" dirty="0"/>
+          </a:p>
+        </p:txBody>
+      </p:sp>
+      <p:sp>
+        <p:nvSpPr>
+          <p:cNvPr id="8" name="Нижний колонтитул 7"/>
+          <p:cNvSpPr>
+            <a:spLocks noGrp="1"/>
+          </p:cNvSpPr>
+          <p:nvPr>
+            <p:ph type="ftr" sz="quarter" idx="3"/>
+          </p:nvPr>
+        </p:nvSpPr>
+        <p:spPr/>
+        <p:txBody>
+          <a:bodyPr/>
+          <a:lstStyle/>
+          <a:p>
+            <a:pPr>
+              <a:defRPr/>
+            </a:pPr>
+            <a:r>
+              <a:rPr lang="ru-RU" smtClean="0"/>
+              <a:t>Мини-проект по глобальной оптимизации</a:t>
+            </a:r>
+            <a:endParaRPr lang="ru-RU" dirty="0"/>
+          </a:p>
+        </p:txBody>
+      </p:sp>
+    </p:spTree>
+    <p:extLst>
+      <p:ext uri="{BB962C8B-B14F-4D97-AF65-F5344CB8AC3E}">
+        <p14:creationId xmlns:p14="http://schemas.microsoft.com/office/powerpoint/2010/main" val="233036638"/>
+      </p:ext>
+    </p:extLst>
+  </p:cSld>
+  <p:clrMapOvr>
+    <a:masterClrMapping/>
+  </p:clrMapOvr>
+</p:sld>
+</file>
+
+<file path=ppt/slides/slide5.xml><?xml version="1.0" encoding="utf-8"?>
+<p:sld xmlns:a="http://schemas.openxmlformats.org/drawingml/2006/main" xmlns:r="http://schemas.openxmlformats.org/officeDocument/2006/relationships" xmlns:p="http://schemas.openxmlformats.org/presentationml/2006/main">
+  <p:cSld>
+    <p:spTree>
+      <p:nvGrpSpPr>
+        <p:cNvPr id="1" name=""/>
+        <p:cNvGrpSpPr/>
+        <p:nvPr/>
+      </p:nvGrpSpPr>
+      <p:grpSpPr>
+        <a:xfrm>
+          <a:off x="0" y="0"/>
+          <a:ext cx="0" cy="0"/>
+          <a:chOff x="0" y="0"/>
+          <a:chExt cx="0" cy="0"/>
+        </a:xfrm>
+      </p:grpSpPr>
+      <p:sp>
+        <p:nvSpPr>
+          <p:cNvPr id="2" name="Заголовок 1"/>
+          <p:cNvSpPr>
+            <a:spLocks noGrp="1"/>
+          </p:cNvSpPr>
+          <p:nvPr>
+            <p:ph type="title"/>
+          </p:nvPr>
+        </p:nvSpPr>
+        <p:spPr/>
+        <p:txBody>
+          <a:bodyPr/>
+          <a:lstStyle/>
+          <a:p>
+            <a:r>
+              <a:rPr lang="ru-RU" dirty="0" smtClean="0"/>
+              <a:t>Метод ломанных</a:t>
+            </a:r>
+            <a:endParaRPr lang="ru-RU" dirty="0"/>
+          </a:p>
+        </p:txBody>
+      </p:sp>
+      <p:sp>
+        <p:nvSpPr>
+          <p:cNvPr id="3" name="Объект 2"/>
+          <p:cNvSpPr>
+            <a:spLocks noGrp="1"/>
+          </p:cNvSpPr>
+          <p:nvPr>
+            <p:ph idx="1"/>
+          </p:nvPr>
+        </p:nvSpPr>
+        <p:spPr/>
+        <p:txBody>
+          <a:bodyPr/>
+          <a:lstStyle/>
+          <a:p>
+            <a:r>
+              <a:rPr lang="ru-RU" sz="3200" dirty="0" smtClean="0"/>
+              <a:t>Характеристика интервала</a:t>
+            </a:r>
+            <a:r>
+              <a:rPr lang="en-US" sz="3200" dirty="0" smtClean="0"/>
+              <a:t> (x</a:t>
+            </a:r>
+            <a:r>
+              <a:rPr lang="en-US" sz="3200" baseline="-25000" dirty="0" smtClean="0"/>
+              <a:t>i-1,</a:t>
+            </a:r>
+            <a:r>
+              <a:rPr lang="en-US" sz="3200" dirty="0" smtClean="0"/>
+              <a:t> x</a:t>
+            </a:r>
+            <a:r>
+              <a:rPr lang="en-US" sz="3200" baseline="-25000" dirty="0" smtClean="0"/>
+              <a:t>i</a:t>
+            </a:r>
+            <a:r>
+              <a:rPr lang="en-US" sz="3200" dirty="0" smtClean="0"/>
+              <a:t>), 1 &lt; </a:t>
+            </a:r>
+            <a:r>
+              <a:rPr lang="en-US" sz="3200" dirty="0" err="1" smtClean="0"/>
+              <a:t>i</a:t>
+            </a:r>
+            <a:r>
+              <a:rPr lang="en-US" sz="3200" dirty="0" smtClean="0"/>
+              <a:t> </a:t>
+            </a:r>
+            <a:r>
+              <a:rPr lang="ru-RU" sz="3200" dirty="0" smtClean="0"/>
+              <a:t>≤</a:t>
+            </a:r>
+            <a:r>
+              <a:rPr lang="en-US" sz="3200" dirty="0" smtClean="0"/>
+              <a:t> k:</a:t>
+            </a:r>
+            <a:endParaRPr lang="en-US" sz="3200" dirty="0"/>
+          </a:p>
+          <a:p>
+            <a:pPr marL="0" indent="0">
+              <a:buNone/>
+            </a:pPr>
+            <a:r>
+              <a:rPr lang="en-US" sz="3200" dirty="0" smtClean="0"/>
+              <a:t>	R(</a:t>
+            </a:r>
+            <a:r>
+              <a:rPr lang="en-US" sz="3200" dirty="0" err="1" smtClean="0"/>
+              <a:t>i</a:t>
+            </a:r>
+            <a:r>
+              <a:rPr lang="en-US" sz="3200" dirty="0" smtClean="0"/>
+              <a:t>) = 0,5 * M * (x</a:t>
+            </a:r>
+            <a:r>
+              <a:rPr lang="en-US" sz="3200" baseline="-25000" dirty="0" smtClean="0"/>
+              <a:t>i</a:t>
+            </a:r>
+            <a:r>
+              <a:rPr lang="en-US" sz="3200" dirty="0" smtClean="0"/>
+              <a:t> – x</a:t>
+            </a:r>
+            <a:r>
+              <a:rPr lang="en-US" sz="3200" baseline="-25000" dirty="0" smtClean="0"/>
+              <a:t>i-1</a:t>
+            </a:r>
+            <a:r>
+              <a:rPr lang="en-US" sz="3200" dirty="0" smtClean="0"/>
+              <a:t>) – 0,5 * ( f(x</a:t>
+            </a:r>
+            <a:r>
+              <a:rPr lang="en-US" sz="3200" baseline="-25000" dirty="0" smtClean="0"/>
+              <a:t>i</a:t>
+            </a:r>
+            <a:r>
+              <a:rPr lang="en-US" sz="3200" dirty="0" smtClean="0"/>
+              <a:t>) + f(x</a:t>
+            </a:r>
+            <a:r>
+              <a:rPr lang="en-US" sz="3200" baseline="-25000" dirty="0" smtClean="0"/>
+              <a:t>i-1</a:t>
+            </a:r>
+            <a:r>
+              <a:rPr lang="en-US" sz="3200" dirty="0" smtClean="0"/>
+              <a:t>))</a:t>
+            </a:r>
+            <a:endParaRPr lang="ru-RU" sz="3200" dirty="0" smtClean="0"/>
+          </a:p>
+          <a:p>
+            <a:pPr marL="0" indent="0">
+              <a:buNone/>
+            </a:pPr>
+            <a:endParaRPr lang="en-US" sz="3200" dirty="0" smtClean="0"/>
+          </a:p>
+          <a:p>
+            <a:r>
+              <a:rPr lang="ru-RU" sz="3200" dirty="0" smtClean="0"/>
+              <a:t>Правило выбора точки нового испытания:</a:t>
+            </a:r>
+          </a:p>
+          <a:p>
+            <a:pPr marL="0" indent="0">
+              <a:buNone/>
+            </a:pPr>
+            <a:r>
+              <a:rPr lang="ru-RU" sz="3200" dirty="0"/>
+              <a:t>	</a:t>
+            </a:r>
+            <a:r>
+              <a:rPr lang="en-US" sz="3200" dirty="0" smtClean="0"/>
+              <a:t>x</a:t>
+            </a:r>
+            <a:r>
+              <a:rPr lang="en-US" sz="3200" baseline="30000" dirty="0" smtClean="0"/>
+              <a:t>k+1</a:t>
+            </a:r>
+            <a:r>
+              <a:rPr lang="en-US" sz="3200" dirty="0" smtClean="0"/>
+              <a:t> = </a:t>
+            </a:r>
+            <a:r>
+              <a:rPr lang="en-US" sz="3200" dirty="0"/>
+              <a:t>0,5 </a:t>
+            </a:r>
+            <a:r>
+              <a:rPr lang="en-US" sz="3200" dirty="0" smtClean="0"/>
+              <a:t>* </a:t>
+            </a:r>
+            <a:r>
+              <a:rPr lang="en-US" sz="3200" dirty="0"/>
+              <a:t>(</a:t>
+            </a:r>
+            <a:r>
+              <a:rPr lang="en-US" sz="3200" dirty="0" smtClean="0"/>
+              <a:t>x</a:t>
+            </a:r>
+            <a:r>
+              <a:rPr lang="en-US" sz="3200" baseline="-25000" dirty="0" smtClean="0"/>
+              <a:t>t-1</a:t>
+            </a:r>
+            <a:r>
+              <a:rPr lang="en-US" sz="3200" dirty="0" smtClean="0"/>
+              <a:t> + </a:t>
+            </a:r>
+            <a:r>
+              <a:rPr lang="en-US" sz="3200" dirty="0" err="1" smtClean="0"/>
+              <a:t>x</a:t>
+            </a:r>
+            <a:r>
+              <a:rPr lang="en-US" sz="3200" baseline="-25000" dirty="0" err="1"/>
+              <a:t>t</a:t>
+            </a:r>
+            <a:r>
+              <a:rPr lang="en-US" sz="3200" dirty="0" smtClean="0"/>
+              <a:t>) </a:t>
+            </a:r>
+            <a:r>
+              <a:rPr lang="en-US" sz="3200" dirty="0"/>
+              <a:t>– 0,5 * ( f(x</a:t>
+            </a:r>
+            <a:r>
+              <a:rPr lang="en-US" sz="3200" baseline="-25000" dirty="0"/>
+              <a:t>i</a:t>
+            </a:r>
+            <a:r>
+              <a:rPr lang="en-US" sz="3200" dirty="0"/>
+              <a:t>) </a:t>
+            </a:r>
+            <a:r>
+              <a:rPr lang="en-US" sz="3200" dirty="0" smtClean="0"/>
+              <a:t>- </a:t>
+            </a:r>
+            <a:r>
+              <a:rPr lang="en-US" sz="3200" dirty="0"/>
+              <a:t>f(x</a:t>
+            </a:r>
+            <a:r>
+              <a:rPr lang="en-US" sz="3200" baseline="-25000" dirty="0"/>
+              <a:t>i-1</a:t>
+            </a:r>
+            <a:r>
+              <a:rPr lang="en-US" sz="3200" dirty="0" smtClean="0"/>
+              <a:t>)) / M</a:t>
+            </a:r>
+            <a:endParaRPr lang="ru-RU" sz="3200" dirty="0" smtClean="0"/>
+          </a:p>
+          <a:p>
+            <a:pPr marL="0" indent="0">
+              <a:buNone/>
+            </a:pPr>
+            <a:endParaRPr lang="ru-RU" sz="3200" dirty="0" smtClean="0"/>
+          </a:p>
+          <a:p>
+            <a:r>
+              <a:rPr lang="en-US" sz="3200" dirty="0" smtClean="0"/>
+              <a:t>M –</a:t>
+            </a:r>
+            <a:r>
+              <a:rPr lang="ru-RU" sz="3200" dirty="0" smtClean="0"/>
+              <a:t> оценка константы Липшица функции </a:t>
+            </a:r>
+            <a:r>
+              <a:rPr lang="en-US" sz="3200" dirty="0" smtClean="0"/>
+              <a:t>f(x) </a:t>
+            </a:r>
+            <a:r>
+              <a:rPr lang="ru-RU" sz="3200" dirty="0" smtClean="0"/>
+              <a:t>на интервале </a:t>
+            </a:r>
+            <a:r>
+              <a:rPr lang="en-US" sz="3200" dirty="0" smtClean="0"/>
+              <a:t>[</a:t>
+            </a:r>
+            <a:r>
+              <a:rPr lang="en-US" sz="3200" dirty="0" err="1" smtClean="0"/>
+              <a:t>a,b</a:t>
+            </a:r>
+            <a:r>
+              <a:rPr lang="en-US" sz="3200" dirty="0" smtClean="0"/>
+              <a:t>]</a:t>
+            </a:r>
+            <a:endParaRPr lang="en-US" sz="3200" dirty="0"/>
+          </a:p>
+          <a:p>
+            <a:pPr marL="0" indent="0">
+              <a:buNone/>
+            </a:pPr>
+            <a:endParaRPr lang="en-US" dirty="0" smtClean="0"/>
+          </a:p>
+        </p:txBody>
+      </p:sp>
+      <p:sp>
+        <p:nvSpPr>
+          <p:cNvPr id="4" name="Дата 3"/>
+          <p:cNvSpPr>
+            <a:spLocks noGrp="1"/>
+          </p:cNvSpPr>
+          <p:nvPr>
+            <p:ph type="dt" sz="half" idx="2"/>
+          </p:nvPr>
+        </p:nvSpPr>
+        <p:spPr/>
+        <p:txBody>
+          <a:bodyPr/>
+          <a:lstStyle/>
+          <a:p>
+            <a:pPr>
+              <a:lnSpc>
+                <a:spcPct val="150000"/>
+              </a:lnSpc>
+              <a:defRPr/>
+            </a:pPr>
+            <a:r>
+              <a:rPr lang="ru-RU" smtClean="0"/>
+              <a:t>Нижний Новгород, 2017 г.</a:t>
+            </a:r>
+            <a:endParaRPr lang="ru-RU" dirty="0"/>
+          </a:p>
+        </p:txBody>
+      </p:sp>
+      <p:sp>
+        <p:nvSpPr>
+          <p:cNvPr id="5" name="Нижний колонтитул 4"/>
+          <p:cNvSpPr>
+            <a:spLocks noGrp="1"/>
+          </p:cNvSpPr>
+          <p:nvPr>
+            <p:ph type="ftr" sz="quarter" idx="3"/>
+          </p:nvPr>
+        </p:nvSpPr>
+        <p:spPr/>
+        <p:txBody>
+          <a:bodyPr/>
+          <a:lstStyle/>
+          <a:p>
+            <a:pPr>
+              <a:lnSpc>
+                <a:spcPct val="150000"/>
+              </a:lnSpc>
+              <a:defRPr/>
+            </a:pPr>
+            <a:r>
+              <a:rPr lang="ru-RU" smtClean="0"/>
+              <a:t>Мини-проект по глобальной оптимизации</a:t>
+            </a:r>
+            <a:endParaRPr lang="ru-RU" dirty="0" smtClean="0"/>
+          </a:p>
+        </p:txBody>
+      </p:sp>
+      <p:sp>
+        <p:nvSpPr>
+          <p:cNvPr id="6" name="Номер слайда 5"/>
+          <p:cNvSpPr>
+            <a:spLocks noGrp="1"/>
+          </p:cNvSpPr>
+          <p:nvPr>
+            <p:ph type="sldNum" sz="quarter" idx="4"/>
+          </p:nvPr>
+        </p:nvSpPr>
+        <p:spPr/>
+        <p:txBody>
+          <a:bodyPr/>
+          <a:lstStyle/>
+          <a:p>
+            <a:pPr>
+              <a:defRPr/>
+            </a:pPr>
+            <a:fld id="{4F2367BF-7A57-4F5A-B357-719264272D2E}" type="slidenum">
+              <a:rPr lang="ru-RU" smtClean="0"/>
+              <a:pPr>
+                <a:defRPr/>
+              </a:pPr>
+              <a:t>5</a:t>
+            </a:fld>
+            <a:endParaRPr lang="ru-RU" dirty="0"/>
+          </a:p>
+        </p:txBody>
+      </p:sp>
+    </p:spTree>
+    <p:extLst>
+      <p:ext uri="{BB962C8B-B14F-4D97-AF65-F5344CB8AC3E}">
+        <p14:creationId xmlns:p14="http://schemas.microsoft.com/office/powerpoint/2010/main" val="1428400317"/>
+      </p:ext>
+    </p:extLst>
+  </p:cSld>
+  <p:clrMapOvr>
+    <a:masterClrMapping/>
+  </p:clrMapOvr>
+  <p:timing>
+    <p:tnLst>
+      <p:par>
+        <p:cTn id="1" dur="indefinite" restart="never" nodeType="tmRoot"/>
+      </p:par>
+    </p:tnLst>
+  </p:timing>
+</p:sld>
+</file>
+
+<file path=ppt/slides/slide6.xml><?xml version="1.0" encoding="utf-8"?>
+<p:sld xmlns:a="http://schemas.openxmlformats.org/drawingml/2006/main" xmlns:r="http://schemas.openxmlformats.org/officeDocument/2006/relationships" xmlns:p="http://schemas.openxmlformats.org/presentationml/2006/main">
+  <p:cSld>
+    <p:spTree>
+      <p:nvGrpSpPr>
+        <p:cNvPr id="1" name=""/>
+        <p:cNvGrpSpPr/>
+        <p:nvPr/>
+      </p:nvGrpSpPr>
+      <p:grpSpPr>
+        <a:xfrm>
+          <a:off x="0" y="0"/>
+          <a:ext cx="0" cy="0"/>
+          <a:chOff x="0" y="0"/>
+          <a:chExt cx="0" cy="0"/>
+        </a:xfrm>
+      </p:grpSpPr>
+      <p:sp>
+        <p:nvSpPr>
+          <p:cNvPr id="2" name="Заголовок 1"/>
+          <p:cNvSpPr>
+            <a:spLocks noGrp="1"/>
+          </p:cNvSpPr>
+          <p:nvPr>
+            <p:ph type="title"/>
+          </p:nvPr>
+        </p:nvSpPr>
+        <p:spPr/>
+        <p:txBody>
+          <a:bodyPr/>
+          <a:lstStyle/>
+          <a:p>
+            <a:r>
+              <a:rPr lang="ru-RU" dirty="0" smtClean="0"/>
+              <a:t>Архитектура </a:t>
+            </a:r>
+            <a:r>
+              <a:rPr lang="ru-RU" dirty="0"/>
+              <a:t>программной </a:t>
+            </a:r>
+            <a:r>
+              <a:rPr lang="ru-RU" dirty="0" smtClean="0"/>
+              <a:t>системы</a:t>
+            </a:r>
+            <a:endParaRPr lang="ru-RU" dirty="0"/>
+          </a:p>
+        </p:txBody>
+      </p:sp>
+      <p:sp>
+        <p:nvSpPr>
+          <p:cNvPr id="3" name="Содержимое 2"/>
+          <p:cNvSpPr>
+            <a:spLocks noGrp="1"/>
+          </p:cNvSpPr>
+          <p:nvPr>
+            <p:ph idx="1"/>
+          </p:nvPr>
+        </p:nvSpPr>
+        <p:spPr/>
+        <p:txBody>
+          <a:bodyPr/>
+          <a:lstStyle/>
+          <a:p>
+            <a:r>
+              <a:rPr lang="en-US" dirty="0" smtClean="0"/>
+              <a:t>C++</a:t>
+            </a:r>
+          </a:p>
+          <a:p>
+            <a:pPr marL="0" indent="0">
+              <a:buNone/>
+            </a:pPr>
+            <a:endParaRPr lang="en-US" dirty="0" smtClean="0"/>
+          </a:p>
+          <a:p>
+            <a:pPr marL="0" indent="0">
+              <a:buNone/>
+            </a:pPr>
+            <a:endParaRPr lang="en-US" dirty="0"/>
+          </a:p>
+          <a:p>
+            <a:pPr marL="0" indent="0">
+              <a:buNone/>
+            </a:pPr>
+            <a:endParaRPr lang="en-US" dirty="0"/>
+          </a:p>
+          <a:p>
+            <a:endParaRPr lang="en-US" dirty="0" smtClean="0"/>
+          </a:p>
+          <a:p>
+            <a:endParaRPr lang="en-US" dirty="0"/>
+          </a:p>
+          <a:p>
+            <a:endParaRPr lang="en-US" dirty="0" smtClean="0"/>
+          </a:p>
+          <a:p>
+            <a:r>
+              <a:rPr lang="en-US" dirty="0" smtClean="0"/>
+              <a:t>C#</a:t>
+            </a:r>
+            <a:endParaRPr lang="ru-RU" dirty="0" smtClean="0"/>
+          </a:p>
+        </p:txBody>
+      </p:sp>
+      <p:sp>
+        <p:nvSpPr>
+          <p:cNvPr id="6" name="Дата 5"/>
+          <p:cNvSpPr>
+            <a:spLocks noGrp="1"/>
+          </p:cNvSpPr>
+          <p:nvPr>
+            <p:ph type="dt" sz="half" idx="2"/>
+          </p:nvPr>
+        </p:nvSpPr>
+        <p:spPr/>
+        <p:txBody>
+          <a:bodyPr/>
+          <a:lstStyle/>
+          <a:p>
+            <a:pPr>
+              <a:defRPr/>
+            </a:pPr>
+            <a:r>
+              <a:rPr lang="ru-RU" smtClean="0"/>
+              <a:t>Нижний Новгород, 2017 г.</a:t>
+            </a:r>
+            <a:endParaRPr lang="ru-RU" dirty="0"/>
+          </a:p>
+        </p:txBody>
+      </p:sp>
+      <p:sp>
+        <p:nvSpPr>
+          <p:cNvPr id="7" name="Номер слайда 6"/>
+          <p:cNvSpPr>
+            <a:spLocks noGrp="1"/>
+          </p:cNvSpPr>
+          <p:nvPr>
+            <p:ph type="sldNum" sz="quarter" idx="4"/>
+          </p:nvPr>
+        </p:nvSpPr>
+        <p:spPr/>
+        <p:txBody>
+          <a:bodyPr/>
+          <a:lstStyle/>
+          <a:p>
+            <a:pPr>
+              <a:defRPr/>
+            </a:pPr>
+            <a:fld id="{4F2367BF-7A57-4F5A-B357-719264272D2E}" type="slidenum">
+              <a:rPr lang="ru-RU" smtClean="0"/>
+              <a:pPr>
+                <a:defRPr/>
+              </a:pPr>
+              <a:t>6</a:t>
+            </a:fld>
+            <a:endParaRPr lang="ru-RU" dirty="0"/>
+          </a:p>
+        </p:txBody>
+      </p:sp>
+      <p:sp>
+        <p:nvSpPr>
+          <p:cNvPr id="8" name="Нижний колонтитул 7"/>
+          <p:cNvSpPr>
+            <a:spLocks noGrp="1"/>
+          </p:cNvSpPr>
+          <p:nvPr>
+            <p:ph type="ftr" sz="quarter" idx="3"/>
+          </p:nvPr>
+        </p:nvSpPr>
+        <p:spPr/>
+        <p:txBody>
+          <a:bodyPr/>
+          <a:lstStyle/>
+          <a:p>
+            <a:pPr>
+              <a:defRPr/>
+            </a:pPr>
+            <a:r>
+              <a:rPr lang="ru-RU" smtClean="0"/>
+              <a:t>Мини-проект по глобальной оптимизации</a:t>
+            </a:r>
+            <a:endParaRPr lang="ru-RU" dirty="0"/>
+          </a:p>
+        </p:txBody>
+      </p:sp>
+      <p:sp>
+        <p:nvSpPr>
+          <p:cNvPr id="9" name="TextBox 8"/>
+          <p:cNvSpPr txBox="1"/>
+          <p:nvPr/>
+        </p:nvSpPr>
+        <p:spPr>
+          <a:xfrm>
+            <a:off x="4227380" y="1036187"/>
+            <a:ext cx="1951867" cy="646331"/>
+          </a:xfrm>
+          <a:prstGeom prst="rect">
+            <a:avLst/>
+          </a:prstGeom>
+          <a:noFill/>
+          <a:ln>
+            <a:solidFill>
+              <a:schemeClr val="tx1"/>
+            </a:solidFill>
+          </a:ln>
+        </p:spPr>
+        <p:txBody>
+          <a:bodyPr wrap="square" rtlCol="0">
+            <a:spAutoFit/>
+          </a:bodyPr>
+          <a:lstStyle/>
+          <a:p>
+            <a:pPr algn="ctr"/>
+            <a:r>
+              <a:rPr lang="ru-RU" b="1" dirty="0" smtClean="0"/>
+              <a:t>Класс - ретранслятор</a:t>
+            </a:r>
+            <a:endParaRPr lang="ru-RU" b="1" dirty="0"/>
+          </a:p>
+        </p:txBody>
+      </p:sp>
+      <p:sp>
+        <p:nvSpPr>
+          <p:cNvPr id="10" name="TextBox 9"/>
+          <p:cNvSpPr txBox="1"/>
+          <p:nvPr/>
+        </p:nvSpPr>
+        <p:spPr>
+          <a:xfrm>
+            <a:off x="1820085" y="1788439"/>
+            <a:ext cx="1656184" cy="923330"/>
+          </a:xfrm>
+          <a:prstGeom prst="rect">
+            <a:avLst/>
+          </a:prstGeom>
+          <a:noFill/>
+          <a:ln>
+            <a:solidFill>
+              <a:schemeClr val="tx1"/>
+            </a:solidFill>
+          </a:ln>
+        </p:spPr>
+        <p:txBody>
+          <a:bodyPr wrap="square" rtlCol="0">
+            <a:spAutoFit/>
+          </a:bodyPr>
+          <a:lstStyle/>
+          <a:p>
+            <a:pPr algn="ctr"/>
+            <a:r>
+              <a:rPr lang="ru-RU" b="1" dirty="0" smtClean="0"/>
+              <a:t>Хранилище поисковой информации</a:t>
+            </a:r>
+            <a:endParaRPr lang="ru-RU" b="1" dirty="0"/>
+          </a:p>
+        </p:txBody>
+      </p:sp>
+      <p:sp>
+        <p:nvSpPr>
+          <p:cNvPr id="11" name="TextBox 10"/>
+          <p:cNvSpPr txBox="1"/>
+          <p:nvPr/>
+        </p:nvSpPr>
+        <p:spPr>
+          <a:xfrm>
+            <a:off x="4535128" y="2064872"/>
+            <a:ext cx="1336372" cy="369332"/>
+          </a:xfrm>
+          <a:prstGeom prst="rect">
+            <a:avLst/>
+          </a:prstGeom>
+          <a:noFill/>
+          <a:ln>
+            <a:solidFill>
+              <a:schemeClr val="tx1"/>
+            </a:solidFill>
+          </a:ln>
+        </p:spPr>
+        <p:txBody>
+          <a:bodyPr wrap="square" rtlCol="0">
+            <a:spAutoFit/>
+          </a:bodyPr>
+          <a:lstStyle/>
+          <a:p>
+            <a:pPr algn="ctr"/>
+            <a:r>
+              <a:rPr lang="ru-RU" b="1" i="1" dirty="0" smtClean="0"/>
+              <a:t>Методы</a:t>
+            </a:r>
+            <a:endParaRPr lang="ru-RU" b="1" i="1" dirty="0"/>
+          </a:p>
+        </p:txBody>
+      </p:sp>
+      <p:sp>
+        <p:nvSpPr>
+          <p:cNvPr id="12" name="TextBox 11"/>
+          <p:cNvSpPr txBox="1"/>
+          <p:nvPr/>
+        </p:nvSpPr>
+        <p:spPr>
+          <a:xfrm>
+            <a:off x="6696273" y="1154825"/>
+            <a:ext cx="3024335" cy="307777"/>
+          </a:xfrm>
+          <a:prstGeom prst="rect">
+            <a:avLst/>
+          </a:prstGeom>
+          <a:noFill/>
+          <a:ln>
+            <a:solidFill>
+              <a:schemeClr val="tx1"/>
+            </a:solidFill>
+          </a:ln>
+        </p:spPr>
+        <p:txBody>
+          <a:bodyPr wrap="square" rtlCol="0">
+            <a:spAutoFit/>
+          </a:bodyPr>
+          <a:lstStyle/>
+          <a:p>
+            <a:pPr algn="ctr"/>
+            <a:r>
+              <a:rPr lang="ru-RU" sz="1400" b="1" dirty="0" smtClean="0"/>
+              <a:t>Алгоритм глобального поиска</a:t>
+            </a:r>
+            <a:endParaRPr lang="ru-RU" sz="1400" b="1" dirty="0"/>
+          </a:p>
+        </p:txBody>
+      </p:sp>
+      <p:sp>
+        <p:nvSpPr>
+          <p:cNvPr id="13" name="TextBox 12"/>
+          <p:cNvSpPr txBox="1"/>
+          <p:nvPr/>
+        </p:nvSpPr>
+        <p:spPr>
+          <a:xfrm>
+            <a:off x="6670225" y="1647809"/>
+            <a:ext cx="3024335" cy="307777"/>
+          </a:xfrm>
+          <a:prstGeom prst="rect">
+            <a:avLst/>
+          </a:prstGeom>
+          <a:noFill/>
+          <a:ln>
+            <a:solidFill>
+              <a:schemeClr val="tx1"/>
+            </a:solidFill>
+          </a:ln>
+        </p:spPr>
+        <p:txBody>
+          <a:bodyPr wrap="square" rtlCol="0">
+            <a:spAutoFit/>
+          </a:bodyPr>
+          <a:lstStyle/>
+          <a:p>
+            <a:pPr algn="ctr"/>
+            <a:r>
+              <a:rPr lang="ru-RU" sz="1400" b="1" dirty="0" smtClean="0"/>
+              <a:t>Метод ломанных</a:t>
+            </a:r>
+            <a:endParaRPr lang="ru-RU" sz="1400" b="1" dirty="0"/>
+          </a:p>
+        </p:txBody>
+      </p:sp>
+      <p:sp>
+        <p:nvSpPr>
+          <p:cNvPr id="15" name="TextBox 14"/>
+          <p:cNvSpPr txBox="1"/>
+          <p:nvPr/>
+        </p:nvSpPr>
+        <p:spPr>
+          <a:xfrm>
+            <a:off x="6662216" y="2178345"/>
+            <a:ext cx="3024335" cy="338554"/>
+          </a:xfrm>
+          <a:prstGeom prst="rect">
+            <a:avLst/>
+          </a:prstGeom>
+          <a:noFill/>
+          <a:ln>
+            <a:solidFill>
+              <a:schemeClr val="tx1"/>
+            </a:solidFill>
+          </a:ln>
+        </p:spPr>
+        <p:txBody>
+          <a:bodyPr wrap="square" rtlCol="0">
+            <a:spAutoFit/>
+          </a:bodyPr>
+          <a:lstStyle/>
+          <a:p>
+            <a:pPr algn="ctr"/>
+            <a:r>
+              <a:rPr lang="ru-RU" sz="1600" b="1" dirty="0" smtClean="0"/>
+              <a:t>Метод Кушнера</a:t>
+            </a:r>
+            <a:endParaRPr lang="ru-RU" sz="1600" b="1" dirty="0"/>
+          </a:p>
+        </p:txBody>
+      </p:sp>
+      <p:sp>
+        <p:nvSpPr>
+          <p:cNvPr id="16" name="TextBox 15"/>
+          <p:cNvSpPr txBox="1"/>
+          <p:nvPr/>
+        </p:nvSpPr>
+        <p:spPr>
+          <a:xfrm>
+            <a:off x="6681193" y="2848414"/>
+            <a:ext cx="3024335" cy="584775"/>
+          </a:xfrm>
+          <a:prstGeom prst="rect">
+            <a:avLst/>
+          </a:prstGeom>
+          <a:noFill/>
+          <a:ln>
+            <a:solidFill>
+              <a:schemeClr val="tx1"/>
+            </a:solidFill>
+          </a:ln>
+        </p:spPr>
+        <p:txBody>
+          <a:bodyPr wrap="square" rtlCol="0">
+            <a:spAutoFit/>
+          </a:bodyPr>
+          <a:lstStyle/>
+          <a:p>
+            <a:pPr algn="ctr"/>
+            <a:r>
+              <a:rPr lang="ru-RU" sz="1600" b="1" dirty="0" smtClean="0"/>
+              <a:t>Монотонный алгоритм глобального поиска</a:t>
+            </a:r>
+            <a:endParaRPr lang="ru-RU" sz="1600" b="1" dirty="0"/>
+          </a:p>
+        </p:txBody>
+      </p:sp>
+      <p:cxnSp>
+        <p:nvCxnSpPr>
+          <p:cNvPr id="18" name="Прямая соединительная линия 17"/>
+          <p:cNvCxnSpPr/>
+          <p:nvPr/>
+        </p:nvCxnSpPr>
+        <p:spPr bwMode="auto">
+          <a:xfrm>
+            <a:off x="6249144" y="1309410"/>
+            <a:ext cx="0" cy="1831361"/>
+          </a:xfrm>
+          <a:prstGeom prst="line">
+            <a:avLst/>
+          </a:prstGeom>
+          <a:solidFill>
+            <a:schemeClr val="accent1"/>
+          </a:solidFill>
+          <a:ln w="9525" cap="flat" cmpd="sng" algn="ctr">
+            <a:solidFill>
+              <a:schemeClr val="tx1"/>
+            </a:solidFill>
+            <a:prstDash val="solid"/>
+            <a:round/>
+            <a:headEnd type="none" w="med" len="med"/>
+            <a:tailEnd type="none" w="med" len="med"/>
+          </a:ln>
+          <a:effectLst/>
+        </p:spPr>
+      </p:cxnSp>
+      <p:sp>
+        <p:nvSpPr>
+          <p:cNvPr id="23" name="Равнобедренный треугольник 22"/>
+          <p:cNvSpPr/>
+          <p:nvPr/>
+        </p:nvSpPr>
+        <p:spPr bwMode="auto">
+          <a:xfrm rot="16200000">
+            <a:off x="5885876" y="2195032"/>
+            <a:ext cx="80973" cy="109725"/>
+          </a:xfrm>
+          <a:prstGeom prst="triangle">
+            <a:avLst/>
+          </a:prstGeom>
+          <a:solidFill>
+            <a:schemeClr val="bg1"/>
+          </a:solidFill>
+          <a:ln w="9525" cap="flat" cmpd="sng" algn="ctr">
+            <a:solidFill>
+              <a:schemeClr val="tx1"/>
+            </a:solidFill>
+            <a:prstDash val="solid"/>
+            <a:round/>
+            <a:headEnd type="none" w="med" len="med"/>
+            <a:tailEnd type="none" w="med" len="med"/>
+          </a:ln>
+          <a:effectLst/>
+        </p:spPr>
+        <p:txBody>
+          <a:bodyPr vert="horz" wrap="none" lIns="91440" tIns="45720" rIns="91440" bIns="45720" numCol="1" rtlCol="0" anchor="t" anchorCtr="0" compatLnSpc="1">
+            <a:prstTxWarp prst="textNoShape">
+              <a:avLst/>
+            </a:prstTxWarp>
+          </a:bodyPr>
+          <a:lstStyle/>
+          <a:p>
+            <a:pPr marL="0" marR="0" indent="0" algn="r" defTabSz="914400" rtl="0" eaLnBrk="1" fontAlgn="base" latinLnBrk="0" hangingPunct="1">
+              <a:lnSpc>
+                <a:spcPct val="100000"/>
+              </a:lnSpc>
+              <a:spcBef>
+                <a:spcPct val="0"/>
+              </a:spcBef>
+              <a:spcAft>
+                <a:spcPct val="0"/>
+              </a:spcAft>
+              <a:buClrTx/>
+              <a:buSzTx/>
+              <a:buFontTx/>
+              <a:buNone/>
+              <a:tabLst/>
+            </a:pPr>
+            <a:endParaRPr kumimoji="0" lang="ru-RU" sz="1800" b="0" i="0" u="none" strike="noStrike" cap="none" normalizeH="0" baseline="0" smtClean="0">
+              <a:ln>
+                <a:noFill/>
+              </a:ln>
+              <a:solidFill>
+                <a:schemeClr val="tx1"/>
+              </a:solidFill>
+              <a:effectLst/>
+              <a:latin typeface="Bernard MT Condensed" pitchFamily="18" charset="0"/>
+              <a:cs typeface="Arial" pitchFamily="34" charset="0"/>
+            </a:endParaRPr>
+          </a:p>
+        </p:txBody>
+      </p:sp>
+      <p:cxnSp>
+        <p:nvCxnSpPr>
+          <p:cNvPr id="27" name="Прямая соединительная линия 26"/>
+          <p:cNvCxnSpPr>
+            <a:endCxn id="16" idx="1"/>
+          </p:cNvCxnSpPr>
+          <p:nvPr/>
+        </p:nvCxnSpPr>
+        <p:spPr bwMode="auto">
+          <a:xfrm>
+            <a:off x="6242497" y="3140771"/>
+            <a:ext cx="438696" cy="31"/>
+          </a:xfrm>
+          <a:prstGeom prst="line">
+            <a:avLst/>
+          </a:prstGeom>
+          <a:solidFill>
+            <a:schemeClr val="accent1"/>
+          </a:solidFill>
+          <a:ln w="9525" cap="flat" cmpd="sng" algn="ctr">
+            <a:solidFill>
+              <a:schemeClr val="tx1"/>
+            </a:solidFill>
+            <a:prstDash val="solid"/>
+            <a:round/>
+            <a:headEnd type="none" w="med" len="med"/>
+            <a:tailEnd type="none" w="med" len="med"/>
+          </a:ln>
+          <a:effectLst/>
+        </p:spPr>
+      </p:cxnSp>
+      <p:cxnSp>
+        <p:nvCxnSpPr>
+          <p:cNvPr id="29" name="Прямая соединительная линия 28"/>
+          <p:cNvCxnSpPr>
+            <a:endCxn id="15" idx="1"/>
+          </p:cNvCxnSpPr>
+          <p:nvPr/>
+        </p:nvCxnSpPr>
+        <p:spPr bwMode="auto">
+          <a:xfrm>
+            <a:off x="6242497" y="2346039"/>
+            <a:ext cx="419719" cy="1583"/>
+          </a:xfrm>
+          <a:prstGeom prst="line">
+            <a:avLst/>
+          </a:prstGeom>
+          <a:solidFill>
+            <a:schemeClr val="accent1"/>
+          </a:solidFill>
+          <a:ln w="9525" cap="flat" cmpd="sng" algn="ctr">
+            <a:solidFill>
+              <a:schemeClr val="tx1"/>
+            </a:solidFill>
+            <a:prstDash val="solid"/>
+            <a:round/>
+            <a:headEnd type="none" w="med" len="med"/>
+            <a:tailEnd type="none" w="med" len="med"/>
+          </a:ln>
+          <a:effectLst/>
+        </p:spPr>
+      </p:cxnSp>
+      <p:cxnSp>
+        <p:nvCxnSpPr>
+          <p:cNvPr id="42" name="Прямая соединительная линия 41"/>
+          <p:cNvCxnSpPr/>
+          <p:nvPr/>
+        </p:nvCxnSpPr>
+        <p:spPr bwMode="auto">
+          <a:xfrm>
+            <a:off x="6249143" y="1832475"/>
+            <a:ext cx="421082" cy="1003"/>
+          </a:xfrm>
+          <a:prstGeom prst="line">
+            <a:avLst/>
+          </a:prstGeom>
+          <a:solidFill>
+            <a:schemeClr val="accent1"/>
+          </a:solidFill>
+          <a:ln w="9525" cap="flat" cmpd="sng" algn="ctr">
+            <a:solidFill>
+              <a:schemeClr val="tx1"/>
+            </a:solidFill>
+            <a:prstDash val="solid"/>
+            <a:round/>
+            <a:headEnd type="none" w="med" len="med"/>
+            <a:tailEnd type="none" w="med" len="med"/>
+          </a:ln>
+          <a:effectLst/>
+        </p:spPr>
+      </p:cxnSp>
+      <p:cxnSp>
+        <p:nvCxnSpPr>
+          <p:cNvPr id="43" name="Прямая соединительная линия 42"/>
+          <p:cNvCxnSpPr>
+            <a:endCxn id="12" idx="1"/>
+          </p:cNvCxnSpPr>
+          <p:nvPr/>
+        </p:nvCxnSpPr>
+        <p:spPr bwMode="auto">
+          <a:xfrm flipV="1">
+            <a:off x="6242497" y="1308714"/>
+            <a:ext cx="453776" cy="696"/>
+          </a:xfrm>
+          <a:prstGeom prst="line">
+            <a:avLst/>
+          </a:prstGeom>
+          <a:solidFill>
+            <a:schemeClr val="accent1"/>
+          </a:solidFill>
+          <a:ln w="9525" cap="flat" cmpd="sng" algn="ctr">
+            <a:solidFill>
+              <a:schemeClr val="tx1"/>
+            </a:solidFill>
+            <a:prstDash val="solid"/>
+            <a:round/>
+            <a:headEnd type="none" w="med" len="med"/>
+            <a:tailEnd type="none" w="med" len="med"/>
+          </a:ln>
+          <a:effectLst/>
+        </p:spPr>
+      </p:cxnSp>
+      <p:sp>
+        <p:nvSpPr>
+          <p:cNvPr id="70" name="TextBox 69"/>
+          <p:cNvSpPr txBox="1"/>
+          <p:nvPr/>
+        </p:nvSpPr>
+        <p:spPr>
+          <a:xfrm>
+            <a:off x="1770600" y="4725144"/>
+            <a:ext cx="1809565" cy="646331"/>
+          </a:xfrm>
+          <a:prstGeom prst="rect">
+            <a:avLst/>
+          </a:prstGeom>
+          <a:noFill/>
+          <a:ln>
+            <a:solidFill>
+              <a:schemeClr val="tx1"/>
+            </a:solidFill>
+          </a:ln>
+        </p:spPr>
+        <p:txBody>
+          <a:bodyPr wrap="square" rtlCol="0">
+            <a:spAutoFit/>
+          </a:bodyPr>
+          <a:lstStyle/>
+          <a:p>
+            <a:pPr algn="ctr"/>
+            <a:r>
+              <a:rPr lang="ru-RU" b="1" dirty="0" smtClean="0"/>
+              <a:t>Визуализация</a:t>
+            </a:r>
+          </a:p>
+          <a:p>
+            <a:pPr algn="ctr"/>
+            <a:r>
+              <a:rPr lang="ru-RU" b="1" dirty="0" smtClean="0"/>
+              <a:t>графика</a:t>
+            </a:r>
+            <a:endParaRPr lang="ru-RU" b="1" dirty="0"/>
+          </a:p>
+        </p:txBody>
+      </p:sp>
+      <p:sp>
+        <p:nvSpPr>
+          <p:cNvPr id="80" name="TextBox 79"/>
+          <p:cNvSpPr txBox="1"/>
+          <p:nvPr/>
+        </p:nvSpPr>
+        <p:spPr>
+          <a:xfrm>
+            <a:off x="4438312" y="4863246"/>
+            <a:ext cx="1532255" cy="369332"/>
+          </a:xfrm>
+          <a:prstGeom prst="rect">
+            <a:avLst/>
+          </a:prstGeom>
+          <a:noFill/>
+          <a:ln>
+            <a:solidFill>
+              <a:schemeClr val="tx1"/>
+            </a:solidFill>
+          </a:ln>
+        </p:spPr>
+        <p:txBody>
+          <a:bodyPr wrap="square" rtlCol="0">
+            <a:spAutoFit/>
+          </a:bodyPr>
+          <a:lstStyle/>
+          <a:p>
+            <a:pPr algn="ctr"/>
+            <a:r>
+              <a:rPr lang="ru-RU" b="1" dirty="0" smtClean="0"/>
+              <a:t>Интерфейс</a:t>
+            </a:r>
+            <a:endParaRPr lang="ru-RU" b="1" dirty="0"/>
+          </a:p>
+        </p:txBody>
+      </p:sp>
+      <p:sp>
+        <p:nvSpPr>
+          <p:cNvPr id="92" name="TextBox 91"/>
+          <p:cNvSpPr txBox="1"/>
+          <p:nvPr/>
+        </p:nvSpPr>
+        <p:spPr>
+          <a:xfrm>
+            <a:off x="4609506" y="3475413"/>
+            <a:ext cx="1187616" cy="369332"/>
+          </a:xfrm>
+          <a:prstGeom prst="rect">
+            <a:avLst/>
+          </a:prstGeom>
+          <a:noFill/>
+          <a:ln>
+            <a:solidFill>
+              <a:schemeClr val="tx1"/>
+            </a:solidFill>
+          </a:ln>
+        </p:spPr>
+        <p:txBody>
+          <a:bodyPr wrap="square" rtlCol="0">
+            <a:spAutoFit/>
+          </a:bodyPr>
+          <a:lstStyle/>
+          <a:p>
+            <a:pPr algn="ctr"/>
+            <a:r>
+              <a:rPr lang="ru-RU" dirty="0" smtClean="0"/>
+              <a:t>Задача</a:t>
+            </a:r>
+            <a:endParaRPr lang="ru-RU" dirty="0"/>
+          </a:p>
+        </p:txBody>
+      </p:sp>
+      <p:cxnSp>
+        <p:nvCxnSpPr>
+          <p:cNvPr id="104" name="Прямая соединительная линия 103"/>
+          <p:cNvCxnSpPr/>
+          <p:nvPr/>
+        </p:nvCxnSpPr>
+        <p:spPr bwMode="auto">
+          <a:xfrm>
+            <a:off x="715025" y="3716486"/>
+            <a:ext cx="9217024" cy="0"/>
+          </a:xfrm>
+          <a:prstGeom prst="line">
+            <a:avLst/>
+          </a:prstGeom>
+          <a:ln w="9525" cap="flat" cmpd="sng" algn="ctr">
+            <a:solidFill>
+              <a:schemeClr val="accent6"/>
+            </a:solidFill>
+            <a:prstDash val="dash"/>
+            <a:round/>
+            <a:headEnd type="none" w="med" len="med"/>
+            <a:tailEnd type="none" w="med" len="med"/>
+          </a:ln>
+        </p:spPr>
+        <p:style>
+          <a:lnRef idx="0">
+            <a:scrgbClr r="0" g="0" b="0"/>
+          </a:lnRef>
+          <a:fillRef idx="0">
+            <a:scrgbClr r="0" g="0" b="0"/>
+          </a:fillRef>
+          <a:effectRef idx="0">
+            <a:scrgbClr r="0" g="0" b="0"/>
+          </a:effectRef>
+          <a:fontRef idx="minor">
+            <a:schemeClr val="tx1"/>
+          </a:fontRef>
+        </p:style>
+      </p:cxnSp>
+      <p:cxnSp>
+        <p:nvCxnSpPr>
+          <p:cNvPr id="95" name="Прямая со стрелкой 94"/>
+          <p:cNvCxnSpPr>
+            <a:endCxn id="70" idx="0"/>
+          </p:cNvCxnSpPr>
+          <p:nvPr/>
+        </p:nvCxnSpPr>
+        <p:spPr bwMode="auto">
+          <a:xfrm flipH="1">
+            <a:off x="2675383" y="3844745"/>
+            <a:ext cx="1934123" cy="880399"/>
+          </a:xfrm>
+          <a:prstGeom prst="straightConnector1">
+            <a:avLst/>
+          </a:prstGeom>
+          <a:solidFill>
+            <a:schemeClr val="accent1"/>
+          </a:solidFill>
+          <a:ln w="9525" cap="flat" cmpd="sng" algn="ctr">
+            <a:solidFill>
+              <a:schemeClr val="tx1"/>
+            </a:solidFill>
+            <a:prstDash val="solid"/>
+            <a:round/>
+            <a:headEnd type="none" w="med" len="med"/>
+            <a:tailEnd type="triangle"/>
+          </a:ln>
+          <a:effectLst/>
+        </p:spPr>
+      </p:cxnSp>
+      <p:cxnSp>
+        <p:nvCxnSpPr>
+          <p:cNvPr id="99" name="Прямая со стрелкой 98"/>
+          <p:cNvCxnSpPr>
+            <a:endCxn id="80" idx="1"/>
+          </p:cNvCxnSpPr>
+          <p:nvPr/>
+        </p:nvCxnSpPr>
+        <p:spPr bwMode="auto">
+          <a:xfrm flipV="1">
+            <a:off x="3591669" y="5047912"/>
+            <a:ext cx="846643" cy="1961"/>
+          </a:xfrm>
+          <a:prstGeom prst="straightConnector1">
+            <a:avLst/>
+          </a:prstGeom>
+          <a:solidFill>
+            <a:schemeClr val="accent1"/>
+          </a:solidFill>
+          <a:ln w="9525" cap="flat" cmpd="sng" algn="ctr">
+            <a:solidFill>
+              <a:schemeClr val="tx1"/>
+            </a:solidFill>
+            <a:prstDash val="solid"/>
+            <a:round/>
+            <a:headEnd type="none" w="med" len="med"/>
+            <a:tailEnd type="triangle"/>
+          </a:ln>
+          <a:effectLst/>
+        </p:spPr>
+      </p:cxnSp>
+      <p:cxnSp>
+        <p:nvCxnSpPr>
+          <p:cNvPr id="108" name="Прямая со стрелкой 107"/>
+          <p:cNvCxnSpPr>
+            <a:stCxn id="80" idx="0"/>
+            <a:endCxn id="92" idx="2"/>
+          </p:cNvCxnSpPr>
+          <p:nvPr/>
+        </p:nvCxnSpPr>
+        <p:spPr bwMode="auto">
+          <a:xfrm flipH="1" flipV="1">
+            <a:off x="5203314" y="3844745"/>
+            <a:ext cx="1126" cy="1018501"/>
+          </a:xfrm>
+          <a:prstGeom prst="straightConnector1">
+            <a:avLst/>
+          </a:prstGeom>
+          <a:solidFill>
+            <a:schemeClr val="accent1"/>
+          </a:solidFill>
+          <a:ln w="9525" cap="flat" cmpd="sng" algn="ctr">
+            <a:solidFill>
+              <a:schemeClr val="tx1"/>
+            </a:solidFill>
+            <a:prstDash val="solid"/>
+            <a:round/>
+            <a:headEnd type="none" w="med" len="med"/>
+            <a:tailEnd type="triangle"/>
+          </a:ln>
+          <a:effectLst/>
+        </p:spPr>
+      </p:cxnSp>
+      <p:cxnSp>
+        <p:nvCxnSpPr>
+          <p:cNvPr id="114" name="Прямая со стрелкой 113"/>
+          <p:cNvCxnSpPr>
+            <a:stCxn id="10" idx="2"/>
+            <a:endCxn id="92" idx="1"/>
+          </p:cNvCxnSpPr>
+          <p:nvPr/>
+        </p:nvCxnSpPr>
+        <p:spPr bwMode="auto">
+          <a:xfrm>
+            <a:off x="2648177" y="2711769"/>
+            <a:ext cx="1961329" cy="948310"/>
+          </a:xfrm>
+          <a:prstGeom prst="straightConnector1">
+            <a:avLst/>
+          </a:prstGeom>
+          <a:solidFill>
+            <a:schemeClr val="accent1"/>
+          </a:solidFill>
+          <a:ln w="9525" cap="flat" cmpd="sng" algn="ctr">
+            <a:solidFill>
+              <a:schemeClr val="tx1"/>
+            </a:solidFill>
+            <a:prstDash val="solid"/>
+            <a:round/>
+            <a:headEnd type="none" w="med" len="med"/>
+            <a:tailEnd type="triangle"/>
+          </a:ln>
+          <a:effectLst/>
+        </p:spPr>
+      </p:cxnSp>
+      <p:cxnSp>
+        <p:nvCxnSpPr>
+          <p:cNvPr id="116" name="Прямая со стрелкой 115"/>
+          <p:cNvCxnSpPr>
+            <a:stCxn id="11" idx="1"/>
+            <a:endCxn id="10" idx="3"/>
+          </p:cNvCxnSpPr>
+          <p:nvPr/>
+        </p:nvCxnSpPr>
+        <p:spPr bwMode="auto">
+          <a:xfrm flipH="1">
+            <a:off x="3476269" y="2249538"/>
+            <a:ext cx="1058859" cy="566"/>
+          </a:xfrm>
+          <a:prstGeom prst="straightConnector1">
+            <a:avLst/>
+          </a:prstGeom>
+          <a:solidFill>
+            <a:schemeClr val="accent1"/>
+          </a:solidFill>
+          <a:ln w="9525" cap="flat" cmpd="sng" algn="ctr">
+            <a:solidFill>
+              <a:schemeClr val="tx1"/>
+            </a:solidFill>
+            <a:prstDash val="solid"/>
+            <a:round/>
+            <a:headEnd type="none" w="med" len="med"/>
+            <a:tailEnd type="triangle"/>
+          </a:ln>
+          <a:effectLst/>
+        </p:spPr>
+      </p:cxnSp>
+      <p:cxnSp>
+        <p:nvCxnSpPr>
+          <p:cNvPr id="123" name="Прямая со стрелкой 122"/>
+          <p:cNvCxnSpPr>
+            <a:stCxn id="11" idx="0"/>
+            <a:endCxn id="9" idx="2"/>
+          </p:cNvCxnSpPr>
+          <p:nvPr/>
+        </p:nvCxnSpPr>
+        <p:spPr bwMode="auto">
+          <a:xfrm flipV="1">
+            <a:off x="5203314" y="1682518"/>
+            <a:ext cx="0" cy="382354"/>
+          </a:xfrm>
+          <a:prstGeom prst="straightConnector1">
+            <a:avLst/>
+          </a:prstGeom>
+          <a:solidFill>
+            <a:schemeClr val="accent1"/>
+          </a:solidFill>
+          <a:ln w="9525" cap="flat" cmpd="sng" algn="ctr">
+            <a:solidFill>
+              <a:schemeClr val="tx1"/>
+            </a:solidFill>
+            <a:prstDash val="solid"/>
+            <a:round/>
+            <a:headEnd type="none" w="med" len="med"/>
+            <a:tailEnd type="triangle"/>
+          </a:ln>
+          <a:effectLst/>
+        </p:spPr>
+      </p:cxnSp>
+      <p:cxnSp>
+        <p:nvCxnSpPr>
+          <p:cNvPr id="131" name="Прямая соединительная линия 130"/>
+          <p:cNvCxnSpPr>
+            <a:stCxn id="23" idx="3"/>
+          </p:cNvCxnSpPr>
+          <p:nvPr/>
+        </p:nvCxnSpPr>
+        <p:spPr bwMode="auto">
+          <a:xfrm flipV="1">
+            <a:off x="5981225" y="2249538"/>
+            <a:ext cx="261272" cy="356"/>
+          </a:xfrm>
+          <a:prstGeom prst="line">
+            <a:avLst/>
+          </a:prstGeom>
+          <a:solidFill>
+            <a:schemeClr val="accent1"/>
+          </a:solidFill>
+          <a:ln w="9525" cap="flat" cmpd="sng" algn="ctr">
+            <a:solidFill>
+              <a:schemeClr val="tx1"/>
+            </a:solidFill>
+            <a:prstDash val="solid"/>
+            <a:round/>
+            <a:headEnd type="none" w="med" len="med"/>
+            <a:tailEnd type="none" w="med" len="med"/>
+          </a:ln>
+          <a:effectLst/>
+        </p:spPr>
+      </p:cxnSp>
+      <p:cxnSp>
+        <p:nvCxnSpPr>
+          <p:cNvPr id="134" name="Прямая со стрелкой 133"/>
+          <p:cNvCxnSpPr/>
+          <p:nvPr/>
+        </p:nvCxnSpPr>
+        <p:spPr bwMode="auto">
+          <a:xfrm>
+            <a:off x="5226927" y="2434204"/>
+            <a:ext cx="0" cy="1041209"/>
+          </a:xfrm>
+          <a:prstGeom prst="straightConnector1">
+            <a:avLst/>
+          </a:prstGeom>
+          <a:solidFill>
+            <a:schemeClr val="accent1"/>
+          </a:solidFill>
+          <a:ln w="9525" cap="flat" cmpd="sng" algn="ctr">
+            <a:solidFill>
+              <a:schemeClr val="tx1"/>
+            </a:solidFill>
+            <a:prstDash val="solid"/>
+            <a:round/>
+            <a:headEnd type="none" w="med" len="med"/>
+            <a:tailEnd type="triangle"/>
+          </a:ln>
+          <a:effectLst/>
+        </p:spPr>
+      </p:cxnSp>
+    </p:spTree>
+    <p:extLst>
+      <p:ext uri="{BB962C8B-B14F-4D97-AF65-F5344CB8AC3E}">
+        <p14:creationId xmlns:p14="http://schemas.microsoft.com/office/powerpoint/2010/main" val="744535673"/>
+      </p:ext>
+    </p:extLst>
+  </p:cSld>
+  <p:clrMapOvr>
+    <a:masterClrMapping/>
+  </p:clrMapOvr>
+  <p:timing>
+    <p:tnLst>
+      <p:par>
+        <p:cTn id="1" dur="indefinite" restart="never" nodeType="tmRoot"/>
+      </p:par>
+    </p:tnLst>
+  </p:timing>
+</p:sld>
+</file>
+
+<file path=ppt/slides/slide7.xml><?xml version="1.0" encoding="utf-8"?>
+<p:sld xmlns:a="http://schemas.openxmlformats.org/drawingml/2006/main" xmlns:r="http://schemas.openxmlformats.org/officeDocument/2006/relationships" xmlns:p="http://schemas.openxmlformats.org/presentationml/2006/main">
+  <p:cSld>
+    <p:spTree>
+      <p:nvGrpSpPr>
+        <p:cNvPr id="1" name=""/>
+        <p:cNvGrpSpPr/>
+        <p:nvPr/>
+      </p:nvGrpSpPr>
+      <p:grpSpPr>
+        <a:xfrm>
+          <a:off x="0" y="0"/>
+          <a:ext cx="0" cy="0"/>
+          <a:chOff x="0" y="0"/>
+          <a:chExt cx="0" cy="0"/>
+        </a:xfrm>
+      </p:grpSpPr>
+      <p:sp>
+        <p:nvSpPr>
+          <p:cNvPr id="2" name="Заголовок 1"/>
+          <p:cNvSpPr>
+            <a:spLocks noGrp="1"/>
+          </p:cNvSpPr>
+          <p:nvPr>
+            <p:ph type="title"/>
+          </p:nvPr>
+        </p:nvSpPr>
+        <p:spPr/>
+        <p:txBody>
+          <a:bodyPr/>
+          <a:lstStyle/>
+          <a:p>
+            <a:r>
+              <a:rPr lang="ru-RU" dirty="0" smtClean="0"/>
+              <a:t>Реализация компонент</a:t>
+            </a:r>
+            <a:endParaRPr lang="ru-RU" dirty="0"/>
+          </a:p>
+        </p:txBody>
+      </p:sp>
+      <p:sp>
+        <p:nvSpPr>
+          <p:cNvPr id="3" name="Содержимое 2"/>
+          <p:cNvSpPr>
+            <a:spLocks noGrp="1"/>
+          </p:cNvSpPr>
+          <p:nvPr>
+            <p:ph idx="1"/>
+          </p:nvPr>
+        </p:nvSpPr>
+        <p:spPr/>
+        <p:txBody>
+          <a:bodyPr/>
+          <a:lstStyle/>
+          <a:p>
+            <a:endParaRPr lang="ru-RU" dirty="0" smtClean="0"/>
+          </a:p>
+        </p:txBody>
+      </p:sp>
+      <p:sp>
+        <p:nvSpPr>
+          <p:cNvPr id="6" name="Дата 5"/>
+          <p:cNvSpPr>
+            <a:spLocks noGrp="1"/>
+          </p:cNvSpPr>
+          <p:nvPr>
+            <p:ph type="dt" sz="half" idx="2"/>
+          </p:nvPr>
+        </p:nvSpPr>
+        <p:spPr/>
+        <p:txBody>
+          <a:bodyPr/>
+          <a:lstStyle/>
+          <a:p>
+            <a:pPr>
+              <a:defRPr/>
+            </a:pPr>
+            <a:r>
+              <a:rPr lang="ru-RU" smtClean="0"/>
+              <a:t>Нижний Новгород, 2017 г.</a:t>
+            </a:r>
+            <a:endParaRPr lang="ru-RU" dirty="0"/>
+          </a:p>
+        </p:txBody>
+      </p:sp>
+      <p:sp>
+        <p:nvSpPr>
+          <p:cNvPr id="7" name="Номер слайда 6"/>
+          <p:cNvSpPr>
+            <a:spLocks noGrp="1"/>
+          </p:cNvSpPr>
+          <p:nvPr>
+            <p:ph type="sldNum" sz="quarter" idx="4"/>
+          </p:nvPr>
+        </p:nvSpPr>
+        <p:spPr/>
+        <p:txBody>
+          <a:bodyPr/>
+          <a:lstStyle/>
+          <a:p>
+            <a:pPr>
+              <a:defRPr/>
+            </a:pPr>
+            <a:fld id="{4F2367BF-7A57-4F5A-B357-719264272D2E}" type="slidenum">
+              <a:rPr lang="ru-RU" smtClean="0"/>
+              <a:pPr>
+                <a:defRPr/>
+              </a:pPr>
+              <a:t>7</a:t>
+            </a:fld>
+            <a:endParaRPr lang="ru-RU" dirty="0"/>
+          </a:p>
+        </p:txBody>
+      </p:sp>
+      <p:sp>
+        <p:nvSpPr>
+          <p:cNvPr id="8" name="Нижний колонтитул 7"/>
+          <p:cNvSpPr>
+            <a:spLocks noGrp="1"/>
+          </p:cNvSpPr>
+          <p:nvPr>
+            <p:ph type="ftr" sz="quarter" idx="3"/>
+          </p:nvPr>
+        </p:nvSpPr>
+        <p:spPr/>
+        <p:txBody>
+          <a:bodyPr/>
+          <a:lstStyle/>
+          <a:p>
+            <a:pPr>
+              <a:defRPr/>
+            </a:pPr>
+            <a:r>
+              <a:rPr lang="ru-RU" smtClean="0"/>
+              <a:t>Мини-проект по глобальной оптимизации</a:t>
+            </a:r>
+            <a:endParaRPr lang="ru-RU" dirty="0"/>
+          </a:p>
+        </p:txBody>
+      </p:sp>
+    </p:spTree>
+    <p:extLst>
+      <p:ext uri="{BB962C8B-B14F-4D97-AF65-F5344CB8AC3E}">
+        <p14:creationId xmlns:p14="http://schemas.microsoft.com/office/powerpoint/2010/main" val="1020934698"/>
+      </p:ext>
+    </p:extLst>
+  </p:cSld>
+  <p:clrMapOvr>
+    <a:masterClrMapping/>
+  </p:clrMapOvr>
+</p:sld>
+</file>
+
+<file path=ppt/slides/slide8.xml><?xml version="1.0" encoding="utf-8"?>
+<p:sld xmlns:a="http://schemas.openxmlformats.org/drawingml/2006/main" xmlns:r="http://schemas.openxmlformats.org/officeDocument/2006/relationships" xmlns:p="http://schemas.openxmlformats.org/presentationml/2006/main">
+  <p:cSld>
+    <p:spTree>
+      <p:nvGrpSpPr>
+        <p:cNvPr id="1" name=""/>
+        <p:cNvGrpSpPr/>
+        <p:nvPr/>
+      </p:nvGrpSpPr>
+      <p:grpSpPr>
+        <a:xfrm>
+          <a:off x="0" y="0"/>
+          <a:ext cx="0" cy="0"/>
+          <a:chOff x="0" y="0"/>
+          <a:chExt cx="0" cy="0"/>
+        </a:xfrm>
+      </p:grpSpPr>
+      <p:sp>
+        <p:nvSpPr>
+          <p:cNvPr id="2" name="Заголовок 1"/>
+          <p:cNvSpPr>
+            <a:spLocks noGrp="1"/>
+          </p:cNvSpPr>
+          <p:nvPr>
+            <p:ph type="title"/>
+          </p:nvPr>
+        </p:nvSpPr>
+        <p:spPr/>
+        <p:txBody>
+          <a:bodyPr/>
+          <a:lstStyle/>
+          <a:p>
+            <a:r>
+              <a:rPr lang="ru-RU" dirty="0" smtClean="0"/>
+              <a:t>Класс - ретранслятор</a:t>
+            </a:r>
+            <a:endParaRPr lang="ru-RU" dirty="0"/>
+          </a:p>
+        </p:txBody>
+      </p:sp>
+      <p:sp>
+        <p:nvSpPr>
+          <p:cNvPr id="3" name="Объект 2"/>
+          <p:cNvSpPr>
+            <a:spLocks noGrp="1"/>
+          </p:cNvSpPr>
+          <p:nvPr>
+            <p:ph idx="1"/>
+          </p:nvPr>
+        </p:nvSpPr>
+        <p:spPr/>
+        <p:txBody>
+          <a:bodyPr/>
+          <a:lstStyle/>
+          <a:p>
+            <a:r>
+              <a:rPr lang="ru-RU" sz="2800" dirty="0" smtClean="0"/>
+              <a:t>Суть класса:</a:t>
+            </a:r>
+          </a:p>
+          <a:p>
+            <a:pPr marL="0" indent="0">
+              <a:buNone/>
+            </a:pPr>
+            <a:r>
+              <a:rPr lang="ru-RU" sz="2800" dirty="0"/>
+              <a:t>	</a:t>
+            </a:r>
+            <a:r>
+              <a:rPr lang="ru-RU" sz="2800" dirty="0" smtClean="0"/>
+              <a:t>Работает со строкой, задаваемой пользователем</a:t>
+            </a:r>
+            <a:r>
+              <a:rPr lang="en-US" sz="2800" dirty="0" smtClean="0"/>
+              <a:t> </a:t>
+            </a:r>
+            <a:r>
+              <a:rPr lang="ru-RU" sz="2800" dirty="0" smtClean="0"/>
+              <a:t>в поле ввода функции.</a:t>
+            </a:r>
+          </a:p>
+          <a:p>
+            <a:pPr marL="0" indent="0">
+              <a:buNone/>
+            </a:pPr>
+            <a:endParaRPr lang="ru-RU" sz="2800" dirty="0" smtClean="0"/>
+          </a:p>
+          <a:p>
+            <a:r>
+              <a:rPr lang="ru-RU" sz="2800" dirty="0" smtClean="0"/>
+              <a:t>Что делает:</a:t>
+            </a:r>
+          </a:p>
+          <a:p>
+            <a:pPr marL="0" indent="0">
+              <a:buNone/>
+            </a:pPr>
+            <a:r>
+              <a:rPr lang="ru-RU" sz="2800" dirty="0"/>
+              <a:t>	</a:t>
+            </a:r>
+            <a:r>
+              <a:rPr lang="ru-RU" sz="2800" dirty="0" smtClean="0"/>
+              <a:t>1) переводит строку, содержащую функцию в инфиксном в виде, в постфиксный;</a:t>
+            </a:r>
+          </a:p>
+          <a:p>
+            <a:pPr marL="0" indent="0">
+              <a:buNone/>
+            </a:pPr>
+            <a:r>
+              <a:rPr lang="ru-RU" sz="2800" dirty="0"/>
+              <a:t>	</a:t>
+            </a:r>
+            <a:r>
+              <a:rPr lang="ru-RU" sz="2800" dirty="0" smtClean="0"/>
+              <a:t>2) считает значение функции при заданном аргументе </a:t>
+            </a:r>
+            <a:r>
+              <a:rPr lang="en-US" sz="2800" dirty="0" smtClean="0"/>
+              <a:t>‘x’.</a:t>
+            </a:r>
+            <a:endParaRPr lang="ru-RU" sz="2800" dirty="0"/>
+          </a:p>
+        </p:txBody>
+      </p:sp>
+      <p:sp>
+        <p:nvSpPr>
+          <p:cNvPr id="4" name="Дата 3"/>
+          <p:cNvSpPr>
+            <a:spLocks noGrp="1"/>
+          </p:cNvSpPr>
+          <p:nvPr>
+            <p:ph type="dt" sz="half" idx="2"/>
+          </p:nvPr>
+        </p:nvSpPr>
+        <p:spPr/>
+        <p:txBody>
+          <a:bodyPr/>
+          <a:lstStyle/>
+          <a:p>
+            <a:pPr>
+              <a:lnSpc>
+                <a:spcPct val="150000"/>
+              </a:lnSpc>
+              <a:defRPr/>
+            </a:pPr>
+            <a:r>
+              <a:rPr lang="ru-RU" smtClean="0"/>
+              <a:t>Нижний Новгород, 2017 г.</a:t>
+            </a:r>
+            <a:endParaRPr lang="ru-RU" dirty="0"/>
+          </a:p>
+        </p:txBody>
+      </p:sp>
+      <p:sp>
+        <p:nvSpPr>
+          <p:cNvPr id="5" name="Нижний колонтитул 4"/>
+          <p:cNvSpPr>
+            <a:spLocks noGrp="1"/>
+          </p:cNvSpPr>
+          <p:nvPr>
+            <p:ph type="ftr" sz="quarter" idx="3"/>
+          </p:nvPr>
+        </p:nvSpPr>
+        <p:spPr/>
+        <p:txBody>
+          <a:bodyPr/>
+          <a:lstStyle/>
+          <a:p>
+            <a:pPr>
+              <a:lnSpc>
+                <a:spcPct val="150000"/>
+              </a:lnSpc>
+              <a:defRPr/>
+            </a:pPr>
+            <a:r>
+              <a:rPr lang="ru-RU" smtClean="0"/>
+              <a:t>Мини-проект по глобальной оптимизации</a:t>
+            </a:r>
+            <a:endParaRPr lang="ru-RU" dirty="0" smtClean="0"/>
+          </a:p>
+        </p:txBody>
+      </p:sp>
+      <p:sp>
+        <p:nvSpPr>
+          <p:cNvPr id="6" name="Номер слайда 5"/>
+          <p:cNvSpPr>
+            <a:spLocks noGrp="1"/>
+          </p:cNvSpPr>
+          <p:nvPr>
+            <p:ph type="sldNum" sz="quarter" idx="4"/>
+          </p:nvPr>
+        </p:nvSpPr>
+        <p:spPr/>
+        <p:txBody>
+          <a:bodyPr/>
+          <a:lstStyle/>
+          <a:p>
+            <a:pPr>
+              <a:defRPr/>
+            </a:pPr>
+            <a:fld id="{4F2367BF-7A57-4F5A-B357-719264272D2E}" type="slidenum">
+              <a:rPr lang="ru-RU" smtClean="0"/>
+              <a:pPr>
+                <a:defRPr/>
+              </a:pPr>
+              <a:t>8</a:t>
+            </a:fld>
+            <a:endParaRPr lang="ru-RU" dirty="0"/>
+          </a:p>
+        </p:txBody>
+      </p:sp>
+    </p:spTree>
+    <p:extLst>
+      <p:ext uri="{BB962C8B-B14F-4D97-AF65-F5344CB8AC3E}">
+        <p14:creationId xmlns:p14="http://schemas.microsoft.com/office/powerpoint/2010/main" val="2902605297"/>
+      </p:ext>
+    </p:extLst>
+  </p:cSld>
+  <p:clrMapOvr>
+    <a:masterClrMapping/>
+  </p:clrMapOvr>
+  <p:timing>
+    <p:tnLst>
+      <p:par>
+        <p:cTn id="1" dur="indefinite" restart="never" nodeType="tmRoot"/>
+      </p:par>
+    </p:tnLst>
+  </p:timing>
 </p:sld>
 </file>
 
@@ -5314,19 +7378,28 @@
           <a:lstStyle/>
           <a:p>
             <a:r>
+              <a:rPr lang="ru-RU" dirty="0"/>
+              <a:t>Класс </a:t>
+            </a:r>
+            <a:r>
               <a:rPr lang="ru-RU" dirty="0" smtClean="0"/>
-              <a:t>Результаты </a:t>
-            </a:r>
-            <a:r>
-              <a:rPr lang="ru-RU" dirty="0"/>
-              <a:t>вычислительных экспериментов</a:t>
-            </a:r>
-          </a:p>
-        </p:txBody>
-      </p:sp>
-      <p:sp>
-        <p:nvSpPr>
-          <p:cNvPr id="3" name="Содержимое 2"/>
+              <a:t>– ретранслятор</a:t>
+            </a:r>
+            <a:r>
+              <a:rPr lang="en-US" dirty="0" smtClean="0"/>
+              <a:t>. </a:t>
+            </a:r>
+            <a:r>
+              <a:rPr lang="ru-RU" dirty="0" smtClean="0"/>
+              <a:t>Алгоритмы</a:t>
+            </a:r>
+            <a:endParaRPr lang="ru-RU" dirty="0"/>
+          </a:p>
+        </p:txBody>
+      </p:sp>
+      <p:sp>
+        <p:nvSpPr>
+          <p:cNvPr id="3" name="Объект 2"/>
           <p:cNvSpPr>
             <a:spLocks noGrp="1"/>
           </p:cNvSpPr>
@@ -5339,13 +7412,42 @@
           <a:bodyPr/>
           <a:lstStyle/>
           <a:p>
-            <a:endParaRPr lang="ru-RU" dirty="0" smtClean="0"/>
-          </a:p>
-        </p:txBody>
-      </p:sp>
-      <p:sp>
-        <p:nvSpPr>
-          <p:cNvPr id="6" name="Дата 5"/>
+            <a:r>
+              <a:rPr lang="ru-RU" sz="2800" dirty="0" smtClean="0"/>
+              <a:t>В алгоритмах перевода строки из инфиксного вида в постфиксный и подсчета значения функции используется </a:t>
+            </a:r>
+            <a:r>
+              <a:rPr lang="en-US" sz="2800" dirty="0" smtClean="0"/>
+              <a:t>“stack” </a:t>
+            </a:r>
+            <a:r>
+              <a:rPr lang="ru-RU" sz="2800" dirty="0" smtClean="0"/>
+              <a:t>стандартной библиотеки шаблонов </a:t>
+            </a:r>
+            <a:r>
+              <a:rPr lang="en-US" sz="2800" dirty="0" smtClean="0"/>
+              <a:t>(STL).</a:t>
+            </a:r>
+            <a:endParaRPr lang="ru-RU" sz="2800" dirty="0" smtClean="0"/>
+          </a:p>
+          <a:p>
+            <a:pPr marL="0" indent="0">
+              <a:buNone/>
+            </a:pPr>
+            <a:endParaRPr lang="ru-RU" sz="2800" dirty="0" smtClean="0"/>
+          </a:p>
+          <a:p>
+            <a:r>
+              <a:rPr lang="ru-RU" sz="2800" dirty="0" smtClean="0"/>
+              <a:t>Сами алгоритмы обработки строки взяты из лабораторной работы по дисциплине «Алгоритмы и Структуры Данных» (обработка арифметических выражений).</a:t>
+            </a:r>
+            <a:endParaRPr lang="en-US" sz="2800" dirty="0" smtClean="0"/>
+          </a:p>
+        </p:txBody>
+      </p:sp>
+      <p:sp>
+        <p:nvSpPr>
+          <p:cNvPr id="4" name="Дата 3"/>
           <p:cNvSpPr>
             <a:spLocks noGrp="1"/>
           </p:cNvSpPr>
@@ -5359,6 +7461,9 @@
           <a:lstStyle/>
           <a:p>
             <a:pPr>
+              <a:lnSpc>
+                <a:spcPct val="150000"/>
+              </a:lnSpc>
               <a:defRPr/>
             </a:pPr>
             <a:r>
@@ -5371,7 +7476,36 @@
       </p:sp>
       <p:sp>
         <p:nvSpPr>
-          <p:cNvPr id="7" name="Номер слайда 6"/>
+          <p:cNvPr id="5" name="Нижний колонтитул 4"/>
+          <p:cNvSpPr>
+            <a:spLocks noGrp="1"/>
+          </p:cNvSpPr>
+          <p:nvPr>
+            <p:ph type="ftr" sz="quarter" idx="3"/>
+          </p:nvPr>
+        </p:nvSpPr>
+        <p:spPr/>
+        <p:txBody>
+          <a:bodyPr/>
+          <a:lstStyle/>
+          <a:p>
+            <a:pPr>
+              <a:lnSpc>
+                <a:spcPct val="150000"/>
+              </a:lnSpc>
+              <a:defRPr/>
+            </a:pPr>
+            <a:r>
+              <a:rPr lang="ru-RU" smtClean="0"/>
+              <a:t>Мини-проект по глобальной оптимизации</a:t>
+            </a:r>
+            <a:endParaRPr lang="ru-RU" dirty="0" smtClean="0"/>
+          </a:p>
+        </p:txBody>
+      </p:sp>
+      <p:sp>
+        <p:nvSpPr>
+          <p:cNvPr id="6" name="Номер слайда 5"/>
           <p:cNvSpPr>
             <a:spLocks noGrp="1"/>
           </p:cNvSpPr>
@@ -5398,42 +7532,23 @@
           </a:p>
         </p:txBody>
       </p:sp>
-      <p:sp>
-        <p:nvSpPr>
-          <p:cNvPr id="8" name="Нижний колонтитул 7"/>
-          <p:cNvSpPr>
-            <a:spLocks noGrp="1"/>
-          </p:cNvSpPr>
-          <p:nvPr>
-            <p:ph type="ftr" sz="quarter" idx="3"/>
-          </p:nvPr>
-        </p:nvSpPr>
-        <p:spPr/>
-        <p:txBody>
-          <a:bodyPr/>
-          <a:lstStyle/>
-          <a:p>
-            <a:pPr>
-              <a:defRPr/>
-            </a:pPr>
-            <a:r>
-              <a:rPr lang="ru-RU" smtClean="0"/>
-              <a:t>Мини-проект по глобальной оптимизации</a:t>
-            </a:r>
-            <a:endParaRPr lang="ru-RU" dirty="0"/>
-          </a:p>
-        </p:txBody>
-      </p:sp>
     </p:spTree>
     <p:extLst>
       <p:ext uri="{BB962C8B-B14F-4D97-AF65-F5344CB8AC3E}">
-        <p14:creationId xmlns:p14="http://schemas.microsoft.com/office/powerpoint/2010/main" val="49049457"/>
+        <p14:creationId xmlns:p14="http://schemas.microsoft.com/office/powerpoint/2010/main" val="1957808698"/>
       </p:ext>
     </p:extLst>
   </p:cSld>
   <p:clrMapOvr>
     <a:masterClrMapping/>
   </p:clrMapOvr>
+  <p:timing>
+    <p:tnLst>
+      <p:par>
+        <p:cTn id="1" dur="indefinite" restart="never" nodeType="tmRoot"/>
+      </p:par>
+    </p:tnLst>
+  </p:timing>
 </p:sld>
 </file>
 

--- a/storage structure.pptx
+++ b/storage structure.pptx
@@ -5,7 +5,7 @@
     <p:sldMasterId id="2147483660" r:id="rId1"/>
   </p:sldMasterIdLst>
   <p:notesMasterIdLst>
-    <p:notesMasterId r:id="rId16"/>
+    <p:notesMasterId r:id="rId17"/>
   </p:notesMasterIdLst>
   <p:sldIdLst>
     <p:sldId id="272" r:id="rId2"/>
@@ -15,13 +15,14 @@
     <p:sldId id="289" r:id="rId6"/>
     <p:sldId id="290" r:id="rId7"/>
     <p:sldId id="285" r:id="rId8"/>
-    <p:sldId id="291" r:id="rId9"/>
-    <p:sldId id="292" r:id="rId10"/>
-    <p:sldId id="293" r:id="rId11"/>
-    <p:sldId id="287" r:id="rId12"/>
-    <p:sldId id="288" r:id="rId13"/>
-    <p:sldId id="284" r:id="rId14"/>
-    <p:sldId id="282" r:id="rId15"/>
+    <p:sldId id="294" r:id="rId9"/>
+    <p:sldId id="291" r:id="rId10"/>
+    <p:sldId id="292" r:id="rId11"/>
+    <p:sldId id="293" r:id="rId12"/>
+    <p:sldId id="287" r:id="rId13"/>
+    <p:sldId id="288" r:id="rId14"/>
+    <p:sldId id="284" r:id="rId15"/>
+    <p:sldId id="282" r:id="rId16"/>
   </p:sldIdLst>
   <p:sldSz cx="9906000" cy="6858000" type="A4"/>
   <p:notesSz cx="6858000" cy="9144000"/>
@@ -3325,8 +3326,20 @@
           <a:lstStyle/>
           <a:p>
             <a:r>
+              <a:rPr lang="ru-RU" dirty="0"/>
+              <a:t>Класс </a:t>
+            </a:r>
+            <a:r>
               <a:rPr lang="ru-RU" dirty="0" smtClean="0"/>
-              <a:t>Класс – ретранслятор. Возможности</a:t>
+              <a:t>– ретранслятор</a:t>
+            </a:r>
+            <a:r>
+              <a:rPr lang="en-US" dirty="0" smtClean="0"/>
+              <a:t>. </a:t>
+            </a:r>
+            <a:r>
+              <a:rPr lang="ru-RU" dirty="0" smtClean="0"/>
+              <a:t>Алгоритмы</a:t>
             </a:r>
             <a:endParaRPr lang="ru-RU" dirty="0"/>
           </a:p>
@@ -3347,198 +3360,36 @@
           <a:bodyPr/>
           <a:lstStyle/>
           <a:p>
-            <a:pPr algn="just"/>
-            <a:r>
-              <a:rPr lang="ru-RU" sz="2800" dirty="0"/>
-              <a:t>Главное допущение – аргумент функции обозначается </a:t>
-            </a:r>
             <a:r>
               <a:rPr lang="ru-RU" sz="2800" dirty="0" smtClean="0"/>
-              <a:t>ТОЛЬКО строчным </a:t>
-            </a:r>
-            <a:r>
-              <a:rPr lang="ru-RU" sz="2800" dirty="0"/>
-              <a:t>символом </a:t>
-            </a:r>
-            <a:r>
-              <a:rPr lang="en-US" sz="2800" dirty="0"/>
-              <a:t>‘x</a:t>
+              <a:t>В алгоритмах перевода строки из инфиксного вида в постфиксный и подсчета значения функции используется </a:t>
             </a:r>
             <a:r>
               <a:rPr lang="en-US" sz="2800" dirty="0" smtClean="0"/>
-              <a:t>’</a:t>
+              <a:t>“stack” </a:t>
             </a:r>
             <a:r>
               <a:rPr lang="ru-RU" sz="2800" dirty="0" smtClean="0"/>
-              <a:t>.</a:t>
-            </a:r>
-            <a:endParaRPr lang="ru-RU" sz="2800" dirty="0"/>
-          </a:p>
-          <a:p>
-            <a:pPr algn="just"/>
-            <a:r>
-              <a:rPr lang="ru-RU" sz="2800" dirty="0" smtClean="0"/>
-              <a:t>Поддерживаемые функции: </a:t>
-            </a:r>
-          </a:p>
-          <a:p>
-            <a:pPr marL="0" indent="0" algn="just">
+              <a:t>стандартной библиотеки шаблонов </a:t>
+            </a:r>
+            <a:r>
+              <a:rPr lang="en-US" sz="2800" dirty="0" smtClean="0"/>
+              <a:t>(STL).</a:t>
+            </a:r>
+            <a:endParaRPr lang="ru-RU" sz="2800" dirty="0" smtClean="0"/>
+          </a:p>
+          <a:p>
+            <a:pPr marL="0" indent="0">
               <a:buNone/>
             </a:pPr>
-            <a:r>
-              <a:rPr lang="ru-RU" sz="2800" dirty="0"/>
-              <a:t>	</a:t>
-            </a:r>
-            <a:r>
-              <a:rPr lang="en-US" sz="2800" dirty="0" smtClean="0"/>
-              <a:t>sin(), cos(), </a:t>
-            </a:r>
-            <a:r>
-              <a:rPr lang="en-US" sz="2800" dirty="0" err="1" smtClean="0"/>
-              <a:t>tg</a:t>
-            </a:r>
-            <a:r>
-              <a:rPr lang="en-US" sz="2800" dirty="0" smtClean="0"/>
-              <a:t>(), </a:t>
-            </a:r>
-            <a:r>
-              <a:rPr lang="en-US" sz="2800" dirty="0" err="1" smtClean="0"/>
-              <a:t>ctg</a:t>
-            </a:r>
-            <a:r>
-              <a:rPr lang="en-US" sz="2800" dirty="0" smtClean="0"/>
-              <a:t>(), ln(), abs()</a:t>
-            </a:r>
+            <a:endParaRPr lang="ru-RU" sz="2800" dirty="0" smtClean="0"/>
+          </a:p>
+          <a:p>
             <a:r>
               <a:rPr lang="ru-RU" sz="2800" dirty="0" smtClean="0"/>
-              <a:t>.</a:t>
-            </a:r>
-          </a:p>
-          <a:p>
-            <a:pPr algn="just"/>
-            <a:r>
-              <a:rPr lang="ru-RU" sz="2800" dirty="0" smtClean="0"/>
-              <a:t>Основные методы:</a:t>
-            </a:r>
-          </a:p>
-          <a:p>
-            <a:pPr marL="0" indent="0" algn="just">
-              <a:buNone/>
-            </a:pPr>
-            <a:r>
-              <a:rPr lang="ru-RU" sz="2800" dirty="0" smtClean="0"/>
-              <a:t>	</a:t>
-            </a:r>
-            <a:r>
-              <a:rPr lang="en-US" sz="2800" dirty="0"/>
-              <a:t>void </a:t>
-            </a:r>
-            <a:r>
-              <a:rPr lang="en-US" sz="2800" dirty="0" err="1" smtClean="0"/>
-              <a:t>SetFunction</a:t>
-            </a:r>
-            <a:r>
-              <a:rPr lang="ru-RU" sz="2800" dirty="0" smtClean="0"/>
-              <a:t> </a:t>
-            </a:r>
-            <a:r>
-              <a:rPr lang="en-US" sz="2800" dirty="0" smtClean="0"/>
-              <a:t>(string</a:t>
-            </a:r>
-            <a:r>
-              <a:rPr lang="ru-RU" sz="2800" dirty="0" smtClean="0"/>
-              <a:t> </a:t>
-            </a:r>
-            <a:r>
-              <a:rPr lang="en-US" sz="2800" dirty="0" smtClean="0">
-                <a:solidFill>
-                  <a:srgbClr val="00B050"/>
-                </a:solidFill>
-              </a:rPr>
-              <a:t>Line</a:t>
-            </a:r>
-            <a:r>
-              <a:rPr lang="en-US" sz="2800" dirty="0" smtClean="0"/>
-              <a:t>)</a:t>
-            </a:r>
-            <a:r>
-              <a:rPr lang="ru-RU" sz="2800" dirty="0" smtClean="0"/>
-              <a:t> – проверяет правильность поступившей строки </a:t>
-            </a:r>
-            <a:r>
-              <a:rPr lang="en-US" sz="2800" dirty="0" smtClean="0">
-                <a:solidFill>
-                  <a:srgbClr val="00B050"/>
-                </a:solidFill>
-              </a:rPr>
-              <a:t>Line</a:t>
-            </a:r>
-            <a:r>
-              <a:rPr lang="en-US" sz="2800" dirty="0" smtClean="0"/>
-              <a:t> </a:t>
-            </a:r>
-            <a:r>
-              <a:rPr lang="ru-RU" sz="2800" dirty="0" smtClean="0"/>
-              <a:t>и задает функцию</a:t>
-            </a:r>
-            <a:r>
-              <a:rPr lang="en-US" sz="2800" dirty="0" smtClean="0"/>
-              <a:t>;</a:t>
-            </a:r>
-          </a:p>
-          <a:p>
-            <a:pPr marL="0" indent="0" algn="just">
-              <a:buNone/>
-            </a:pPr>
-            <a:r>
-              <a:rPr lang="en-US" sz="2800" dirty="0"/>
-              <a:t>	double </a:t>
-            </a:r>
-            <a:r>
-              <a:rPr lang="en-US" sz="2800" dirty="0" smtClean="0"/>
-              <a:t>Calculate(double </a:t>
-            </a:r>
-            <a:r>
-              <a:rPr lang="en-US" sz="2800" dirty="0" smtClean="0">
-                <a:solidFill>
-                  <a:srgbClr val="00B050"/>
-                </a:solidFill>
-              </a:rPr>
-              <a:t>x</a:t>
-            </a:r>
-            <a:r>
-              <a:rPr lang="en-US" sz="2800" dirty="0" smtClean="0"/>
-              <a:t>) – </a:t>
-            </a:r>
-            <a:r>
-              <a:rPr lang="ru-RU" sz="2800" dirty="0" smtClean="0"/>
-              <a:t>подсчитывает значение функции в</a:t>
-            </a:r>
-            <a:r>
-              <a:rPr lang="en-US" sz="2800" dirty="0" smtClean="0"/>
-              <a:t> </a:t>
-            </a:r>
-            <a:r>
-              <a:rPr lang="ru-RU" sz="2800" dirty="0" smtClean="0"/>
-              <a:t>точке </a:t>
-            </a:r>
-            <a:r>
-              <a:rPr lang="en-US" sz="2800" dirty="0" smtClean="0">
-                <a:solidFill>
-                  <a:srgbClr val="00B050"/>
-                </a:solidFill>
-              </a:rPr>
-              <a:t>x</a:t>
-            </a:r>
-            <a:r>
-              <a:rPr lang="ru-RU" sz="2800" dirty="0"/>
-              <a:t>.</a:t>
-            </a:r>
-            <a:endParaRPr lang="ru-RU" sz="2800" dirty="0">
-              <a:solidFill>
-                <a:srgbClr val="00B050"/>
-              </a:solidFill>
-            </a:endParaRPr>
+              <a:t>Сами алгоритмы обработки строки взяты из лабораторной работы по дисциплине «Алгоритмы и Структуры Данных» (обработка арифметических выражений).</a:t>
+            </a:r>
+            <a:endParaRPr lang="en-US" sz="2800" dirty="0" smtClean="0"/>
           </a:p>
         </p:txBody>
       </p:sp>
@@ -3632,7 +3483,7 @@
     </p:spTree>
     <p:extLst>
       <p:ext uri="{BB962C8B-B14F-4D97-AF65-F5344CB8AC3E}">
-        <p14:creationId xmlns:p14="http://schemas.microsoft.com/office/powerpoint/2010/main" val="522996795"/>
+        <p14:creationId xmlns:p14="http://schemas.microsoft.com/office/powerpoint/2010/main" val="1957808698"/>
       </p:ext>
     </p:extLst>
   </p:cSld>
@@ -3683,7 +3534,7 @@
           <a:p>
             <a:r>
               <a:rPr lang="ru-RU" dirty="0" smtClean="0"/>
-              <a:t>Хранилище поисковой информации</a:t>
+              <a:t>Класс – ретранслятор. Возможности</a:t>
             </a:r>
             <a:endParaRPr lang="ru-RU" dirty="0"/>
           </a:p>
@@ -3704,24 +3555,198 @@
           <a:bodyPr/>
           <a:lstStyle/>
           <a:p>
-            <a:r>
-              <a:rPr lang="ru-RU" dirty="0" smtClean="0"/>
-              <a:t>Для реализации данной компоненты было предложено рассмотреть несколько структур данных: массив, список, дерево. Проанализировав сложность основных операций пришли к выводу, что для решения нашей задачи понадобится АВЛ-дерево.</a:t>
-            </a:r>
-            <a:r>
-              <a:rPr lang="en-US" dirty="0" smtClean="0"/>
+            <a:pPr algn="just"/>
+            <a:r>
+              <a:rPr lang="ru-RU" sz="2800" dirty="0"/>
+              <a:t>Главное допущение – аргумент функции обозначается </a:t>
+            </a:r>
+            <a:r>
+              <a:rPr lang="ru-RU" sz="2800" dirty="0" smtClean="0"/>
+              <a:t>ТОЛЬКО строчным </a:t>
+            </a:r>
+            <a:r>
+              <a:rPr lang="ru-RU" sz="2800" dirty="0"/>
+              <a:t>символом </a:t>
+            </a:r>
+            <a:r>
+              <a:rPr lang="en-US" sz="2800" dirty="0"/>
+              <a:t>‘x</a:t>
+            </a:r>
+            <a:r>
+              <a:rPr lang="en-US" sz="2800" dirty="0" smtClean="0"/>
+              <a:t>’</a:t>
+            </a:r>
+            <a:r>
+              <a:rPr lang="ru-RU" sz="2800" dirty="0" smtClean="0"/>
+              <a:t>.</a:t>
+            </a:r>
+            <a:endParaRPr lang="ru-RU" sz="2800" dirty="0"/>
+          </a:p>
+          <a:p>
+            <a:pPr algn="just"/>
+            <a:r>
+              <a:rPr lang="ru-RU" sz="2800" dirty="0" smtClean="0"/>
+              <a:t>Поддерживаемые функции: </a:t>
+            </a:r>
+          </a:p>
+          <a:p>
+            <a:pPr marL="0" indent="0" algn="just">
+              <a:buNone/>
+            </a:pPr>
+            <a:r>
+              <a:rPr lang="ru-RU" sz="2800" dirty="0"/>
+              <a:t>	</a:t>
+            </a:r>
+            <a:r>
+              <a:rPr lang="en-US" sz="2800" dirty="0" smtClean="0"/>
+              <a:t>sin(), cos(), </a:t>
+            </a:r>
+            <a:r>
+              <a:rPr lang="en-US" sz="2800" dirty="0" err="1" smtClean="0"/>
+              <a:t>tg</a:t>
+            </a:r>
+            <a:r>
+              <a:rPr lang="en-US" sz="2800" dirty="0" smtClean="0"/>
+              <a:t>(), </a:t>
+            </a:r>
+            <a:r>
+              <a:rPr lang="en-US" sz="2800" dirty="0" err="1" smtClean="0"/>
+              <a:t>ctg</a:t>
+            </a:r>
+            <a:r>
+              <a:rPr lang="en-US" sz="2800" dirty="0" smtClean="0"/>
+              <a:t>(), ln(), abs()</a:t>
+            </a:r>
+            <a:r>
+              <a:rPr lang="ru-RU" sz="2800" dirty="0" smtClean="0"/>
+              <a:t>.</a:t>
+            </a:r>
+          </a:p>
+          <a:p>
+            <a:pPr algn="just"/>
+            <a:r>
+              <a:rPr lang="ru-RU" sz="2800" dirty="0" smtClean="0"/>
+              <a:t>Основные методы:</a:t>
+            </a:r>
+          </a:p>
+          <a:p>
+            <a:pPr marL="0" indent="0" algn="just">
+              <a:buNone/>
+            </a:pPr>
+            <a:r>
+              <a:rPr lang="ru-RU" sz="2800" dirty="0" smtClean="0"/>
+              <a:t>	</a:t>
+            </a:r>
+            <a:r>
+              <a:rPr lang="en-US" sz="2800" dirty="0"/>
+              <a:t>void </a:t>
+            </a:r>
+            <a:r>
+              <a:rPr lang="en-US" sz="2800" dirty="0" err="1" smtClean="0"/>
+              <a:t>SetFunction</a:t>
+            </a:r>
+            <a:r>
+              <a:rPr lang="ru-RU" sz="2800" dirty="0" smtClean="0"/>
               <a:t> </a:t>
             </a:r>
-            <a:endParaRPr lang="ru-RU" dirty="0" smtClean="0"/>
-          </a:p>
-          <a:p>
-            <a:r>
-              <a:rPr lang="ru-RU" dirty="0" smtClean="0"/>
-              <a:t>Выбранная структура данных используется для построения графика введенной функции.</a:t>
-            </a:r>
-          </a:p>
-          <a:p>
-            <a:endParaRPr lang="ru-RU" dirty="0"/>
+            <a:r>
+              <a:rPr lang="en-US" sz="2800" dirty="0" smtClean="0"/>
+              <a:t>(string</a:t>
+            </a:r>
+            <a:r>
+              <a:rPr lang="ru-RU" sz="2800" dirty="0" smtClean="0"/>
+              <a:t> </a:t>
+            </a:r>
+            <a:r>
+              <a:rPr lang="en-US" sz="2800" dirty="0" smtClean="0">
+                <a:solidFill>
+                  <a:srgbClr val="00B050"/>
+                </a:solidFill>
+              </a:rPr>
+              <a:t>Line</a:t>
+            </a:r>
+            <a:r>
+              <a:rPr lang="en-US" sz="2800" dirty="0" smtClean="0"/>
+              <a:t>)</a:t>
+            </a:r>
+            <a:r>
+              <a:rPr lang="ru-RU" sz="2800" dirty="0" smtClean="0"/>
+              <a:t> – проверяет правильность поступившей строки </a:t>
+            </a:r>
+            <a:r>
+              <a:rPr lang="en-US" sz="2800" dirty="0" smtClean="0">
+                <a:solidFill>
+                  <a:srgbClr val="00B050"/>
+                </a:solidFill>
+              </a:rPr>
+              <a:t>Line</a:t>
+            </a:r>
+            <a:r>
+              <a:rPr lang="en-US" sz="2800" dirty="0" smtClean="0"/>
+              <a:t> </a:t>
+            </a:r>
+            <a:r>
+              <a:rPr lang="ru-RU" sz="2800" dirty="0" smtClean="0"/>
+              <a:t>и задает функцию</a:t>
+            </a:r>
+            <a:r>
+              <a:rPr lang="en-US" sz="2800" dirty="0" smtClean="0"/>
+              <a:t>;</a:t>
+            </a:r>
+          </a:p>
+          <a:p>
+            <a:pPr marL="0" indent="0" algn="just">
+              <a:buNone/>
+            </a:pPr>
+            <a:r>
+              <a:rPr lang="en-US" sz="2800" dirty="0"/>
+              <a:t>	double </a:t>
+            </a:r>
+            <a:r>
+              <a:rPr lang="en-US" sz="2800" dirty="0" smtClean="0"/>
+              <a:t>Calculate(double </a:t>
+            </a:r>
+            <a:r>
+              <a:rPr lang="en-US" sz="2800" dirty="0" smtClean="0">
+                <a:solidFill>
+                  <a:srgbClr val="00B050"/>
+                </a:solidFill>
+              </a:rPr>
+              <a:t>x</a:t>
+            </a:r>
+            <a:r>
+              <a:rPr lang="en-US" sz="2800" dirty="0" smtClean="0"/>
+              <a:t>) – </a:t>
+            </a:r>
+            <a:r>
+              <a:rPr lang="ru-RU" sz="2800" dirty="0" smtClean="0"/>
+              <a:t>подсчитывает значение функции в</a:t>
+            </a:r>
+            <a:r>
+              <a:rPr lang="en-US" sz="2800" dirty="0" smtClean="0"/>
+              <a:t> </a:t>
+            </a:r>
+            <a:r>
+              <a:rPr lang="ru-RU" sz="2800" dirty="0" smtClean="0"/>
+              <a:t>точке </a:t>
+            </a:r>
+            <a:r>
+              <a:rPr lang="en-US" sz="2800" dirty="0" smtClean="0">
+                <a:solidFill>
+                  <a:srgbClr val="00B050"/>
+                </a:solidFill>
+              </a:rPr>
+              <a:t>x</a:t>
+            </a:r>
+            <a:r>
+              <a:rPr lang="ru-RU" sz="2800" dirty="0"/>
+              <a:t>.</a:t>
+            </a:r>
+            <a:endParaRPr lang="ru-RU" sz="2800" dirty="0">
+              <a:solidFill>
+                <a:srgbClr val="00B050"/>
+              </a:solidFill>
+            </a:endParaRPr>
           </a:p>
         </p:txBody>
       </p:sp>
@@ -3807,6 +3832,189 @@
                 <a:defRPr/>
               </a:pPr>
               <a:t>11</a:t>
+            </a:fld>
+            <a:endParaRPr lang="ru-RU" dirty="0"/>
+          </a:p>
+        </p:txBody>
+      </p:sp>
+    </p:spTree>
+    <p:extLst>
+      <p:ext uri="{BB962C8B-B14F-4D97-AF65-F5344CB8AC3E}">
+        <p14:creationId xmlns:p14="http://schemas.microsoft.com/office/powerpoint/2010/main" val="522996795"/>
+      </p:ext>
+    </p:extLst>
+  </p:cSld>
+  <p:clrMapOvr>
+    <a:masterClrMapping/>
+  </p:clrMapOvr>
+  <p:timing>
+    <p:tnLst>
+      <p:par>
+        <p:cTn id="1" dur="indefinite" restart="never" nodeType="tmRoot"/>
+      </p:par>
+    </p:tnLst>
+  </p:timing>
+</p:sld>
+</file>
+
+<file path=ppt/slides/slide12.xml><?xml version="1.0" encoding="utf-8"?>
+<p:sld xmlns:a="http://schemas.openxmlformats.org/drawingml/2006/main" xmlns:r="http://schemas.openxmlformats.org/officeDocument/2006/relationships" xmlns:p="http://schemas.openxmlformats.org/presentationml/2006/main">
+  <p:cSld>
+    <p:spTree>
+      <p:nvGrpSpPr>
+        <p:cNvPr id="1" name=""/>
+        <p:cNvGrpSpPr/>
+        <p:nvPr/>
+      </p:nvGrpSpPr>
+      <p:grpSpPr>
+        <a:xfrm>
+          <a:off x="0" y="0"/>
+          <a:ext cx="0" cy="0"/>
+          <a:chOff x="0" y="0"/>
+          <a:chExt cx="0" cy="0"/>
+        </a:xfrm>
+      </p:grpSpPr>
+      <p:sp>
+        <p:nvSpPr>
+          <p:cNvPr id="2" name="Заголовок 1"/>
+          <p:cNvSpPr>
+            <a:spLocks noGrp="1"/>
+          </p:cNvSpPr>
+          <p:nvPr>
+            <p:ph type="title"/>
+          </p:nvPr>
+        </p:nvSpPr>
+        <p:spPr/>
+        <p:txBody>
+          <a:bodyPr/>
+          <a:lstStyle/>
+          <a:p>
+            <a:r>
+              <a:rPr lang="ru-RU" dirty="0" smtClean="0"/>
+              <a:t>Хранилище поисковой информации</a:t>
+            </a:r>
+            <a:endParaRPr lang="ru-RU" dirty="0"/>
+          </a:p>
+        </p:txBody>
+      </p:sp>
+      <p:sp>
+        <p:nvSpPr>
+          <p:cNvPr id="3" name="Объект 2"/>
+          <p:cNvSpPr>
+            <a:spLocks noGrp="1"/>
+          </p:cNvSpPr>
+          <p:nvPr>
+            <p:ph idx="1"/>
+          </p:nvPr>
+        </p:nvSpPr>
+        <p:spPr/>
+        <p:txBody>
+          <a:bodyPr/>
+          <a:lstStyle/>
+          <a:p>
+            <a:r>
+              <a:rPr lang="ru-RU" dirty="0" smtClean="0"/>
+              <a:t>Для реализации данной компоненты было предложено рассмотреть несколько структур данных: массив, список, дерево. Проанализировав сложность основных операций пришли к выводу, что для решения нашей задачи понадобится АВЛ-дерево.</a:t>
+            </a:r>
+            <a:r>
+              <a:rPr lang="en-US" dirty="0" smtClean="0"/>
+              <a:t> </a:t>
+            </a:r>
+            <a:endParaRPr lang="ru-RU" dirty="0" smtClean="0"/>
+          </a:p>
+          <a:p>
+            <a:r>
+              <a:rPr lang="ru-RU" dirty="0" smtClean="0"/>
+              <a:t>Выбранная структура данных используется для построения графика введенной функции.</a:t>
+            </a:r>
+          </a:p>
+          <a:p>
+            <a:endParaRPr lang="ru-RU" dirty="0"/>
+          </a:p>
+        </p:txBody>
+      </p:sp>
+      <p:sp>
+        <p:nvSpPr>
+          <p:cNvPr id="4" name="Дата 3"/>
+          <p:cNvSpPr>
+            <a:spLocks noGrp="1"/>
+          </p:cNvSpPr>
+          <p:nvPr>
+            <p:ph type="dt" sz="half" idx="2"/>
+          </p:nvPr>
+        </p:nvSpPr>
+        <p:spPr/>
+        <p:txBody>
+          <a:bodyPr/>
+          <a:lstStyle/>
+          <a:p>
+            <a:pPr>
+              <a:lnSpc>
+                <a:spcPct val="150000"/>
+              </a:lnSpc>
+              <a:defRPr/>
+            </a:pPr>
+            <a:r>
+              <a:rPr lang="ru-RU" smtClean="0"/>
+              <a:t>Нижний Новгород, 2017 г.</a:t>
+            </a:r>
+            <a:endParaRPr lang="ru-RU" dirty="0"/>
+          </a:p>
+        </p:txBody>
+      </p:sp>
+      <p:sp>
+        <p:nvSpPr>
+          <p:cNvPr id="5" name="Нижний колонтитул 4"/>
+          <p:cNvSpPr>
+            <a:spLocks noGrp="1"/>
+          </p:cNvSpPr>
+          <p:nvPr>
+            <p:ph type="ftr" sz="quarter" idx="3"/>
+          </p:nvPr>
+        </p:nvSpPr>
+        <p:spPr/>
+        <p:txBody>
+          <a:bodyPr/>
+          <a:lstStyle/>
+          <a:p>
+            <a:pPr>
+              <a:lnSpc>
+                <a:spcPct val="150000"/>
+              </a:lnSpc>
+              <a:defRPr/>
+            </a:pPr>
+            <a:r>
+              <a:rPr lang="ru-RU" smtClean="0"/>
+              <a:t>Мини-проект по глобальной оптимизации</a:t>
+            </a:r>
+            <a:endParaRPr lang="ru-RU" dirty="0" smtClean="0"/>
+          </a:p>
+        </p:txBody>
+      </p:sp>
+      <p:sp>
+        <p:nvSpPr>
+          <p:cNvPr id="6" name="Номер слайда 5"/>
+          <p:cNvSpPr>
+            <a:spLocks noGrp="1"/>
+          </p:cNvSpPr>
+          <p:nvPr>
+            <p:ph type="sldNum" sz="quarter" idx="4"/>
+          </p:nvPr>
+        </p:nvSpPr>
+        <p:spPr/>
+        <p:txBody>
+          <a:bodyPr/>
+          <a:lstStyle/>
+          <a:p>
+            <a:pPr>
+              <a:defRPr/>
+            </a:pPr>
+            <a:fld id="{4F2367BF-7A57-4F5A-B357-719264272D2E}" type="slidenum">
+              <a:rPr lang="ru-RU" smtClean="0"/>
+              <a:pPr>
+                <a:defRPr/>
+              </a:pPr>
+              <a:t>12</a:t>
             </a:fld>
             <a:endParaRPr lang="ru-RU" dirty="0"/>
           </a:p>
@@ -3825,7 +4033,7 @@
 </p:sld>
 </file>
 
-<file path=ppt/slides/slide12.xml><?xml version="1.0" encoding="utf-8"?>
+<file path=ppt/slides/slide13.xml><?xml version="1.0" encoding="utf-8"?>
 <p:sld xmlns:a="http://schemas.openxmlformats.org/drawingml/2006/main" xmlns:r="http://schemas.openxmlformats.org/officeDocument/2006/relationships" xmlns:p="http://schemas.openxmlformats.org/presentationml/2006/main">
   <p:cSld>
     <p:spTree>
@@ -4619,7 +4827,7 @@
               <a:pPr>
                 <a:defRPr/>
               </a:pPr>
-              <a:t>12</a:t>
+              <a:t>13</a:t>
             </a:fld>
             <a:endParaRPr lang="ru-RU" dirty="0"/>
           </a:p>
@@ -4629,162 +4837,6 @@
     <p:extLst>
       <p:ext uri="{BB962C8B-B14F-4D97-AF65-F5344CB8AC3E}">
         <p14:creationId xmlns:p14="http://schemas.microsoft.com/office/powerpoint/2010/main" val="1390628246"/>
-      </p:ext>
-    </p:extLst>
-  </p:cSld>
-  <p:clrMapOvr>
-    <a:masterClrMapping/>
-  </p:clrMapOvr>
-</p:sld>
-</file>
-
-<file path=ppt/slides/slide13.xml><?xml version="1.0" encoding="utf-8"?>
-<p:sld xmlns:a="http://schemas.openxmlformats.org/drawingml/2006/main" xmlns:r="http://schemas.openxmlformats.org/officeDocument/2006/relationships" xmlns:p="http://schemas.openxmlformats.org/presentationml/2006/main">
-  <p:cSld>
-    <p:spTree>
-      <p:nvGrpSpPr>
-        <p:cNvPr id="1" name=""/>
-        <p:cNvGrpSpPr/>
-        <p:nvPr/>
-      </p:nvGrpSpPr>
-      <p:grpSpPr>
-        <a:xfrm>
-          <a:off x="0" y="0"/>
-          <a:ext cx="0" cy="0"/>
-          <a:chOff x="0" y="0"/>
-          <a:chExt cx="0" cy="0"/>
-        </a:xfrm>
-      </p:grpSpPr>
-      <p:sp>
-        <p:nvSpPr>
-          <p:cNvPr id="2" name="Заголовок 1"/>
-          <p:cNvSpPr>
-            <a:spLocks noGrp="1"/>
-          </p:cNvSpPr>
-          <p:nvPr>
-            <p:ph type="title"/>
-          </p:nvPr>
-        </p:nvSpPr>
-        <p:spPr/>
-        <p:txBody>
-          <a:bodyPr/>
-          <a:lstStyle/>
-          <a:p>
-            <a:r>
-              <a:rPr lang="ru-RU" dirty="0" smtClean="0"/>
-              <a:t>Результаты </a:t>
-            </a:r>
-            <a:r>
-              <a:rPr lang="ru-RU" dirty="0"/>
-              <a:t>вычислительных экспериментов</a:t>
-            </a:r>
-          </a:p>
-        </p:txBody>
-      </p:sp>
-      <p:sp>
-        <p:nvSpPr>
-          <p:cNvPr id="3" name="Содержимое 2"/>
-          <p:cNvSpPr>
-            <a:spLocks noGrp="1"/>
-          </p:cNvSpPr>
-          <p:nvPr>
-            <p:ph idx="1"/>
-          </p:nvPr>
-        </p:nvSpPr>
-        <p:spPr/>
-        <p:txBody>
-          <a:bodyPr/>
-          <a:lstStyle/>
-          <a:p>
-            <a:endParaRPr lang="ru-RU" dirty="0" smtClean="0"/>
-          </a:p>
-        </p:txBody>
-      </p:sp>
-      <p:sp>
-        <p:nvSpPr>
-          <p:cNvPr id="6" name="Дата 5"/>
-          <p:cNvSpPr>
-            <a:spLocks noGrp="1"/>
-          </p:cNvSpPr>
-          <p:nvPr>
-            <p:ph type="dt" sz="half" idx="2"/>
-          </p:nvPr>
-        </p:nvSpPr>
-        <p:spPr/>
-        <p:txBody>
-          <a:bodyPr/>
-          <a:lstStyle/>
-          <a:p>
-            <a:pPr>
-              <a:defRPr/>
-            </a:pPr>
-            <a:r>
-              <a:rPr lang="ru-RU" smtClean="0"/>
-              <a:t>Нижний Новгород, 2017 г.</a:t>
-            </a:r>
-            <a:endParaRPr lang="ru-RU" dirty="0"/>
-          </a:p>
-        </p:txBody>
-      </p:sp>
-      <p:sp>
-        <p:nvSpPr>
-          <p:cNvPr id="7" name="Номер слайда 6"/>
-          <p:cNvSpPr>
-            <a:spLocks noGrp="1"/>
-          </p:cNvSpPr>
-          <p:nvPr>
-            <p:ph type="sldNum" sz="quarter" idx="4"/>
-          </p:nvPr>
-        </p:nvSpPr>
-        <p:spPr/>
-        <p:txBody>
-          <a:bodyPr/>
-          <a:lstStyle/>
-          <a:p>
-            <a:pPr>
-              <a:defRPr/>
-            </a:pPr>
-            <a:fld id="{4F2367BF-7A57-4F5A-B357-719264272D2E}" type="slidenum">
-              <a:rPr lang="ru-RU" smtClean="0"/>
-              <a:pPr>
-                <a:defRPr/>
-              </a:pPr>
-              <a:t>13</a:t>
-            </a:fld>
-            <a:endParaRPr lang="ru-RU" dirty="0"/>
-          </a:p>
-        </p:txBody>
-      </p:sp>
-      <p:sp>
-        <p:nvSpPr>
-          <p:cNvPr id="8" name="Нижний колонтитул 7"/>
-          <p:cNvSpPr>
-            <a:spLocks noGrp="1"/>
-          </p:cNvSpPr>
-          <p:nvPr>
-            <p:ph type="ftr" sz="quarter" idx="3"/>
-          </p:nvPr>
-        </p:nvSpPr>
-        <p:spPr/>
-        <p:txBody>
-          <a:bodyPr/>
-          <a:lstStyle/>
-          <a:p>
-            <a:pPr>
-              <a:defRPr/>
-            </a:pPr>
-            <a:r>
-              <a:rPr lang="ru-RU" smtClean="0"/>
-              <a:t>Мини-проект по глобальной оптимизации</a:t>
-            </a:r>
-            <a:endParaRPr lang="ru-RU" dirty="0"/>
-          </a:p>
-        </p:txBody>
-      </p:sp>
-    </p:spTree>
-    <p:extLst>
-      <p:ext uri="{BB962C8B-B14F-4D97-AF65-F5344CB8AC3E}">
-        <p14:creationId xmlns:p14="http://schemas.microsoft.com/office/powerpoint/2010/main" val="49049457"/>
       </p:ext>
     </p:extLst>
   </p:cSld>
@@ -4828,9 +4880,12 @@
           <a:p>
             <a:r>
               <a:rPr lang="ru-RU" dirty="0" smtClean="0"/>
-              <a:t>Спасибо за внимание!</a:t>
-            </a:r>
-            <a:endParaRPr lang="en-US" dirty="0"/>
+              <a:t>Результаты </a:t>
+            </a:r>
+            <a:r>
+              <a:rPr lang="ru-RU" dirty="0"/>
+              <a:t>вычислительных экспериментов</a:t>
+            </a:r>
           </a:p>
         </p:txBody>
       </p:sp>
@@ -4849,30 +4904,7 @@
           <a:bodyPr/>
           <a:lstStyle/>
           <a:p>
-            <a:pPr algn="just"/>
             <a:endParaRPr lang="ru-RU" dirty="0" smtClean="0"/>
-          </a:p>
-          <a:p>
-            <a:pPr algn="just"/>
-            <a:endParaRPr lang="ru-RU" dirty="0"/>
-          </a:p>
-          <a:p>
-            <a:pPr algn="just"/>
-            <a:endParaRPr lang="ru-RU" dirty="0" smtClean="0"/>
-          </a:p>
-          <a:p>
-            <a:pPr algn="just"/>
-            <a:endParaRPr lang="ru-RU" dirty="0"/>
-          </a:p>
-          <a:p>
-            <a:pPr marL="0" indent="0" algn="ctr">
-              <a:buNone/>
-            </a:pPr>
-            <a:r>
-              <a:rPr lang="ru-RU" sz="3600" dirty="0" smtClean="0"/>
-              <a:t>Вопросы?</a:t>
-            </a:r>
-            <a:endParaRPr lang="en-US" sz="3600" dirty="0"/>
           </a:p>
         </p:txBody>
       </p:sp>
@@ -4926,6 +4958,182 @@
                 <a:defRPr/>
               </a:pPr>
               <a:t>14</a:t>
+            </a:fld>
+            <a:endParaRPr lang="ru-RU" dirty="0"/>
+          </a:p>
+        </p:txBody>
+      </p:sp>
+      <p:sp>
+        <p:nvSpPr>
+          <p:cNvPr id="8" name="Нижний колонтитул 7"/>
+          <p:cNvSpPr>
+            <a:spLocks noGrp="1"/>
+          </p:cNvSpPr>
+          <p:nvPr>
+            <p:ph type="ftr" sz="quarter" idx="3"/>
+          </p:nvPr>
+        </p:nvSpPr>
+        <p:spPr/>
+        <p:txBody>
+          <a:bodyPr/>
+          <a:lstStyle/>
+          <a:p>
+            <a:pPr>
+              <a:defRPr/>
+            </a:pPr>
+            <a:r>
+              <a:rPr lang="ru-RU" smtClean="0"/>
+              <a:t>Мини-проект по глобальной оптимизации</a:t>
+            </a:r>
+            <a:endParaRPr lang="ru-RU" dirty="0"/>
+          </a:p>
+        </p:txBody>
+      </p:sp>
+    </p:spTree>
+    <p:extLst>
+      <p:ext uri="{BB962C8B-B14F-4D97-AF65-F5344CB8AC3E}">
+        <p14:creationId xmlns:p14="http://schemas.microsoft.com/office/powerpoint/2010/main" val="49049457"/>
+      </p:ext>
+    </p:extLst>
+  </p:cSld>
+  <p:clrMapOvr>
+    <a:masterClrMapping/>
+  </p:clrMapOvr>
+</p:sld>
+</file>
+
+<file path=ppt/slides/slide15.xml><?xml version="1.0" encoding="utf-8"?>
+<p:sld xmlns:a="http://schemas.openxmlformats.org/drawingml/2006/main" xmlns:r="http://schemas.openxmlformats.org/officeDocument/2006/relationships" xmlns:p="http://schemas.openxmlformats.org/presentationml/2006/main">
+  <p:cSld>
+    <p:spTree>
+      <p:nvGrpSpPr>
+        <p:cNvPr id="1" name=""/>
+        <p:cNvGrpSpPr/>
+        <p:nvPr/>
+      </p:nvGrpSpPr>
+      <p:grpSpPr>
+        <a:xfrm>
+          <a:off x="0" y="0"/>
+          <a:ext cx="0" cy="0"/>
+          <a:chOff x="0" y="0"/>
+          <a:chExt cx="0" cy="0"/>
+        </a:xfrm>
+      </p:grpSpPr>
+      <p:sp>
+        <p:nvSpPr>
+          <p:cNvPr id="2" name="Заголовок 1"/>
+          <p:cNvSpPr>
+            <a:spLocks noGrp="1"/>
+          </p:cNvSpPr>
+          <p:nvPr>
+            <p:ph type="title"/>
+          </p:nvPr>
+        </p:nvSpPr>
+        <p:spPr/>
+        <p:txBody>
+          <a:bodyPr/>
+          <a:lstStyle/>
+          <a:p>
+            <a:r>
+              <a:rPr lang="ru-RU" dirty="0" smtClean="0"/>
+              <a:t>Спасибо за внимание!</a:t>
+            </a:r>
+            <a:endParaRPr lang="en-US" dirty="0"/>
+          </a:p>
+        </p:txBody>
+      </p:sp>
+      <p:sp>
+        <p:nvSpPr>
+          <p:cNvPr id="3" name="Содержимое 2"/>
+          <p:cNvSpPr>
+            <a:spLocks noGrp="1"/>
+          </p:cNvSpPr>
+          <p:nvPr>
+            <p:ph idx="1"/>
+          </p:nvPr>
+        </p:nvSpPr>
+        <p:spPr/>
+        <p:txBody>
+          <a:bodyPr/>
+          <a:lstStyle/>
+          <a:p>
+            <a:pPr algn="just"/>
+            <a:endParaRPr lang="ru-RU" dirty="0" smtClean="0"/>
+          </a:p>
+          <a:p>
+            <a:pPr algn="just"/>
+            <a:endParaRPr lang="ru-RU" dirty="0"/>
+          </a:p>
+          <a:p>
+            <a:pPr algn="just"/>
+            <a:endParaRPr lang="ru-RU" dirty="0" smtClean="0"/>
+          </a:p>
+          <a:p>
+            <a:pPr algn="just"/>
+            <a:endParaRPr lang="ru-RU" dirty="0"/>
+          </a:p>
+          <a:p>
+            <a:pPr marL="0" indent="0" algn="ctr">
+              <a:buNone/>
+            </a:pPr>
+            <a:r>
+              <a:rPr lang="ru-RU" sz="3600" dirty="0" smtClean="0"/>
+              <a:t>Вопросы?</a:t>
+            </a:r>
+            <a:endParaRPr lang="en-US" sz="3600" dirty="0"/>
+          </a:p>
+        </p:txBody>
+      </p:sp>
+      <p:sp>
+        <p:nvSpPr>
+          <p:cNvPr id="6" name="Дата 5"/>
+          <p:cNvSpPr>
+            <a:spLocks noGrp="1"/>
+          </p:cNvSpPr>
+          <p:nvPr>
+            <p:ph type="dt" sz="half" idx="2"/>
+          </p:nvPr>
+        </p:nvSpPr>
+        <p:spPr/>
+        <p:txBody>
+          <a:bodyPr/>
+          <a:lstStyle/>
+          <a:p>
+            <a:pPr>
+              <a:defRPr/>
+            </a:pPr>
+            <a:r>
+              <a:rPr lang="ru-RU" smtClean="0"/>
+              <a:t>Нижний Новгород, 2017 г.</a:t>
+            </a:r>
+            <a:endParaRPr lang="ru-RU" dirty="0"/>
+          </a:p>
+        </p:txBody>
+      </p:sp>
+      <p:sp>
+        <p:nvSpPr>
+          <p:cNvPr id="7" name="Номер слайда 6"/>
+          <p:cNvSpPr>
+            <a:spLocks noGrp="1"/>
+          </p:cNvSpPr>
+          <p:nvPr>
+            <p:ph type="sldNum" sz="quarter" idx="4"/>
+          </p:nvPr>
+        </p:nvSpPr>
+        <p:spPr/>
+        <p:txBody>
+          <a:bodyPr/>
+          <a:lstStyle/>
+          <a:p>
+            <a:pPr>
+              <a:defRPr/>
+            </a:pPr>
+            <a:fld id="{4F2367BF-7A57-4F5A-B357-719264272D2E}" type="slidenum">
+              <a:rPr lang="ru-RU" smtClean="0"/>
+              <a:pPr>
+                <a:defRPr/>
+              </a:pPr>
+              <a:t>15</a:t>
             </a:fld>
             <a:endParaRPr lang="ru-RU" dirty="0"/>
           </a:p>
@@ -7146,7 +7354,7 @@
           <a:p>
             <a:r>
               <a:rPr lang="ru-RU" dirty="0" smtClean="0"/>
-              <a:t>Класс - ретранслятор</a:t>
+              <a:t>Интерфейс</a:t>
             </a:r>
             <a:endParaRPr lang="ru-RU" dirty="0"/>
           </a:p>
@@ -7154,7 +7362,7 @@
       </p:sp>
       <p:sp>
         <p:nvSpPr>
-          <p:cNvPr id="3" name="Объект 2"/>
+          <p:cNvPr id="3" name="Содержимое 2"/>
           <p:cNvSpPr>
             <a:spLocks noGrp="1"/>
           </p:cNvSpPr>
@@ -7168,79 +7376,82 @@
           <a:lstStyle/>
           <a:p>
             <a:r>
-              <a:rPr lang="ru-RU" sz="2800" dirty="0" smtClean="0"/>
-              <a:t>Суть класса:</a:t>
-            </a:r>
-          </a:p>
-          <a:p>
-            <a:pPr marL="0" indent="0">
-              <a:buNone/>
-            </a:pPr>
-            <a:r>
-              <a:rPr lang="ru-RU" sz="2800" dirty="0"/>
-              <a:t>	</a:t>
-            </a:r>
-            <a:r>
-              <a:rPr lang="ru-RU" sz="2800" dirty="0" smtClean="0"/>
-              <a:t>Работает со строкой, задаваемой пользователем</a:t>
-            </a:r>
-            <a:r>
-              <a:rPr lang="en-US" sz="2800" dirty="0" smtClean="0"/>
+              <a:rPr lang="ru-RU" dirty="0" smtClean="0"/>
+              <a:t>Проанализировав поставленную задачу, из двух </a:t>
+            </a:r>
+            <a:r>
+              <a:rPr lang="ru-RU" dirty="0"/>
+              <a:t>языков программирования (С++</a:t>
+            </a:r>
+            <a:r>
+              <a:rPr lang="en-US" dirty="0"/>
+              <a:t>/C#</a:t>
+            </a:r>
+            <a:r>
+              <a:rPr lang="ru-RU" dirty="0"/>
+              <a:t>), </a:t>
+            </a:r>
+            <a:r>
+              <a:rPr lang="ru-RU" dirty="0" smtClean="0"/>
+              <a:t>с помощью которых возможно реализовать </a:t>
+            </a:r>
+            <a:r>
+              <a:rPr lang="ru-RU" dirty="0" smtClean="0"/>
+              <a:t>г</a:t>
+            </a:r>
+            <a:r>
+              <a:rPr lang="ru-RU" dirty="0" smtClean="0"/>
+              <a:t>рафический интерфейс программы, был выбран язык </a:t>
+            </a:r>
+            <a:r>
+              <a:rPr lang="en-US" dirty="0" smtClean="0"/>
+              <a:t>C#</a:t>
+            </a:r>
+            <a:r>
+              <a:rPr lang="ru-RU" dirty="0" smtClean="0"/>
+              <a:t>, так как с его помощью проще реализоват</a:t>
+            </a:r>
+            <a:r>
+              <a:rPr lang="ru-RU" dirty="0" smtClean="0"/>
+              <a:t>ь данную компоненту программу.</a:t>
+            </a:r>
+          </a:p>
+          <a:p>
+            <a:r>
+              <a:rPr lang="ru-RU" dirty="0" smtClean="0"/>
+              <a:t>Так же был </a:t>
+            </a:r>
+            <a:r>
+              <a:rPr lang="ru-RU" dirty="0"/>
+              <a:t>использован интерфейс программирования приложений (API), отвечающий за графический интерфейс </a:t>
+            </a:r>
+            <a:r>
+              <a:rPr lang="ru-RU" dirty="0" smtClean="0"/>
+              <a:t>пользователя, </a:t>
+            </a:r>
+            <a:r>
+              <a:rPr lang="ru-RU" dirty="0" err="1"/>
+              <a:t>Windows</a:t>
+            </a:r>
+            <a:r>
+              <a:rPr lang="ru-RU" dirty="0"/>
               <a:t> </a:t>
             </a:r>
             <a:r>
-              <a:rPr lang="ru-RU" sz="2800" dirty="0" smtClean="0"/>
-              <a:t>в поле ввода функции.</a:t>
-            </a:r>
-          </a:p>
-          <a:p>
-            <a:pPr marL="0" indent="0">
-              <a:buNone/>
-            </a:pPr>
-            <a:endParaRPr lang="ru-RU" sz="2800" dirty="0" smtClean="0"/>
-          </a:p>
-          <a:p>
-            <a:r>
-              <a:rPr lang="ru-RU" sz="2800" dirty="0" smtClean="0"/>
-              <a:t>Что делает:</a:t>
-            </a:r>
-          </a:p>
-          <a:p>
-            <a:pPr marL="0" indent="0">
-              <a:buNone/>
-            </a:pPr>
-            <a:r>
-              <a:rPr lang="ru-RU" sz="2800" dirty="0"/>
-              <a:t>	</a:t>
-            </a:r>
-            <a:r>
-              <a:rPr lang="ru-RU" sz="2800" dirty="0" smtClean="0"/>
-              <a:t>1) переводит строку, содержащую функцию в инфиксном в виде, в постфиксный;</a:t>
-            </a:r>
-          </a:p>
-          <a:p>
-            <a:pPr marL="0" indent="0">
-              <a:buNone/>
-            </a:pPr>
-            <a:r>
-              <a:rPr lang="ru-RU" sz="2800" dirty="0"/>
-              <a:t>	</a:t>
-            </a:r>
-            <a:r>
-              <a:rPr lang="ru-RU" sz="2800" dirty="0" smtClean="0"/>
-              <a:t>2) считает значение функции при заданном аргументе </a:t>
-            </a:r>
-            <a:r>
-              <a:rPr lang="en-US" sz="2800" dirty="0" smtClean="0"/>
-              <a:t>‘x’.</a:t>
-            </a:r>
-            <a:endParaRPr lang="ru-RU" sz="2800" dirty="0"/>
-          </a:p>
-        </p:txBody>
-      </p:sp>
-      <p:sp>
-        <p:nvSpPr>
-          <p:cNvPr id="4" name="Дата 3"/>
+              <a:rPr lang="ru-RU" dirty="0" err="1" smtClean="0"/>
+              <a:t>Forms</a:t>
+            </a:r>
+            <a:r>
+              <a:rPr lang="ru-RU" dirty="0"/>
+              <a:t>.</a:t>
+            </a:r>
+            <a:endParaRPr lang="ru-RU" dirty="0"/>
+          </a:p>
+        </p:txBody>
+      </p:sp>
+      <p:sp>
+        <p:nvSpPr>
+          <p:cNvPr id="6" name="Дата 5"/>
           <p:cNvSpPr>
             <a:spLocks noGrp="1"/>
           </p:cNvSpPr>
@@ -7254,9 +7465,6 @@
           <a:lstStyle/>
           <a:p>
             <a:pPr>
-              <a:lnSpc>
-                <a:spcPct val="150000"/>
-              </a:lnSpc>
               <a:defRPr/>
             </a:pPr>
             <a:r>
@@ -7269,36 +7477,7 @@
       </p:sp>
       <p:sp>
         <p:nvSpPr>
-          <p:cNvPr id="5" name="Нижний колонтитул 4"/>
-          <p:cNvSpPr>
-            <a:spLocks noGrp="1"/>
-          </p:cNvSpPr>
-          <p:nvPr>
-            <p:ph type="ftr" sz="quarter" idx="3"/>
-          </p:nvPr>
-        </p:nvSpPr>
-        <p:spPr/>
-        <p:txBody>
-          <a:bodyPr/>
-          <a:lstStyle/>
-          <a:p>
-            <a:pPr>
-              <a:lnSpc>
-                <a:spcPct val="150000"/>
-              </a:lnSpc>
-              <a:defRPr/>
-            </a:pPr>
-            <a:r>
-              <a:rPr lang="ru-RU" smtClean="0"/>
-              <a:t>Мини-проект по глобальной оптимизации</a:t>
-            </a:r>
-            <a:endParaRPr lang="ru-RU" dirty="0" smtClean="0"/>
-          </a:p>
-        </p:txBody>
-      </p:sp>
-      <p:sp>
-        <p:nvSpPr>
-          <p:cNvPr id="6" name="Номер слайда 5"/>
+          <p:cNvPr id="7" name="Номер слайда 6"/>
           <p:cNvSpPr>
             <a:spLocks noGrp="1"/>
           </p:cNvSpPr>
@@ -7325,23 +7504,42 @@
           </a:p>
         </p:txBody>
       </p:sp>
+      <p:sp>
+        <p:nvSpPr>
+          <p:cNvPr id="8" name="Нижний колонтитул 7"/>
+          <p:cNvSpPr>
+            <a:spLocks noGrp="1"/>
+          </p:cNvSpPr>
+          <p:nvPr>
+            <p:ph type="ftr" sz="quarter" idx="3"/>
+          </p:nvPr>
+        </p:nvSpPr>
+        <p:spPr/>
+        <p:txBody>
+          <a:bodyPr/>
+          <a:lstStyle/>
+          <a:p>
+            <a:pPr>
+              <a:defRPr/>
+            </a:pPr>
+            <a:r>
+              <a:rPr lang="ru-RU" smtClean="0"/>
+              <a:t>Мини-проект по глобальной оптимизации</a:t>
+            </a:r>
+            <a:endParaRPr lang="ru-RU" dirty="0"/>
+          </a:p>
+        </p:txBody>
+      </p:sp>
     </p:spTree>
     <p:extLst>
       <p:ext uri="{BB962C8B-B14F-4D97-AF65-F5344CB8AC3E}">
-        <p14:creationId xmlns:p14="http://schemas.microsoft.com/office/powerpoint/2010/main" val="2902605297"/>
+        <p14:creationId xmlns:p14="http://schemas.microsoft.com/office/powerpoint/2010/main" val="1538381172"/>
       </p:ext>
     </p:extLst>
   </p:cSld>
   <p:clrMapOvr>
     <a:masterClrMapping/>
   </p:clrMapOvr>
-  <p:timing>
-    <p:tnLst>
-      <p:par>
-        <p:cTn id="1" dur="indefinite" restart="never" nodeType="tmRoot"/>
-      </p:par>
-    </p:tnLst>
-  </p:timing>
 </p:sld>
 </file>
 
@@ -7378,20 +7576,8 @@
           <a:lstStyle/>
           <a:p>
             <a:r>
-              <a:rPr lang="ru-RU" dirty="0"/>
-              <a:t>Класс </a:t>
-            </a:r>
-            <a:r>
               <a:rPr lang="ru-RU" dirty="0" smtClean="0"/>
-              <a:t>– ретранслятор</a:t>
-            </a:r>
-            <a:r>
-              <a:rPr lang="en-US" dirty="0" smtClean="0"/>
-              <a:t>. </a:t>
-            </a:r>
-            <a:r>
-              <a:rPr lang="ru-RU" dirty="0" smtClean="0"/>
-              <a:t>Алгоритмы</a:t>
+              <a:t>Класс - ретранслятор</a:t>
             </a:r>
             <a:endParaRPr lang="ru-RU" dirty="0"/>
           </a:p>
@@ -7414,21 +7600,29 @@
           <a:p>
             <a:r>
               <a:rPr lang="ru-RU" sz="2800" dirty="0" smtClean="0"/>
-              <a:t>В алгоритмах перевода строки из инфиксного вида в постфиксный и подсчета значения функции используется </a:t>
+              <a:t>Суть класса:</a:t>
+            </a:r>
+          </a:p>
+          <a:p>
+            <a:pPr marL="0" indent="0">
+              <a:buNone/>
+            </a:pPr>
+            <a:r>
+              <a:rPr lang="ru-RU" sz="2800" dirty="0"/>
+              <a:t>	</a:t>
+            </a:r>
+            <a:r>
+              <a:rPr lang="ru-RU" sz="2800" dirty="0" smtClean="0"/>
+              <a:t>Работает со строкой, задаваемой пользователем</a:t>
             </a:r>
             <a:r>
               <a:rPr lang="en-US" sz="2800" dirty="0" smtClean="0"/>
-              <a:t>“stack” </a:t>
+              <a:t> </a:t>
             </a:r>
             <a:r>
               <a:rPr lang="ru-RU" sz="2800" dirty="0" smtClean="0"/>
-              <a:t>стандартной библиотеки шаблонов </a:t>
-            </a:r>
-            <a:r>
-              <a:rPr lang="en-US" sz="2800" dirty="0" smtClean="0"/>
-              <a:t>(STL).</a:t>
-            </a:r>
-            <a:endParaRPr lang="ru-RU" sz="2800" dirty="0" smtClean="0"/>
+              <a:t>в поле ввода функции.</a:t>
+            </a:r>
           </a:p>
           <a:p>
             <a:pPr marL="0" indent="0">
@@ -7439,9 +7633,39 @@
           <a:p>
             <a:r>
               <a:rPr lang="ru-RU" sz="2800" dirty="0" smtClean="0"/>
-              <a:t>Сами алгоритмы обработки строки взяты из лабораторной работы по дисциплине «Алгоритмы и Структуры Данных» (обработка арифметических выражений).</a:t>
-            </a:r>
-            <a:endParaRPr lang="en-US" sz="2800" dirty="0" smtClean="0"/>
+              <a:t>Что делает:</a:t>
+            </a:r>
+          </a:p>
+          <a:p>
+            <a:pPr marL="0" indent="0">
+              <a:buNone/>
+            </a:pPr>
+            <a:r>
+              <a:rPr lang="ru-RU" sz="2800" dirty="0"/>
+              <a:t>	</a:t>
+            </a:r>
+            <a:r>
+              <a:rPr lang="ru-RU" sz="2800" dirty="0" smtClean="0"/>
+              <a:t>1) переводит строку, содержащую функцию в инфиксном в виде, в постфиксный;</a:t>
+            </a:r>
+          </a:p>
+          <a:p>
+            <a:pPr marL="0" indent="0">
+              <a:buNone/>
+            </a:pPr>
+            <a:r>
+              <a:rPr lang="ru-RU" sz="2800" dirty="0"/>
+              <a:t>	</a:t>
+            </a:r>
+            <a:r>
+              <a:rPr lang="ru-RU" sz="2800" dirty="0" smtClean="0"/>
+              <a:t>2) считает значение функции при заданном аргументе </a:t>
+            </a:r>
+            <a:r>
+              <a:rPr lang="en-US" sz="2800" dirty="0" smtClean="0"/>
+              <a:t>‘x’.</a:t>
+            </a:r>
+            <a:endParaRPr lang="ru-RU" sz="2800" dirty="0"/>
           </a:p>
         </p:txBody>
       </p:sp>
@@ -7535,7 +7759,7 @@
     </p:spTree>
     <p:extLst>
       <p:ext uri="{BB962C8B-B14F-4D97-AF65-F5344CB8AC3E}">
-        <p14:creationId xmlns:p14="http://schemas.microsoft.com/office/powerpoint/2010/main" val="1957808698"/>
+        <p14:creationId xmlns:p14="http://schemas.microsoft.com/office/powerpoint/2010/main" val="2902605297"/>
       </p:ext>
     </p:extLst>
   </p:cSld>

--- a/storage structure.pptx
+++ b/storage structure.pptx
@@ -5,24 +5,25 @@
     <p:sldMasterId id="2147483660" r:id="rId1"/>
   </p:sldMasterIdLst>
   <p:notesMasterIdLst>
-    <p:notesMasterId r:id="rId17"/>
+    <p:notesMasterId r:id="rId18"/>
   </p:notesMasterIdLst>
   <p:sldIdLst>
     <p:sldId id="272" r:id="rId2"/>
     <p:sldId id="257" r:id="rId3"/>
     <p:sldId id="278" r:id="rId4"/>
     <p:sldId id="283" r:id="rId5"/>
-    <p:sldId id="289" r:id="rId6"/>
-    <p:sldId id="290" r:id="rId7"/>
-    <p:sldId id="285" r:id="rId8"/>
-    <p:sldId id="294" r:id="rId9"/>
-    <p:sldId id="291" r:id="rId10"/>
-    <p:sldId id="292" r:id="rId11"/>
-    <p:sldId id="293" r:id="rId12"/>
-    <p:sldId id="287" r:id="rId13"/>
-    <p:sldId id="288" r:id="rId14"/>
-    <p:sldId id="284" r:id="rId15"/>
-    <p:sldId id="282" r:id="rId16"/>
+    <p:sldId id="295" r:id="rId6"/>
+    <p:sldId id="289" r:id="rId7"/>
+    <p:sldId id="290" r:id="rId8"/>
+    <p:sldId id="285" r:id="rId9"/>
+    <p:sldId id="294" r:id="rId10"/>
+    <p:sldId id="291" r:id="rId11"/>
+    <p:sldId id="292" r:id="rId12"/>
+    <p:sldId id="293" r:id="rId13"/>
+    <p:sldId id="287" r:id="rId14"/>
+    <p:sldId id="288" r:id="rId15"/>
+    <p:sldId id="284" r:id="rId16"/>
+    <p:sldId id="282" r:id="rId17"/>
   </p:sldIdLst>
   <p:sldSz cx="9906000" cy="6858000" type="A4"/>
   <p:notesSz cx="6858000" cy="9144000"/>
@@ -3326,20 +3327,8 @@
           <a:lstStyle/>
           <a:p>
             <a:r>
-              <a:rPr lang="ru-RU" dirty="0"/>
-              <a:t>Класс </a:t>
-            </a:r>
-            <a:r>
               <a:rPr lang="ru-RU" dirty="0" smtClean="0"/>
-              <a:t>– ретранслятор</a:t>
-            </a:r>
-            <a:r>
-              <a:rPr lang="en-US" dirty="0" smtClean="0"/>
-              <a:t>. </a:t>
-            </a:r>
-            <a:r>
-              <a:rPr lang="ru-RU" dirty="0" smtClean="0"/>
-              <a:t>Алгоритмы</a:t>
+              <a:t>Класс - ретранслятор</a:t>
             </a:r>
             <a:endParaRPr lang="ru-RU" dirty="0"/>
           </a:p>
@@ -3362,21 +3351,29 @@
           <a:p>
             <a:r>
               <a:rPr lang="ru-RU" sz="2800" dirty="0" smtClean="0"/>
-              <a:t>В алгоритмах перевода строки из инфиксного вида в постфиксный и подсчета значения функции используется </a:t>
+              <a:t>Суть класса:</a:t>
+            </a:r>
+          </a:p>
+          <a:p>
+            <a:pPr marL="0" indent="0">
+              <a:buNone/>
+            </a:pPr>
+            <a:r>
+              <a:rPr lang="ru-RU" sz="2800" dirty="0"/>
+              <a:t>	</a:t>
+            </a:r>
+            <a:r>
+              <a:rPr lang="ru-RU" sz="2800" dirty="0" smtClean="0"/>
+              <a:t>Работает со строкой, задаваемой пользователем</a:t>
             </a:r>
             <a:r>
               <a:rPr lang="en-US" sz="2800" dirty="0" smtClean="0"/>
-              <a:t>“stack” </a:t>
+              <a:t> </a:t>
             </a:r>
             <a:r>
               <a:rPr lang="ru-RU" sz="2800" dirty="0" smtClean="0"/>
-              <a:t>стандартной библиотеки шаблонов </a:t>
-            </a:r>
-            <a:r>
-              <a:rPr lang="en-US" sz="2800" dirty="0" smtClean="0"/>
-              <a:t>(STL).</a:t>
-            </a:r>
-            <a:endParaRPr lang="ru-RU" sz="2800" dirty="0" smtClean="0"/>
+              <a:t>в поле ввода функции.</a:t>
+            </a:r>
           </a:p>
           <a:p>
             <a:pPr marL="0" indent="0">
@@ -3387,9 +3384,39 @@
           <a:p>
             <a:r>
               <a:rPr lang="ru-RU" sz="2800" dirty="0" smtClean="0"/>
-              <a:t>Сами алгоритмы обработки строки взяты из лабораторной работы по дисциплине «Алгоритмы и Структуры Данных» (обработка арифметических выражений).</a:t>
-            </a:r>
-            <a:endParaRPr lang="en-US" sz="2800" dirty="0" smtClean="0"/>
+              <a:t>Что делает:</a:t>
+            </a:r>
+          </a:p>
+          <a:p>
+            <a:pPr marL="0" indent="0">
+              <a:buNone/>
+            </a:pPr>
+            <a:r>
+              <a:rPr lang="ru-RU" sz="2800" dirty="0"/>
+              <a:t>	</a:t>
+            </a:r>
+            <a:r>
+              <a:rPr lang="ru-RU" sz="2800" dirty="0" smtClean="0"/>
+              <a:t>1) переводит строку, содержащую функцию в инфиксном в виде, в постфиксный;</a:t>
+            </a:r>
+          </a:p>
+          <a:p>
+            <a:pPr marL="0" indent="0">
+              <a:buNone/>
+            </a:pPr>
+            <a:r>
+              <a:rPr lang="ru-RU" sz="2800" dirty="0"/>
+              <a:t>	</a:t>
+            </a:r>
+            <a:r>
+              <a:rPr lang="ru-RU" sz="2800" dirty="0" smtClean="0"/>
+              <a:t>2) считает значение функции при заданном аргументе </a:t>
+            </a:r>
+            <a:r>
+              <a:rPr lang="en-US" sz="2800" dirty="0" smtClean="0"/>
+              <a:t>‘x’.</a:t>
+            </a:r>
+            <a:endParaRPr lang="ru-RU" sz="2800" dirty="0"/>
           </a:p>
         </p:txBody>
       </p:sp>
@@ -3483,7 +3510,7 @@
     </p:spTree>
     <p:extLst>
       <p:ext uri="{BB962C8B-B14F-4D97-AF65-F5344CB8AC3E}">
-        <p14:creationId xmlns:p14="http://schemas.microsoft.com/office/powerpoint/2010/main" val="1957808698"/>
+        <p14:creationId xmlns:p14="http://schemas.microsoft.com/office/powerpoint/2010/main" val="2902605297"/>
       </p:ext>
     </p:extLst>
   </p:cSld>
@@ -3533,8 +3560,20 @@
           <a:lstStyle/>
           <a:p>
             <a:r>
+              <a:rPr lang="ru-RU" dirty="0"/>
+              <a:t>Класс </a:t>
+            </a:r>
+            <a:r>
               <a:rPr lang="ru-RU" dirty="0" smtClean="0"/>
-              <a:t>Класс – ретранслятор. Возможности</a:t>
+              <a:t>– ретранслятор</a:t>
+            </a:r>
+            <a:r>
+              <a:rPr lang="en-US" dirty="0" smtClean="0"/>
+              <a:t>. </a:t>
+            </a:r>
+            <a:r>
+              <a:rPr lang="ru-RU" dirty="0" smtClean="0"/>
+              <a:t>Алгоритмы</a:t>
             </a:r>
             <a:endParaRPr lang="ru-RU" dirty="0"/>
           </a:p>
@@ -3555,198 +3594,36 @@
           <a:bodyPr/>
           <a:lstStyle/>
           <a:p>
-            <a:pPr algn="just"/>
-            <a:r>
-              <a:rPr lang="ru-RU" sz="2800" dirty="0"/>
-              <a:t>Главное допущение – аргумент функции обозначается </a:t>
-            </a:r>
             <a:r>
               <a:rPr lang="ru-RU" sz="2800" dirty="0" smtClean="0"/>
-              <a:t>ТОЛЬКО строчным </a:t>
-            </a:r>
-            <a:r>
-              <a:rPr lang="ru-RU" sz="2800" dirty="0"/>
-              <a:t>символом </a:t>
-            </a:r>
-            <a:r>
-              <a:rPr lang="en-US" sz="2800" dirty="0"/>
-              <a:t>‘x</a:t>
+              <a:t>В алгоритмах перевода строки из инфиксного вида в постфиксный и подсчета значения функции используется </a:t>
             </a:r>
             <a:r>
               <a:rPr lang="en-US" sz="2800" dirty="0" smtClean="0"/>
-              <a:t>’</a:t>
+              <a:t>“stack” </a:t>
             </a:r>
             <a:r>
               <a:rPr lang="ru-RU" sz="2800" dirty="0" smtClean="0"/>
-              <a:t>.</a:t>
-            </a:r>
-            <a:endParaRPr lang="ru-RU" sz="2800" dirty="0"/>
-          </a:p>
-          <a:p>
-            <a:pPr algn="just"/>
-            <a:r>
-              <a:rPr lang="ru-RU" sz="2800" dirty="0" smtClean="0"/>
-              <a:t>Поддерживаемые функции: </a:t>
-            </a:r>
-          </a:p>
-          <a:p>
-            <a:pPr marL="0" indent="0" algn="just">
+              <a:t>стандартной библиотеки шаблонов </a:t>
+            </a:r>
+            <a:r>
+              <a:rPr lang="en-US" sz="2800" dirty="0" smtClean="0"/>
+              <a:t>(STL).</a:t>
+            </a:r>
+            <a:endParaRPr lang="ru-RU" sz="2800" dirty="0" smtClean="0"/>
+          </a:p>
+          <a:p>
+            <a:pPr marL="0" indent="0">
               <a:buNone/>
             </a:pPr>
-            <a:r>
-              <a:rPr lang="ru-RU" sz="2800" dirty="0"/>
-              <a:t>	</a:t>
-            </a:r>
-            <a:r>
-              <a:rPr lang="en-US" sz="2800" dirty="0" smtClean="0"/>
-              <a:t>sin(), cos(), </a:t>
-            </a:r>
-            <a:r>
-              <a:rPr lang="en-US" sz="2800" dirty="0" err="1" smtClean="0"/>
-              <a:t>tg</a:t>
-            </a:r>
-            <a:r>
-              <a:rPr lang="en-US" sz="2800" dirty="0" smtClean="0"/>
-              <a:t>(), </a:t>
-            </a:r>
-            <a:r>
-              <a:rPr lang="en-US" sz="2800" dirty="0" err="1" smtClean="0"/>
-              <a:t>ctg</a:t>
-            </a:r>
-            <a:r>
-              <a:rPr lang="en-US" sz="2800" dirty="0" smtClean="0"/>
-              <a:t>(), ln(), abs()</a:t>
-            </a:r>
+            <a:endParaRPr lang="ru-RU" sz="2800" dirty="0" smtClean="0"/>
+          </a:p>
+          <a:p>
             <a:r>
               <a:rPr lang="ru-RU" sz="2800" dirty="0" smtClean="0"/>
-              <a:t>.</a:t>
-            </a:r>
-          </a:p>
-          <a:p>
-            <a:pPr algn="just"/>
-            <a:r>
-              <a:rPr lang="ru-RU" sz="2800" dirty="0" smtClean="0"/>
-              <a:t>Основные методы:</a:t>
-            </a:r>
-          </a:p>
-          <a:p>
-            <a:pPr marL="0" indent="0" algn="just">
-              <a:buNone/>
-            </a:pPr>
-            <a:r>
-              <a:rPr lang="ru-RU" sz="2800" dirty="0" smtClean="0"/>
-              <a:t>	</a:t>
-            </a:r>
-            <a:r>
-              <a:rPr lang="en-US" sz="2800" dirty="0"/>
-              <a:t>void </a:t>
-            </a:r>
-            <a:r>
-              <a:rPr lang="en-US" sz="2800" dirty="0" err="1" smtClean="0"/>
-              <a:t>SetFunction</a:t>
-            </a:r>
-            <a:r>
-              <a:rPr lang="ru-RU" sz="2800" dirty="0" smtClean="0"/>
-              <a:t> </a:t>
-            </a:r>
-            <a:r>
-              <a:rPr lang="en-US" sz="2800" dirty="0" smtClean="0"/>
-              <a:t>(string</a:t>
-            </a:r>
-            <a:r>
-              <a:rPr lang="ru-RU" sz="2800" dirty="0" smtClean="0"/>
-              <a:t> </a:t>
-            </a:r>
-            <a:r>
-              <a:rPr lang="en-US" sz="2800" dirty="0" smtClean="0">
-                <a:solidFill>
-                  <a:srgbClr val="00B050"/>
-                </a:solidFill>
-              </a:rPr>
-              <a:t>Line</a:t>
-            </a:r>
-            <a:r>
-              <a:rPr lang="en-US" sz="2800" dirty="0" smtClean="0"/>
-              <a:t>)</a:t>
-            </a:r>
-            <a:r>
-              <a:rPr lang="ru-RU" sz="2800" dirty="0" smtClean="0"/>
-              <a:t> – проверяет правильность поступившей строки </a:t>
-            </a:r>
-            <a:r>
-              <a:rPr lang="en-US" sz="2800" dirty="0" smtClean="0">
-                <a:solidFill>
-                  <a:srgbClr val="00B050"/>
-                </a:solidFill>
-              </a:rPr>
-              <a:t>Line</a:t>
-            </a:r>
-            <a:r>
-              <a:rPr lang="en-US" sz="2800" dirty="0" smtClean="0"/>
-              <a:t> </a:t>
-            </a:r>
-            <a:r>
-              <a:rPr lang="ru-RU" sz="2800" dirty="0" smtClean="0"/>
-              <a:t>и задает функцию</a:t>
-            </a:r>
-            <a:r>
-              <a:rPr lang="en-US" sz="2800" dirty="0" smtClean="0"/>
-              <a:t>;</a:t>
-            </a:r>
-          </a:p>
-          <a:p>
-            <a:pPr marL="0" indent="0" algn="just">
-              <a:buNone/>
-            </a:pPr>
-            <a:r>
-              <a:rPr lang="en-US" sz="2800" dirty="0"/>
-              <a:t>	double </a:t>
-            </a:r>
-            <a:r>
-              <a:rPr lang="en-US" sz="2800" dirty="0" smtClean="0"/>
-              <a:t>Calculate(double </a:t>
-            </a:r>
-            <a:r>
-              <a:rPr lang="en-US" sz="2800" dirty="0" smtClean="0">
-                <a:solidFill>
-                  <a:srgbClr val="00B050"/>
-                </a:solidFill>
-              </a:rPr>
-              <a:t>x</a:t>
-            </a:r>
-            <a:r>
-              <a:rPr lang="en-US" sz="2800" dirty="0" smtClean="0"/>
-              <a:t>) – </a:t>
-            </a:r>
-            <a:r>
-              <a:rPr lang="ru-RU" sz="2800" dirty="0" smtClean="0"/>
-              <a:t>подсчитывает значение функции в</a:t>
-            </a:r>
-            <a:r>
-              <a:rPr lang="en-US" sz="2800" dirty="0" smtClean="0"/>
-              <a:t> </a:t>
-            </a:r>
-            <a:r>
-              <a:rPr lang="ru-RU" sz="2800" dirty="0" smtClean="0"/>
-              <a:t>точке </a:t>
-            </a:r>
-            <a:r>
-              <a:rPr lang="en-US" sz="2800" dirty="0" smtClean="0">
-                <a:solidFill>
-                  <a:srgbClr val="00B050"/>
-                </a:solidFill>
-              </a:rPr>
-              <a:t>x</a:t>
-            </a:r>
-            <a:r>
-              <a:rPr lang="ru-RU" sz="2800" dirty="0"/>
-              <a:t>.</a:t>
-            </a:r>
-            <a:endParaRPr lang="ru-RU" sz="2800" dirty="0">
-              <a:solidFill>
-                <a:srgbClr val="00B050"/>
-              </a:solidFill>
-            </a:endParaRPr>
+              <a:t>Сами алгоритмы обработки строки взяты из лабораторной работы по дисциплине «Алгоритмы и Структуры Данных» (обработка арифметических выражений).</a:t>
+            </a:r>
+            <a:endParaRPr lang="en-US" sz="2800" dirty="0" smtClean="0"/>
           </a:p>
         </p:txBody>
       </p:sp>
@@ -3840,7 +3717,7 @@
     </p:spTree>
     <p:extLst>
       <p:ext uri="{BB962C8B-B14F-4D97-AF65-F5344CB8AC3E}">
-        <p14:creationId xmlns:p14="http://schemas.microsoft.com/office/powerpoint/2010/main" val="522996795"/>
+        <p14:creationId xmlns:p14="http://schemas.microsoft.com/office/powerpoint/2010/main" val="1957808698"/>
       </p:ext>
     </p:extLst>
   </p:cSld>
@@ -3891,7 +3768,7 @@
           <a:p>
             <a:r>
               <a:rPr lang="ru-RU" dirty="0" smtClean="0"/>
-              <a:t>Хранилище поисковой информации</a:t>
+              <a:t>Класс – ретранслятор. Возможности</a:t>
             </a:r>
             <a:endParaRPr lang="ru-RU" dirty="0"/>
           </a:p>
@@ -3912,24 +3789,198 @@
           <a:bodyPr/>
           <a:lstStyle/>
           <a:p>
-            <a:r>
-              <a:rPr lang="ru-RU" dirty="0" smtClean="0"/>
-              <a:t>Для реализации данной компоненты было предложено рассмотреть несколько структур данных: массив, список, дерево. Проанализировав сложность основных операций пришли к выводу, что для решения нашей задачи понадобится АВЛ-дерево.</a:t>
-            </a:r>
-            <a:r>
-              <a:rPr lang="en-US" dirty="0" smtClean="0"/>
+            <a:pPr algn="just"/>
+            <a:r>
+              <a:rPr lang="ru-RU" sz="2800" dirty="0"/>
+              <a:t>Главное допущение – аргумент функции обозначается </a:t>
+            </a:r>
+            <a:r>
+              <a:rPr lang="ru-RU" sz="2800" dirty="0" smtClean="0"/>
+              <a:t>ТОЛЬКО строчным </a:t>
+            </a:r>
+            <a:r>
+              <a:rPr lang="ru-RU" sz="2800" dirty="0"/>
+              <a:t>символом </a:t>
+            </a:r>
+            <a:r>
+              <a:rPr lang="en-US" sz="2800" dirty="0"/>
+              <a:t>‘x</a:t>
+            </a:r>
+            <a:r>
+              <a:rPr lang="en-US" sz="2800" dirty="0" smtClean="0"/>
+              <a:t>’</a:t>
+            </a:r>
+            <a:r>
+              <a:rPr lang="ru-RU" sz="2800" dirty="0" smtClean="0"/>
+              <a:t>.</a:t>
+            </a:r>
+            <a:endParaRPr lang="ru-RU" sz="2800" dirty="0"/>
+          </a:p>
+          <a:p>
+            <a:pPr algn="just"/>
+            <a:r>
+              <a:rPr lang="ru-RU" sz="2800" dirty="0" smtClean="0"/>
+              <a:t>Поддерживаемые функции: </a:t>
+            </a:r>
+          </a:p>
+          <a:p>
+            <a:pPr marL="0" indent="0" algn="just">
+              <a:buNone/>
+            </a:pPr>
+            <a:r>
+              <a:rPr lang="ru-RU" sz="2800" dirty="0"/>
+              <a:t>	</a:t>
+            </a:r>
+            <a:r>
+              <a:rPr lang="en-US" sz="2800" dirty="0" smtClean="0"/>
+              <a:t>sin(), cos(), </a:t>
+            </a:r>
+            <a:r>
+              <a:rPr lang="en-US" sz="2800" dirty="0" err="1" smtClean="0"/>
+              <a:t>tg</a:t>
+            </a:r>
+            <a:r>
+              <a:rPr lang="en-US" sz="2800" dirty="0" smtClean="0"/>
+              <a:t>(), </a:t>
+            </a:r>
+            <a:r>
+              <a:rPr lang="en-US" sz="2800" dirty="0" err="1" smtClean="0"/>
+              <a:t>ctg</a:t>
+            </a:r>
+            <a:r>
+              <a:rPr lang="en-US" sz="2800" dirty="0" smtClean="0"/>
+              <a:t>(), ln(), abs()</a:t>
+            </a:r>
+            <a:r>
+              <a:rPr lang="ru-RU" sz="2800" dirty="0" smtClean="0"/>
+              <a:t>.</a:t>
+            </a:r>
+          </a:p>
+          <a:p>
+            <a:pPr algn="just"/>
+            <a:r>
+              <a:rPr lang="ru-RU" sz="2800" dirty="0" smtClean="0"/>
+              <a:t>Основные методы:</a:t>
+            </a:r>
+          </a:p>
+          <a:p>
+            <a:pPr marL="0" indent="0" algn="just">
+              <a:buNone/>
+            </a:pPr>
+            <a:r>
+              <a:rPr lang="ru-RU" sz="2800" dirty="0" smtClean="0"/>
+              <a:t>	</a:t>
+            </a:r>
+            <a:r>
+              <a:rPr lang="en-US" sz="2800" dirty="0"/>
+              <a:t>void </a:t>
+            </a:r>
+            <a:r>
+              <a:rPr lang="en-US" sz="2800" dirty="0" err="1" smtClean="0"/>
+              <a:t>SetFunction</a:t>
+            </a:r>
+            <a:r>
+              <a:rPr lang="ru-RU" sz="2800" dirty="0" smtClean="0"/>
               <a:t> </a:t>
             </a:r>
-            <a:endParaRPr lang="ru-RU" dirty="0" smtClean="0"/>
-          </a:p>
-          <a:p>
-            <a:r>
-              <a:rPr lang="ru-RU" dirty="0" smtClean="0"/>
-              <a:t>Выбранная структура данных используется для построения графика введенной функции.</a:t>
-            </a:r>
-          </a:p>
-          <a:p>
-            <a:endParaRPr lang="ru-RU" dirty="0"/>
+            <a:r>
+              <a:rPr lang="en-US" sz="2800" dirty="0" smtClean="0"/>
+              <a:t>(string</a:t>
+            </a:r>
+            <a:r>
+              <a:rPr lang="ru-RU" sz="2800" dirty="0" smtClean="0"/>
+              <a:t> </a:t>
+            </a:r>
+            <a:r>
+              <a:rPr lang="en-US" sz="2800" dirty="0" smtClean="0">
+                <a:solidFill>
+                  <a:srgbClr val="00B050"/>
+                </a:solidFill>
+              </a:rPr>
+              <a:t>Line</a:t>
+            </a:r>
+            <a:r>
+              <a:rPr lang="en-US" sz="2800" dirty="0" smtClean="0"/>
+              <a:t>)</a:t>
+            </a:r>
+            <a:r>
+              <a:rPr lang="ru-RU" sz="2800" dirty="0" smtClean="0"/>
+              <a:t> – проверяет правильность поступившей строки </a:t>
+            </a:r>
+            <a:r>
+              <a:rPr lang="en-US" sz="2800" dirty="0" smtClean="0">
+                <a:solidFill>
+                  <a:srgbClr val="00B050"/>
+                </a:solidFill>
+              </a:rPr>
+              <a:t>Line</a:t>
+            </a:r>
+            <a:r>
+              <a:rPr lang="en-US" sz="2800" dirty="0" smtClean="0"/>
+              <a:t> </a:t>
+            </a:r>
+            <a:r>
+              <a:rPr lang="ru-RU" sz="2800" dirty="0" smtClean="0"/>
+              <a:t>и задает функцию</a:t>
+            </a:r>
+            <a:r>
+              <a:rPr lang="en-US" sz="2800" dirty="0" smtClean="0"/>
+              <a:t>;</a:t>
+            </a:r>
+          </a:p>
+          <a:p>
+            <a:pPr marL="0" indent="0" algn="just">
+              <a:buNone/>
+            </a:pPr>
+            <a:r>
+              <a:rPr lang="en-US" sz="2800" dirty="0"/>
+              <a:t>	double </a:t>
+            </a:r>
+            <a:r>
+              <a:rPr lang="en-US" sz="2800" dirty="0" smtClean="0"/>
+              <a:t>Calculate(double </a:t>
+            </a:r>
+            <a:r>
+              <a:rPr lang="en-US" sz="2800" dirty="0" smtClean="0">
+                <a:solidFill>
+                  <a:srgbClr val="00B050"/>
+                </a:solidFill>
+              </a:rPr>
+              <a:t>x</a:t>
+            </a:r>
+            <a:r>
+              <a:rPr lang="en-US" sz="2800" dirty="0" smtClean="0"/>
+              <a:t>) – </a:t>
+            </a:r>
+            <a:r>
+              <a:rPr lang="ru-RU" sz="2800" dirty="0" smtClean="0"/>
+              <a:t>подсчитывает значение функции в</a:t>
+            </a:r>
+            <a:r>
+              <a:rPr lang="en-US" sz="2800" dirty="0" smtClean="0"/>
+              <a:t> </a:t>
+            </a:r>
+            <a:r>
+              <a:rPr lang="ru-RU" sz="2800" dirty="0" smtClean="0"/>
+              <a:t>точке </a:t>
+            </a:r>
+            <a:r>
+              <a:rPr lang="en-US" sz="2800" dirty="0" smtClean="0">
+                <a:solidFill>
+                  <a:srgbClr val="00B050"/>
+                </a:solidFill>
+              </a:rPr>
+              <a:t>x</a:t>
+            </a:r>
+            <a:r>
+              <a:rPr lang="ru-RU" sz="2800" dirty="0"/>
+              <a:t>.</a:t>
+            </a:r>
+            <a:endParaRPr lang="ru-RU" sz="2800" dirty="0">
+              <a:solidFill>
+                <a:srgbClr val="00B050"/>
+              </a:solidFill>
+            </a:endParaRPr>
           </a:p>
         </p:txBody>
       </p:sp>
@@ -4015,6 +4066,189 @@
                 <a:defRPr/>
               </a:pPr>
               <a:t>12</a:t>
+            </a:fld>
+            <a:endParaRPr lang="ru-RU" dirty="0"/>
+          </a:p>
+        </p:txBody>
+      </p:sp>
+    </p:spTree>
+    <p:extLst>
+      <p:ext uri="{BB962C8B-B14F-4D97-AF65-F5344CB8AC3E}">
+        <p14:creationId xmlns:p14="http://schemas.microsoft.com/office/powerpoint/2010/main" val="522996795"/>
+      </p:ext>
+    </p:extLst>
+  </p:cSld>
+  <p:clrMapOvr>
+    <a:masterClrMapping/>
+  </p:clrMapOvr>
+  <p:timing>
+    <p:tnLst>
+      <p:par>
+        <p:cTn id="1" dur="indefinite" restart="never" nodeType="tmRoot"/>
+      </p:par>
+    </p:tnLst>
+  </p:timing>
+</p:sld>
+</file>
+
+<file path=ppt/slides/slide13.xml><?xml version="1.0" encoding="utf-8"?>
+<p:sld xmlns:a="http://schemas.openxmlformats.org/drawingml/2006/main" xmlns:r="http://schemas.openxmlformats.org/officeDocument/2006/relationships" xmlns:p="http://schemas.openxmlformats.org/presentationml/2006/main">
+  <p:cSld>
+    <p:spTree>
+      <p:nvGrpSpPr>
+        <p:cNvPr id="1" name=""/>
+        <p:cNvGrpSpPr/>
+        <p:nvPr/>
+      </p:nvGrpSpPr>
+      <p:grpSpPr>
+        <a:xfrm>
+          <a:off x="0" y="0"/>
+          <a:ext cx="0" cy="0"/>
+          <a:chOff x="0" y="0"/>
+          <a:chExt cx="0" cy="0"/>
+        </a:xfrm>
+      </p:grpSpPr>
+      <p:sp>
+        <p:nvSpPr>
+          <p:cNvPr id="2" name="Заголовок 1"/>
+          <p:cNvSpPr>
+            <a:spLocks noGrp="1"/>
+          </p:cNvSpPr>
+          <p:nvPr>
+            <p:ph type="title"/>
+          </p:nvPr>
+        </p:nvSpPr>
+        <p:spPr/>
+        <p:txBody>
+          <a:bodyPr/>
+          <a:lstStyle/>
+          <a:p>
+            <a:r>
+              <a:rPr lang="ru-RU" dirty="0" smtClean="0"/>
+              <a:t>Хранилище поисковой информации</a:t>
+            </a:r>
+            <a:endParaRPr lang="ru-RU" dirty="0"/>
+          </a:p>
+        </p:txBody>
+      </p:sp>
+      <p:sp>
+        <p:nvSpPr>
+          <p:cNvPr id="3" name="Объект 2"/>
+          <p:cNvSpPr>
+            <a:spLocks noGrp="1"/>
+          </p:cNvSpPr>
+          <p:nvPr>
+            <p:ph idx="1"/>
+          </p:nvPr>
+        </p:nvSpPr>
+        <p:spPr/>
+        <p:txBody>
+          <a:bodyPr/>
+          <a:lstStyle/>
+          <a:p>
+            <a:r>
+              <a:rPr lang="ru-RU" dirty="0" smtClean="0"/>
+              <a:t>Для реализации данной компоненты было предложено рассмотреть несколько структур данных: массив, список, дерево. Проанализировав сложность основных операций пришли к выводу, что для решения нашей задачи понадобится АВЛ-дерево.</a:t>
+            </a:r>
+            <a:r>
+              <a:rPr lang="en-US" dirty="0" smtClean="0"/>
+              <a:t> </a:t>
+            </a:r>
+            <a:endParaRPr lang="ru-RU" dirty="0" smtClean="0"/>
+          </a:p>
+          <a:p>
+            <a:r>
+              <a:rPr lang="ru-RU" dirty="0" smtClean="0"/>
+              <a:t>Выбранная структура данных используется для построения графика введенной функции.</a:t>
+            </a:r>
+          </a:p>
+          <a:p>
+            <a:endParaRPr lang="ru-RU" dirty="0"/>
+          </a:p>
+        </p:txBody>
+      </p:sp>
+      <p:sp>
+        <p:nvSpPr>
+          <p:cNvPr id="4" name="Дата 3"/>
+          <p:cNvSpPr>
+            <a:spLocks noGrp="1"/>
+          </p:cNvSpPr>
+          <p:nvPr>
+            <p:ph type="dt" sz="half" idx="2"/>
+          </p:nvPr>
+        </p:nvSpPr>
+        <p:spPr/>
+        <p:txBody>
+          <a:bodyPr/>
+          <a:lstStyle/>
+          <a:p>
+            <a:pPr>
+              <a:lnSpc>
+                <a:spcPct val="150000"/>
+              </a:lnSpc>
+              <a:defRPr/>
+            </a:pPr>
+            <a:r>
+              <a:rPr lang="ru-RU" smtClean="0"/>
+              <a:t>Нижний Новгород, 2017 г.</a:t>
+            </a:r>
+            <a:endParaRPr lang="ru-RU" dirty="0"/>
+          </a:p>
+        </p:txBody>
+      </p:sp>
+      <p:sp>
+        <p:nvSpPr>
+          <p:cNvPr id="5" name="Нижний колонтитул 4"/>
+          <p:cNvSpPr>
+            <a:spLocks noGrp="1"/>
+          </p:cNvSpPr>
+          <p:nvPr>
+            <p:ph type="ftr" sz="quarter" idx="3"/>
+          </p:nvPr>
+        </p:nvSpPr>
+        <p:spPr/>
+        <p:txBody>
+          <a:bodyPr/>
+          <a:lstStyle/>
+          <a:p>
+            <a:pPr>
+              <a:lnSpc>
+                <a:spcPct val="150000"/>
+              </a:lnSpc>
+              <a:defRPr/>
+            </a:pPr>
+            <a:r>
+              <a:rPr lang="ru-RU" smtClean="0"/>
+              <a:t>Мини-проект по глобальной оптимизации</a:t>
+            </a:r>
+            <a:endParaRPr lang="ru-RU" dirty="0" smtClean="0"/>
+          </a:p>
+        </p:txBody>
+      </p:sp>
+      <p:sp>
+        <p:nvSpPr>
+          <p:cNvPr id="6" name="Номер слайда 5"/>
+          <p:cNvSpPr>
+            <a:spLocks noGrp="1"/>
+          </p:cNvSpPr>
+          <p:nvPr>
+            <p:ph type="sldNum" sz="quarter" idx="4"/>
+          </p:nvPr>
+        </p:nvSpPr>
+        <p:spPr/>
+        <p:txBody>
+          <a:bodyPr/>
+          <a:lstStyle/>
+          <a:p>
+            <a:pPr>
+              <a:defRPr/>
+            </a:pPr>
+            <a:fld id="{4F2367BF-7A57-4F5A-B357-719264272D2E}" type="slidenum">
+              <a:rPr lang="ru-RU" smtClean="0"/>
+              <a:pPr>
+                <a:defRPr/>
+              </a:pPr>
+              <a:t>13</a:t>
             </a:fld>
             <a:endParaRPr lang="ru-RU" dirty="0"/>
           </a:p>
@@ -4033,7 +4267,7 @@
 </p:sld>
 </file>
 
-<file path=ppt/slides/slide13.xml><?xml version="1.0" encoding="utf-8"?>
+<file path=ppt/slides/slide14.xml><?xml version="1.0" encoding="utf-8"?>
 <p:sld xmlns:a="http://schemas.openxmlformats.org/drawingml/2006/main" xmlns:r="http://schemas.openxmlformats.org/officeDocument/2006/relationships" xmlns:p="http://schemas.openxmlformats.org/presentationml/2006/main">
   <p:cSld>
     <p:spTree>
@@ -4827,7 +5061,7 @@
               <a:pPr>
                 <a:defRPr/>
               </a:pPr>
-              <a:t>13</a:t>
+              <a:t>14</a:t>
             </a:fld>
             <a:endParaRPr lang="ru-RU" dirty="0"/>
           </a:p>
@@ -4837,162 +5071,6 @@
     <p:extLst>
       <p:ext uri="{BB962C8B-B14F-4D97-AF65-F5344CB8AC3E}">
         <p14:creationId xmlns:p14="http://schemas.microsoft.com/office/powerpoint/2010/main" val="1390628246"/>
-      </p:ext>
-    </p:extLst>
-  </p:cSld>
-  <p:clrMapOvr>
-    <a:masterClrMapping/>
-  </p:clrMapOvr>
-</p:sld>
-</file>
-
-<file path=ppt/slides/slide14.xml><?xml version="1.0" encoding="utf-8"?>
-<p:sld xmlns:a="http://schemas.openxmlformats.org/drawingml/2006/main" xmlns:r="http://schemas.openxmlformats.org/officeDocument/2006/relationships" xmlns:p="http://schemas.openxmlformats.org/presentationml/2006/main">
-  <p:cSld>
-    <p:spTree>
-      <p:nvGrpSpPr>
-        <p:cNvPr id="1" name=""/>
-        <p:cNvGrpSpPr/>
-        <p:nvPr/>
-      </p:nvGrpSpPr>
-      <p:grpSpPr>
-        <a:xfrm>
-          <a:off x="0" y="0"/>
-          <a:ext cx="0" cy="0"/>
-          <a:chOff x="0" y="0"/>
-          <a:chExt cx="0" cy="0"/>
-        </a:xfrm>
-      </p:grpSpPr>
-      <p:sp>
-        <p:nvSpPr>
-          <p:cNvPr id="2" name="Заголовок 1"/>
-          <p:cNvSpPr>
-            <a:spLocks noGrp="1"/>
-          </p:cNvSpPr>
-          <p:nvPr>
-            <p:ph type="title"/>
-          </p:nvPr>
-        </p:nvSpPr>
-        <p:spPr/>
-        <p:txBody>
-          <a:bodyPr/>
-          <a:lstStyle/>
-          <a:p>
-            <a:r>
-              <a:rPr lang="ru-RU" dirty="0" smtClean="0"/>
-              <a:t>Результаты </a:t>
-            </a:r>
-            <a:r>
-              <a:rPr lang="ru-RU" dirty="0"/>
-              <a:t>вычислительных экспериментов</a:t>
-            </a:r>
-          </a:p>
-        </p:txBody>
-      </p:sp>
-      <p:sp>
-        <p:nvSpPr>
-          <p:cNvPr id="3" name="Содержимое 2"/>
-          <p:cNvSpPr>
-            <a:spLocks noGrp="1"/>
-          </p:cNvSpPr>
-          <p:nvPr>
-            <p:ph idx="1"/>
-          </p:nvPr>
-        </p:nvSpPr>
-        <p:spPr/>
-        <p:txBody>
-          <a:bodyPr/>
-          <a:lstStyle/>
-          <a:p>
-            <a:endParaRPr lang="ru-RU" dirty="0" smtClean="0"/>
-          </a:p>
-        </p:txBody>
-      </p:sp>
-      <p:sp>
-        <p:nvSpPr>
-          <p:cNvPr id="6" name="Дата 5"/>
-          <p:cNvSpPr>
-            <a:spLocks noGrp="1"/>
-          </p:cNvSpPr>
-          <p:nvPr>
-            <p:ph type="dt" sz="half" idx="2"/>
-          </p:nvPr>
-        </p:nvSpPr>
-        <p:spPr/>
-        <p:txBody>
-          <a:bodyPr/>
-          <a:lstStyle/>
-          <a:p>
-            <a:pPr>
-              <a:defRPr/>
-            </a:pPr>
-            <a:r>
-              <a:rPr lang="ru-RU" smtClean="0"/>
-              <a:t>Нижний Новгород, 2017 г.</a:t>
-            </a:r>
-            <a:endParaRPr lang="ru-RU" dirty="0"/>
-          </a:p>
-        </p:txBody>
-      </p:sp>
-      <p:sp>
-        <p:nvSpPr>
-          <p:cNvPr id="7" name="Номер слайда 6"/>
-          <p:cNvSpPr>
-            <a:spLocks noGrp="1"/>
-          </p:cNvSpPr>
-          <p:nvPr>
-            <p:ph type="sldNum" sz="quarter" idx="4"/>
-          </p:nvPr>
-        </p:nvSpPr>
-        <p:spPr/>
-        <p:txBody>
-          <a:bodyPr/>
-          <a:lstStyle/>
-          <a:p>
-            <a:pPr>
-              <a:defRPr/>
-            </a:pPr>
-            <a:fld id="{4F2367BF-7A57-4F5A-B357-719264272D2E}" type="slidenum">
-              <a:rPr lang="ru-RU" smtClean="0"/>
-              <a:pPr>
-                <a:defRPr/>
-              </a:pPr>
-              <a:t>14</a:t>
-            </a:fld>
-            <a:endParaRPr lang="ru-RU" dirty="0"/>
-          </a:p>
-        </p:txBody>
-      </p:sp>
-      <p:sp>
-        <p:nvSpPr>
-          <p:cNvPr id="8" name="Нижний колонтитул 7"/>
-          <p:cNvSpPr>
-            <a:spLocks noGrp="1"/>
-          </p:cNvSpPr>
-          <p:nvPr>
-            <p:ph type="ftr" sz="quarter" idx="3"/>
-          </p:nvPr>
-        </p:nvSpPr>
-        <p:spPr/>
-        <p:txBody>
-          <a:bodyPr/>
-          <a:lstStyle/>
-          <a:p>
-            <a:pPr>
-              <a:defRPr/>
-            </a:pPr>
-            <a:r>
-              <a:rPr lang="ru-RU" smtClean="0"/>
-              <a:t>Мини-проект по глобальной оптимизации</a:t>
-            </a:r>
-            <a:endParaRPr lang="ru-RU" dirty="0"/>
-          </a:p>
-        </p:txBody>
-      </p:sp>
-    </p:spTree>
-    <p:extLst>
-      <p:ext uri="{BB962C8B-B14F-4D97-AF65-F5344CB8AC3E}">
-        <p14:creationId xmlns:p14="http://schemas.microsoft.com/office/powerpoint/2010/main" val="49049457"/>
       </p:ext>
     </p:extLst>
   </p:cSld>
@@ -5036,9 +5114,12 @@
           <a:p>
             <a:r>
               <a:rPr lang="ru-RU" dirty="0" smtClean="0"/>
-              <a:t>Спасибо за внимание!</a:t>
-            </a:r>
-            <a:endParaRPr lang="en-US" dirty="0"/>
+              <a:t>Результаты </a:t>
+            </a:r>
+            <a:r>
+              <a:rPr lang="ru-RU" dirty="0"/>
+              <a:t>вычислительных экспериментов</a:t>
+            </a:r>
           </a:p>
         </p:txBody>
       </p:sp>
@@ -5057,30 +5138,7 @@
           <a:bodyPr/>
           <a:lstStyle/>
           <a:p>
-            <a:pPr algn="just"/>
             <a:endParaRPr lang="ru-RU" dirty="0" smtClean="0"/>
-          </a:p>
-          <a:p>
-            <a:pPr algn="just"/>
-            <a:endParaRPr lang="ru-RU" dirty="0"/>
-          </a:p>
-          <a:p>
-            <a:pPr algn="just"/>
-            <a:endParaRPr lang="ru-RU" dirty="0" smtClean="0"/>
-          </a:p>
-          <a:p>
-            <a:pPr algn="just"/>
-            <a:endParaRPr lang="ru-RU" dirty="0"/>
-          </a:p>
-          <a:p>
-            <a:pPr marL="0" indent="0" algn="ctr">
-              <a:buNone/>
-            </a:pPr>
-            <a:r>
-              <a:rPr lang="ru-RU" sz="3600" dirty="0" smtClean="0"/>
-              <a:t>Вопросы?</a:t>
-            </a:r>
-            <a:endParaRPr lang="en-US" sz="3600" dirty="0"/>
           </a:p>
         </p:txBody>
       </p:sp>
@@ -5134,6 +5192,182 @@
                 <a:defRPr/>
               </a:pPr>
               <a:t>15</a:t>
+            </a:fld>
+            <a:endParaRPr lang="ru-RU" dirty="0"/>
+          </a:p>
+        </p:txBody>
+      </p:sp>
+      <p:sp>
+        <p:nvSpPr>
+          <p:cNvPr id="8" name="Нижний колонтитул 7"/>
+          <p:cNvSpPr>
+            <a:spLocks noGrp="1"/>
+          </p:cNvSpPr>
+          <p:nvPr>
+            <p:ph type="ftr" sz="quarter" idx="3"/>
+          </p:nvPr>
+        </p:nvSpPr>
+        <p:spPr/>
+        <p:txBody>
+          <a:bodyPr/>
+          <a:lstStyle/>
+          <a:p>
+            <a:pPr>
+              <a:defRPr/>
+            </a:pPr>
+            <a:r>
+              <a:rPr lang="ru-RU" smtClean="0"/>
+              <a:t>Мини-проект по глобальной оптимизации</a:t>
+            </a:r>
+            <a:endParaRPr lang="ru-RU" dirty="0"/>
+          </a:p>
+        </p:txBody>
+      </p:sp>
+    </p:spTree>
+    <p:extLst>
+      <p:ext uri="{BB962C8B-B14F-4D97-AF65-F5344CB8AC3E}">
+        <p14:creationId xmlns:p14="http://schemas.microsoft.com/office/powerpoint/2010/main" val="49049457"/>
+      </p:ext>
+    </p:extLst>
+  </p:cSld>
+  <p:clrMapOvr>
+    <a:masterClrMapping/>
+  </p:clrMapOvr>
+</p:sld>
+</file>
+
+<file path=ppt/slides/slide16.xml><?xml version="1.0" encoding="utf-8"?>
+<p:sld xmlns:a="http://schemas.openxmlformats.org/drawingml/2006/main" xmlns:r="http://schemas.openxmlformats.org/officeDocument/2006/relationships" xmlns:p="http://schemas.openxmlformats.org/presentationml/2006/main">
+  <p:cSld>
+    <p:spTree>
+      <p:nvGrpSpPr>
+        <p:cNvPr id="1" name=""/>
+        <p:cNvGrpSpPr/>
+        <p:nvPr/>
+      </p:nvGrpSpPr>
+      <p:grpSpPr>
+        <a:xfrm>
+          <a:off x="0" y="0"/>
+          <a:ext cx="0" cy="0"/>
+          <a:chOff x="0" y="0"/>
+          <a:chExt cx="0" cy="0"/>
+        </a:xfrm>
+      </p:grpSpPr>
+      <p:sp>
+        <p:nvSpPr>
+          <p:cNvPr id="2" name="Заголовок 1"/>
+          <p:cNvSpPr>
+            <a:spLocks noGrp="1"/>
+          </p:cNvSpPr>
+          <p:nvPr>
+            <p:ph type="title"/>
+          </p:nvPr>
+        </p:nvSpPr>
+        <p:spPr/>
+        <p:txBody>
+          <a:bodyPr/>
+          <a:lstStyle/>
+          <a:p>
+            <a:r>
+              <a:rPr lang="ru-RU" dirty="0" smtClean="0"/>
+              <a:t>Спасибо за внимание!</a:t>
+            </a:r>
+            <a:endParaRPr lang="en-US" dirty="0"/>
+          </a:p>
+        </p:txBody>
+      </p:sp>
+      <p:sp>
+        <p:nvSpPr>
+          <p:cNvPr id="3" name="Содержимое 2"/>
+          <p:cNvSpPr>
+            <a:spLocks noGrp="1"/>
+          </p:cNvSpPr>
+          <p:nvPr>
+            <p:ph idx="1"/>
+          </p:nvPr>
+        </p:nvSpPr>
+        <p:spPr/>
+        <p:txBody>
+          <a:bodyPr/>
+          <a:lstStyle/>
+          <a:p>
+            <a:pPr algn="just"/>
+            <a:endParaRPr lang="ru-RU" dirty="0" smtClean="0"/>
+          </a:p>
+          <a:p>
+            <a:pPr algn="just"/>
+            <a:endParaRPr lang="ru-RU" dirty="0"/>
+          </a:p>
+          <a:p>
+            <a:pPr algn="just"/>
+            <a:endParaRPr lang="ru-RU" dirty="0" smtClean="0"/>
+          </a:p>
+          <a:p>
+            <a:pPr algn="just"/>
+            <a:endParaRPr lang="ru-RU" dirty="0"/>
+          </a:p>
+          <a:p>
+            <a:pPr marL="0" indent="0" algn="ctr">
+              <a:buNone/>
+            </a:pPr>
+            <a:r>
+              <a:rPr lang="ru-RU" sz="3600" dirty="0" smtClean="0"/>
+              <a:t>Вопросы?</a:t>
+            </a:r>
+            <a:endParaRPr lang="en-US" sz="3600" dirty="0"/>
+          </a:p>
+        </p:txBody>
+      </p:sp>
+      <p:sp>
+        <p:nvSpPr>
+          <p:cNvPr id="6" name="Дата 5"/>
+          <p:cNvSpPr>
+            <a:spLocks noGrp="1"/>
+          </p:cNvSpPr>
+          <p:nvPr>
+            <p:ph type="dt" sz="half" idx="2"/>
+          </p:nvPr>
+        </p:nvSpPr>
+        <p:spPr/>
+        <p:txBody>
+          <a:bodyPr/>
+          <a:lstStyle/>
+          <a:p>
+            <a:pPr>
+              <a:defRPr/>
+            </a:pPr>
+            <a:r>
+              <a:rPr lang="ru-RU" smtClean="0"/>
+              <a:t>Нижний Новгород, 2017 г.</a:t>
+            </a:r>
+            <a:endParaRPr lang="ru-RU" dirty="0"/>
+          </a:p>
+        </p:txBody>
+      </p:sp>
+      <p:sp>
+        <p:nvSpPr>
+          <p:cNvPr id="7" name="Номер слайда 6"/>
+          <p:cNvSpPr>
+            <a:spLocks noGrp="1"/>
+          </p:cNvSpPr>
+          <p:nvPr>
+            <p:ph type="sldNum" sz="quarter" idx="4"/>
+          </p:nvPr>
+        </p:nvSpPr>
+        <p:spPr/>
+        <p:txBody>
+          <a:bodyPr/>
+          <a:lstStyle/>
+          <a:p>
+            <a:pPr>
+              <a:defRPr/>
+            </a:pPr>
+            <a:fld id="{4F2367BF-7A57-4F5A-B357-719264272D2E}" type="slidenum">
+              <a:rPr lang="ru-RU" smtClean="0"/>
+              <a:pPr>
+                <a:defRPr/>
+              </a:pPr>
+              <a:t>16</a:t>
             </a:fld>
             <a:endParaRPr lang="ru-RU" dirty="0"/>
           </a:p>
@@ -5726,259 +5960,13 @@
           <a:p>
             <a:r>
               <a:rPr lang="ru-RU" dirty="0" smtClean="0"/>
-              <a:t>Метод ломанных</a:t>
+              <a:t>Метод </a:t>
+            </a:r>
+            <a:r>
+              <a:rPr lang="ru-RU" dirty="0" smtClean="0"/>
+              <a:t>глобального поиска</a:t>
             </a:r>
             <a:endParaRPr lang="ru-RU" dirty="0"/>
-          </a:p>
-        </p:txBody>
-      </p:sp>
-      <p:sp>
-        <p:nvSpPr>
-          <p:cNvPr id="3" name="Объект 2"/>
-          <p:cNvSpPr>
-            <a:spLocks noGrp="1"/>
-          </p:cNvSpPr>
-          <p:nvPr>
-            <p:ph idx="1"/>
-          </p:nvPr>
-        </p:nvSpPr>
-        <p:spPr/>
-        <p:txBody>
-          <a:bodyPr/>
-          <a:lstStyle/>
-          <a:p>
-            <a:r>
-              <a:rPr lang="ru-RU" sz="3200" dirty="0" smtClean="0"/>
-              <a:t>Характеристика интервала</a:t>
-            </a:r>
-            <a:r>
-              <a:rPr lang="en-US" sz="3200" dirty="0" smtClean="0"/>
-              <a:t> (x</a:t>
-            </a:r>
-            <a:r>
-              <a:rPr lang="en-US" sz="3200" baseline="-25000" dirty="0" smtClean="0"/>
-              <a:t>i-1,</a:t>
-            </a:r>
-            <a:r>
-              <a:rPr lang="en-US" sz="3200" dirty="0" smtClean="0"/>
-              <a:t> x</a:t>
-            </a:r>
-            <a:r>
-              <a:rPr lang="en-US" sz="3200" baseline="-25000" dirty="0" smtClean="0"/>
-              <a:t>i</a:t>
-            </a:r>
-            <a:r>
-              <a:rPr lang="en-US" sz="3200" dirty="0" smtClean="0"/>
-              <a:t>), 1 &lt; </a:t>
-            </a:r>
-            <a:r>
-              <a:rPr lang="en-US" sz="3200" dirty="0" err="1" smtClean="0"/>
-              <a:t>i</a:t>
-            </a:r>
-            <a:r>
-              <a:rPr lang="en-US" sz="3200" dirty="0" smtClean="0"/>
-              <a:t> </a:t>
-            </a:r>
-            <a:r>
-              <a:rPr lang="ru-RU" sz="3200" dirty="0" smtClean="0"/>
-              <a:t>≤</a:t>
-            </a:r>
-            <a:r>
-              <a:rPr lang="en-US" sz="3200" dirty="0" smtClean="0"/>
-              <a:t> k:</a:t>
-            </a:r>
-            <a:endParaRPr lang="en-US" sz="3200" dirty="0"/>
-          </a:p>
-          <a:p>
-            <a:pPr marL="0" indent="0">
-              <a:buNone/>
-            </a:pPr>
-            <a:r>
-              <a:rPr lang="en-US" sz="3200" dirty="0" smtClean="0"/>
-              <a:t>	R(</a:t>
-            </a:r>
-            <a:r>
-              <a:rPr lang="en-US" sz="3200" dirty="0" err="1" smtClean="0"/>
-              <a:t>i</a:t>
-            </a:r>
-            <a:r>
-              <a:rPr lang="en-US" sz="3200" dirty="0" smtClean="0"/>
-              <a:t>) = 0,5 * M * (x</a:t>
-            </a:r>
-            <a:r>
-              <a:rPr lang="en-US" sz="3200" baseline="-25000" dirty="0" smtClean="0"/>
-              <a:t>i</a:t>
-            </a:r>
-            <a:r>
-              <a:rPr lang="en-US" sz="3200" dirty="0" smtClean="0"/>
-              <a:t> – x</a:t>
-            </a:r>
-            <a:r>
-              <a:rPr lang="en-US" sz="3200" baseline="-25000" dirty="0" smtClean="0"/>
-              <a:t>i-1</a:t>
-            </a:r>
-            <a:r>
-              <a:rPr lang="en-US" sz="3200" dirty="0" smtClean="0"/>
-              <a:t>) – 0,5 * ( f(x</a:t>
-            </a:r>
-            <a:r>
-              <a:rPr lang="en-US" sz="3200" baseline="-25000" dirty="0" smtClean="0"/>
-              <a:t>i</a:t>
-            </a:r>
-            <a:r>
-              <a:rPr lang="en-US" sz="3200" dirty="0" smtClean="0"/>
-              <a:t>) + f(x</a:t>
-            </a:r>
-            <a:r>
-              <a:rPr lang="en-US" sz="3200" baseline="-25000" dirty="0" smtClean="0"/>
-              <a:t>i-1</a:t>
-            </a:r>
-            <a:r>
-              <a:rPr lang="en-US" sz="3200" dirty="0" smtClean="0"/>
-              <a:t>))</a:t>
-            </a:r>
-            <a:endParaRPr lang="ru-RU" sz="3200" dirty="0" smtClean="0"/>
-          </a:p>
-          <a:p>
-            <a:pPr marL="0" indent="0">
-              <a:buNone/>
-            </a:pPr>
-            <a:endParaRPr lang="en-US" sz="3200" dirty="0" smtClean="0"/>
-          </a:p>
-          <a:p>
-            <a:r>
-              <a:rPr lang="ru-RU" sz="3200" dirty="0" smtClean="0"/>
-              <a:t>Правило выбора точки нового испытания:</a:t>
-            </a:r>
-          </a:p>
-          <a:p>
-            <a:pPr marL="0" indent="0">
-              <a:buNone/>
-            </a:pPr>
-            <a:r>
-              <a:rPr lang="ru-RU" sz="3200" dirty="0"/>
-              <a:t>	</a:t>
-            </a:r>
-            <a:r>
-              <a:rPr lang="en-US" sz="3200" dirty="0" smtClean="0"/>
-              <a:t>x</a:t>
-            </a:r>
-            <a:r>
-              <a:rPr lang="en-US" sz="3200" baseline="30000" dirty="0" smtClean="0"/>
-              <a:t>k+1</a:t>
-            </a:r>
-            <a:r>
-              <a:rPr lang="en-US" sz="3200" dirty="0" smtClean="0"/>
-              <a:t> = </a:t>
-            </a:r>
-            <a:r>
-              <a:rPr lang="en-US" sz="3200" dirty="0"/>
-              <a:t>0,5 </a:t>
-            </a:r>
-            <a:r>
-              <a:rPr lang="en-US" sz="3200" dirty="0" smtClean="0"/>
-              <a:t>* </a:t>
-            </a:r>
-            <a:r>
-              <a:rPr lang="en-US" sz="3200" dirty="0"/>
-              <a:t>(</a:t>
-            </a:r>
-            <a:r>
-              <a:rPr lang="en-US" sz="3200" dirty="0" smtClean="0"/>
-              <a:t>x</a:t>
-            </a:r>
-            <a:r>
-              <a:rPr lang="en-US" sz="3200" baseline="-25000" dirty="0" smtClean="0"/>
-              <a:t>t-1</a:t>
-            </a:r>
-            <a:r>
-              <a:rPr lang="en-US" sz="3200" dirty="0" smtClean="0"/>
-              <a:t> + </a:t>
-            </a:r>
-            <a:r>
-              <a:rPr lang="en-US" sz="3200" dirty="0" err="1" smtClean="0"/>
-              <a:t>x</a:t>
-            </a:r>
-            <a:r>
-              <a:rPr lang="en-US" sz="3200" baseline="-25000" dirty="0" err="1"/>
-              <a:t>t</a:t>
-            </a:r>
-            <a:r>
-              <a:rPr lang="en-US" sz="3200" dirty="0" smtClean="0"/>
-              <a:t>) </a:t>
-            </a:r>
-            <a:r>
-              <a:rPr lang="en-US" sz="3200" dirty="0"/>
-              <a:t>– 0,5 * ( f(x</a:t>
-            </a:r>
-            <a:r>
-              <a:rPr lang="en-US" sz="3200" baseline="-25000" dirty="0"/>
-              <a:t>i</a:t>
-            </a:r>
-            <a:r>
-              <a:rPr lang="en-US" sz="3200" dirty="0"/>
-              <a:t>) </a:t>
-            </a:r>
-            <a:r>
-              <a:rPr lang="en-US" sz="3200" dirty="0" smtClean="0"/>
-              <a:t>- </a:t>
-            </a:r>
-            <a:r>
-              <a:rPr lang="en-US" sz="3200" dirty="0"/>
-              <a:t>f(x</a:t>
-            </a:r>
-            <a:r>
-              <a:rPr lang="en-US" sz="3200" baseline="-25000" dirty="0"/>
-              <a:t>i-1</a:t>
-            </a:r>
-            <a:r>
-              <a:rPr lang="en-US" sz="3200" dirty="0" smtClean="0"/>
-              <a:t>)) / M</a:t>
-            </a:r>
-            <a:endParaRPr lang="ru-RU" sz="3200" dirty="0" smtClean="0"/>
-          </a:p>
-          <a:p>
-            <a:pPr marL="0" indent="0">
-              <a:buNone/>
-            </a:pPr>
-            <a:endParaRPr lang="ru-RU" sz="3200" dirty="0" smtClean="0"/>
-          </a:p>
-          <a:p>
-            <a:r>
-              <a:rPr lang="en-US" sz="3200" dirty="0" smtClean="0"/>
-              <a:t>M –</a:t>
-            </a:r>
-            <a:r>
-              <a:rPr lang="ru-RU" sz="3200" dirty="0" smtClean="0"/>
-              <a:t> оценка константы Липшица функции </a:t>
-            </a:r>
-            <a:r>
-              <a:rPr lang="en-US" sz="3200" dirty="0" smtClean="0"/>
-              <a:t>f(x) </a:t>
-            </a:r>
-            <a:r>
-              <a:rPr lang="ru-RU" sz="3200" dirty="0" smtClean="0"/>
-              <a:t>на интервале </a:t>
-            </a:r>
-            <a:r>
-              <a:rPr lang="en-US" sz="3200" dirty="0" smtClean="0"/>
-              <a:t>[</a:t>
-            </a:r>
-            <a:r>
-              <a:rPr lang="en-US" sz="3200" dirty="0" err="1" smtClean="0"/>
-              <a:t>a,b</a:t>
-            </a:r>
-            <a:r>
-              <a:rPr lang="en-US" sz="3200" dirty="0" smtClean="0"/>
-              <a:t>]</a:t>
-            </a:r>
-            <a:endParaRPr lang="en-US" sz="3200" dirty="0"/>
-          </a:p>
-          <a:p>
-            <a:pPr marL="0" indent="0">
-              <a:buNone/>
-            </a:pPr>
-            <a:endParaRPr lang="en-US" dirty="0" smtClean="0"/>
           </a:p>
         </p:txBody>
       </p:sp>
@@ -6069,10 +6057,1377 @@
           </a:p>
         </p:txBody>
       </p:sp>
+      <mc:AlternateContent xmlns:mc="http://schemas.openxmlformats.org/markup-compatibility/2006">
+        <mc:Choice xmlns:a14="http://schemas.microsoft.com/office/drawing/2010/main" Requires="a14">
+          <p:sp>
+            <p:nvSpPr>
+              <p:cNvPr id="7" name="Объект 2"/>
+              <p:cNvSpPr>
+                <a:spLocks noGrp="1"/>
+              </p:cNvSpPr>
+              <p:nvPr>
+                <p:ph idx="1"/>
+              </p:nvPr>
+            </p:nvSpPr>
+            <p:spPr>
+              <a:xfrm>
+                <a:off x="200472" y="1124744"/>
+                <a:ext cx="9505056" cy="5041107"/>
+              </a:xfrm>
+            </p:spPr>
+            <p:txBody>
+              <a:bodyPr/>
+              <a:lstStyle/>
+              <a:p>
+                <a:r>
+                  <a:rPr lang="ru-RU" dirty="0" smtClean="0"/>
+                  <a:t>Характеристика интервала</a:t>
+                </a:r>
+                <a:r>
+                  <a:rPr lang="en-US" dirty="0" smtClean="0"/>
+                  <a:t> (x</a:t>
+                </a:r>
+                <a:r>
+                  <a:rPr lang="en-US" baseline="-25000" dirty="0" smtClean="0"/>
+                  <a:t>i-1,</a:t>
+                </a:r>
+                <a:r>
+                  <a:rPr lang="en-US" dirty="0" smtClean="0"/>
+                  <a:t> x</a:t>
+                </a:r>
+                <a:r>
+                  <a:rPr lang="en-US" baseline="-25000" dirty="0" smtClean="0"/>
+                  <a:t>i</a:t>
+                </a:r>
+                <a:r>
+                  <a:rPr lang="en-US" dirty="0" smtClean="0"/>
+                  <a:t>), 1 &lt; </a:t>
+                </a:r>
+                <a:r>
+                  <a:rPr lang="en-US" dirty="0" err="1" smtClean="0"/>
+                  <a:t>i</a:t>
+                </a:r>
+                <a:r>
+                  <a:rPr lang="en-US" dirty="0" smtClean="0"/>
+                  <a:t> </a:t>
+                </a:r>
+                <a:r>
+                  <a:rPr lang="ru-RU" dirty="0" smtClean="0"/>
+                  <a:t>≤</a:t>
+                </a:r>
+                <a:r>
+                  <a:rPr lang="en-US" dirty="0" smtClean="0"/>
+                  <a:t> k</a:t>
+                </a:r>
+                <a:r>
+                  <a:rPr lang="ru-RU" dirty="0" smtClean="0"/>
+                  <a:t>:</a:t>
+                </a:r>
+              </a:p>
+              <a:p>
+                <a:pPr marL="0" indent="0">
+                  <a:buNone/>
+                </a:pPr>
+                <a:r>
+                  <a:rPr lang="ru-RU" dirty="0" smtClean="0"/>
+                  <a:t>	</a:t>
+                </a:r>
+                <a14:m>
+                  <m:oMath xmlns:m="http://schemas.openxmlformats.org/officeDocument/2006/math">
+                    <m:r>
+                      <a:rPr lang="en-US" b="0" i="1" smtClean="0">
+                        <a:latin typeface="Cambria Math" panose="02040503050406030204" pitchFamily="18" charset="0"/>
+                      </a:rPr>
+                      <m:t>𝑅</m:t>
+                    </m:r>
+                    <m:d>
+                      <m:dPr>
+                        <m:ctrlPr>
+                          <a:rPr lang="en-US" b="0" i="1" smtClean="0">
+                            <a:latin typeface="Cambria Math" panose="02040503050406030204" pitchFamily="18" charset="0"/>
+                          </a:rPr>
+                        </m:ctrlPr>
+                      </m:dPr>
+                      <m:e>
+                        <m:r>
+                          <a:rPr lang="en-US" b="0" i="1" smtClean="0">
+                            <a:latin typeface="Cambria Math" panose="02040503050406030204" pitchFamily="18" charset="0"/>
+                          </a:rPr>
+                          <m:t>𝑖</m:t>
+                        </m:r>
+                      </m:e>
+                    </m:d>
+                    <m:r>
+                      <a:rPr lang="en-US" b="0" i="1" smtClean="0">
+                        <a:latin typeface="Cambria Math" panose="02040503050406030204" pitchFamily="18" charset="0"/>
+                      </a:rPr>
+                      <m:t>=</m:t>
+                    </m:r>
+                    <m:r>
+                      <a:rPr lang="en-US" b="0" i="1" smtClean="0">
+                        <a:latin typeface="Cambria Math" panose="02040503050406030204" pitchFamily="18" charset="0"/>
+                      </a:rPr>
+                      <m:t>𝑚</m:t>
+                    </m:r>
+                    <m:d>
+                      <m:dPr>
+                        <m:ctrlPr>
+                          <a:rPr lang="en-US" b="0" i="1" smtClean="0">
+                            <a:latin typeface="Cambria Math" panose="02040503050406030204" pitchFamily="18" charset="0"/>
+                          </a:rPr>
+                        </m:ctrlPr>
+                      </m:dPr>
+                      <m:e>
+                        <m:sSub>
+                          <m:sSubPr>
+                            <m:ctrlPr>
+                              <a:rPr lang="en-US" b="0" i="1" smtClean="0">
+                                <a:latin typeface="Cambria Math" panose="02040503050406030204" pitchFamily="18" charset="0"/>
+                              </a:rPr>
+                            </m:ctrlPr>
+                          </m:sSubPr>
+                          <m:e>
+                            <m:r>
+                              <a:rPr lang="en-US" b="0" i="1" smtClean="0">
+                                <a:latin typeface="Cambria Math" panose="02040503050406030204" pitchFamily="18" charset="0"/>
+                              </a:rPr>
+                              <m:t>𝑥</m:t>
+                            </m:r>
+                          </m:e>
+                          <m:sub>
+                            <m:r>
+                              <a:rPr lang="en-US" b="0" i="1" smtClean="0">
+                                <a:latin typeface="Cambria Math" panose="02040503050406030204" pitchFamily="18" charset="0"/>
+                              </a:rPr>
+                              <m:t>𝑖</m:t>
+                            </m:r>
+                          </m:sub>
+                        </m:sSub>
+                        <m:r>
+                          <a:rPr lang="en-US" b="0" i="1" smtClean="0">
+                            <a:latin typeface="Cambria Math" panose="02040503050406030204" pitchFamily="18" charset="0"/>
+                          </a:rPr>
+                          <m:t>−</m:t>
+                        </m:r>
+                        <m:sSub>
+                          <m:sSubPr>
+                            <m:ctrlPr>
+                              <a:rPr lang="en-US" b="0" i="1" smtClean="0">
+                                <a:latin typeface="Cambria Math" panose="02040503050406030204" pitchFamily="18" charset="0"/>
+                              </a:rPr>
+                            </m:ctrlPr>
+                          </m:sSubPr>
+                          <m:e>
+                            <m:r>
+                              <a:rPr lang="en-US" b="0" i="1" smtClean="0">
+                                <a:latin typeface="Cambria Math" panose="02040503050406030204" pitchFamily="18" charset="0"/>
+                              </a:rPr>
+                              <m:t>𝑥</m:t>
+                            </m:r>
+                          </m:e>
+                          <m:sub>
+                            <m:r>
+                              <a:rPr lang="en-US" b="0" i="1" smtClean="0">
+                                <a:latin typeface="Cambria Math" panose="02040503050406030204" pitchFamily="18" charset="0"/>
+                              </a:rPr>
+                              <m:t>𝑖</m:t>
+                            </m:r>
+                            <m:r>
+                              <a:rPr lang="en-US" b="0" i="1" smtClean="0">
+                                <a:latin typeface="Cambria Math" panose="02040503050406030204" pitchFamily="18" charset="0"/>
+                              </a:rPr>
+                              <m:t>−1</m:t>
+                            </m:r>
+                          </m:sub>
+                        </m:sSub>
+                      </m:e>
+                    </m:d>
+                    <m:r>
+                      <a:rPr lang="en-US" b="0" i="1" smtClean="0">
+                        <a:latin typeface="Cambria Math" panose="02040503050406030204" pitchFamily="18" charset="0"/>
+                      </a:rPr>
+                      <m:t>+</m:t>
+                    </m:r>
+                    <m:f>
+                      <m:fPr>
+                        <m:ctrlPr>
+                          <a:rPr lang="en-US" b="0" i="1" smtClean="0">
+                            <a:latin typeface="Cambria Math" panose="02040503050406030204" pitchFamily="18" charset="0"/>
+                          </a:rPr>
+                        </m:ctrlPr>
+                      </m:fPr>
+                      <m:num>
+                        <m:sSup>
+                          <m:sSupPr>
+                            <m:ctrlPr>
+                              <a:rPr lang="en-US" b="0" i="1" smtClean="0">
+                                <a:latin typeface="Cambria Math" panose="02040503050406030204" pitchFamily="18" charset="0"/>
+                              </a:rPr>
+                            </m:ctrlPr>
+                          </m:sSupPr>
+                          <m:e>
+                            <m:d>
+                              <m:dPr>
+                                <m:ctrlPr>
+                                  <a:rPr lang="en-US" i="1">
+                                    <a:latin typeface="Cambria Math" panose="02040503050406030204" pitchFamily="18" charset="0"/>
+                                  </a:rPr>
+                                </m:ctrlPr>
+                              </m:dPr>
+                              <m:e>
+                                <m:sSub>
+                                  <m:sSubPr>
+                                    <m:ctrlPr>
+                                      <a:rPr lang="en-US" i="1">
+                                        <a:latin typeface="Cambria Math" panose="02040503050406030204" pitchFamily="18" charset="0"/>
+                                      </a:rPr>
+                                    </m:ctrlPr>
+                                  </m:sSubPr>
+                                  <m:e>
+                                    <m:r>
+                                      <a:rPr lang="en-US" i="1">
+                                        <a:latin typeface="Cambria Math" panose="02040503050406030204" pitchFamily="18" charset="0"/>
+                                      </a:rPr>
+                                      <m:t>𝑧</m:t>
+                                    </m:r>
+                                  </m:e>
+                                  <m:sub>
+                                    <m:r>
+                                      <a:rPr lang="en-US" i="1">
+                                        <a:latin typeface="Cambria Math" panose="02040503050406030204" pitchFamily="18" charset="0"/>
+                                      </a:rPr>
+                                      <m:t>𝑖</m:t>
+                                    </m:r>
+                                  </m:sub>
+                                </m:sSub>
+                                <m:r>
+                                  <a:rPr lang="en-US" i="1">
+                                    <a:latin typeface="Cambria Math" panose="02040503050406030204" pitchFamily="18" charset="0"/>
+                                  </a:rPr>
+                                  <m:t>−</m:t>
+                                </m:r>
+                                <m:sSub>
+                                  <m:sSubPr>
+                                    <m:ctrlPr>
+                                      <a:rPr lang="en-US" i="1">
+                                        <a:latin typeface="Cambria Math" panose="02040503050406030204" pitchFamily="18" charset="0"/>
+                                      </a:rPr>
+                                    </m:ctrlPr>
+                                  </m:sSubPr>
+                                  <m:e>
+                                    <m:r>
+                                      <a:rPr lang="en-US" i="1">
+                                        <a:latin typeface="Cambria Math" panose="02040503050406030204" pitchFamily="18" charset="0"/>
+                                      </a:rPr>
+                                      <m:t>𝑧</m:t>
+                                    </m:r>
+                                  </m:e>
+                                  <m:sub>
+                                    <m:r>
+                                      <a:rPr lang="en-US" i="1">
+                                        <a:latin typeface="Cambria Math" panose="02040503050406030204" pitchFamily="18" charset="0"/>
+                                      </a:rPr>
+                                      <m:t>𝑖</m:t>
+                                    </m:r>
+                                    <m:r>
+                                      <a:rPr lang="en-US" i="1">
+                                        <a:latin typeface="Cambria Math" panose="02040503050406030204" pitchFamily="18" charset="0"/>
+                                      </a:rPr>
+                                      <m:t>−1</m:t>
+                                    </m:r>
+                                  </m:sub>
+                                </m:sSub>
+                              </m:e>
+                            </m:d>
+                          </m:e>
+                          <m:sup>
+                            <m:r>
+                              <a:rPr lang="en-US" b="0" i="1" smtClean="0">
+                                <a:latin typeface="Cambria Math" panose="02040503050406030204" pitchFamily="18" charset="0"/>
+                              </a:rPr>
+                              <m:t>2</m:t>
+                            </m:r>
+                          </m:sup>
+                        </m:sSup>
+                        <m:r>
+                          <a:rPr lang="en-US" b="0" i="1" smtClean="0">
+                            <a:latin typeface="Cambria Math" panose="02040503050406030204" pitchFamily="18" charset="0"/>
+                          </a:rPr>
+                          <m:t> </m:t>
+                        </m:r>
+                      </m:num>
+                      <m:den>
+                        <m:r>
+                          <a:rPr lang="en-US" i="1">
+                            <a:latin typeface="Cambria Math" panose="02040503050406030204" pitchFamily="18" charset="0"/>
+                          </a:rPr>
+                          <m:t>𝑚</m:t>
+                        </m:r>
+                        <m:d>
+                          <m:dPr>
+                            <m:ctrlPr>
+                              <a:rPr lang="en-US" i="1">
+                                <a:latin typeface="Cambria Math" panose="02040503050406030204" pitchFamily="18" charset="0"/>
+                              </a:rPr>
+                            </m:ctrlPr>
+                          </m:dPr>
+                          <m:e>
+                            <m:sSub>
+                              <m:sSubPr>
+                                <m:ctrlPr>
+                                  <a:rPr lang="en-US" i="1">
+                                    <a:latin typeface="Cambria Math" panose="02040503050406030204" pitchFamily="18" charset="0"/>
+                                  </a:rPr>
+                                </m:ctrlPr>
+                              </m:sSubPr>
+                              <m:e>
+                                <m:r>
+                                  <a:rPr lang="en-US" i="1">
+                                    <a:latin typeface="Cambria Math" panose="02040503050406030204" pitchFamily="18" charset="0"/>
+                                  </a:rPr>
+                                  <m:t>𝑥</m:t>
+                                </m:r>
+                              </m:e>
+                              <m:sub>
+                                <m:r>
+                                  <a:rPr lang="en-US" i="1">
+                                    <a:latin typeface="Cambria Math" panose="02040503050406030204" pitchFamily="18" charset="0"/>
+                                  </a:rPr>
+                                  <m:t>𝑖</m:t>
+                                </m:r>
+                              </m:sub>
+                            </m:sSub>
+                            <m:r>
+                              <a:rPr lang="en-US" i="1">
+                                <a:latin typeface="Cambria Math" panose="02040503050406030204" pitchFamily="18" charset="0"/>
+                              </a:rPr>
+                              <m:t>−</m:t>
+                            </m:r>
+                            <m:sSub>
+                              <m:sSubPr>
+                                <m:ctrlPr>
+                                  <a:rPr lang="en-US" i="1">
+                                    <a:latin typeface="Cambria Math" panose="02040503050406030204" pitchFamily="18" charset="0"/>
+                                  </a:rPr>
+                                </m:ctrlPr>
+                              </m:sSubPr>
+                              <m:e>
+                                <m:r>
+                                  <a:rPr lang="en-US" i="1">
+                                    <a:latin typeface="Cambria Math" panose="02040503050406030204" pitchFamily="18" charset="0"/>
+                                  </a:rPr>
+                                  <m:t>𝑥</m:t>
+                                </m:r>
+                              </m:e>
+                              <m:sub>
+                                <m:r>
+                                  <a:rPr lang="en-US" i="1">
+                                    <a:latin typeface="Cambria Math" panose="02040503050406030204" pitchFamily="18" charset="0"/>
+                                  </a:rPr>
+                                  <m:t>𝑖</m:t>
+                                </m:r>
+                                <m:r>
+                                  <a:rPr lang="en-US" i="1">
+                                    <a:latin typeface="Cambria Math" panose="02040503050406030204" pitchFamily="18" charset="0"/>
+                                  </a:rPr>
+                                  <m:t>−1</m:t>
+                                </m:r>
+                              </m:sub>
+                            </m:sSub>
+                          </m:e>
+                        </m:d>
+                      </m:den>
+                    </m:f>
+                    <m:r>
+                      <a:rPr lang="en-US" b="0" i="1" smtClean="0">
+                        <a:latin typeface="Cambria Math" panose="02040503050406030204" pitchFamily="18" charset="0"/>
+                      </a:rPr>
+                      <m:t>−2</m:t>
+                    </m:r>
+                    <m:d>
+                      <m:dPr>
+                        <m:ctrlPr>
+                          <a:rPr lang="en-US" i="1">
+                            <a:latin typeface="Cambria Math" panose="02040503050406030204" pitchFamily="18" charset="0"/>
+                          </a:rPr>
+                        </m:ctrlPr>
+                      </m:dPr>
+                      <m:e>
+                        <m:sSub>
+                          <m:sSubPr>
+                            <m:ctrlPr>
+                              <a:rPr lang="en-US" i="1">
+                                <a:latin typeface="Cambria Math" panose="02040503050406030204" pitchFamily="18" charset="0"/>
+                              </a:rPr>
+                            </m:ctrlPr>
+                          </m:sSubPr>
+                          <m:e>
+                            <m:r>
+                              <a:rPr lang="en-US" i="1">
+                                <a:latin typeface="Cambria Math" panose="02040503050406030204" pitchFamily="18" charset="0"/>
+                              </a:rPr>
+                              <m:t>𝑧</m:t>
+                            </m:r>
+                          </m:e>
+                          <m:sub>
+                            <m:r>
+                              <a:rPr lang="en-US" i="1">
+                                <a:latin typeface="Cambria Math" panose="02040503050406030204" pitchFamily="18" charset="0"/>
+                              </a:rPr>
+                              <m:t>𝑖</m:t>
+                            </m:r>
+                          </m:sub>
+                        </m:sSub>
+                        <m:r>
+                          <a:rPr lang="en-US" i="1">
+                            <a:latin typeface="Cambria Math" panose="02040503050406030204" pitchFamily="18" charset="0"/>
+                          </a:rPr>
+                          <m:t>−</m:t>
+                        </m:r>
+                        <m:sSub>
+                          <m:sSubPr>
+                            <m:ctrlPr>
+                              <a:rPr lang="en-US" i="1">
+                                <a:latin typeface="Cambria Math" panose="02040503050406030204" pitchFamily="18" charset="0"/>
+                              </a:rPr>
+                            </m:ctrlPr>
+                          </m:sSubPr>
+                          <m:e>
+                            <m:r>
+                              <a:rPr lang="en-US" i="1">
+                                <a:latin typeface="Cambria Math" panose="02040503050406030204" pitchFamily="18" charset="0"/>
+                              </a:rPr>
+                              <m:t>𝑧</m:t>
+                            </m:r>
+                          </m:e>
+                          <m:sub>
+                            <m:r>
+                              <a:rPr lang="en-US" i="1">
+                                <a:latin typeface="Cambria Math" panose="02040503050406030204" pitchFamily="18" charset="0"/>
+                              </a:rPr>
+                              <m:t>𝑖</m:t>
+                            </m:r>
+                            <m:r>
+                              <a:rPr lang="en-US" i="1">
+                                <a:latin typeface="Cambria Math" panose="02040503050406030204" pitchFamily="18" charset="0"/>
+                              </a:rPr>
+                              <m:t>−1</m:t>
+                            </m:r>
+                          </m:sub>
+                        </m:sSub>
+                      </m:e>
+                    </m:d>
+                  </m:oMath>
+                </a14:m>
+                <a:endParaRPr lang="en-US" dirty="0" smtClean="0"/>
+              </a:p>
+              <a:p>
+                <a:pPr lvl="0"/>
+                <a:r>
+                  <a:rPr lang="ru-RU" dirty="0" smtClean="0">
+                    <a:solidFill>
+                      <a:srgbClr val="000000"/>
+                    </a:solidFill>
+                  </a:rPr>
+                  <a:t>Правило выбора точки нового испытания:</a:t>
+                </a:r>
+              </a:p>
+              <a:p>
+                <a:pPr marL="0" lvl="0" indent="0">
+                  <a:buNone/>
+                </a:pPr>
+                <a:r>
+                  <a:rPr lang="ru-RU" dirty="0">
+                    <a:solidFill>
+                      <a:srgbClr val="000000"/>
+                    </a:solidFill>
+                  </a:rPr>
+                  <a:t>	</a:t>
+                </a:r>
+                <a14:m>
+                  <m:oMath xmlns:m="http://schemas.openxmlformats.org/officeDocument/2006/math">
+                    <m:sSub>
+                      <m:sSubPr>
+                        <m:ctrlPr>
+                          <a:rPr lang="ru-RU" i="1" smtClean="0">
+                            <a:solidFill>
+                              <a:srgbClr val="000000"/>
+                            </a:solidFill>
+                            <a:latin typeface="Cambria Math" panose="02040503050406030204" pitchFamily="18" charset="0"/>
+                          </a:rPr>
+                        </m:ctrlPr>
+                      </m:sSubPr>
+                      <m:e>
+                        <m:r>
+                          <a:rPr lang="en-US" b="0" i="1" smtClean="0">
+                            <a:solidFill>
+                              <a:srgbClr val="000000"/>
+                            </a:solidFill>
+                            <a:latin typeface="Cambria Math" panose="02040503050406030204" pitchFamily="18" charset="0"/>
+                          </a:rPr>
+                          <m:t>𝑥</m:t>
+                        </m:r>
+                      </m:e>
+                      <m:sub>
+                        <m:r>
+                          <a:rPr lang="en-US" b="0" i="1" smtClean="0">
+                            <a:solidFill>
+                              <a:srgbClr val="000000"/>
+                            </a:solidFill>
+                            <a:latin typeface="Cambria Math" panose="02040503050406030204" pitchFamily="18" charset="0"/>
+                          </a:rPr>
+                          <m:t>𝑖</m:t>
+                        </m:r>
+                        <m:r>
+                          <a:rPr lang="en-US" b="0" i="1" smtClean="0">
+                            <a:solidFill>
+                              <a:srgbClr val="000000"/>
+                            </a:solidFill>
+                            <a:latin typeface="Cambria Math" panose="02040503050406030204" pitchFamily="18" charset="0"/>
+                          </a:rPr>
+                          <m:t>+1</m:t>
+                        </m:r>
+                      </m:sub>
+                    </m:sSub>
+                    <m:r>
+                      <a:rPr lang="en-US" b="0" i="1" smtClean="0">
+                        <a:solidFill>
+                          <a:srgbClr val="000000"/>
+                        </a:solidFill>
+                        <a:latin typeface="Cambria Math" panose="02040503050406030204" pitchFamily="18" charset="0"/>
+                      </a:rPr>
+                      <m:t>=</m:t>
+                    </m:r>
+                    <m:f>
+                      <m:fPr>
+                        <m:ctrlPr>
+                          <a:rPr lang="en-US" b="0" i="1" smtClean="0">
+                            <a:solidFill>
+                              <a:srgbClr val="000000"/>
+                            </a:solidFill>
+                            <a:latin typeface="Cambria Math" panose="02040503050406030204" pitchFamily="18" charset="0"/>
+                          </a:rPr>
+                        </m:ctrlPr>
+                      </m:fPr>
+                      <m:num>
+                        <m:r>
+                          <a:rPr lang="en-US" b="0" i="1" smtClean="0">
+                            <a:solidFill>
+                              <a:srgbClr val="000000"/>
+                            </a:solidFill>
+                            <a:latin typeface="Cambria Math" panose="02040503050406030204" pitchFamily="18" charset="0"/>
+                          </a:rPr>
+                          <m:t>1</m:t>
+                        </m:r>
+                      </m:num>
+                      <m:den>
+                        <m:r>
+                          <a:rPr lang="en-US" b="0" i="1" smtClean="0">
+                            <a:solidFill>
+                              <a:srgbClr val="000000"/>
+                            </a:solidFill>
+                            <a:latin typeface="Cambria Math" panose="02040503050406030204" pitchFamily="18" charset="0"/>
+                          </a:rPr>
+                          <m:t>2</m:t>
+                        </m:r>
+                      </m:den>
+                    </m:f>
+                    <m:d>
+                      <m:dPr>
+                        <m:ctrlPr>
+                          <a:rPr lang="en-US" b="0" i="1" smtClean="0">
+                            <a:solidFill>
+                              <a:srgbClr val="000000"/>
+                            </a:solidFill>
+                            <a:latin typeface="Cambria Math" panose="02040503050406030204" pitchFamily="18" charset="0"/>
+                          </a:rPr>
+                        </m:ctrlPr>
+                      </m:dPr>
+                      <m:e>
+                        <m:sSub>
+                          <m:sSubPr>
+                            <m:ctrlPr>
+                              <a:rPr lang="en-US" b="0" i="1" smtClean="0">
+                                <a:solidFill>
+                                  <a:srgbClr val="000000"/>
+                                </a:solidFill>
+                                <a:latin typeface="Cambria Math" panose="02040503050406030204" pitchFamily="18" charset="0"/>
+                              </a:rPr>
+                            </m:ctrlPr>
+                          </m:sSubPr>
+                          <m:e>
+                            <m:r>
+                              <a:rPr lang="en-US" b="0" i="1" smtClean="0">
+                                <a:solidFill>
+                                  <a:srgbClr val="000000"/>
+                                </a:solidFill>
+                                <a:latin typeface="Cambria Math" panose="02040503050406030204" pitchFamily="18" charset="0"/>
+                              </a:rPr>
+                              <m:t>𝑥</m:t>
+                            </m:r>
+                          </m:e>
+                          <m:sub>
+                            <m:r>
+                              <a:rPr lang="en-US" b="0" i="1" smtClean="0">
+                                <a:solidFill>
+                                  <a:srgbClr val="000000"/>
+                                </a:solidFill>
+                                <a:latin typeface="Cambria Math" panose="02040503050406030204" pitchFamily="18" charset="0"/>
+                              </a:rPr>
+                              <m:t>𝑖</m:t>
+                            </m:r>
+                          </m:sub>
+                        </m:sSub>
+                        <m:r>
+                          <a:rPr lang="en-US" b="0" i="1" smtClean="0">
+                            <a:solidFill>
+                              <a:srgbClr val="000000"/>
+                            </a:solidFill>
+                            <a:latin typeface="Cambria Math" panose="02040503050406030204" pitchFamily="18" charset="0"/>
+                          </a:rPr>
+                          <m:t>+</m:t>
+                        </m:r>
+                        <m:sSub>
+                          <m:sSubPr>
+                            <m:ctrlPr>
+                              <a:rPr lang="en-US" i="1">
+                                <a:solidFill>
+                                  <a:srgbClr val="000000"/>
+                                </a:solidFill>
+                                <a:latin typeface="Cambria Math" panose="02040503050406030204" pitchFamily="18" charset="0"/>
+                              </a:rPr>
+                            </m:ctrlPr>
+                          </m:sSubPr>
+                          <m:e>
+                            <m:r>
+                              <a:rPr lang="en-US" i="1">
+                                <a:solidFill>
+                                  <a:srgbClr val="000000"/>
+                                </a:solidFill>
+                                <a:latin typeface="Cambria Math" panose="02040503050406030204" pitchFamily="18" charset="0"/>
+                              </a:rPr>
+                              <m:t>𝑥</m:t>
+                            </m:r>
+                          </m:e>
+                          <m:sub>
+                            <m:r>
+                              <a:rPr lang="en-US" b="0" i="1" smtClean="0">
+                                <a:solidFill>
+                                  <a:srgbClr val="000000"/>
+                                </a:solidFill>
+                                <a:latin typeface="Cambria Math" panose="02040503050406030204" pitchFamily="18" charset="0"/>
+                              </a:rPr>
+                              <m:t>𝑖</m:t>
+                            </m:r>
+                            <m:r>
+                              <a:rPr lang="en-US" b="0" i="1" smtClean="0">
+                                <a:solidFill>
+                                  <a:srgbClr val="000000"/>
+                                </a:solidFill>
+                                <a:latin typeface="Cambria Math" panose="02040503050406030204" pitchFamily="18" charset="0"/>
+                              </a:rPr>
+                              <m:t>−1</m:t>
+                            </m:r>
+                          </m:sub>
+                        </m:sSub>
+                      </m:e>
+                    </m:d>
+                    <m:r>
+                      <a:rPr lang="en-US" b="0" i="1" smtClean="0">
+                        <a:solidFill>
+                          <a:srgbClr val="000000"/>
+                        </a:solidFill>
+                        <a:latin typeface="Cambria Math" panose="02040503050406030204" pitchFamily="18" charset="0"/>
+                      </a:rPr>
+                      <m:t>−</m:t>
+                    </m:r>
+                    <m:f>
+                      <m:fPr>
+                        <m:ctrlPr>
+                          <a:rPr lang="en-US" b="0" i="1" smtClean="0">
+                            <a:solidFill>
+                              <a:srgbClr val="000000"/>
+                            </a:solidFill>
+                            <a:latin typeface="Cambria Math" panose="02040503050406030204" pitchFamily="18" charset="0"/>
+                          </a:rPr>
+                        </m:ctrlPr>
+                      </m:fPr>
+                      <m:num>
+                        <m:r>
+                          <a:rPr lang="en-US" b="0" i="1" smtClean="0">
+                            <a:solidFill>
+                              <a:srgbClr val="000000"/>
+                            </a:solidFill>
+                            <a:latin typeface="Cambria Math" panose="02040503050406030204" pitchFamily="18" charset="0"/>
+                          </a:rPr>
+                          <m:t>1</m:t>
+                        </m:r>
+                      </m:num>
+                      <m:den>
+                        <m:r>
+                          <a:rPr lang="en-US" b="0" i="1" smtClean="0">
+                            <a:solidFill>
+                              <a:srgbClr val="000000"/>
+                            </a:solidFill>
+                            <a:latin typeface="Cambria Math" panose="02040503050406030204" pitchFamily="18" charset="0"/>
+                          </a:rPr>
+                          <m:t>2</m:t>
+                        </m:r>
+                        <m:r>
+                          <a:rPr lang="en-US" b="0" i="1" smtClean="0">
+                            <a:solidFill>
+                              <a:srgbClr val="000000"/>
+                            </a:solidFill>
+                            <a:latin typeface="Cambria Math" panose="02040503050406030204" pitchFamily="18" charset="0"/>
+                          </a:rPr>
+                          <m:t>𝑚</m:t>
+                        </m:r>
+                      </m:den>
+                    </m:f>
+                    <m:r>
+                      <a:rPr lang="en-US" b="0" i="1" smtClean="0">
+                        <a:solidFill>
+                          <a:srgbClr val="000000"/>
+                        </a:solidFill>
+                        <a:latin typeface="Cambria Math" panose="02040503050406030204" pitchFamily="18" charset="0"/>
+                      </a:rPr>
+                      <m:t>(</m:t>
+                    </m:r>
+                    <m:sSub>
+                      <m:sSubPr>
+                        <m:ctrlPr>
+                          <a:rPr lang="en-US" i="1">
+                            <a:solidFill>
+                              <a:srgbClr val="000000"/>
+                            </a:solidFill>
+                            <a:latin typeface="Cambria Math" panose="02040503050406030204" pitchFamily="18" charset="0"/>
+                          </a:rPr>
+                        </m:ctrlPr>
+                      </m:sSubPr>
+                      <m:e>
+                        <m:r>
+                          <a:rPr lang="en-US" b="0" i="1" smtClean="0">
+                            <a:solidFill>
+                              <a:srgbClr val="000000"/>
+                            </a:solidFill>
+                            <a:latin typeface="Cambria Math" panose="02040503050406030204" pitchFamily="18" charset="0"/>
+                          </a:rPr>
+                          <m:t>𝑧</m:t>
+                        </m:r>
+                      </m:e>
+                      <m:sub>
+                        <m:r>
+                          <a:rPr lang="en-US" i="1">
+                            <a:solidFill>
+                              <a:srgbClr val="000000"/>
+                            </a:solidFill>
+                            <a:latin typeface="Cambria Math" panose="02040503050406030204" pitchFamily="18" charset="0"/>
+                          </a:rPr>
+                          <m:t>𝑖</m:t>
+                        </m:r>
+                      </m:sub>
+                    </m:sSub>
+                    <m:r>
+                      <a:rPr lang="ru-RU" b="0" i="1" smtClean="0">
+                        <a:solidFill>
+                          <a:srgbClr val="000000"/>
+                        </a:solidFill>
+                        <a:latin typeface="Cambria Math" panose="02040503050406030204" pitchFamily="18" charset="0"/>
+                      </a:rPr>
+                      <m:t>−</m:t>
+                    </m:r>
+                    <m:sSub>
+                      <m:sSubPr>
+                        <m:ctrlPr>
+                          <a:rPr lang="en-US" i="1">
+                            <a:solidFill>
+                              <a:srgbClr val="000000"/>
+                            </a:solidFill>
+                            <a:latin typeface="Cambria Math" panose="02040503050406030204" pitchFamily="18" charset="0"/>
+                          </a:rPr>
+                        </m:ctrlPr>
+                      </m:sSubPr>
+                      <m:e>
+                        <m:r>
+                          <a:rPr lang="en-US" b="0" i="1" smtClean="0">
+                            <a:solidFill>
+                              <a:srgbClr val="000000"/>
+                            </a:solidFill>
+                            <a:latin typeface="Cambria Math" panose="02040503050406030204" pitchFamily="18" charset="0"/>
+                          </a:rPr>
+                          <m:t>𝑧</m:t>
+                        </m:r>
+                      </m:e>
+                      <m:sub>
+                        <m:r>
+                          <a:rPr lang="en-US" i="1">
+                            <a:solidFill>
+                              <a:srgbClr val="000000"/>
+                            </a:solidFill>
+                            <a:latin typeface="Cambria Math" panose="02040503050406030204" pitchFamily="18" charset="0"/>
+                          </a:rPr>
+                          <m:t>𝑖</m:t>
+                        </m:r>
+                        <m:r>
+                          <a:rPr lang="en-US" i="1">
+                            <a:solidFill>
+                              <a:srgbClr val="000000"/>
+                            </a:solidFill>
+                            <a:latin typeface="Cambria Math" panose="02040503050406030204" pitchFamily="18" charset="0"/>
+                          </a:rPr>
+                          <m:t>−1</m:t>
+                        </m:r>
+                      </m:sub>
+                    </m:sSub>
+                    <m:r>
+                      <a:rPr lang="ru-RU" b="0" i="1" smtClean="0">
+                        <a:solidFill>
+                          <a:srgbClr val="000000"/>
+                        </a:solidFill>
+                        <a:latin typeface="Cambria Math" panose="02040503050406030204" pitchFamily="18" charset="0"/>
+                      </a:rPr>
+                      <m:t>)</m:t>
+                    </m:r>
+                  </m:oMath>
+                </a14:m>
+                <a:endParaRPr lang="ru-RU" dirty="0" smtClean="0">
+                  <a:solidFill>
+                    <a:srgbClr val="000000"/>
+                  </a:solidFill>
+                </a:endParaRPr>
+              </a:p>
+              <a:p>
+                <a:r>
+                  <a:rPr lang="en-US" dirty="0" smtClean="0">
+                    <a:solidFill>
+                      <a:srgbClr val="000000"/>
+                    </a:solidFill>
+                  </a:rPr>
+                  <a:t>m – </a:t>
+                </a:r>
+                <a:r>
+                  <a:rPr lang="ru-RU" dirty="0" smtClean="0">
+                    <a:solidFill>
+                      <a:srgbClr val="000000"/>
+                    </a:solidFill>
+                  </a:rPr>
+                  <a:t>оценка константы Липшица функции, вычисленная для определенного</a:t>
+                </a:r>
+                <a:r>
+                  <a:rPr lang="ru-RU" i="1" dirty="0" smtClean="0">
+                    <a:solidFill>
+                      <a:srgbClr val="000000"/>
+                    </a:solidFill>
+                  </a:rPr>
+                  <a:t> </a:t>
+                </a:r>
+                <a:r>
+                  <a:rPr lang="ru-RU" dirty="0" smtClean="0">
+                    <a:solidFill>
+                      <a:srgbClr val="000000"/>
+                    </a:solidFill>
+                  </a:rPr>
+                  <a:t>отрезка.</a:t>
+                </a:r>
+              </a:p>
+              <a:p>
+                <a:pPr marL="0" indent="0">
+                  <a:buNone/>
+                </a:pPr>
+                <a:r>
+                  <a:rPr lang="ru-RU" i="1" dirty="0">
+                    <a:solidFill>
+                      <a:srgbClr val="000000"/>
+                    </a:solidFill>
+                  </a:rPr>
+                  <a:t>	</a:t>
+                </a:r>
+                <a14:m>
+                  <m:oMath xmlns:m="http://schemas.openxmlformats.org/officeDocument/2006/math">
+                    <m:r>
+                      <a:rPr lang="en-US" b="0" i="1" smtClean="0">
+                        <a:solidFill>
+                          <a:srgbClr val="000000"/>
+                        </a:solidFill>
+                        <a:latin typeface="Cambria Math" panose="02040503050406030204" pitchFamily="18" charset="0"/>
+                      </a:rPr>
+                      <m:t>𝑚</m:t>
+                    </m:r>
+                    <m:r>
+                      <a:rPr lang="en-US" b="0" i="1" smtClean="0">
+                        <a:solidFill>
+                          <a:srgbClr val="000000"/>
+                        </a:solidFill>
+                        <a:latin typeface="Cambria Math" panose="02040503050406030204" pitchFamily="18" charset="0"/>
+                      </a:rPr>
+                      <m:t>=</m:t>
+                    </m:r>
+                    <m:d>
+                      <m:dPr>
+                        <m:begChr m:val="{"/>
+                        <m:endChr m:val=""/>
+                        <m:ctrlPr>
+                          <a:rPr lang="en-US" b="0" i="1" smtClean="0">
+                            <a:solidFill>
+                              <a:srgbClr val="000000"/>
+                            </a:solidFill>
+                            <a:latin typeface="Cambria Math" panose="02040503050406030204" pitchFamily="18" charset="0"/>
+                          </a:rPr>
+                        </m:ctrlPr>
+                      </m:dPr>
+                      <m:e>
+                        <m:eqArr>
+                          <m:eqArrPr>
+                            <m:ctrlPr>
+                              <a:rPr lang="en-US" b="0" i="1" smtClean="0">
+                                <a:solidFill>
+                                  <a:srgbClr val="000000"/>
+                                </a:solidFill>
+                                <a:latin typeface="Cambria Math" panose="02040503050406030204" pitchFamily="18" charset="0"/>
+                              </a:rPr>
+                            </m:ctrlPr>
+                          </m:eqArrPr>
+                          <m:e>
+                            <m:r>
+                              <a:rPr lang="en-US" b="0" i="1" smtClean="0">
+                                <a:solidFill>
+                                  <a:srgbClr val="000000"/>
+                                </a:solidFill>
+                                <a:latin typeface="Cambria Math" panose="02040503050406030204" pitchFamily="18" charset="0"/>
+                              </a:rPr>
+                              <m:t>1, </m:t>
+                            </m:r>
+                            <m:r>
+                              <a:rPr lang="ru-RU" b="0" i="1" smtClean="0">
+                                <a:solidFill>
+                                  <a:srgbClr val="000000"/>
+                                </a:solidFill>
+                                <a:latin typeface="Cambria Math" panose="02040503050406030204" pitchFamily="18" charset="0"/>
+                              </a:rPr>
+                              <m:t>при </m:t>
+                            </m:r>
+                            <m:r>
+                              <a:rPr lang="en-US" b="0" i="1" smtClean="0">
+                                <a:solidFill>
+                                  <a:srgbClr val="000000"/>
+                                </a:solidFill>
+                                <a:latin typeface="Cambria Math" panose="02040503050406030204" pitchFamily="18" charset="0"/>
+                              </a:rPr>
+                              <m:t>𝑀</m:t>
+                            </m:r>
+                            <m:r>
+                              <a:rPr lang="en-US" b="0" i="1" smtClean="0">
+                                <a:solidFill>
+                                  <a:srgbClr val="000000"/>
+                                </a:solidFill>
+                                <a:latin typeface="Cambria Math" panose="02040503050406030204" pitchFamily="18" charset="0"/>
+                              </a:rPr>
+                              <m:t>=0,</m:t>
+                            </m:r>
+                          </m:e>
+                          <m:e>
+                            <m:r>
+                              <a:rPr lang="en-US" b="0" i="1" smtClean="0">
+                                <a:solidFill>
+                                  <a:srgbClr val="000000"/>
+                                </a:solidFill>
+                                <a:latin typeface="Cambria Math" panose="02040503050406030204" pitchFamily="18" charset="0"/>
+                              </a:rPr>
+                              <m:t>𝑟</m:t>
+                            </m:r>
+                            <m:r>
+                              <a:rPr lang="en-US" b="0" i="1" smtClean="0">
+                                <a:solidFill>
+                                  <a:srgbClr val="000000"/>
+                                </a:solidFill>
+                                <a:latin typeface="Cambria Math" panose="02040503050406030204" pitchFamily="18" charset="0"/>
+                              </a:rPr>
+                              <m:t>∗</m:t>
+                            </m:r>
+                            <m:r>
+                              <a:rPr lang="en-US" b="0" i="1" smtClean="0">
+                                <a:solidFill>
+                                  <a:srgbClr val="000000"/>
+                                </a:solidFill>
+                                <a:latin typeface="Cambria Math" panose="02040503050406030204" pitchFamily="18" charset="0"/>
+                              </a:rPr>
+                              <m:t>𝑀</m:t>
+                            </m:r>
+                            <m:r>
+                              <a:rPr lang="en-US" b="0" i="1" smtClean="0">
+                                <a:solidFill>
+                                  <a:srgbClr val="000000"/>
+                                </a:solidFill>
+                                <a:latin typeface="Cambria Math" panose="02040503050406030204" pitchFamily="18" charset="0"/>
+                              </a:rPr>
+                              <m:t>, при </m:t>
+                            </m:r>
+                            <m:r>
+                              <a:rPr lang="en-US" b="0" i="1" smtClean="0">
+                                <a:solidFill>
+                                  <a:srgbClr val="000000"/>
+                                </a:solidFill>
+                                <a:latin typeface="Cambria Math" panose="02040503050406030204" pitchFamily="18" charset="0"/>
+                              </a:rPr>
+                              <m:t>𝑀</m:t>
+                            </m:r>
+                            <m:r>
+                              <a:rPr lang="en-US" b="0" i="1" smtClean="0">
+                                <a:solidFill>
+                                  <a:srgbClr val="000000"/>
+                                </a:solidFill>
+                                <a:latin typeface="Cambria Math" panose="02040503050406030204" pitchFamily="18" charset="0"/>
+                              </a:rPr>
+                              <m:t>&gt;0,</m:t>
+                            </m:r>
+                          </m:e>
+                        </m:eqArr>
+                      </m:e>
+                    </m:d>
+                    <m:r>
+                      <a:rPr lang="en-US" b="0" i="1" smtClean="0">
+                        <a:solidFill>
+                          <a:srgbClr val="000000"/>
+                        </a:solidFill>
+                        <a:latin typeface="Cambria Math" panose="02040503050406030204" pitchFamily="18" charset="0"/>
+                      </a:rPr>
+                      <m:t>, </m:t>
+                    </m:r>
+                    <m:r>
+                      <a:rPr lang="ru-RU" b="0" i="1" smtClean="0">
+                        <a:solidFill>
+                          <a:srgbClr val="000000"/>
+                        </a:solidFill>
+                        <a:latin typeface="Cambria Math" panose="02040503050406030204" pitchFamily="18" charset="0"/>
+                      </a:rPr>
+                      <m:t>где </m:t>
+                    </m:r>
+                    <m:r>
+                      <a:rPr lang="en-US" b="0" i="1" smtClean="0">
+                        <a:solidFill>
+                          <a:srgbClr val="000000"/>
+                        </a:solidFill>
+                        <a:latin typeface="Cambria Math" panose="02040503050406030204" pitchFamily="18" charset="0"/>
+                      </a:rPr>
+                      <m:t>𝑀</m:t>
+                    </m:r>
+                    <m:r>
+                      <a:rPr lang="en-US" b="0" i="1" smtClean="0">
+                        <a:solidFill>
+                          <a:srgbClr val="000000"/>
+                        </a:solidFill>
+                        <a:latin typeface="Cambria Math" panose="02040503050406030204" pitchFamily="18" charset="0"/>
+                      </a:rPr>
+                      <m:t>=</m:t>
+                    </m:r>
+                    <m:func>
+                      <m:funcPr>
+                        <m:ctrlPr>
+                          <a:rPr lang="en-US" b="0" i="1" smtClean="0">
+                            <a:solidFill>
+                              <a:srgbClr val="000000"/>
+                            </a:solidFill>
+                            <a:latin typeface="Cambria Math" panose="02040503050406030204" pitchFamily="18" charset="0"/>
+                          </a:rPr>
+                        </m:ctrlPr>
+                      </m:funcPr>
+                      <m:fName>
+                        <m:r>
+                          <m:rPr>
+                            <m:sty m:val="p"/>
+                          </m:rPr>
+                          <a:rPr lang="en-US" b="0" i="0" smtClean="0">
+                            <a:solidFill>
+                              <a:srgbClr val="000000"/>
+                            </a:solidFill>
+                            <a:latin typeface="Cambria Math" panose="02040503050406030204" pitchFamily="18" charset="0"/>
+                          </a:rPr>
+                          <m:t>max</m:t>
+                        </m:r>
+                      </m:fName>
+                      <m:e>
+                        <m:d>
+                          <m:dPr>
+                            <m:begChr m:val="{"/>
+                            <m:endChr m:val="}"/>
+                            <m:ctrlPr>
+                              <a:rPr lang="en-US" b="0" i="1" smtClean="0">
+                                <a:solidFill>
+                                  <a:srgbClr val="000000"/>
+                                </a:solidFill>
+                                <a:latin typeface="Cambria Math" panose="02040503050406030204" pitchFamily="18" charset="0"/>
+                              </a:rPr>
+                            </m:ctrlPr>
+                          </m:dPr>
+                          <m:e>
+                            <m:f>
+                              <m:fPr>
+                                <m:ctrlPr>
+                                  <a:rPr lang="en-US" b="0" i="1" smtClean="0">
+                                    <a:solidFill>
+                                      <a:srgbClr val="000000"/>
+                                    </a:solidFill>
+                                    <a:latin typeface="Cambria Math" panose="02040503050406030204" pitchFamily="18" charset="0"/>
+                                  </a:rPr>
+                                </m:ctrlPr>
+                              </m:fPr>
+                              <m:num>
+                                <m:d>
+                                  <m:dPr>
+                                    <m:begChr m:val="|"/>
+                                    <m:endChr m:val="|"/>
+                                    <m:ctrlPr>
+                                      <a:rPr lang="en-US" b="0" i="1" smtClean="0">
+                                        <a:solidFill>
+                                          <a:srgbClr val="000000"/>
+                                        </a:solidFill>
+                                        <a:latin typeface="Cambria Math" panose="02040503050406030204" pitchFamily="18" charset="0"/>
+                                      </a:rPr>
+                                    </m:ctrlPr>
+                                  </m:dPr>
+                                  <m:e>
+                                    <m:sSub>
+                                      <m:sSubPr>
+                                        <m:ctrlPr>
+                                          <a:rPr lang="en-US" i="1">
+                                            <a:solidFill>
+                                              <a:srgbClr val="000000"/>
+                                            </a:solidFill>
+                                            <a:latin typeface="Cambria Math" panose="02040503050406030204" pitchFamily="18" charset="0"/>
+                                          </a:rPr>
+                                        </m:ctrlPr>
+                                      </m:sSubPr>
+                                      <m:e>
+                                        <m:r>
+                                          <a:rPr lang="en-US" i="1">
+                                            <a:solidFill>
+                                              <a:srgbClr val="000000"/>
+                                            </a:solidFill>
+                                            <a:latin typeface="Cambria Math" panose="02040503050406030204" pitchFamily="18" charset="0"/>
+                                          </a:rPr>
+                                          <m:t>𝑧</m:t>
+                                        </m:r>
+                                      </m:e>
+                                      <m:sub>
+                                        <m:r>
+                                          <a:rPr lang="en-US" i="1">
+                                            <a:solidFill>
+                                              <a:srgbClr val="000000"/>
+                                            </a:solidFill>
+                                            <a:latin typeface="Cambria Math" panose="02040503050406030204" pitchFamily="18" charset="0"/>
+                                          </a:rPr>
+                                          <m:t>𝑖</m:t>
+                                        </m:r>
+                                      </m:sub>
+                                    </m:sSub>
+                                    <m:r>
+                                      <a:rPr lang="ru-RU" i="1">
+                                        <a:solidFill>
+                                          <a:srgbClr val="000000"/>
+                                        </a:solidFill>
+                                        <a:latin typeface="Cambria Math" panose="02040503050406030204" pitchFamily="18" charset="0"/>
+                                      </a:rPr>
+                                      <m:t>−</m:t>
+                                    </m:r>
+                                    <m:sSub>
+                                      <m:sSubPr>
+                                        <m:ctrlPr>
+                                          <a:rPr lang="en-US" i="1">
+                                            <a:solidFill>
+                                              <a:srgbClr val="000000"/>
+                                            </a:solidFill>
+                                            <a:latin typeface="Cambria Math" panose="02040503050406030204" pitchFamily="18" charset="0"/>
+                                          </a:rPr>
+                                        </m:ctrlPr>
+                                      </m:sSubPr>
+                                      <m:e>
+                                        <m:r>
+                                          <a:rPr lang="en-US" i="1">
+                                            <a:solidFill>
+                                              <a:srgbClr val="000000"/>
+                                            </a:solidFill>
+                                            <a:latin typeface="Cambria Math" panose="02040503050406030204" pitchFamily="18" charset="0"/>
+                                          </a:rPr>
+                                          <m:t>𝑧</m:t>
+                                        </m:r>
+                                      </m:e>
+                                      <m:sub>
+                                        <m:r>
+                                          <a:rPr lang="en-US" i="1">
+                                            <a:solidFill>
+                                              <a:srgbClr val="000000"/>
+                                            </a:solidFill>
+                                            <a:latin typeface="Cambria Math" panose="02040503050406030204" pitchFamily="18" charset="0"/>
+                                          </a:rPr>
+                                          <m:t>𝑖</m:t>
+                                        </m:r>
+                                        <m:r>
+                                          <a:rPr lang="en-US" i="1">
+                                            <a:solidFill>
+                                              <a:srgbClr val="000000"/>
+                                            </a:solidFill>
+                                            <a:latin typeface="Cambria Math" panose="02040503050406030204" pitchFamily="18" charset="0"/>
+                                          </a:rPr>
+                                          <m:t>−1</m:t>
+                                        </m:r>
+                                      </m:sub>
+                                    </m:sSub>
+                                  </m:e>
+                                </m:d>
+                              </m:num>
+                              <m:den>
+                                <m:sSub>
+                                  <m:sSubPr>
+                                    <m:ctrlPr>
+                                      <a:rPr lang="en-US" i="1">
+                                        <a:latin typeface="Cambria Math" panose="02040503050406030204" pitchFamily="18" charset="0"/>
+                                      </a:rPr>
+                                    </m:ctrlPr>
+                                  </m:sSubPr>
+                                  <m:e>
+                                    <m:r>
+                                      <a:rPr lang="en-US" i="1">
+                                        <a:latin typeface="Cambria Math" panose="02040503050406030204" pitchFamily="18" charset="0"/>
+                                      </a:rPr>
+                                      <m:t>𝑥</m:t>
+                                    </m:r>
+                                  </m:e>
+                                  <m:sub>
+                                    <m:r>
+                                      <a:rPr lang="en-US" i="1">
+                                        <a:latin typeface="Cambria Math" panose="02040503050406030204" pitchFamily="18" charset="0"/>
+                                      </a:rPr>
+                                      <m:t>𝑖</m:t>
+                                    </m:r>
+                                  </m:sub>
+                                </m:sSub>
+                                <m:r>
+                                  <a:rPr lang="en-US" i="1">
+                                    <a:latin typeface="Cambria Math" panose="02040503050406030204" pitchFamily="18" charset="0"/>
+                                  </a:rPr>
+                                  <m:t>−</m:t>
+                                </m:r>
+                                <m:sSub>
+                                  <m:sSubPr>
+                                    <m:ctrlPr>
+                                      <a:rPr lang="en-US" i="1">
+                                        <a:latin typeface="Cambria Math" panose="02040503050406030204" pitchFamily="18" charset="0"/>
+                                      </a:rPr>
+                                    </m:ctrlPr>
+                                  </m:sSubPr>
+                                  <m:e>
+                                    <m:r>
+                                      <a:rPr lang="en-US" i="1">
+                                        <a:latin typeface="Cambria Math" panose="02040503050406030204" pitchFamily="18" charset="0"/>
+                                      </a:rPr>
+                                      <m:t>𝑥</m:t>
+                                    </m:r>
+                                  </m:e>
+                                  <m:sub>
+                                    <m:r>
+                                      <a:rPr lang="en-US" i="1">
+                                        <a:latin typeface="Cambria Math" panose="02040503050406030204" pitchFamily="18" charset="0"/>
+                                      </a:rPr>
+                                      <m:t>𝑖</m:t>
+                                    </m:r>
+                                    <m:r>
+                                      <a:rPr lang="en-US" i="1">
+                                        <a:latin typeface="Cambria Math" panose="02040503050406030204" pitchFamily="18" charset="0"/>
+                                      </a:rPr>
+                                      <m:t>−1</m:t>
+                                    </m:r>
+                                  </m:sub>
+                                </m:sSub>
+                              </m:den>
+                            </m:f>
+                          </m:e>
+                        </m:d>
+                      </m:e>
+                    </m:func>
+                  </m:oMath>
+                </a14:m>
+                <a:endParaRPr lang="en-US" b="0" i="1" dirty="0" smtClean="0">
+                  <a:solidFill>
+                    <a:srgbClr val="000000"/>
+                  </a:solidFill>
+                </a:endParaRPr>
+              </a:p>
+              <a:p>
+                <a:r>
+                  <a:rPr lang="en-US" i="1" dirty="0" smtClean="0">
+                    <a:solidFill>
+                      <a:srgbClr val="000000"/>
+                    </a:solidFill>
+                  </a:rPr>
+                  <a:t>r(r&gt;1) </a:t>
+                </a:r>
+                <a:r>
+                  <a:rPr lang="en-US" dirty="0" smtClean="0">
+                    <a:solidFill>
+                      <a:srgbClr val="000000"/>
+                    </a:solidFill>
+                  </a:rPr>
+                  <a:t>– </a:t>
+                </a:r>
+                <a:r>
+                  <a:rPr lang="ru-RU" dirty="0" smtClean="0">
+                    <a:solidFill>
+                      <a:srgbClr val="000000"/>
+                    </a:solidFill>
+                  </a:rPr>
+                  <a:t>параметр метода.</a:t>
+                </a:r>
+                <a:endParaRPr lang="ru-RU" i="1" dirty="0">
+                  <a:solidFill>
+                    <a:srgbClr val="000000"/>
+                  </a:solidFill>
+                </a:endParaRPr>
+              </a:p>
+            </p:txBody>
+          </p:sp>
+        </mc:Choice>
+        <mc:Fallback>
+          <p:sp>
+            <p:nvSpPr>
+              <p:cNvPr id="7" name="Объект 2"/>
+              <p:cNvSpPr>
+                <a:spLocks noGrp="1" noRot="1" noChangeAspect="1" noMove="1" noResize="1" noEditPoints="1" noAdjustHandles="1" noChangeArrowheads="1" noChangeShapeType="1" noTextEdit="1"/>
+              </p:cNvSpPr>
+              <p:nvPr>
+                <p:ph idx="1"/>
+              </p:nvPr>
+            </p:nvSpPr>
+            <p:spPr>
+              <a:xfrm>
+                <a:off x="200472" y="1124744"/>
+                <a:ext cx="9505056" cy="5041107"/>
+              </a:xfrm>
+              <a:blipFill rotWithShape="0">
+                <a:blip r:embed="rId2"/>
+                <a:stretch>
+                  <a:fillRect l="-513" t="-847"/>
+                </a:stretch>
+              </a:blipFill>
+            </p:spPr>
+            <p:txBody>
+              <a:bodyPr/>
+              <a:lstStyle/>
+              <a:p>
+                <a:r>
+                  <a:rPr lang="ru-RU">
+                    <a:noFill/>
+                  </a:rPr>
+                  <a:t> </a:t>
+                </a:r>
+              </a:p>
+            </p:txBody>
+          </p:sp>
+        </mc:Fallback>
+      </mc:AlternateContent>
     </p:spTree>
     <p:extLst>
       <p:ext uri="{BB962C8B-B14F-4D97-AF65-F5344CB8AC3E}">
-        <p14:creationId xmlns:p14="http://schemas.microsoft.com/office/powerpoint/2010/main" val="1428400317"/>
+        <p14:creationId xmlns:p14="http://schemas.microsoft.com/office/powerpoint/2010/main" val="3994283097"/>
       </p:ext>
     </p:extLst>
   </p:cSld>
@@ -6123,15 +7478,7 @@
           <a:p>
             <a:r>
               <a:rPr lang="ru-RU" dirty="0" smtClean="0"/>
-              <a:t>Архитектура </a:t>
-            </a:r>
-            <a:r>
-              <a:rPr lang="ru-RU" dirty="0"/>
-              <a:t>программной </a:t>
-            </a:r>
-            <a:r>
-              <a:rPr lang="ru-RU" dirty="0" smtClean="0"/>
-              <a:t>системы</a:t>
+              <a:t>Метод ломанных</a:t>
             </a:r>
             <a:endParaRPr lang="ru-RU" dirty="0"/>
           </a:p>
@@ -6139,7 +7486,7 @@
       </p:sp>
       <p:sp>
         <p:nvSpPr>
-          <p:cNvPr id="3" name="Содержимое 2"/>
+          <p:cNvPr id="3" name="Объект 2"/>
           <p:cNvSpPr>
             <a:spLocks noGrp="1"/>
           </p:cNvSpPr>
@@ -6153,9 +7500,231 @@
           <a:lstStyle/>
           <a:p>
             <a:r>
-              <a:rPr lang="en-US" dirty="0" smtClean="0"/>
-              <a:t>C++</a:t>
-            </a:r>
+              <a:rPr lang="ru-RU" sz="3200" dirty="0" smtClean="0"/>
+              <a:t>Характеристика интервала</a:t>
+            </a:r>
+            <a:r>
+              <a:rPr lang="en-US" sz="3200" dirty="0" smtClean="0"/>
+              <a:t> (x</a:t>
+            </a:r>
+            <a:r>
+              <a:rPr lang="en-US" sz="3200" baseline="-25000" dirty="0" smtClean="0"/>
+              <a:t>i-1,</a:t>
+            </a:r>
+            <a:r>
+              <a:rPr lang="en-US" sz="3200" dirty="0" smtClean="0"/>
+              <a:t> x</a:t>
+            </a:r>
+            <a:r>
+              <a:rPr lang="en-US" sz="3200" baseline="-25000" dirty="0" smtClean="0"/>
+              <a:t>i</a:t>
+            </a:r>
+            <a:r>
+              <a:rPr lang="en-US" sz="3200" dirty="0" smtClean="0"/>
+              <a:t>), 1 &lt; </a:t>
+            </a:r>
+            <a:r>
+              <a:rPr lang="en-US" sz="3200" dirty="0" err="1" smtClean="0"/>
+              <a:t>i</a:t>
+            </a:r>
+            <a:r>
+              <a:rPr lang="en-US" sz="3200" dirty="0" smtClean="0"/>
+              <a:t> </a:t>
+            </a:r>
+            <a:r>
+              <a:rPr lang="ru-RU" sz="3200" dirty="0" smtClean="0"/>
+              <a:t>≤</a:t>
+            </a:r>
+            <a:r>
+              <a:rPr lang="en-US" sz="3200" dirty="0" smtClean="0"/>
+              <a:t> k:</a:t>
+            </a:r>
+            <a:endParaRPr lang="en-US" sz="3200" dirty="0"/>
+          </a:p>
+          <a:p>
+            <a:pPr marL="0" indent="0">
+              <a:buNone/>
+            </a:pPr>
+            <a:r>
+              <a:rPr lang="en-US" sz="3200" dirty="0" smtClean="0"/>
+              <a:t>	R(</a:t>
+            </a:r>
+            <a:r>
+              <a:rPr lang="en-US" sz="3200" dirty="0" err="1" smtClean="0"/>
+              <a:t>i</a:t>
+            </a:r>
+            <a:r>
+              <a:rPr lang="en-US" sz="3200" dirty="0" smtClean="0"/>
+              <a:t>) = 0,5 * M * (x</a:t>
+            </a:r>
+            <a:r>
+              <a:rPr lang="en-US" sz="3200" baseline="-25000" dirty="0" smtClean="0"/>
+              <a:t>i</a:t>
+            </a:r>
+            <a:r>
+              <a:rPr lang="en-US" sz="3200" dirty="0" smtClean="0"/>
+              <a:t> – x</a:t>
+            </a:r>
+            <a:r>
+              <a:rPr lang="en-US" sz="3200" baseline="-25000" dirty="0" smtClean="0"/>
+              <a:t>i-1</a:t>
+            </a:r>
+            <a:r>
+              <a:rPr lang="en-US" sz="3200" dirty="0" smtClean="0"/>
+              <a:t>) – 0,5 * ( f(x</a:t>
+            </a:r>
+            <a:r>
+              <a:rPr lang="en-US" sz="3200" baseline="-25000" dirty="0" smtClean="0"/>
+              <a:t>i</a:t>
+            </a:r>
+            <a:r>
+              <a:rPr lang="en-US" sz="3200" dirty="0" smtClean="0"/>
+              <a:t>) + f(x</a:t>
+            </a:r>
+            <a:r>
+              <a:rPr lang="en-US" sz="3200" baseline="-25000" dirty="0" smtClean="0"/>
+              <a:t>i-1</a:t>
+            </a:r>
+            <a:r>
+              <a:rPr lang="en-US" sz="3200" dirty="0" smtClean="0"/>
+              <a:t>))</a:t>
+            </a:r>
+            <a:endParaRPr lang="ru-RU" sz="3200" dirty="0" smtClean="0"/>
+          </a:p>
+          <a:p>
+            <a:pPr marL="0" indent="0">
+              <a:buNone/>
+            </a:pPr>
+            <a:endParaRPr lang="en-US" sz="3200" dirty="0" smtClean="0"/>
+          </a:p>
+          <a:p>
+            <a:r>
+              <a:rPr lang="ru-RU" sz="3200" dirty="0" smtClean="0"/>
+              <a:t>Правило выбора точки нового испытания:</a:t>
+            </a:r>
+          </a:p>
+          <a:p>
+            <a:pPr marL="0" indent="0">
+              <a:buNone/>
+            </a:pPr>
+            <a:r>
+              <a:rPr lang="ru-RU" sz="3200" dirty="0"/>
+              <a:t>	</a:t>
+            </a:r>
+            <a:r>
+              <a:rPr lang="en-US" sz="3200" dirty="0" smtClean="0"/>
+              <a:t>x</a:t>
+            </a:r>
+            <a:r>
+              <a:rPr lang="en-US" sz="3200" baseline="30000" dirty="0" smtClean="0"/>
+              <a:t>k+1</a:t>
+            </a:r>
+            <a:r>
+              <a:rPr lang="en-US" sz="3200" dirty="0" smtClean="0"/>
+              <a:t> = </a:t>
+            </a:r>
+            <a:r>
+              <a:rPr lang="en-US" sz="3200" dirty="0"/>
+              <a:t>0,5 </a:t>
+            </a:r>
+            <a:r>
+              <a:rPr lang="en-US" sz="3200" dirty="0" smtClean="0"/>
+              <a:t>* </a:t>
+            </a:r>
+            <a:r>
+              <a:rPr lang="en-US" sz="3200" dirty="0"/>
+              <a:t>(</a:t>
+            </a:r>
+            <a:r>
+              <a:rPr lang="en-US" sz="3200" dirty="0" smtClean="0"/>
+              <a:t>x</a:t>
+            </a:r>
+            <a:r>
+              <a:rPr lang="en-US" sz="3200" baseline="-25000" dirty="0" smtClean="0"/>
+              <a:t>t-1</a:t>
+            </a:r>
+            <a:r>
+              <a:rPr lang="en-US" sz="3200" dirty="0" smtClean="0"/>
+              <a:t> + </a:t>
+            </a:r>
+            <a:r>
+              <a:rPr lang="en-US" sz="3200" dirty="0" err="1" smtClean="0"/>
+              <a:t>x</a:t>
+            </a:r>
+            <a:r>
+              <a:rPr lang="en-US" sz="3200" baseline="-25000" dirty="0" err="1"/>
+              <a:t>t</a:t>
+            </a:r>
+            <a:r>
+              <a:rPr lang="en-US" sz="3200" dirty="0" smtClean="0"/>
+              <a:t>) </a:t>
+            </a:r>
+            <a:r>
+              <a:rPr lang="en-US" sz="3200" dirty="0"/>
+              <a:t>– 0,5 * ( f(x</a:t>
+            </a:r>
+            <a:r>
+              <a:rPr lang="en-US" sz="3200" baseline="-25000" dirty="0"/>
+              <a:t>i</a:t>
+            </a:r>
+            <a:r>
+              <a:rPr lang="en-US" sz="3200" dirty="0"/>
+              <a:t>) </a:t>
+            </a:r>
+            <a:r>
+              <a:rPr lang="en-US" sz="3200" dirty="0" smtClean="0"/>
+              <a:t>- </a:t>
+            </a:r>
+            <a:r>
+              <a:rPr lang="en-US" sz="3200" dirty="0"/>
+              <a:t>f(x</a:t>
+            </a:r>
+            <a:r>
+              <a:rPr lang="en-US" sz="3200" baseline="-25000" dirty="0"/>
+              <a:t>i-1</a:t>
+            </a:r>
+            <a:r>
+              <a:rPr lang="en-US" sz="3200" dirty="0" smtClean="0"/>
+              <a:t>)) / M</a:t>
+            </a:r>
+            <a:endParaRPr lang="ru-RU" sz="3200" dirty="0" smtClean="0"/>
+          </a:p>
+          <a:p>
+            <a:pPr marL="0" indent="0">
+              <a:buNone/>
+            </a:pPr>
+            <a:endParaRPr lang="ru-RU" sz="3200" dirty="0" smtClean="0"/>
+          </a:p>
+          <a:p>
+            <a:r>
+              <a:rPr lang="en-US" sz="3200" dirty="0" smtClean="0"/>
+              <a:t>M –</a:t>
+            </a:r>
+            <a:r>
+              <a:rPr lang="ru-RU" sz="3200" dirty="0" smtClean="0"/>
+              <a:t> оценка константы Липшица функции </a:t>
+            </a:r>
+            <a:r>
+              <a:rPr lang="en-US" sz="3200" dirty="0" smtClean="0"/>
+              <a:t>f(x) </a:t>
+            </a:r>
+            <a:r>
+              <a:rPr lang="ru-RU" sz="3200" dirty="0" smtClean="0"/>
+              <a:t>на интервале </a:t>
+            </a:r>
+            <a:r>
+              <a:rPr lang="en-US" sz="3200" dirty="0" smtClean="0"/>
+              <a:t>[</a:t>
+            </a:r>
+            <a:r>
+              <a:rPr lang="en-US" sz="3200" dirty="0" err="1" smtClean="0"/>
+              <a:t>a,b</a:t>
+            </a:r>
+            <a:r>
+              <a:rPr lang="en-US" sz="3200" dirty="0" smtClean="0"/>
+              <a:t>]</a:t>
+            </a:r>
+            <a:endParaRPr lang="en-US" sz="3200" dirty="0"/>
           </a:p>
           <a:p>
             <a:pPr marL="0" indent="0">
@@ -6163,39 +7732,11 @@
             </a:pPr>
             <a:endParaRPr lang="en-US" dirty="0" smtClean="0"/>
           </a:p>
-          <a:p>
-            <a:pPr marL="0" indent="0">
-              <a:buNone/>
-            </a:pPr>
-            <a:endParaRPr lang="en-US" dirty="0"/>
-          </a:p>
-          <a:p>
-            <a:pPr marL="0" indent="0">
-              <a:buNone/>
-            </a:pPr>
-            <a:endParaRPr lang="en-US" dirty="0"/>
-          </a:p>
-          <a:p>
-            <a:endParaRPr lang="en-US" dirty="0" smtClean="0"/>
-          </a:p>
-          <a:p>
-            <a:endParaRPr lang="en-US" dirty="0"/>
-          </a:p>
-          <a:p>
-            <a:endParaRPr lang="en-US" dirty="0" smtClean="0"/>
-          </a:p>
-          <a:p>
-            <a:r>
-              <a:rPr lang="en-US" dirty="0" smtClean="0"/>
-              <a:t>C#</a:t>
-            </a:r>
-            <a:endParaRPr lang="ru-RU" dirty="0" smtClean="0"/>
-          </a:p>
-        </p:txBody>
-      </p:sp>
-      <p:sp>
-        <p:nvSpPr>
-          <p:cNvPr id="6" name="Дата 5"/>
+        </p:txBody>
+      </p:sp>
+      <p:sp>
+        <p:nvSpPr>
+          <p:cNvPr id="4" name="Дата 3"/>
           <p:cNvSpPr>
             <a:spLocks noGrp="1"/>
           </p:cNvSpPr>
@@ -6209,6 +7750,9 @@
           <a:lstStyle/>
           <a:p>
             <a:pPr>
+              <a:lnSpc>
+                <a:spcPct val="150000"/>
+              </a:lnSpc>
               <a:defRPr/>
             </a:pPr>
             <a:r>
@@ -6221,7 +7765,36 @@
       </p:sp>
       <p:sp>
         <p:nvSpPr>
-          <p:cNvPr id="7" name="Номер слайда 6"/>
+          <p:cNvPr id="5" name="Нижний колонтитул 4"/>
+          <p:cNvSpPr>
+            <a:spLocks noGrp="1"/>
+          </p:cNvSpPr>
+          <p:nvPr>
+            <p:ph type="ftr" sz="quarter" idx="3"/>
+          </p:nvPr>
+        </p:nvSpPr>
+        <p:spPr/>
+        <p:txBody>
+          <a:bodyPr/>
+          <a:lstStyle/>
+          <a:p>
+            <a:pPr>
+              <a:lnSpc>
+                <a:spcPct val="150000"/>
+              </a:lnSpc>
+              <a:defRPr/>
+            </a:pPr>
+            <a:r>
+              <a:rPr lang="ru-RU" smtClean="0"/>
+              <a:t>Мини-проект по глобальной оптимизации</a:t>
+            </a:r>
+            <a:endParaRPr lang="ru-RU" dirty="0" smtClean="0"/>
+          </a:p>
+        </p:txBody>
+      </p:sp>
+      <p:sp>
+        <p:nvSpPr>
+          <p:cNvPr id="6" name="Номер слайда 5"/>
           <p:cNvSpPr>
             <a:spLocks noGrp="1"/>
           </p:cNvSpPr>
@@ -6243,6 +7816,185 @@
                 <a:defRPr/>
               </a:pPr>
               <a:t>6</a:t>
+            </a:fld>
+            <a:endParaRPr lang="ru-RU" dirty="0"/>
+          </a:p>
+        </p:txBody>
+      </p:sp>
+    </p:spTree>
+    <p:extLst>
+      <p:ext uri="{BB962C8B-B14F-4D97-AF65-F5344CB8AC3E}">
+        <p14:creationId xmlns:p14="http://schemas.microsoft.com/office/powerpoint/2010/main" val="1428400317"/>
+      </p:ext>
+    </p:extLst>
+  </p:cSld>
+  <p:clrMapOvr>
+    <a:masterClrMapping/>
+  </p:clrMapOvr>
+  <p:timing>
+    <p:tnLst>
+      <p:par>
+        <p:cTn id="1" dur="indefinite" restart="never" nodeType="tmRoot"/>
+      </p:par>
+    </p:tnLst>
+  </p:timing>
+</p:sld>
+</file>
+
+<file path=ppt/slides/slide7.xml><?xml version="1.0" encoding="utf-8"?>
+<p:sld xmlns:a="http://schemas.openxmlformats.org/drawingml/2006/main" xmlns:r="http://schemas.openxmlformats.org/officeDocument/2006/relationships" xmlns:p="http://schemas.openxmlformats.org/presentationml/2006/main">
+  <p:cSld>
+    <p:spTree>
+      <p:nvGrpSpPr>
+        <p:cNvPr id="1" name=""/>
+        <p:cNvGrpSpPr/>
+        <p:nvPr/>
+      </p:nvGrpSpPr>
+      <p:grpSpPr>
+        <a:xfrm>
+          <a:off x="0" y="0"/>
+          <a:ext cx="0" cy="0"/>
+          <a:chOff x="0" y="0"/>
+          <a:chExt cx="0" cy="0"/>
+        </a:xfrm>
+      </p:grpSpPr>
+      <p:sp>
+        <p:nvSpPr>
+          <p:cNvPr id="2" name="Заголовок 1"/>
+          <p:cNvSpPr>
+            <a:spLocks noGrp="1"/>
+          </p:cNvSpPr>
+          <p:nvPr>
+            <p:ph type="title"/>
+          </p:nvPr>
+        </p:nvSpPr>
+        <p:spPr/>
+        <p:txBody>
+          <a:bodyPr/>
+          <a:lstStyle/>
+          <a:p>
+            <a:r>
+              <a:rPr lang="ru-RU" dirty="0" smtClean="0"/>
+              <a:t>Архитектура </a:t>
+            </a:r>
+            <a:r>
+              <a:rPr lang="ru-RU" dirty="0"/>
+              <a:t>программной </a:t>
+            </a:r>
+            <a:r>
+              <a:rPr lang="ru-RU" dirty="0" smtClean="0"/>
+              <a:t>системы</a:t>
+            </a:r>
+            <a:endParaRPr lang="ru-RU" dirty="0"/>
+          </a:p>
+        </p:txBody>
+      </p:sp>
+      <p:sp>
+        <p:nvSpPr>
+          <p:cNvPr id="3" name="Содержимое 2"/>
+          <p:cNvSpPr>
+            <a:spLocks noGrp="1"/>
+          </p:cNvSpPr>
+          <p:nvPr>
+            <p:ph idx="1"/>
+          </p:nvPr>
+        </p:nvSpPr>
+        <p:spPr/>
+        <p:txBody>
+          <a:bodyPr/>
+          <a:lstStyle/>
+          <a:p>
+            <a:r>
+              <a:rPr lang="en-US" dirty="0" smtClean="0"/>
+              <a:t>C++</a:t>
+            </a:r>
+          </a:p>
+          <a:p>
+            <a:pPr marL="0" indent="0">
+              <a:buNone/>
+            </a:pPr>
+            <a:endParaRPr lang="en-US" dirty="0" smtClean="0"/>
+          </a:p>
+          <a:p>
+            <a:pPr marL="0" indent="0">
+              <a:buNone/>
+            </a:pPr>
+            <a:endParaRPr lang="en-US" dirty="0"/>
+          </a:p>
+          <a:p>
+            <a:pPr marL="0" indent="0">
+              <a:buNone/>
+            </a:pPr>
+            <a:endParaRPr lang="en-US" dirty="0"/>
+          </a:p>
+          <a:p>
+            <a:endParaRPr lang="en-US" dirty="0" smtClean="0"/>
+          </a:p>
+          <a:p>
+            <a:endParaRPr lang="en-US" dirty="0"/>
+          </a:p>
+          <a:p>
+            <a:endParaRPr lang="en-US" dirty="0" smtClean="0"/>
+          </a:p>
+          <a:p>
+            <a:r>
+              <a:rPr lang="en-US" dirty="0" smtClean="0"/>
+              <a:t>C#</a:t>
+            </a:r>
+            <a:endParaRPr lang="ru-RU" dirty="0" smtClean="0"/>
+          </a:p>
+        </p:txBody>
+      </p:sp>
+      <p:sp>
+        <p:nvSpPr>
+          <p:cNvPr id="6" name="Дата 5"/>
+          <p:cNvSpPr>
+            <a:spLocks noGrp="1"/>
+          </p:cNvSpPr>
+          <p:nvPr>
+            <p:ph type="dt" sz="half" idx="2"/>
+          </p:nvPr>
+        </p:nvSpPr>
+        <p:spPr/>
+        <p:txBody>
+          <a:bodyPr/>
+          <a:lstStyle/>
+          <a:p>
+            <a:pPr>
+              <a:defRPr/>
+            </a:pPr>
+            <a:r>
+              <a:rPr lang="ru-RU" smtClean="0"/>
+              <a:t>Нижний Новгород, 2017 г.</a:t>
+            </a:r>
+            <a:endParaRPr lang="ru-RU" dirty="0"/>
+          </a:p>
+        </p:txBody>
+      </p:sp>
+      <p:sp>
+        <p:nvSpPr>
+          <p:cNvPr id="7" name="Номер слайда 6"/>
+          <p:cNvSpPr>
+            <a:spLocks noGrp="1"/>
+          </p:cNvSpPr>
+          <p:nvPr>
+            <p:ph type="sldNum" sz="quarter" idx="4"/>
+          </p:nvPr>
+        </p:nvSpPr>
+        <p:spPr/>
+        <p:txBody>
+          <a:bodyPr/>
+          <a:lstStyle/>
+          <a:p>
+            <a:pPr>
+              <a:defRPr/>
+            </a:pPr>
+            <a:fld id="{4F2367BF-7A57-4F5A-B357-719264272D2E}" type="slidenum">
+              <a:rPr lang="ru-RU" smtClean="0"/>
+              <a:pPr>
+                <a:defRPr/>
+              </a:pPr>
+              <a:t>7</a:t>
             </a:fld>
             <a:endParaRPr lang="ru-RU" dirty="0"/>
           </a:p>
@@ -7167,159 +8919,6 @@
 </p:sld>
 </file>
 
-<file path=ppt/slides/slide7.xml><?xml version="1.0" encoding="utf-8"?>
-<p:sld xmlns:a="http://schemas.openxmlformats.org/drawingml/2006/main" xmlns:r="http://schemas.openxmlformats.org/officeDocument/2006/relationships" xmlns:p="http://schemas.openxmlformats.org/presentationml/2006/main">
-  <p:cSld>
-    <p:spTree>
-      <p:nvGrpSpPr>
-        <p:cNvPr id="1" name=""/>
-        <p:cNvGrpSpPr/>
-        <p:nvPr/>
-      </p:nvGrpSpPr>
-      <p:grpSpPr>
-        <a:xfrm>
-          <a:off x="0" y="0"/>
-          <a:ext cx="0" cy="0"/>
-          <a:chOff x="0" y="0"/>
-          <a:chExt cx="0" cy="0"/>
-        </a:xfrm>
-      </p:grpSpPr>
-      <p:sp>
-        <p:nvSpPr>
-          <p:cNvPr id="2" name="Заголовок 1"/>
-          <p:cNvSpPr>
-            <a:spLocks noGrp="1"/>
-          </p:cNvSpPr>
-          <p:nvPr>
-            <p:ph type="title"/>
-          </p:nvPr>
-        </p:nvSpPr>
-        <p:spPr/>
-        <p:txBody>
-          <a:bodyPr/>
-          <a:lstStyle/>
-          <a:p>
-            <a:r>
-              <a:rPr lang="ru-RU" dirty="0" smtClean="0"/>
-              <a:t>Реализация компонент</a:t>
-            </a:r>
-            <a:endParaRPr lang="ru-RU" dirty="0"/>
-          </a:p>
-        </p:txBody>
-      </p:sp>
-      <p:sp>
-        <p:nvSpPr>
-          <p:cNvPr id="3" name="Содержимое 2"/>
-          <p:cNvSpPr>
-            <a:spLocks noGrp="1"/>
-          </p:cNvSpPr>
-          <p:nvPr>
-            <p:ph idx="1"/>
-          </p:nvPr>
-        </p:nvSpPr>
-        <p:spPr/>
-        <p:txBody>
-          <a:bodyPr/>
-          <a:lstStyle/>
-          <a:p>
-            <a:endParaRPr lang="ru-RU" dirty="0" smtClean="0"/>
-          </a:p>
-        </p:txBody>
-      </p:sp>
-      <p:sp>
-        <p:nvSpPr>
-          <p:cNvPr id="6" name="Дата 5"/>
-          <p:cNvSpPr>
-            <a:spLocks noGrp="1"/>
-          </p:cNvSpPr>
-          <p:nvPr>
-            <p:ph type="dt" sz="half" idx="2"/>
-          </p:nvPr>
-        </p:nvSpPr>
-        <p:spPr/>
-        <p:txBody>
-          <a:bodyPr/>
-          <a:lstStyle/>
-          <a:p>
-            <a:pPr>
-              <a:defRPr/>
-            </a:pPr>
-            <a:r>
-              <a:rPr lang="ru-RU" smtClean="0"/>
-              <a:t>Нижний Новгород, 2017 г.</a:t>
-            </a:r>
-            <a:endParaRPr lang="ru-RU" dirty="0"/>
-          </a:p>
-        </p:txBody>
-      </p:sp>
-      <p:sp>
-        <p:nvSpPr>
-          <p:cNvPr id="7" name="Номер слайда 6"/>
-          <p:cNvSpPr>
-            <a:spLocks noGrp="1"/>
-          </p:cNvSpPr>
-          <p:nvPr>
-            <p:ph type="sldNum" sz="quarter" idx="4"/>
-          </p:nvPr>
-        </p:nvSpPr>
-        <p:spPr/>
-        <p:txBody>
-          <a:bodyPr/>
-          <a:lstStyle/>
-          <a:p>
-            <a:pPr>
-              <a:defRPr/>
-            </a:pPr>
-            <a:fld id="{4F2367BF-7A57-4F5A-B357-719264272D2E}" type="slidenum">
-              <a:rPr lang="ru-RU" smtClean="0"/>
-              <a:pPr>
-                <a:defRPr/>
-              </a:pPr>
-              <a:t>7</a:t>
-            </a:fld>
-            <a:endParaRPr lang="ru-RU" dirty="0"/>
-          </a:p>
-        </p:txBody>
-      </p:sp>
-      <p:sp>
-        <p:nvSpPr>
-          <p:cNvPr id="8" name="Нижний колонтитул 7"/>
-          <p:cNvSpPr>
-            <a:spLocks noGrp="1"/>
-          </p:cNvSpPr>
-          <p:nvPr>
-            <p:ph type="ftr" sz="quarter" idx="3"/>
-          </p:nvPr>
-        </p:nvSpPr>
-        <p:spPr/>
-        <p:txBody>
-          <a:bodyPr/>
-          <a:lstStyle/>
-          <a:p>
-            <a:pPr>
-              <a:defRPr/>
-            </a:pPr>
-            <a:r>
-              <a:rPr lang="ru-RU" smtClean="0"/>
-              <a:t>Мини-проект по глобальной оптимизации</a:t>
-            </a:r>
-            <a:endParaRPr lang="ru-RU" dirty="0"/>
-          </a:p>
-        </p:txBody>
-      </p:sp>
-    </p:spTree>
-    <p:extLst>
-      <p:ext uri="{BB962C8B-B14F-4D97-AF65-F5344CB8AC3E}">
-        <p14:creationId xmlns:p14="http://schemas.microsoft.com/office/powerpoint/2010/main" val="1020934698"/>
-      </p:ext>
-    </p:extLst>
-  </p:cSld>
-  <p:clrMapOvr>
-    <a:masterClrMapping/>
-  </p:clrMapOvr>
-</p:sld>
-</file>
-
 <file path=ppt/slides/slide8.xml><?xml version="1.0" encoding="utf-8"?>
 <p:sld xmlns:a="http://schemas.openxmlformats.org/drawingml/2006/main" xmlns:r="http://schemas.openxmlformats.org/officeDocument/2006/relationships" xmlns:p="http://schemas.openxmlformats.org/presentationml/2006/main">
   <p:cSld>
@@ -7354,7 +8953,7 @@
           <a:p>
             <a:r>
               <a:rPr lang="ru-RU" dirty="0" smtClean="0"/>
-              <a:t>Интерфейс</a:t>
+              <a:t>Реализация компонент</a:t>
             </a:r>
             <a:endParaRPr lang="ru-RU" dirty="0"/>
           </a:p>
@@ -7375,77 +8974,7 @@
           <a:bodyPr/>
           <a:lstStyle/>
           <a:p>
-            <a:r>
-              <a:rPr lang="ru-RU" dirty="0" smtClean="0"/>
-              <a:t>Проанализировав поставленную задачу, из двух </a:t>
-            </a:r>
-            <a:r>
-              <a:rPr lang="ru-RU" dirty="0"/>
-              <a:t>языков программирования (С++</a:t>
-            </a:r>
-            <a:r>
-              <a:rPr lang="en-US" dirty="0"/>
-              <a:t>/C#</a:t>
-            </a:r>
-            <a:r>
-              <a:rPr lang="ru-RU" dirty="0"/>
-              <a:t>), </a:t>
-            </a:r>
-            <a:r>
-              <a:rPr lang="ru-RU" dirty="0" smtClean="0"/>
-              <a:t>с помощью которых возможно реализовать </a:t>
-            </a:r>
-            <a:r>
-              <a:rPr lang="ru-RU" dirty="0" smtClean="0"/>
-              <a:t>г</a:t>
-            </a:r>
-            <a:r>
-              <a:rPr lang="ru-RU" dirty="0" smtClean="0"/>
-              <a:t>рафический интерфейс программы, был выбран язык </a:t>
-            </a:r>
-            <a:r>
-              <a:rPr lang="en-US" dirty="0" smtClean="0"/>
-              <a:t>C#</a:t>
-            </a:r>
-            <a:r>
-              <a:rPr lang="ru-RU" dirty="0" smtClean="0"/>
-              <a:t>, так как с его помощью проще реализоват</a:t>
-            </a:r>
-            <a:r>
-              <a:rPr lang="ru-RU" dirty="0" smtClean="0"/>
-              <a:t>ь данную компоненту программу.</a:t>
-            </a:r>
-          </a:p>
-          <a:p>
-            <a:r>
-              <a:rPr lang="ru-RU" dirty="0" smtClean="0"/>
-              <a:t>Так же был </a:t>
-            </a:r>
-            <a:r>
-              <a:rPr lang="ru-RU" dirty="0"/>
-              <a:t>использован интерфейс программирования приложений (API), отвечающий за графический интерфейс </a:t>
-            </a:r>
-            <a:r>
-              <a:rPr lang="ru-RU" dirty="0" smtClean="0"/>
-              <a:t>пользователя, </a:t>
-            </a:r>
-            <a:r>
-              <a:rPr lang="ru-RU" dirty="0" err="1"/>
-              <a:t>Windows</a:t>
-            </a:r>
-            <a:r>
-              <a:rPr lang="ru-RU" dirty="0"/>
-              <a:t> </a:t>
-            </a:r>
-            <a:r>
-              <a:rPr lang="ru-RU" dirty="0" err="1" smtClean="0"/>
-              <a:t>Forms</a:t>
-            </a:r>
-            <a:r>
-              <a:rPr lang="ru-RU" dirty="0"/>
-              <a:t>.</a:t>
-            </a:r>
-            <a:endParaRPr lang="ru-RU" dirty="0"/>
+            <a:endParaRPr lang="ru-RU" dirty="0" smtClean="0"/>
           </a:p>
         </p:txBody>
       </p:sp>
@@ -7533,7 +9062,7 @@
     </p:spTree>
     <p:extLst>
       <p:ext uri="{BB962C8B-B14F-4D97-AF65-F5344CB8AC3E}">
-        <p14:creationId xmlns:p14="http://schemas.microsoft.com/office/powerpoint/2010/main" val="1538381172"/>
+        <p14:creationId xmlns:p14="http://schemas.microsoft.com/office/powerpoint/2010/main" val="1020934698"/>
       </p:ext>
     </p:extLst>
   </p:cSld>
@@ -7577,7 +9106,7 @@
           <a:p>
             <a:r>
               <a:rPr lang="ru-RU" dirty="0" smtClean="0"/>
-              <a:t>Класс - ретранслятор</a:t>
+              <a:t>Интерфейс</a:t>
             </a:r>
             <a:endParaRPr lang="ru-RU" dirty="0"/>
           </a:p>
@@ -7585,7 +9114,7 @@
       </p:sp>
       <p:sp>
         <p:nvSpPr>
-          <p:cNvPr id="3" name="Объект 2"/>
+          <p:cNvPr id="3" name="Содержимое 2"/>
           <p:cNvSpPr>
             <a:spLocks noGrp="1"/>
           </p:cNvSpPr>
@@ -7599,79 +9128,90 @@
           <a:lstStyle/>
           <a:p>
             <a:r>
-              <a:rPr lang="ru-RU" sz="2800" dirty="0" smtClean="0"/>
-              <a:t>Суть класса:</a:t>
-            </a:r>
-          </a:p>
-          <a:p>
-            <a:pPr marL="0" indent="0">
-              <a:buNone/>
-            </a:pPr>
-            <a:r>
-              <a:rPr lang="ru-RU" sz="2800" dirty="0"/>
-              <a:t>	</a:t>
-            </a:r>
-            <a:r>
-              <a:rPr lang="ru-RU" sz="2800" dirty="0" smtClean="0"/>
-              <a:t>Работает со строкой, задаваемой пользователем</a:t>
-            </a:r>
-            <a:r>
-              <a:rPr lang="en-US" sz="2800" dirty="0" smtClean="0"/>
+              <a:rPr lang="ru-RU" dirty="0" smtClean="0"/>
+              <a:t>Проанализировав поставленную задачу, из двух </a:t>
+            </a:r>
+            <a:r>
+              <a:rPr lang="ru-RU" dirty="0"/>
+              <a:t>языков программирования (С++</a:t>
+            </a:r>
+            <a:r>
+              <a:rPr lang="en-US" dirty="0"/>
+              <a:t>/C#</a:t>
+            </a:r>
+            <a:r>
+              <a:rPr lang="ru-RU" dirty="0"/>
+              <a:t>), </a:t>
+            </a:r>
+            <a:r>
+              <a:rPr lang="ru-RU" dirty="0" smtClean="0"/>
+              <a:t>с помощью которых возможно реализовать </a:t>
+            </a:r>
+            <a:r>
+              <a:rPr lang="ru-RU" dirty="0" smtClean="0"/>
+              <a:t>г</a:t>
+            </a:r>
+            <a:r>
+              <a:rPr lang="ru-RU" dirty="0" smtClean="0"/>
+              <a:t>рафический интерфейс программы, был выбран язык </a:t>
+            </a:r>
+            <a:r>
+              <a:rPr lang="en-US" dirty="0" smtClean="0"/>
+              <a:t>C#</a:t>
+            </a:r>
+            <a:r>
+              <a:rPr lang="ru-RU" dirty="0" smtClean="0"/>
+              <a:t>, так как с его помощью проще реализоват</a:t>
+            </a:r>
+            <a:r>
+              <a:rPr lang="ru-RU" dirty="0" smtClean="0"/>
+              <a:t>ь данную компоненту программ</a:t>
+            </a:r>
+            <a:r>
+              <a:rPr lang="ru-RU" dirty="0"/>
+              <a:t>ы</a:t>
+            </a:r>
+            <a:r>
+              <a:rPr lang="ru-RU" dirty="0" smtClean="0"/>
+              <a:t>.</a:t>
+            </a:r>
+          </a:p>
+          <a:p>
+            <a:r>
+              <a:rPr lang="ru-RU" dirty="0" smtClean="0"/>
+              <a:t>Так же был </a:t>
+            </a:r>
+            <a:r>
+              <a:rPr lang="ru-RU" dirty="0"/>
+              <a:t>использован интерфейс программирования приложений (API), отвечающий за графический интерфейс </a:t>
+            </a:r>
+            <a:r>
+              <a:rPr lang="ru-RU" dirty="0" smtClean="0"/>
+              <a:t>пользователя, </a:t>
+            </a:r>
+            <a:r>
+              <a:rPr lang="ru-RU" dirty="0" err="1"/>
+              <a:t>Windows</a:t>
+            </a:r>
+            <a:r>
+              <a:rPr lang="ru-RU" dirty="0"/>
               <a:t> </a:t>
             </a:r>
             <a:r>
-              <a:rPr lang="ru-RU" sz="2800" dirty="0" smtClean="0"/>
-              <a:t>в поле ввода функции.</a:t>
-            </a:r>
-          </a:p>
-          <a:p>
-            <a:pPr marL="0" indent="0">
-              <a:buNone/>
-            </a:pPr>
-            <a:endParaRPr lang="ru-RU" sz="2800" dirty="0" smtClean="0"/>
-          </a:p>
-          <a:p>
-            <a:r>
-              <a:rPr lang="ru-RU" sz="2800" dirty="0" smtClean="0"/>
-              <a:t>Что делает:</a:t>
-            </a:r>
-          </a:p>
-          <a:p>
-            <a:pPr marL="0" indent="0">
-              <a:buNone/>
-            </a:pPr>
-            <a:r>
-              <a:rPr lang="ru-RU" sz="2800" dirty="0"/>
-              <a:t>	</a:t>
-            </a:r>
-            <a:r>
-              <a:rPr lang="ru-RU" sz="2800" dirty="0" smtClean="0"/>
-              <a:t>1) переводит строку, содержащую функцию в инфиксном в виде, в постфиксный;</a:t>
-            </a:r>
-          </a:p>
-          <a:p>
-            <a:pPr marL="0" indent="0">
-              <a:buNone/>
-            </a:pPr>
-            <a:r>
-              <a:rPr lang="ru-RU" sz="2800" dirty="0"/>
-              <a:t>	</a:t>
-            </a:r>
-            <a:r>
-              <a:rPr lang="ru-RU" sz="2800" dirty="0" smtClean="0"/>
-              <a:t>2) считает значение функции при заданном аргументе </a:t>
-            </a:r>
-            <a:r>
-              <a:rPr lang="en-US" sz="2800" dirty="0" smtClean="0"/>
-              <a:t>‘x’.</a:t>
-            </a:r>
-            <a:endParaRPr lang="ru-RU" sz="2800" dirty="0"/>
-          </a:p>
-        </p:txBody>
-      </p:sp>
-      <p:sp>
-        <p:nvSpPr>
-          <p:cNvPr id="4" name="Дата 3"/>
+              <a:rPr lang="ru-RU" dirty="0" err="1" smtClean="0"/>
+              <a:t>Forms</a:t>
+            </a:r>
+            <a:r>
+              <a:rPr lang="ru-RU" dirty="0"/>
+              <a:t>.</a:t>
+            </a:r>
+            <a:endParaRPr lang="ru-RU" dirty="0"/>
+          </a:p>
+        </p:txBody>
+      </p:sp>
+      <p:sp>
+        <p:nvSpPr>
+          <p:cNvPr id="6" name="Дата 5"/>
           <p:cNvSpPr>
             <a:spLocks noGrp="1"/>
           </p:cNvSpPr>
@@ -7685,9 +9225,6 @@
           <a:lstStyle/>
           <a:p>
             <a:pPr>
-              <a:lnSpc>
-                <a:spcPct val="150000"/>
-              </a:lnSpc>
               <a:defRPr/>
             </a:pPr>
             <a:r>
@@ -7700,36 +9237,7 @@
       </p:sp>
       <p:sp>
         <p:nvSpPr>
-          <p:cNvPr id="5" name="Нижний колонтитул 4"/>
-          <p:cNvSpPr>
-            <a:spLocks noGrp="1"/>
-          </p:cNvSpPr>
-          <p:nvPr>
-            <p:ph type="ftr" sz="quarter" idx="3"/>
-          </p:nvPr>
-        </p:nvSpPr>
-        <p:spPr/>
-        <p:txBody>
-          <a:bodyPr/>
-          <a:lstStyle/>
-          <a:p>
-            <a:pPr>
-              <a:lnSpc>
-                <a:spcPct val="150000"/>
-              </a:lnSpc>
-              <a:defRPr/>
-            </a:pPr>
-            <a:r>
-              <a:rPr lang="ru-RU" smtClean="0"/>
-              <a:t>Мини-проект по глобальной оптимизации</a:t>
-            </a:r>
-            <a:endParaRPr lang="ru-RU" dirty="0" smtClean="0"/>
-          </a:p>
-        </p:txBody>
-      </p:sp>
-      <p:sp>
-        <p:nvSpPr>
-          <p:cNvPr id="6" name="Номер слайда 5"/>
+          <p:cNvPr id="7" name="Номер слайда 6"/>
           <p:cNvSpPr>
             <a:spLocks noGrp="1"/>
           </p:cNvSpPr>
@@ -7756,23 +9264,42 @@
           </a:p>
         </p:txBody>
       </p:sp>
+      <p:sp>
+        <p:nvSpPr>
+          <p:cNvPr id="8" name="Нижний колонтитул 7"/>
+          <p:cNvSpPr>
+            <a:spLocks noGrp="1"/>
+          </p:cNvSpPr>
+          <p:nvPr>
+            <p:ph type="ftr" sz="quarter" idx="3"/>
+          </p:nvPr>
+        </p:nvSpPr>
+        <p:spPr/>
+        <p:txBody>
+          <a:bodyPr/>
+          <a:lstStyle/>
+          <a:p>
+            <a:pPr>
+              <a:defRPr/>
+            </a:pPr>
+            <a:r>
+              <a:rPr lang="ru-RU" smtClean="0"/>
+              <a:t>Мини-проект по глобальной оптимизации</a:t>
+            </a:r>
+            <a:endParaRPr lang="ru-RU" dirty="0"/>
+          </a:p>
+        </p:txBody>
+      </p:sp>
     </p:spTree>
     <p:extLst>
       <p:ext uri="{BB962C8B-B14F-4D97-AF65-F5344CB8AC3E}">
-        <p14:creationId xmlns:p14="http://schemas.microsoft.com/office/powerpoint/2010/main" val="2902605297"/>
+        <p14:creationId xmlns:p14="http://schemas.microsoft.com/office/powerpoint/2010/main" val="1538381172"/>
       </p:ext>
     </p:extLst>
   </p:cSld>
   <p:clrMapOvr>
     <a:masterClrMapping/>
   </p:clrMapOvr>
-  <p:timing>
-    <p:tnLst>
-      <p:par>
-        <p:cTn id="1" dur="indefinite" restart="never" nodeType="tmRoot"/>
-      </p:par>
-    </p:tnLst>
-  </p:timing>
 </p:sld>
 </file>
 

--- a/storage structure.pptx
+++ b/storage structure.pptx
@@ -5,25 +5,26 @@
     <p:sldMasterId id="2147483660" r:id="rId1"/>
   </p:sldMasterIdLst>
   <p:notesMasterIdLst>
-    <p:notesMasterId r:id="rId18"/>
+    <p:notesMasterId r:id="rId19"/>
   </p:notesMasterIdLst>
   <p:sldIdLst>
     <p:sldId id="272" r:id="rId2"/>
     <p:sldId id="257" r:id="rId3"/>
     <p:sldId id="278" r:id="rId4"/>
     <p:sldId id="283" r:id="rId5"/>
-    <p:sldId id="295" r:id="rId6"/>
-    <p:sldId id="289" r:id="rId7"/>
-    <p:sldId id="290" r:id="rId8"/>
-    <p:sldId id="285" r:id="rId9"/>
-    <p:sldId id="294" r:id="rId10"/>
-    <p:sldId id="291" r:id="rId11"/>
-    <p:sldId id="292" r:id="rId12"/>
-    <p:sldId id="293" r:id="rId13"/>
-    <p:sldId id="287" r:id="rId14"/>
-    <p:sldId id="288" r:id="rId15"/>
-    <p:sldId id="284" r:id="rId16"/>
-    <p:sldId id="282" r:id="rId17"/>
+    <p:sldId id="296" r:id="rId6"/>
+    <p:sldId id="295" r:id="rId7"/>
+    <p:sldId id="289" r:id="rId8"/>
+    <p:sldId id="290" r:id="rId9"/>
+    <p:sldId id="285" r:id="rId10"/>
+    <p:sldId id="294" r:id="rId11"/>
+    <p:sldId id="291" r:id="rId12"/>
+    <p:sldId id="292" r:id="rId13"/>
+    <p:sldId id="293" r:id="rId14"/>
+    <p:sldId id="287" r:id="rId15"/>
+    <p:sldId id="288" r:id="rId16"/>
+    <p:sldId id="284" r:id="rId17"/>
+    <p:sldId id="282" r:id="rId18"/>
   </p:sldIdLst>
   <p:sldSz cx="9906000" cy="6858000" type="A4"/>
   <p:notesSz cx="6858000" cy="9144000"/>
@@ -3328,7 +3329,7 @@
           <a:p>
             <a:r>
               <a:rPr lang="ru-RU" dirty="0" smtClean="0"/>
-              <a:t>Класс - ретранслятор</a:t>
+              <a:t>Интерфейс</a:t>
             </a:r>
             <a:endParaRPr lang="ru-RU" dirty="0"/>
           </a:p>
@@ -3336,7 +3337,7 @@
       </p:sp>
       <p:sp>
         <p:nvSpPr>
-          <p:cNvPr id="3" name="Объект 2"/>
+          <p:cNvPr id="3" name="Содержимое 2"/>
           <p:cNvSpPr>
             <a:spLocks noGrp="1"/>
           </p:cNvSpPr>
@@ -3350,79 +3351,77 @@
           <a:lstStyle/>
           <a:p>
             <a:r>
-              <a:rPr lang="ru-RU" sz="2800" dirty="0" smtClean="0"/>
-              <a:t>Суть класса:</a:t>
-            </a:r>
-          </a:p>
-          <a:p>
-            <a:pPr marL="0" indent="0">
-              <a:buNone/>
-            </a:pPr>
-            <a:r>
-              <a:rPr lang="ru-RU" sz="2800" dirty="0"/>
-              <a:t>	</a:t>
-            </a:r>
-            <a:r>
-              <a:rPr lang="ru-RU" sz="2800" dirty="0" smtClean="0"/>
-              <a:t>Работает со строкой, задаваемой пользователем</a:t>
-            </a:r>
-            <a:r>
-              <a:rPr lang="en-US" sz="2800" dirty="0" smtClean="0"/>
+              <a:rPr lang="ru-RU" dirty="0" smtClean="0"/>
+              <a:t>Проанализировав поставленную задачу, из двух </a:t>
+            </a:r>
+            <a:r>
+              <a:rPr lang="ru-RU" dirty="0"/>
+              <a:t>языков программирования (С++</a:t>
+            </a:r>
+            <a:r>
+              <a:rPr lang="en-US" dirty="0"/>
+              <a:t>/C#</a:t>
+            </a:r>
+            <a:r>
+              <a:rPr lang="ru-RU" dirty="0"/>
+              <a:t>), </a:t>
+            </a:r>
+            <a:r>
+              <a:rPr lang="ru-RU" dirty="0" smtClean="0"/>
+              <a:t>с помощью которых возможно реализовать графический интерфейс программы, был выбран язык </a:t>
+            </a:r>
+            <a:r>
+              <a:rPr lang="en-US" dirty="0" smtClean="0"/>
+              <a:t>C#</a:t>
+            </a:r>
+            <a:r>
+              <a:rPr lang="ru-RU" dirty="0" smtClean="0"/>
+              <a:t>, так как с его помощью проще реализовать данную компоненту программ</a:t>
+            </a:r>
+            <a:r>
+              <a:rPr lang="ru-RU" dirty="0"/>
+              <a:t>ы</a:t>
+            </a:r>
+            <a:r>
+              <a:rPr lang="ru-RU" dirty="0" smtClean="0"/>
+              <a:t>.</a:t>
+            </a:r>
+          </a:p>
+          <a:p>
+            <a:r>
+              <a:rPr lang="ru-RU" dirty="0" smtClean="0"/>
+              <a:t>Так же был </a:t>
+            </a:r>
+            <a:r>
+              <a:rPr lang="ru-RU" dirty="0"/>
+              <a:t>использован интерфейс программирования приложений (API), отвечающий за графический интерфейс </a:t>
+            </a:r>
+            <a:r>
+              <a:rPr lang="ru-RU" dirty="0" smtClean="0"/>
+              <a:t>пользователя, </a:t>
+            </a:r>
+            <a:r>
+              <a:rPr lang="ru-RU" dirty="0" err="1"/>
+              <a:t>Windows</a:t>
+            </a:r>
+            <a:r>
+              <a:rPr lang="ru-RU" dirty="0"/>
               <a:t> </a:t>
             </a:r>
             <a:r>
-              <a:rPr lang="ru-RU" sz="2800" dirty="0" smtClean="0"/>
-              <a:t>в поле ввода функции.</a:t>
-            </a:r>
-          </a:p>
-          <a:p>
-            <a:pPr marL="0" indent="0">
-              <a:buNone/>
-            </a:pPr>
-            <a:endParaRPr lang="ru-RU" sz="2800" dirty="0" smtClean="0"/>
-          </a:p>
-          <a:p>
-            <a:r>
-              <a:rPr lang="ru-RU" sz="2800" dirty="0" smtClean="0"/>
-              <a:t>Что делает:</a:t>
-            </a:r>
-          </a:p>
-          <a:p>
-            <a:pPr marL="0" indent="0">
-              <a:buNone/>
-            </a:pPr>
-            <a:r>
-              <a:rPr lang="ru-RU" sz="2800" dirty="0"/>
-              <a:t>	</a:t>
-            </a:r>
-            <a:r>
-              <a:rPr lang="ru-RU" sz="2800" dirty="0" smtClean="0"/>
-              <a:t>1) переводит строку, содержащую функцию в инфиксном в виде, в постфиксный;</a:t>
-            </a:r>
-          </a:p>
-          <a:p>
-            <a:pPr marL="0" indent="0">
-              <a:buNone/>
-            </a:pPr>
-            <a:r>
-              <a:rPr lang="ru-RU" sz="2800" dirty="0"/>
-              <a:t>	</a:t>
-            </a:r>
-            <a:r>
-              <a:rPr lang="ru-RU" sz="2800" dirty="0" smtClean="0"/>
-              <a:t>2) считает значение функции при заданном аргументе </a:t>
-            </a:r>
-            <a:r>
-              <a:rPr lang="en-US" sz="2800" dirty="0" smtClean="0"/>
-              <a:t>‘x’.</a:t>
-            </a:r>
-            <a:endParaRPr lang="ru-RU" sz="2800" dirty="0"/>
-          </a:p>
-        </p:txBody>
-      </p:sp>
-      <p:sp>
-        <p:nvSpPr>
-          <p:cNvPr id="4" name="Дата 3"/>
+              <a:rPr lang="ru-RU" dirty="0" err="1" smtClean="0"/>
+              <a:t>Forms</a:t>
+            </a:r>
+            <a:r>
+              <a:rPr lang="ru-RU" dirty="0"/>
+              <a:t>.</a:t>
+            </a:r>
+          </a:p>
+        </p:txBody>
+      </p:sp>
+      <p:sp>
+        <p:nvSpPr>
+          <p:cNvPr id="6" name="Дата 5"/>
           <p:cNvSpPr>
             <a:spLocks noGrp="1"/>
           </p:cNvSpPr>
@@ -3436,9 +3435,6 @@
           <a:lstStyle/>
           <a:p>
             <a:pPr>
-              <a:lnSpc>
-                <a:spcPct val="150000"/>
-              </a:lnSpc>
               <a:defRPr/>
             </a:pPr>
             <a:r>
@@ -3451,36 +3447,7 @@
       </p:sp>
       <p:sp>
         <p:nvSpPr>
-          <p:cNvPr id="5" name="Нижний колонтитул 4"/>
-          <p:cNvSpPr>
-            <a:spLocks noGrp="1"/>
-          </p:cNvSpPr>
-          <p:nvPr>
-            <p:ph type="ftr" sz="quarter" idx="3"/>
-          </p:nvPr>
-        </p:nvSpPr>
-        <p:spPr/>
-        <p:txBody>
-          <a:bodyPr/>
-          <a:lstStyle/>
-          <a:p>
-            <a:pPr>
-              <a:lnSpc>
-                <a:spcPct val="150000"/>
-              </a:lnSpc>
-              <a:defRPr/>
-            </a:pPr>
-            <a:r>
-              <a:rPr lang="ru-RU" smtClean="0"/>
-              <a:t>Мини-проект по глобальной оптимизации</a:t>
-            </a:r>
-            <a:endParaRPr lang="ru-RU" dirty="0" smtClean="0"/>
-          </a:p>
-        </p:txBody>
-      </p:sp>
-      <p:sp>
-        <p:nvSpPr>
-          <p:cNvPr id="6" name="Номер слайда 5"/>
+          <p:cNvPr id="7" name="Номер слайда 6"/>
           <p:cNvSpPr>
             <a:spLocks noGrp="1"/>
           </p:cNvSpPr>
@@ -3507,23 +3474,42 @@
           </a:p>
         </p:txBody>
       </p:sp>
+      <p:sp>
+        <p:nvSpPr>
+          <p:cNvPr id="8" name="Нижний колонтитул 7"/>
+          <p:cNvSpPr>
+            <a:spLocks noGrp="1"/>
+          </p:cNvSpPr>
+          <p:nvPr>
+            <p:ph type="ftr" sz="quarter" idx="3"/>
+          </p:nvPr>
+        </p:nvSpPr>
+        <p:spPr/>
+        <p:txBody>
+          <a:bodyPr/>
+          <a:lstStyle/>
+          <a:p>
+            <a:pPr>
+              <a:defRPr/>
+            </a:pPr>
+            <a:r>
+              <a:rPr lang="ru-RU" smtClean="0"/>
+              <a:t>Мини-проект по глобальной оптимизации</a:t>
+            </a:r>
+            <a:endParaRPr lang="ru-RU" dirty="0"/>
+          </a:p>
+        </p:txBody>
+      </p:sp>
     </p:spTree>
     <p:extLst>
       <p:ext uri="{BB962C8B-B14F-4D97-AF65-F5344CB8AC3E}">
-        <p14:creationId xmlns:p14="http://schemas.microsoft.com/office/powerpoint/2010/main" val="2902605297"/>
+        <p14:creationId xmlns:p14="http://schemas.microsoft.com/office/powerpoint/2010/main" val="1538381172"/>
       </p:ext>
     </p:extLst>
   </p:cSld>
   <p:clrMapOvr>
     <a:masterClrMapping/>
   </p:clrMapOvr>
-  <p:timing>
-    <p:tnLst>
-      <p:par>
-        <p:cTn id="1" dur="indefinite" restart="never" nodeType="tmRoot"/>
-      </p:par>
-    </p:tnLst>
-  </p:timing>
 </p:sld>
 </file>
 
@@ -3560,20 +3546,8 @@
           <a:lstStyle/>
           <a:p>
             <a:r>
-              <a:rPr lang="ru-RU" dirty="0"/>
-              <a:t>Класс </a:t>
-            </a:r>
-            <a:r>
               <a:rPr lang="ru-RU" dirty="0" smtClean="0"/>
-              <a:t>– ретранслятор</a:t>
-            </a:r>
-            <a:r>
-              <a:rPr lang="en-US" dirty="0" smtClean="0"/>
-              <a:t>. </a:t>
-            </a:r>
-            <a:r>
-              <a:rPr lang="ru-RU" dirty="0" smtClean="0"/>
-              <a:t>Алгоритмы</a:t>
+              <a:t>Класс - ретранслятор</a:t>
             </a:r>
             <a:endParaRPr lang="ru-RU" dirty="0"/>
           </a:p>
@@ -3596,21 +3570,29 @@
           <a:p>
             <a:r>
               <a:rPr lang="ru-RU" sz="2800" dirty="0" smtClean="0"/>
-              <a:t>В алгоритмах перевода строки из инфиксного вида в постфиксный и подсчета значения функции используется </a:t>
+              <a:t>Суть класса:</a:t>
+            </a:r>
+          </a:p>
+          <a:p>
+            <a:pPr marL="0" indent="0">
+              <a:buNone/>
+            </a:pPr>
+            <a:r>
+              <a:rPr lang="ru-RU" sz="2800" dirty="0"/>
+              <a:t>	</a:t>
+            </a:r>
+            <a:r>
+              <a:rPr lang="ru-RU" sz="2800" dirty="0" smtClean="0"/>
+              <a:t>Работает со строкой, задаваемой пользователем</a:t>
             </a:r>
             <a:r>
               <a:rPr lang="en-US" sz="2800" dirty="0" smtClean="0"/>
-              <a:t>“stack” </a:t>
+              <a:t> </a:t>
             </a:r>
             <a:r>
               <a:rPr lang="ru-RU" sz="2800" dirty="0" smtClean="0"/>
-              <a:t>стандартной библиотеки шаблонов </a:t>
-            </a:r>
-            <a:r>
-              <a:rPr lang="en-US" sz="2800" dirty="0" smtClean="0"/>
-              <a:t>(STL).</a:t>
-            </a:r>
-            <a:endParaRPr lang="ru-RU" sz="2800" dirty="0" smtClean="0"/>
+              <a:t>в поле ввода функции.</a:t>
+            </a:r>
           </a:p>
           <a:p>
             <a:pPr marL="0" indent="0">
@@ -3621,9 +3603,39 @@
           <a:p>
             <a:r>
               <a:rPr lang="ru-RU" sz="2800" dirty="0" smtClean="0"/>
-              <a:t>Сами алгоритмы обработки строки взяты из лабораторной работы по дисциплине «Алгоритмы и Структуры Данных» (обработка арифметических выражений).</a:t>
-            </a:r>
-            <a:endParaRPr lang="en-US" sz="2800" dirty="0" smtClean="0"/>
+              <a:t>Что делает:</a:t>
+            </a:r>
+          </a:p>
+          <a:p>
+            <a:pPr marL="0" indent="0">
+              <a:buNone/>
+            </a:pPr>
+            <a:r>
+              <a:rPr lang="ru-RU" sz="2800" dirty="0"/>
+              <a:t>	</a:t>
+            </a:r>
+            <a:r>
+              <a:rPr lang="ru-RU" sz="2800" dirty="0" smtClean="0"/>
+              <a:t>1) переводит строку, содержащую функцию в инфиксном в виде, в постфиксный;</a:t>
+            </a:r>
+          </a:p>
+          <a:p>
+            <a:pPr marL="0" indent="0">
+              <a:buNone/>
+            </a:pPr>
+            <a:r>
+              <a:rPr lang="ru-RU" sz="2800" dirty="0"/>
+              <a:t>	</a:t>
+            </a:r>
+            <a:r>
+              <a:rPr lang="ru-RU" sz="2800" dirty="0" smtClean="0"/>
+              <a:t>2) считает значение функции при заданном аргументе </a:t>
+            </a:r>
+            <a:r>
+              <a:rPr lang="en-US" sz="2800" dirty="0" smtClean="0"/>
+              <a:t>‘x’.</a:t>
+            </a:r>
+            <a:endParaRPr lang="ru-RU" sz="2800" dirty="0"/>
           </a:p>
         </p:txBody>
       </p:sp>
@@ -3717,7 +3729,7 @@
     </p:spTree>
     <p:extLst>
       <p:ext uri="{BB962C8B-B14F-4D97-AF65-F5344CB8AC3E}">
-        <p14:creationId xmlns:p14="http://schemas.microsoft.com/office/powerpoint/2010/main" val="1957808698"/>
+        <p14:creationId xmlns:p14="http://schemas.microsoft.com/office/powerpoint/2010/main" val="2902605297"/>
       </p:ext>
     </p:extLst>
   </p:cSld>
@@ -3767,8 +3779,20 @@
           <a:lstStyle/>
           <a:p>
             <a:r>
+              <a:rPr lang="ru-RU" dirty="0"/>
+              <a:t>Класс </a:t>
+            </a:r>
+            <a:r>
               <a:rPr lang="ru-RU" dirty="0" smtClean="0"/>
-              <a:t>Класс – ретранслятор. Возможности</a:t>
+              <a:t>– ретранслятор</a:t>
+            </a:r>
+            <a:r>
+              <a:rPr lang="en-US" dirty="0" smtClean="0"/>
+              <a:t>. </a:t>
+            </a:r>
+            <a:r>
+              <a:rPr lang="ru-RU" dirty="0" smtClean="0"/>
+              <a:t>Алгоритмы</a:t>
             </a:r>
             <a:endParaRPr lang="ru-RU" dirty="0"/>
           </a:p>
@@ -3789,198 +3813,36 @@
           <a:bodyPr/>
           <a:lstStyle/>
           <a:p>
-            <a:pPr algn="just"/>
-            <a:r>
-              <a:rPr lang="ru-RU" sz="2800" dirty="0"/>
-              <a:t>Главное допущение – аргумент функции обозначается </a:t>
-            </a:r>
             <a:r>
               <a:rPr lang="ru-RU" sz="2800" dirty="0" smtClean="0"/>
-              <a:t>ТОЛЬКО строчным </a:t>
-            </a:r>
-            <a:r>
-              <a:rPr lang="ru-RU" sz="2800" dirty="0"/>
-              <a:t>символом </a:t>
-            </a:r>
-            <a:r>
-              <a:rPr lang="en-US" sz="2800" dirty="0"/>
-              <a:t>‘x</a:t>
+              <a:t>В алгоритмах перевода строки из инфиксного вида в постфиксный и подсчета значения функции используется </a:t>
             </a:r>
             <a:r>
               <a:rPr lang="en-US" sz="2800" dirty="0" smtClean="0"/>
-              <a:t>’</a:t>
+              <a:t>“stack” </a:t>
             </a:r>
             <a:r>
               <a:rPr lang="ru-RU" sz="2800" dirty="0" smtClean="0"/>
-              <a:t>.</a:t>
-            </a:r>
-            <a:endParaRPr lang="ru-RU" sz="2800" dirty="0"/>
-          </a:p>
-          <a:p>
-            <a:pPr algn="just"/>
-            <a:r>
-              <a:rPr lang="ru-RU" sz="2800" dirty="0" smtClean="0"/>
-              <a:t>Поддерживаемые функции: </a:t>
-            </a:r>
-          </a:p>
-          <a:p>
-            <a:pPr marL="0" indent="0" algn="just">
+              <a:t>стандартной библиотеки шаблонов </a:t>
+            </a:r>
+            <a:r>
+              <a:rPr lang="en-US" sz="2800" dirty="0" smtClean="0"/>
+              <a:t>(STL).</a:t>
+            </a:r>
+            <a:endParaRPr lang="ru-RU" sz="2800" dirty="0" smtClean="0"/>
+          </a:p>
+          <a:p>
+            <a:pPr marL="0" indent="0">
               <a:buNone/>
             </a:pPr>
-            <a:r>
-              <a:rPr lang="ru-RU" sz="2800" dirty="0"/>
-              <a:t>	</a:t>
-            </a:r>
-            <a:r>
-              <a:rPr lang="en-US" sz="2800" dirty="0" smtClean="0"/>
-              <a:t>sin(), cos(), </a:t>
-            </a:r>
-            <a:r>
-              <a:rPr lang="en-US" sz="2800" dirty="0" err="1" smtClean="0"/>
-              <a:t>tg</a:t>
-            </a:r>
-            <a:r>
-              <a:rPr lang="en-US" sz="2800" dirty="0" smtClean="0"/>
-              <a:t>(), </a:t>
-            </a:r>
-            <a:r>
-              <a:rPr lang="en-US" sz="2800" dirty="0" err="1" smtClean="0"/>
-              <a:t>ctg</a:t>
-            </a:r>
-            <a:r>
-              <a:rPr lang="en-US" sz="2800" dirty="0" smtClean="0"/>
-              <a:t>(), ln(), abs()</a:t>
-            </a:r>
+            <a:endParaRPr lang="ru-RU" sz="2800" dirty="0" smtClean="0"/>
+          </a:p>
+          <a:p>
             <a:r>
               <a:rPr lang="ru-RU" sz="2800" dirty="0" smtClean="0"/>
-              <a:t>.</a:t>
-            </a:r>
-          </a:p>
-          <a:p>
-            <a:pPr algn="just"/>
-            <a:r>
-              <a:rPr lang="ru-RU" sz="2800" dirty="0" smtClean="0"/>
-              <a:t>Основные методы:</a:t>
-            </a:r>
-          </a:p>
-          <a:p>
-            <a:pPr marL="0" indent="0" algn="just">
-              <a:buNone/>
-            </a:pPr>
-            <a:r>
-              <a:rPr lang="ru-RU" sz="2800" dirty="0" smtClean="0"/>
-              <a:t>	</a:t>
-            </a:r>
-            <a:r>
-              <a:rPr lang="en-US" sz="2800" dirty="0"/>
-              <a:t>void </a:t>
-            </a:r>
-            <a:r>
-              <a:rPr lang="en-US" sz="2800" dirty="0" err="1" smtClean="0"/>
-              <a:t>SetFunction</a:t>
-            </a:r>
-            <a:r>
-              <a:rPr lang="ru-RU" sz="2800" dirty="0" smtClean="0"/>
-              <a:t> </a:t>
-            </a:r>
-            <a:r>
-              <a:rPr lang="en-US" sz="2800" dirty="0" smtClean="0"/>
-              <a:t>(string</a:t>
-            </a:r>
-            <a:r>
-              <a:rPr lang="ru-RU" sz="2800" dirty="0" smtClean="0"/>
-              <a:t> </a:t>
-            </a:r>
-            <a:r>
-              <a:rPr lang="en-US" sz="2800" dirty="0" smtClean="0">
-                <a:solidFill>
-                  <a:srgbClr val="00B050"/>
-                </a:solidFill>
-              </a:rPr>
-              <a:t>Line</a:t>
-            </a:r>
-            <a:r>
-              <a:rPr lang="en-US" sz="2800" dirty="0" smtClean="0"/>
-              <a:t>)</a:t>
-            </a:r>
-            <a:r>
-              <a:rPr lang="ru-RU" sz="2800" dirty="0" smtClean="0"/>
-              <a:t> – проверяет правильность поступившей строки </a:t>
-            </a:r>
-            <a:r>
-              <a:rPr lang="en-US" sz="2800" dirty="0" smtClean="0">
-                <a:solidFill>
-                  <a:srgbClr val="00B050"/>
-                </a:solidFill>
-              </a:rPr>
-              <a:t>Line</a:t>
-            </a:r>
-            <a:r>
-              <a:rPr lang="en-US" sz="2800" dirty="0" smtClean="0"/>
-              <a:t> </a:t>
-            </a:r>
-            <a:r>
-              <a:rPr lang="ru-RU" sz="2800" dirty="0" smtClean="0"/>
-              <a:t>и задает функцию</a:t>
-            </a:r>
-            <a:r>
-              <a:rPr lang="en-US" sz="2800" dirty="0" smtClean="0"/>
-              <a:t>;</a:t>
-            </a:r>
-          </a:p>
-          <a:p>
-            <a:pPr marL="0" indent="0" algn="just">
-              <a:buNone/>
-            </a:pPr>
-            <a:r>
-              <a:rPr lang="en-US" sz="2800" dirty="0"/>
-              <a:t>	double </a:t>
-            </a:r>
-            <a:r>
-              <a:rPr lang="en-US" sz="2800" dirty="0" smtClean="0"/>
-              <a:t>Calculate(double </a:t>
-            </a:r>
-            <a:r>
-              <a:rPr lang="en-US" sz="2800" dirty="0" smtClean="0">
-                <a:solidFill>
-                  <a:srgbClr val="00B050"/>
-                </a:solidFill>
-              </a:rPr>
-              <a:t>x</a:t>
-            </a:r>
-            <a:r>
-              <a:rPr lang="en-US" sz="2800" dirty="0" smtClean="0"/>
-              <a:t>) – </a:t>
-            </a:r>
-            <a:r>
-              <a:rPr lang="ru-RU" sz="2800" dirty="0" smtClean="0"/>
-              <a:t>подсчитывает значение функции в</a:t>
-            </a:r>
-            <a:r>
-              <a:rPr lang="en-US" sz="2800" dirty="0" smtClean="0"/>
-              <a:t> </a:t>
-            </a:r>
-            <a:r>
-              <a:rPr lang="ru-RU" sz="2800" dirty="0" smtClean="0"/>
-              <a:t>точке </a:t>
-            </a:r>
-            <a:r>
-              <a:rPr lang="en-US" sz="2800" dirty="0" smtClean="0">
-                <a:solidFill>
-                  <a:srgbClr val="00B050"/>
-                </a:solidFill>
-              </a:rPr>
-              <a:t>x</a:t>
-            </a:r>
-            <a:r>
-              <a:rPr lang="ru-RU" sz="2800" dirty="0"/>
-              <a:t>.</a:t>
-            </a:r>
-            <a:endParaRPr lang="ru-RU" sz="2800" dirty="0">
-              <a:solidFill>
-                <a:srgbClr val="00B050"/>
-              </a:solidFill>
-            </a:endParaRPr>
+              <a:t>Сами алгоритмы обработки строки взяты из лабораторной работы по дисциплине «Алгоритмы и Структуры Данных» (обработка арифметических выражений).</a:t>
+            </a:r>
+            <a:endParaRPr lang="en-US" sz="2800" dirty="0" smtClean="0"/>
           </a:p>
         </p:txBody>
       </p:sp>
@@ -4074,7 +3936,7 @@
     </p:spTree>
     <p:extLst>
       <p:ext uri="{BB962C8B-B14F-4D97-AF65-F5344CB8AC3E}">
-        <p14:creationId xmlns:p14="http://schemas.microsoft.com/office/powerpoint/2010/main" val="522996795"/>
+        <p14:creationId xmlns:p14="http://schemas.microsoft.com/office/powerpoint/2010/main" val="1957808698"/>
       </p:ext>
     </p:extLst>
   </p:cSld>
@@ -4125,7 +3987,7 @@
           <a:p>
             <a:r>
               <a:rPr lang="ru-RU" dirty="0" smtClean="0"/>
-              <a:t>Хранилище поисковой информации</a:t>
+              <a:t>Класс – ретранслятор. Возможности</a:t>
             </a:r>
             <a:endParaRPr lang="ru-RU" dirty="0"/>
           </a:p>
@@ -4146,24 +4008,198 @@
           <a:bodyPr/>
           <a:lstStyle/>
           <a:p>
-            <a:r>
-              <a:rPr lang="ru-RU" dirty="0" smtClean="0"/>
-              <a:t>Для реализации данной компоненты было предложено рассмотреть несколько структур данных: массив, список, дерево. Проанализировав сложность основных операций пришли к выводу, что для решения нашей задачи понадобится АВЛ-дерево.</a:t>
-            </a:r>
-            <a:r>
-              <a:rPr lang="en-US" dirty="0" smtClean="0"/>
+            <a:pPr algn="just"/>
+            <a:r>
+              <a:rPr lang="ru-RU" sz="2800" dirty="0"/>
+              <a:t>Главное допущение – аргумент функции обозначается </a:t>
+            </a:r>
+            <a:r>
+              <a:rPr lang="ru-RU" sz="2800" dirty="0" smtClean="0"/>
+              <a:t>ТОЛЬКО строчным </a:t>
+            </a:r>
+            <a:r>
+              <a:rPr lang="ru-RU" sz="2800" dirty="0"/>
+              <a:t>символом </a:t>
+            </a:r>
+            <a:r>
+              <a:rPr lang="en-US" sz="2800" dirty="0"/>
+              <a:t>‘x</a:t>
+            </a:r>
+            <a:r>
+              <a:rPr lang="en-US" sz="2800" dirty="0" smtClean="0"/>
+              <a:t>’</a:t>
+            </a:r>
+            <a:r>
+              <a:rPr lang="ru-RU" sz="2800" dirty="0" smtClean="0"/>
+              <a:t>.</a:t>
+            </a:r>
+            <a:endParaRPr lang="ru-RU" sz="2800" dirty="0"/>
+          </a:p>
+          <a:p>
+            <a:pPr algn="just"/>
+            <a:r>
+              <a:rPr lang="ru-RU" sz="2800" dirty="0" smtClean="0"/>
+              <a:t>Поддерживаемые функции: </a:t>
+            </a:r>
+          </a:p>
+          <a:p>
+            <a:pPr marL="0" indent="0" algn="just">
+              <a:buNone/>
+            </a:pPr>
+            <a:r>
+              <a:rPr lang="ru-RU" sz="2800" dirty="0"/>
+              <a:t>	</a:t>
+            </a:r>
+            <a:r>
+              <a:rPr lang="en-US" sz="2800" dirty="0" smtClean="0"/>
+              <a:t>sin(), cos(), </a:t>
+            </a:r>
+            <a:r>
+              <a:rPr lang="en-US" sz="2800" dirty="0" err="1" smtClean="0"/>
+              <a:t>tg</a:t>
+            </a:r>
+            <a:r>
+              <a:rPr lang="en-US" sz="2800" dirty="0" smtClean="0"/>
+              <a:t>(), </a:t>
+            </a:r>
+            <a:r>
+              <a:rPr lang="en-US" sz="2800" dirty="0" err="1" smtClean="0"/>
+              <a:t>ctg</a:t>
+            </a:r>
+            <a:r>
+              <a:rPr lang="en-US" sz="2800" dirty="0" smtClean="0"/>
+              <a:t>(), ln(), abs()</a:t>
+            </a:r>
+            <a:r>
+              <a:rPr lang="ru-RU" sz="2800" dirty="0" smtClean="0"/>
+              <a:t>.</a:t>
+            </a:r>
+          </a:p>
+          <a:p>
+            <a:pPr algn="just"/>
+            <a:r>
+              <a:rPr lang="ru-RU" sz="2800" dirty="0" smtClean="0"/>
+              <a:t>Основные методы:</a:t>
+            </a:r>
+          </a:p>
+          <a:p>
+            <a:pPr marL="0" indent="0" algn="just">
+              <a:buNone/>
+            </a:pPr>
+            <a:r>
+              <a:rPr lang="ru-RU" sz="2800" dirty="0" smtClean="0"/>
+              <a:t>	</a:t>
+            </a:r>
+            <a:r>
+              <a:rPr lang="en-US" sz="2800" dirty="0"/>
+              <a:t>void </a:t>
+            </a:r>
+            <a:r>
+              <a:rPr lang="en-US" sz="2800" dirty="0" err="1" smtClean="0"/>
+              <a:t>SetFunction</a:t>
+            </a:r>
+            <a:r>
+              <a:rPr lang="ru-RU" sz="2800" dirty="0" smtClean="0"/>
               <a:t> </a:t>
             </a:r>
-            <a:endParaRPr lang="ru-RU" dirty="0" smtClean="0"/>
-          </a:p>
-          <a:p>
-            <a:r>
-              <a:rPr lang="ru-RU" dirty="0" smtClean="0"/>
-              <a:t>Выбранная структура данных используется для построения графика введенной функции.</a:t>
-            </a:r>
-          </a:p>
-          <a:p>
-            <a:endParaRPr lang="ru-RU" dirty="0"/>
+            <a:r>
+              <a:rPr lang="en-US" sz="2800" dirty="0" smtClean="0"/>
+              <a:t>(string</a:t>
+            </a:r>
+            <a:r>
+              <a:rPr lang="ru-RU" sz="2800" dirty="0" smtClean="0"/>
+              <a:t> </a:t>
+            </a:r>
+            <a:r>
+              <a:rPr lang="en-US" sz="2800" dirty="0" smtClean="0">
+                <a:solidFill>
+                  <a:srgbClr val="00B050"/>
+                </a:solidFill>
+              </a:rPr>
+              <a:t>Line</a:t>
+            </a:r>
+            <a:r>
+              <a:rPr lang="en-US" sz="2800" dirty="0" smtClean="0"/>
+              <a:t>)</a:t>
+            </a:r>
+            <a:r>
+              <a:rPr lang="ru-RU" sz="2800" dirty="0" smtClean="0"/>
+              <a:t> – проверяет правильность поступившей строки </a:t>
+            </a:r>
+            <a:r>
+              <a:rPr lang="en-US" sz="2800" dirty="0" smtClean="0">
+                <a:solidFill>
+                  <a:srgbClr val="00B050"/>
+                </a:solidFill>
+              </a:rPr>
+              <a:t>Line</a:t>
+            </a:r>
+            <a:r>
+              <a:rPr lang="en-US" sz="2800" dirty="0" smtClean="0"/>
+              <a:t> </a:t>
+            </a:r>
+            <a:r>
+              <a:rPr lang="ru-RU" sz="2800" dirty="0" smtClean="0"/>
+              <a:t>и задает функцию</a:t>
+            </a:r>
+            <a:r>
+              <a:rPr lang="en-US" sz="2800" dirty="0" smtClean="0"/>
+              <a:t>;</a:t>
+            </a:r>
+          </a:p>
+          <a:p>
+            <a:pPr marL="0" indent="0" algn="just">
+              <a:buNone/>
+            </a:pPr>
+            <a:r>
+              <a:rPr lang="en-US" sz="2800" dirty="0"/>
+              <a:t>	double </a:t>
+            </a:r>
+            <a:r>
+              <a:rPr lang="en-US" sz="2800" dirty="0" smtClean="0"/>
+              <a:t>Calculate(double </a:t>
+            </a:r>
+            <a:r>
+              <a:rPr lang="en-US" sz="2800" dirty="0" smtClean="0">
+                <a:solidFill>
+                  <a:srgbClr val="00B050"/>
+                </a:solidFill>
+              </a:rPr>
+              <a:t>x</a:t>
+            </a:r>
+            <a:r>
+              <a:rPr lang="en-US" sz="2800" dirty="0" smtClean="0"/>
+              <a:t>) – </a:t>
+            </a:r>
+            <a:r>
+              <a:rPr lang="ru-RU" sz="2800" dirty="0" smtClean="0"/>
+              <a:t>подсчитывает значение функции в</a:t>
+            </a:r>
+            <a:r>
+              <a:rPr lang="en-US" sz="2800" dirty="0" smtClean="0"/>
+              <a:t> </a:t>
+            </a:r>
+            <a:r>
+              <a:rPr lang="ru-RU" sz="2800" dirty="0" smtClean="0"/>
+              <a:t>точке </a:t>
+            </a:r>
+            <a:r>
+              <a:rPr lang="en-US" sz="2800" dirty="0" smtClean="0">
+                <a:solidFill>
+                  <a:srgbClr val="00B050"/>
+                </a:solidFill>
+              </a:rPr>
+              <a:t>x</a:t>
+            </a:r>
+            <a:r>
+              <a:rPr lang="ru-RU" sz="2800" dirty="0"/>
+              <a:t>.</a:t>
+            </a:r>
+            <a:endParaRPr lang="ru-RU" sz="2800" dirty="0">
+              <a:solidFill>
+                <a:srgbClr val="00B050"/>
+              </a:solidFill>
+            </a:endParaRPr>
           </a:p>
         </p:txBody>
       </p:sp>
@@ -4257,13 +4293,20 @@
     </p:spTree>
     <p:extLst>
       <p:ext uri="{BB962C8B-B14F-4D97-AF65-F5344CB8AC3E}">
-        <p14:creationId xmlns:p14="http://schemas.microsoft.com/office/powerpoint/2010/main" val="3772004211"/>
+        <p14:creationId xmlns:p14="http://schemas.microsoft.com/office/powerpoint/2010/main" val="522996795"/>
       </p:ext>
     </p:extLst>
   </p:cSld>
   <p:clrMapOvr>
     <a:masterClrMapping/>
   </p:clrMapOvr>
+  <p:timing>
+    <p:tnLst>
+      <p:par>
+        <p:cTn id="1" dur="indefinite" restart="never" nodeType="tmRoot"/>
+      </p:par>
+    </p:tnLst>
+  </p:timing>
 </p:sld>
 </file>
 
@@ -4301,6 +4344,182 @@
           <a:p>
             <a:r>
               <a:rPr lang="ru-RU" dirty="0" smtClean="0"/>
+              <a:t>Хранилище поисковой информации</a:t>
+            </a:r>
+            <a:endParaRPr lang="ru-RU" dirty="0"/>
+          </a:p>
+        </p:txBody>
+      </p:sp>
+      <p:sp>
+        <p:nvSpPr>
+          <p:cNvPr id="3" name="Объект 2"/>
+          <p:cNvSpPr>
+            <a:spLocks noGrp="1"/>
+          </p:cNvSpPr>
+          <p:nvPr>
+            <p:ph idx="1"/>
+          </p:nvPr>
+        </p:nvSpPr>
+        <p:spPr/>
+        <p:txBody>
+          <a:bodyPr/>
+          <a:lstStyle/>
+          <a:p>
+            <a:r>
+              <a:rPr lang="ru-RU" dirty="0" smtClean="0"/>
+              <a:t>Для реализации данной компоненты было предложено рассмотреть несколько структур данных: массив, список, дерево. Проанализировав сложность основных операций пришли к выводу, что для решения нашей задачи понадобится АВЛ-дерево.</a:t>
+            </a:r>
+            <a:r>
+              <a:rPr lang="en-US" dirty="0" smtClean="0"/>
+              <a:t> </a:t>
+            </a:r>
+            <a:endParaRPr lang="ru-RU" dirty="0" smtClean="0"/>
+          </a:p>
+          <a:p>
+            <a:r>
+              <a:rPr lang="ru-RU" dirty="0" smtClean="0"/>
+              <a:t>Выбранная структура данных используется для построения графика введенной функции.</a:t>
+            </a:r>
+          </a:p>
+          <a:p>
+            <a:endParaRPr lang="ru-RU" dirty="0"/>
+          </a:p>
+        </p:txBody>
+      </p:sp>
+      <p:sp>
+        <p:nvSpPr>
+          <p:cNvPr id="4" name="Дата 3"/>
+          <p:cNvSpPr>
+            <a:spLocks noGrp="1"/>
+          </p:cNvSpPr>
+          <p:nvPr>
+            <p:ph type="dt" sz="half" idx="2"/>
+          </p:nvPr>
+        </p:nvSpPr>
+        <p:spPr/>
+        <p:txBody>
+          <a:bodyPr/>
+          <a:lstStyle/>
+          <a:p>
+            <a:pPr>
+              <a:lnSpc>
+                <a:spcPct val="150000"/>
+              </a:lnSpc>
+              <a:defRPr/>
+            </a:pPr>
+            <a:r>
+              <a:rPr lang="ru-RU" smtClean="0"/>
+              <a:t>Нижний Новгород, 2017 г.</a:t>
+            </a:r>
+            <a:endParaRPr lang="ru-RU" dirty="0"/>
+          </a:p>
+        </p:txBody>
+      </p:sp>
+      <p:sp>
+        <p:nvSpPr>
+          <p:cNvPr id="5" name="Нижний колонтитул 4"/>
+          <p:cNvSpPr>
+            <a:spLocks noGrp="1"/>
+          </p:cNvSpPr>
+          <p:nvPr>
+            <p:ph type="ftr" sz="quarter" idx="3"/>
+          </p:nvPr>
+        </p:nvSpPr>
+        <p:spPr/>
+        <p:txBody>
+          <a:bodyPr/>
+          <a:lstStyle/>
+          <a:p>
+            <a:pPr>
+              <a:lnSpc>
+                <a:spcPct val="150000"/>
+              </a:lnSpc>
+              <a:defRPr/>
+            </a:pPr>
+            <a:r>
+              <a:rPr lang="ru-RU" smtClean="0"/>
+              <a:t>Мини-проект по глобальной оптимизации</a:t>
+            </a:r>
+            <a:endParaRPr lang="ru-RU" dirty="0" smtClean="0"/>
+          </a:p>
+        </p:txBody>
+      </p:sp>
+      <p:sp>
+        <p:nvSpPr>
+          <p:cNvPr id="6" name="Номер слайда 5"/>
+          <p:cNvSpPr>
+            <a:spLocks noGrp="1"/>
+          </p:cNvSpPr>
+          <p:nvPr>
+            <p:ph type="sldNum" sz="quarter" idx="4"/>
+          </p:nvPr>
+        </p:nvSpPr>
+        <p:spPr/>
+        <p:txBody>
+          <a:bodyPr/>
+          <a:lstStyle/>
+          <a:p>
+            <a:pPr>
+              <a:defRPr/>
+            </a:pPr>
+            <a:fld id="{4F2367BF-7A57-4F5A-B357-719264272D2E}" type="slidenum">
+              <a:rPr lang="ru-RU" smtClean="0"/>
+              <a:pPr>
+                <a:defRPr/>
+              </a:pPr>
+              <a:t>14</a:t>
+            </a:fld>
+            <a:endParaRPr lang="ru-RU" dirty="0"/>
+          </a:p>
+        </p:txBody>
+      </p:sp>
+    </p:spTree>
+    <p:extLst>
+      <p:ext uri="{BB962C8B-B14F-4D97-AF65-F5344CB8AC3E}">
+        <p14:creationId xmlns:p14="http://schemas.microsoft.com/office/powerpoint/2010/main" val="3772004211"/>
+      </p:ext>
+    </p:extLst>
+  </p:cSld>
+  <p:clrMapOvr>
+    <a:masterClrMapping/>
+  </p:clrMapOvr>
+</p:sld>
+</file>
+
+<file path=ppt/slides/slide15.xml><?xml version="1.0" encoding="utf-8"?>
+<p:sld xmlns:a="http://schemas.openxmlformats.org/drawingml/2006/main" xmlns:r="http://schemas.openxmlformats.org/officeDocument/2006/relationships" xmlns:p="http://schemas.openxmlformats.org/presentationml/2006/main">
+  <p:cSld>
+    <p:spTree>
+      <p:nvGrpSpPr>
+        <p:cNvPr id="1" name=""/>
+        <p:cNvGrpSpPr/>
+        <p:nvPr/>
+      </p:nvGrpSpPr>
+      <p:grpSpPr>
+        <a:xfrm>
+          <a:off x="0" y="0"/>
+          <a:ext cx="0" cy="0"/>
+          <a:chOff x="0" y="0"/>
+          <a:chExt cx="0" cy="0"/>
+        </a:xfrm>
+      </p:grpSpPr>
+      <p:sp>
+        <p:nvSpPr>
+          <p:cNvPr id="2" name="Заголовок 1"/>
+          <p:cNvSpPr>
+            <a:spLocks noGrp="1"/>
+          </p:cNvSpPr>
+          <p:nvPr>
+            <p:ph type="title"/>
+          </p:nvPr>
+        </p:nvSpPr>
+        <p:spPr/>
+        <p:txBody>
+          <a:bodyPr/>
+          <a:lstStyle/>
+          <a:p>
+            <a:r>
+              <a:rPr lang="ru-RU" dirty="0" smtClean="0"/>
               <a:t>Выбор структуры хранения на основе сложности операций </a:t>
             </a:r>
             <a:endParaRPr lang="ru-RU" dirty="0"/>
@@ -4336,28 +4555,28 @@
                 <a:gridCol w="2016670">
                   <a:extLst>
                     <a:ext uri="{9D8B030D-6E8A-4147-A177-3AD203B41FA5}">
-                      <a16:colId xmlns:a16="http://schemas.microsoft.com/office/drawing/2014/main" xmlns="" val="4207553952"/>
+                      <a16:colId xmlns="" xmlns:a16="http://schemas.microsoft.com/office/drawing/2014/main" val="4207553952"/>
                     </a:ext>
                   </a:extLst>
                 </a:gridCol>
                 <a:gridCol w="2412268">
                   <a:extLst>
                     <a:ext uri="{9D8B030D-6E8A-4147-A177-3AD203B41FA5}">
-                      <a16:colId xmlns:a16="http://schemas.microsoft.com/office/drawing/2014/main" xmlns="" val="3459842520"/>
+                      <a16:colId xmlns="" xmlns:a16="http://schemas.microsoft.com/office/drawing/2014/main" val="3459842520"/>
                     </a:ext>
                   </a:extLst>
                 </a:gridCol>
                 <a:gridCol w="2412268">
                   <a:extLst>
                     <a:ext uri="{9D8B030D-6E8A-4147-A177-3AD203B41FA5}">
-                      <a16:colId xmlns:a16="http://schemas.microsoft.com/office/drawing/2014/main" xmlns="" val="3968390463"/>
+                      <a16:colId xmlns="" xmlns:a16="http://schemas.microsoft.com/office/drawing/2014/main" val="3968390463"/>
                     </a:ext>
                   </a:extLst>
                 </a:gridCol>
                 <a:gridCol w="2737510">
                   <a:extLst>
                     <a:ext uri="{9D8B030D-6E8A-4147-A177-3AD203B41FA5}">
-                      <a16:colId xmlns:a16="http://schemas.microsoft.com/office/drawing/2014/main" xmlns="" val="2767897215"/>
+                      <a16:colId xmlns="" xmlns:a16="http://schemas.microsoft.com/office/drawing/2014/main" val="2767897215"/>
                     </a:ext>
                   </a:extLst>
                 </a:gridCol>
@@ -4415,7 +4634,7 @@
                 </a:tc>
                 <a:extLst>
                   <a:ext uri="{0D108BD9-81ED-4DB2-BD59-A6C34878D82A}">
-                    <a16:rowId xmlns:a16="http://schemas.microsoft.com/office/drawing/2014/main" xmlns="" val="32717393"/>
+                    <a16:rowId xmlns="" xmlns:a16="http://schemas.microsoft.com/office/drawing/2014/main" val="32717393"/>
                   </a:ext>
                 </a:extLst>
               </a:tr>
@@ -4492,7 +4711,7 @@
                 </a:tc>
                 <a:extLst>
                   <a:ext uri="{0D108BD9-81ED-4DB2-BD59-A6C34878D82A}">
-                    <a16:rowId xmlns:a16="http://schemas.microsoft.com/office/drawing/2014/main" xmlns="" val="1051533820"/>
+                    <a16:rowId xmlns="" xmlns:a16="http://schemas.microsoft.com/office/drawing/2014/main" val="1051533820"/>
                   </a:ext>
                 </a:extLst>
               </a:tr>
@@ -4590,7 +4809,7 @@
                 </a:tc>
                 <a:extLst>
                   <a:ext uri="{0D108BD9-81ED-4DB2-BD59-A6C34878D82A}">
-                    <a16:rowId xmlns:a16="http://schemas.microsoft.com/office/drawing/2014/main" xmlns="" val="1824347035"/>
+                    <a16:rowId xmlns="" xmlns:a16="http://schemas.microsoft.com/office/drawing/2014/main" val="1824347035"/>
                   </a:ext>
                 </a:extLst>
               </a:tr>
@@ -4732,7 +4951,7 @@
                 </a:tc>
                 <a:extLst>
                   <a:ext uri="{0D108BD9-81ED-4DB2-BD59-A6C34878D82A}">
-                    <a16:rowId xmlns:a16="http://schemas.microsoft.com/office/drawing/2014/main" xmlns="" val="861733343"/>
+                    <a16:rowId xmlns="" xmlns:a16="http://schemas.microsoft.com/office/drawing/2014/main" val="861733343"/>
                   </a:ext>
                 </a:extLst>
               </a:tr>
@@ -4862,7 +5081,7 @@
                 </a:tc>
                 <a:extLst>
                   <a:ext uri="{0D108BD9-81ED-4DB2-BD59-A6C34878D82A}">
-                    <a16:rowId xmlns:a16="http://schemas.microsoft.com/office/drawing/2014/main" xmlns="" val="668560827"/>
+                    <a16:rowId xmlns="" xmlns:a16="http://schemas.microsoft.com/office/drawing/2014/main" val="668560827"/>
                   </a:ext>
                 </a:extLst>
               </a:tr>
@@ -4972,7 +5191,7 @@
                 </a:tc>
                 <a:extLst>
                   <a:ext uri="{0D108BD9-81ED-4DB2-BD59-A6C34878D82A}">
-                    <a16:rowId xmlns:a16="http://schemas.microsoft.com/office/drawing/2014/main" xmlns="" val="210191880"/>
+                    <a16:rowId xmlns="" xmlns:a16="http://schemas.microsoft.com/office/drawing/2014/main" val="210191880"/>
                   </a:ext>
                 </a:extLst>
               </a:tr>
@@ -5041,136 +5260,6 @@
       <p:sp>
         <p:nvSpPr>
           <p:cNvPr id="6" name="Номер слайда 5"/>
-          <p:cNvSpPr>
-            <a:spLocks noGrp="1"/>
-          </p:cNvSpPr>
-          <p:nvPr>
-            <p:ph type="sldNum" sz="quarter" idx="4"/>
-          </p:nvPr>
-        </p:nvSpPr>
-        <p:spPr/>
-        <p:txBody>
-          <a:bodyPr/>
-          <a:lstStyle/>
-          <a:p>
-            <a:pPr>
-              <a:defRPr/>
-            </a:pPr>
-            <a:fld id="{4F2367BF-7A57-4F5A-B357-719264272D2E}" type="slidenum">
-              <a:rPr lang="ru-RU" smtClean="0"/>
-              <a:pPr>
-                <a:defRPr/>
-              </a:pPr>
-              <a:t>14</a:t>
-            </a:fld>
-            <a:endParaRPr lang="ru-RU" dirty="0"/>
-          </a:p>
-        </p:txBody>
-      </p:sp>
-    </p:spTree>
-    <p:extLst>
-      <p:ext uri="{BB962C8B-B14F-4D97-AF65-F5344CB8AC3E}">
-        <p14:creationId xmlns:p14="http://schemas.microsoft.com/office/powerpoint/2010/main" val="1390628246"/>
-      </p:ext>
-    </p:extLst>
-  </p:cSld>
-  <p:clrMapOvr>
-    <a:masterClrMapping/>
-  </p:clrMapOvr>
-</p:sld>
-</file>
-
-<file path=ppt/slides/slide15.xml><?xml version="1.0" encoding="utf-8"?>
-<p:sld xmlns:a="http://schemas.openxmlformats.org/drawingml/2006/main" xmlns:r="http://schemas.openxmlformats.org/officeDocument/2006/relationships" xmlns:p="http://schemas.openxmlformats.org/presentationml/2006/main">
-  <p:cSld>
-    <p:spTree>
-      <p:nvGrpSpPr>
-        <p:cNvPr id="1" name=""/>
-        <p:cNvGrpSpPr/>
-        <p:nvPr/>
-      </p:nvGrpSpPr>
-      <p:grpSpPr>
-        <a:xfrm>
-          <a:off x="0" y="0"/>
-          <a:ext cx="0" cy="0"/>
-          <a:chOff x="0" y="0"/>
-          <a:chExt cx="0" cy="0"/>
-        </a:xfrm>
-      </p:grpSpPr>
-      <p:sp>
-        <p:nvSpPr>
-          <p:cNvPr id="2" name="Заголовок 1"/>
-          <p:cNvSpPr>
-            <a:spLocks noGrp="1"/>
-          </p:cNvSpPr>
-          <p:nvPr>
-            <p:ph type="title"/>
-          </p:nvPr>
-        </p:nvSpPr>
-        <p:spPr/>
-        <p:txBody>
-          <a:bodyPr/>
-          <a:lstStyle/>
-          <a:p>
-            <a:r>
-              <a:rPr lang="ru-RU" dirty="0" smtClean="0"/>
-              <a:t>Результаты </a:t>
-            </a:r>
-            <a:r>
-              <a:rPr lang="ru-RU" dirty="0"/>
-              <a:t>вычислительных экспериментов</a:t>
-            </a:r>
-          </a:p>
-        </p:txBody>
-      </p:sp>
-      <p:sp>
-        <p:nvSpPr>
-          <p:cNvPr id="3" name="Содержимое 2"/>
-          <p:cNvSpPr>
-            <a:spLocks noGrp="1"/>
-          </p:cNvSpPr>
-          <p:nvPr>
-            <p:ph idx="1"/>
-          </p:nvPr>
-        </p:nvSpPr>
-        <p:spPr/>
-        <p:txBody>
-          <a:bodyPr/>
-          <a:lstStyle/>
-          <a:p>
-            <a:endParaRPr lang="ru-RU" dirty="0" smtClean="0"/>
-          </a:p>
-        </p:txBody>
-      </p:sp>
-      <p:sp>
-        <p:nvSpPr>
-          <p:cNvPr id="6" name="Дата 5"/>
-          <p:cNvSpPr>
-            <a:spLocks noGrp="1"/>
-          </p:cNvSpPr>
-          <p:nvPr>
-            <p:ph type="dt" sz="half" idx="2"/>
-          </p:nvPr>
-        </p:nvSpPr>
-        <p:spPr/>
-        <p:txBody>
-          <a:bodyPr/>
-          <a:lstStyle/>
-          <a:p>
-            <a:pPr>
-              <a:defRPr/>
-            </a:pPr>
-            <a:r>
-              <a:rPr lang="ru-RU" smtClean="0"/>
-              <a:t>Нижний Новгород, 2017 г.</a:t>
-            </a:r>
-            <a:endParaRPr lang="ru-RU" dirty="0"/>
-          </a:p>
-        </p:txBody>
-      </p:sp>
-      <p:sp>
-        <p:nvSpPr>
-          <p:cNvPr id="7" name="Номер слайда 6"/>
           <p:cNvSpPr>
             <a:spLocks noGrp="1"/>
           </p:cNvSpPr>
@@ -5197,36 +5286,10 @@
           </a:p>
         </p:txBody>
       </p:sp>
-      <p:sp>
-        <p:nvSpPr>
-          <p:cNvPr id="8" name="Нижний колонтитул 7"/>
-          <p:cNvSpPr>
-            <a:spLocks noGrp="1"/>
-          </p:cNvSpPr>
-          <p:nvPr>
-            <p:ph type="ftr" sz="quarter" idx="3"/>
-          </p:nvPr>
-        </p:nvSpPr>
-        <p:spPr/>
-        <p:txBody>
-          <a:bodyPr/>
-          <a:lstStyle/>
-          <a:p>
-            <a:pPr>
-              <a:defRPr/>
-            </a:pPr>
-            <a:r>
-              <a:rPr lang="ru-RU" smtClean="0"/>
-              <a:t>Мини-проект по глобальной оптимизации</a:t>
-            </a:r>
-            <a:endParaRPr lang="ru-RU" dirty="0"/>
-          </a:p>
-        </p:txBody>
-      </p:sp>
     </p:spTree>
     <p:extLst>
       <p:ext uri="{BB962C8B-B14F-4D97-AF65-F5344CB8AC3E}">
-        <p14:creationId xmlns:p14="http://schemas.microsoft.com/office/powerpoint/2010/main" val="49049457"/>
+        <p14:creationId xmlns:p14="http://schemas.microsoft.com/office/powerpoint/2010/main" val="1390628246"/>
       </p:ext>
     </p:extLst>
   </p:cSld>
@@ -5270,9 +5333,12 @@
           <a:p>
             <a:r>
               <a:rPr lang="ru-RU" dirty="0" smtClean="0"/>
-              <a:t>Спасибо за внимание!</a:t>
-            </a:r>
-            <a:endParaRPr lang="en-US" dirty="0"/>
+              <a:t>Результаты </a:t>
+            </a:r>
+            <a:r>
+              <a:rPr lang="ru-RU" dirty="0"/>
+              <a:t>вычислительных экспериментов</a:t>
+            </a:r>
           </a:p>
         </p:txBody>
       </p:sp>
@@ -5291,30 +5357,7 @@
           <a:bodyPr/>
           <a:lstStyle/>
           <a:p>
-            <a:pPr algn="just"/>
             <a:endParaRPr lang="ru-RU" dirty="0" smtClean="0"/>
-          </a:p>
-          <a:p>
-            <a:pPr algn="just"/>
-            <a:endParaRPr lang="ru-RU" dirty="0"/>
-          </a:p>
-          <a:p>
-            <a:pPr algn="just"/>
-            <a:endParaRPr lang="ru-RU" dirty="0" smtClean="0"/>
-          </a:p>
-          <a:p>
-            <a:pPr algn="just"/>
-            <a:endParaRPr lang="ru-RU" dirty="0"/>
-          </a:p>
-          <a:p>
-            <a:pPr marL="0" indent="0" algn="ctr">
-              <a:buNone/>
-            </a:pPr>
-            <a:r>
-              <a:rPr lang="ru-RU" sz="3600" dirty="0" smtClean="0"/>
-              <a:t>Вопросы?</a:t>
-            </a:r>
-            <a:endParaRPr lang="en-US" sz="3600" dirty="0"/>
           </a:p>
         </p:txBody>
       </p:sp>
@@ -5368,6 +5411,182 @@
                 <a:defRPr/>
               </a:pPr>
               <a:t>16</a:t>
+            </a:fld>
+            <a:endParaRPr lang="ru-RU" dirty="0"/>
+          </a:p>
+        </p:txBody>
+      </p:sp>
+      <p:sp>
+        <p:nvSpPr>
+          <p:cNvPr id="8" name="Нижний колонтитул 7"/>
+          <p:cNvSpPr>
+            <a:spLocks noGrp="1"/>
+          </p:cNvSpPr>
+          <p:nvPr>
+            <p:ph type="ftr" sz="quarter" idx="3"/>
+          </p:nvPr>
+        </p:nvSpPr>
+        <p:spPr/>
+        <p:txBody>
+          <a:bodyPr/>
+          <a:lstStyle/>
+          <a:p>
+            <a:pPr>
+              <a:defRPr/>
+            </a:pPr>
+            <a:r>
+              <a:rPr lang="ru-RU" smtClean="0"/>
+              <a:t>Мини-проект по глобальной оптимизации</a:t>
+            </a:r>
+            <a:endParaRPr lang="ru-RU" dirty="0"/>
+          </a:p>
+        </p:txBody>
+      </p:sp>
+    </p:spTree>
+    <p:extLst>
+      <p:ext uri="{BB962C8B-B14F-4D97-AF65-F5344CB8AC3E}">
+        <p14:creationId xmlns:p14="http://schemas.microsoft.com/office/powerpoint/2010/main" val="49049457"/>
+      </p:ext>
+    </p:extLst>
+  </p:cSld>
+  <p:clrMapOvr>
+    <a:masterClrMapping/>
+  </p:clrMapOvr>
+</p:sld>
+</file>
+
+<file path=ppt/slides/slide17.xml><?xml version="1.0" encoding="utf-8"?>
+<p:sld xmlns:a="http://schemas.openxmlformats.org/drawingml/2006/main" xmlns:r="http://schemas.openxmlformats.org/officeDocument/2006/relationships" xmlns:p="http://schemas.openxmlformats.org/presentationml/2006/main">
+  <p:cSld>
+    <p:spTree>
+      <p:nvGrpSpPr>
+        <p:cNvPr id="1" name=""/>
+        <p:cNvGrpSpPr/>
+        <p:nvPr/>
+      </p:nvGrpSpPr>
+      <p:grpSpPr>
+        <a:xfrm>
+          <a:off x="0" y="0"/>
+          <a:ext cx="0" cy="0"/>
+          <a:chOff x="0" y="0"/>
+          <a:chExt cx="0" cy="0"/>
+        </a:xfrm>
+      </p:grpSpPr>
+      <p:sp>
+        <p:nvSpPr>
+          <p:cNvPr id="2" name="Заголовок 1"/>
+          <p:cNvSpPr>
+            <a:spLocks noGrp="1"/>
+          </p:cNvSpPr>
+          <p:nvPr>
+            <p:ph type="title"/>
+          </p:nvPr>
+        </p:nvSpPr>
+        <p:spPr/>
+        <p:txBody>
+          <a:bodyPr/>
+          <a:lstStyle/>
+          <a:p>
+            <a:r>
+              <a:rPr lang="ru-RU" dirty="0" smtClean="0"/>
+              <a:t>Спасибо за внимание!</a:t>
+            </a:r>
+            <a:endParaRPr lang="en-US" dirty="0"/>
+          </a:p>
+        </p:txBody>
+      </p:sp>
+      <p:sp>
+        <p:nvSpPr>
+          <p:cNvPr id="3" name="Содержимое 2"/>
+          <p:cNvSpPr>
+            <a:spLocks noGrp="1"/>
+          </p:cNvSpPr>
+          <p:nvPr>
+            <p:ph idx="1"/>
+          </p:nvPr>
+        </p:nvSpPr>
+        <p:spPr/>
+        <p:txBody>
+          <a:bodyPr/>
+          <a:lstStyle/>
+          <a:p>
+            <a:pPr algn="just"/>
+            <a:endParaRPr lang="ru-RU" dirty="0" smtClean="0"/>
+          </a:p>
+          <a:p>
+            <a:pPr algn="just"/>
+            <a:endParaRPr lang="ru-RU" dirty="0"/>
+          </a:p>
+          <a:p>
+            <a:pPr algn="just"/>
+            <a:endParaRPr lang="ru-RU" dirty="0" smtClean="0"/>
+          </a:p>
+          <a:p>
+            <a:pPr algn="just"/>
+            <a:endParaRPr lang="ru-RU" dirty="0"/>
+          </a:p>
+          <a:p>
+            <a:pPr marL="0" indent="0" algn="ctr">
+              <a:buNone/>
+            </a:pPr>
+            <a:r>
+              <a:rPr lang="ru-RU" sz="3600" dirty="0" smtClean="0"/>
+              <a:t>Вопросы?</a:t>
+            </a:r>
+            <a:endParaRPr lang="en-US" sz="3600" dirty="0"/>
+          </a:p>
+        </p:txBody>
+      </p:sp>
+      <p:sp>
+        <p:nvSpPr>
+          <p:cNvPr id="6" name="Дата 5"/>
+          <p:cNvSpPr>
+            <a:spLocks noGrp="1"/>
+          </p:cNvSpPr>
+          <p:nvPr>
+            <p:ph type="dt" sz="half" idx="2"/>
+          </p:nvPr>
+        </p:nvSpPr>
+        <p:spPr/>
+        <p:txBody>
+          <a:bodyPr/>
+          <a:lstStyle/>
+          <a:p>
+            <a:pPr>
+              <a:defRPr/>
+            </a:pPr>
+            <a:r>
+              <a:rPr lang="ru-RU" smtClean="0"/>
+              <a:t>Нижний Новгород, 2017 г.</a:t>
+            </a:r>
+            <a:endParaRPr lang="ru-RU" dirty="0"/>
+          </a:p>
+        </p:txBody>
+      </p:sp>
+      <p:sp>
+        <p:nvSpPr>
+          <p:cNvPr id="7" name="Номер слайда 6"/>
+          <p:cNvSpPr>
+            <a:spLocks noGrp="1"/>
+          </p:cNvSpPr>
+          <p:nvPr>
+            <p:ph type="sldNum" sz="quarter" idx="4"/>
+          </p:nvPr>
+        </p:nvSpPr>
+        <p:spPr/>
+        <p:txBody>
+          <a:bodyPr/>
+          <a:lstStyle/>
+          <a:p>
+            <a:pPr>
+              <a:defRPr/>
+            </a:pPr>
+            <a:fld id="{4F2367BF-7A57-4F5A-B357-719264272D2E}" type="slidenum">
+              <a:rPr lang="ru-RU" smtClean="0"/>
+              <a:pPr>
+                <a:defRPr/>
+              </a:pPr>
+              <a:t>17</a:t>
             </a:fld>
             <a:endParaRPr lang="ru-RU" dirty="0"/>
           </a:p>
@@ -5655,7 +5874,6 @@
               <a:rPr lang="ru-RU" dirty="0" smtClean="0"/>
               <a:t>.</a:t>
             </a:r>
-            <a:endParaRPr lang="ru-RU" dirty="0" smtClean="0"/>
           </a:p>
           <a:p>
             <a:r>
@@ -5676,7 +5894,6 @@
               <a:rPr lang="ru-RU" dirty="0" smtClean="0"/>
               <a:t>данных.</a:t>
             </a:r>
-            <a:endParaRPr lang="ru-RU" dirty="0" smtClean="0"/>
           </a:p>
         </p:txBody>
       </p:sp>
@@ -5959,12 +6176,12 @@
           <a:lstStyle/>
           <a:p>
             <a:r>
+              <a:rPr lang="ru-RU" dirty="0"/>
+              <a:t>Методы глобальной </a:t>
+            </a:r>
+            <a:r>
               <a:rPr lang="ru-RU" dirty="0" smtClean="0"/>
-              <a:t>Метод </a:t>
-            </a:r>
-            <a:r>
-              <a:rPr lang="ru-RU" dirty="0" smtClean="0"/>
-              <a:t>глобального поиска</a:t>
+              <a:t>оптимизации</a:t>
             </a:r>
             <a:endParaRPr lang="ru-RU" dirty="0"/>
           </a:p>
@@ -5972,11 +6189,79 @@
       </p:sp>
       <p:sp>
         <p:nvSpPr>
-          <p:cNvPr id="4" name="Дата 3"/>
+          <p:cNvPr id="3" name="Содержимое 2"/>
           <p:cNvSpPr>
             <a:spLocks noGrp="1"/>
           </p:cNvSpPr>
           <p:nvPr>
+            <p:ph idx="1"/>
+          </p:nvPr>
+        </p:nvSpPr>
+        <p:spPr/>
+        <p:txBody>
+          <a:bodyPr/>
+          <a:lstStyle/>
+          <a:p>
+            <a:r>
+              <a:rPr lang="ru-RU" sz="2800" dirty="0" smtClean="0"/>
+              <a:t>Используемые численные методы поиска глобального минимума </a:t>
+            </a:r>
+            <a:r>
+              <a:rPr lang="ru-RU" sz="2800" dirty="0" smtClean="0"/>
+              <a:t>являются </a:t>
+            </a:r>
+            <a:r>
+              <a:rPr lang="ru-RU" sz="2800" dirty="0" smtClean="0"/>
+              <a:t>характеристическими.</a:t>
+            </a:r>
+          </a:p>
+          <a:p>
+            <a:r>
+              <a:rPr lang="ru-RU" sz="2800" dirty="0" smtClean="0"/>
+              <a:t>Используемые методы:</a:t>
+            </a:r>
+          </a:p>
+          <a:p>
+            <a:pPr lvl="1"/>
+            <a:r>
+              <a:rPr lang="ru-RU" sz="2800" dirty="0" smtClean="0"/>
+              <a:t>Алгоритм </a:t>
+            </a:r>
+            <a:r>
+              <a:rPr lang="ru-RU" sz="2800" dirty="0" smtClean="0"/>
+              <a:t>глобального поиска;</a:t>
+            </a:r>
+          </a:p>
+          <a:p>
+            <a:pPr lvl="1"/>
+            <a:r>
+              <a:rPr lang="ru-RU" sz="2800" dirty="0" smtClean="0"/>
+              <a:t>Метод ломанных;</a:t>
+            </a:r>
+          </a:p>
+          <a:p>
+            <a:pPr lvl="1"/>
+            <a:r>
+              <a:rPr lang="ru-RU" sz="2800" dirty="0" smtClean="0"/>
+              <a:t>Метод Кушнера;</a:t>
+            </a:r>
+          </a:p>
+          <a:p>
+            <a:pPr lvl="1"/>
+            <a:r>
+              <a:rPr lang="ru-RU" sz="2800" dirty="0" smtClean="0"/>
+              <a:t>Монотонный алгоритм глобального поиска.</a:t>
+            </a:r>
+          </a:p>
+        </p:txBody>
+      </p:sp>
+      <p:sp>
+        <p:nvSpPr>
+          <p:cNvPr id="6" name="Дата 5"/>
+          <p:cNvSpPr>
+            <a:spLocks noGrp="1"/>
+          </p:cNvSpPr>
+          <p:nvPr>
             <p:ph type="dt" sz="half" idx="2"/>
           </p:nvPr>
         </p:nvSpPr>
@@ -5986,9 +6271,6 @@
           <a:lstStyle/>
           <a:p>
             <a:pPr>
-              <a:lnSpc>
-                <a:spcPct val="150000"/>
-              </a:lnSpc>
               <a:defRPr/>
             </a:pPr>
             <a:r>
@@ -6001,36 +6283,7 @@
       </p:sp>
       <p:sp>
         <p:nvSpPr>
-          <p:cNvPr id="5" name="Нижний колонтитул 4"/>
-          <p:cNvSpPr>
-            <a:spLocks noGrp="1"/>
-          </p:cNvSpPr>
-          <p:nvPr>
-            <p:ph type="ftr" sz="quarter" idx="3"/>
-          </p:nvPr>
-        </p:nvSpPr>
-        <p:spPr/>
-        <p:txBody>
-          <a:bodyPr/>
-          <a:lstStyle/>
-          <a:p>
-            <a:pPr>
-              <a:lnSpc>
-                <a:spcPct val="150000"/>
-              </a:lnSpc>
-              <a:defRPr/>
-            </a:pPr>
-            <a:r>
-              <a:rPr lang="ru-RU" smtClean="0"/>
-              <a:t>Мини-проект по глобальной оптимизации</a:t>
-            </a:r>
-            <a:endParaRPr lang="ru-RU" dirty="0" smtClean="0"/>
-          </a:p>
-        </p:txBody>
-      </p:sp>
-      <p:sp>
-        <p:nvSpPr>
-          <p:cNvPr id="6" name="Номер слайда 5"/>
+          <p:cNvPr id="7" name="Номер слайда 6"/>
           <p:cNvSpPr>
             <a:spLocks noGrp="1"/>
           </p:cNvSpPr>
@@ -6057,8 +6310,181 @@
           </a:p>
         </p:txBody>
       </p:sp>
-      <mc:AlternateContent xmlns:mc="http://schemas.openxmlformats.org/markup-compatibility/2006">
-        <mc:Choice xmlns:a14="http://schemas.microsoft.com/office/drawing/2010/main" Requires="a14">
+      <p:sp>
+        <p:nvSpPr>
+          <p:cNvPr id="8" name="Нижний колонтитул 7"/>
+          <p:cNvSpPr>
+            <a:spLocks noGrp="1"/>
+          </p:cNvSpPr>
+          <p:nvPr>
+            <p:ph type="ftr" sz="quarter" idx="3"/>
+          </p:nvPr>
+        </p:nvSpPr>
+        <p:spPr/>
+        <p:txBody>
+          <a:bodyPr/>
+          <a:lstStyle/>
+          <a:p>
+            <a:pPr>
+              <a:defRPr/>
+            </a:pPr>
+            <a:r>
+              <a:rPr lang="ru-RU" smtClean="0"/>
+              <a:t>Мини-проект по глобальной оптимизации</a:t>
+            </a:r>
+            <a:endParaRPr lang="ru-RU" dirty="0"/>
+          </a:p>
+        </p:txBody>
+      </p:sp>
+    </p:spTree>
+    <p:extLst>
+      <p:ext uri="{BB962C8B-B14F-4D97-AF65-F5344CB8AC3E}">
+        <p14:creationId xmlns:p14="http://schemas.microsoft.com/office/powerpoint/2010/main" val="4123068821"/>
+      </p:ext>
+    </p:extLst>
+  </p:cSld>
+  <p:clrMapOvr>
+    <a:masterClrMapping/>
+  </p:clrMapOvr>
+  <p:timing>
+    <p:tnLst>
+      <p:par>
+        <p:cTn id="1" dur="indefinite" restart="never" nodeType="tmRoot"/>
+      </p:par>
+    </p:tnLst>
+  </p:timing>
+</p:sld>
+</file>
+
+<file path=ppt/slides/slide6.xml><?xml version="1.0" encoding="utf-8"?>
+<p:sld xmlns:a="http://schemas.openxmlformats.org/drawingml/2006/main" xmlns:r="http://schemas.openxmlformats.org/officeDocument/2006/relationships" xmlns:p="http://schemas.openxmlformats.org/presentationml/2006/main">
+  <p:cSld>
+    <p:spTree>
+      <p:nvGrpSpPr>
+        <p:cNvPr id="1" name=""/>
+        <p:cNvGrpSpPr/>
+        <p:nvPr/>
+      </p:nvGrpSpPr>
+      <p:grpSpPr>
+        <a:xfrm>
+          <a:off x="0" y="0"/>
+          <a:ext cx="0" cy="0"/>
+          <a:chOff x="0" y="0"/>
+          <a:chExt cx="0" cy="0"/>
+        </a:xfrm>
+      </p:grpSpPr>
+      <p:sp>
+        <p:nvSpPr>
+          <p:cNvPr id="2" name="Заголовок 1"/>
+          <p:cNvSpPr>
+            <a:spLocks noGrp="1"/>
+          </p:cNvSpPr>
+          <p:nvPr>
+            <p:ph type="title"/>
+          </p:nvPr>
+        </p:nvSpPr>
+        <p:spPr/>
+        <p:txBody>
+          <a:bodyPr/>
+          <a:lstStyle/>
+          <a:p>
+            <a:r>
+              <a:rPr lang="ru-RU" dirty="0" smtClean="0"/>
+              <a:t>Метод глобального поиска</a:t>
+            </a:r>
+            <a:endParaRPr lang="ru-RU" dirty="0"/>
+          </a:p>
+        </p:txBody>
+      </p:sp>
+      <p:sp>
+        <p:nvSpPr>
+          <p:cNvPr id="4" name="Дата 3"/>
+          <p:cNvSpPr>
+            <a:spLocks noGrp="1"/>
+          </p:cNvSpPr>
+          <p:nvPr>
+            <p:ph type="dt" sz="half" idx="2"/>
+          </p:nvPr>
+        </p:nvSpPr>
+        <p:spPr/>
+        <p:txBody>
+          <a:bodyPr/>
+          <a:lstStyle/>
+          <a:p>
+            <a:pPr>
+              <a:lnSpc>
+                <a:spcPct val="150000"/>
+              </a:lnSpc>
+              <a:defRPr/>
+            </a:pPr>
+            <a:r>
+              <a:rPr lang="ru-RU" smtClean="0"/>
+              <a:t>Нижний Новгород, 2017 г.</a:t>
+            </a:r>
+            <a:endParaRPr lang="ru-RU" dirty="0"/>
+          </a:p>
+        </p:txBody>
+      </p:sp>
+      <p:sp>
+        <p:nvSpPr>
+          <p:cNvPr id="5" name="Нижний колонтитул 4"/>
+          <p:cNvSpPr>
+            <a:spLocks noGrp="1"/>
+          </p:cNvSpPr>
+          <p:nvPr>
+            <p:ph type="ftr" sz="quarter" idx="3"/>
+          </p:nvPr>
+        </p:nvSpPr>
+        <p:spPr/>
+        <p:txBody>
+          <a:bodyPr/>
+          <a:lstStyle/>
+          <a:p>
+            <a:pPr>
+              <a:lnSpc>
+                <a:spcPct val="150000"/>
+              </a:lnSpc>
+              <a:defRPr/>
+            </a:pPr>
+            <a:r>
+              <a:rPr lang="ru-RU" smtClean="0"/>
+              <a:t>Мини-проект по глобальной оптимизации</a:t>
+            </a:r>
+            <a:endParaRPr lang="ru-RU" dirty="0" smtClean="0"/>
+          </a:p>
+        </p:txBody>
+      </p:sp>
+      <p:sp>
+        <p:nvSpPr>
+          <p:cNvPr id="6" name="Номер слайда 5"/>
+          <p:cNvSpPr>
+            <a:spLocks noGrp="1"/>
+          </p:cNvSpPr>
+          <p:nvPr>
+            <p:ph type="sldNum" sz="quarter" idx="4"/>
+          </p:nvPr>
+        </p:nvSpPr>
+        <p:spPr/>
+        <p:txBody>
+          <a:bodyPr/>
+          <a:lstStyle/>
+          <a:p>
+            <a:pPr>
+              <a:defRPr/>
+            </a:pPr>
+            <a:fld id="{4F2367BF-7A57-4F5A-B357-719264272D2E}" type="slidenum">
+              <a:rPr lang="ru-RU" smtClean="0"/>
+              <a:pPr>
+                <a:defRPr/>
+              </a:pPr>
+              <a:t>6</a:t>
+            </a:fld>
+            <a:endParaRPr lang="ru-RU" dirty="0"/>
+          </a:p>
+        </p:txBody>
+      </p:sp>
+      <mc:AlternateContent xmlns:mc="http://schemas.openxmlformats.org/markup-compatibility/2006" xmlns:a14="http://schemas.microsoft.com/office/drawing/2010/main">
+        <mc:Choice Requires="a14">
           <p:sp>
             <p:nvSpPr>
               <p:cNvPr id="7" name="Объект 2"/>
@@ -7386,7 +7812,7 @@
             </p:txBody>
           </p:sp>
         </mc:Choice>
-        <mc:Fallback>
+        <mc:Fallback xmlns="">
           <p:sp>
             <p:nvSpPr>
               <p:cNvPr id="7" name="Объект 2"/>
@@ -7444,7 +7870,7 @@
 </p:sld>
 </file>
 
-<file path=ppt/slides/slide6.xml><?xml version="1.0" encoding="utf-8"?>
+<file path=ppt/slides/slide7.xml><?xml version="1.0" encoding="utf-8"?>
 <p:sld xmlns:a="http://schemas.openxmlformats.org/drawingml/2006/main" xmlns:r="http://schemas.openxmlformats.org/officeDocument/2006/relationships" xmlns:p="http://schemas.openxmlformats.org/presentationml/2006/main">
   <p:cSld>
     <p:spTree>
@@ -7815,7 +8241,7 @@
               <a:pPr>
                 <a:defRPr/>
               </a:pPr>
-              <a:t>6</a:t>
+              <a:t>7</a:t>
             </a:fld>
             <a:endParaRPr lang="ru-RU" dirty="0"/>
           </a:p>
@@ -7841,7 +8267,7 @@
 </p:sld>
 </file>
 
-<file path=ppt/slides/slide7.xml><?xml version="1.0" encoding="utf-8"?>
+<file path=ppt/slides/slide8.xml><?xml version="1.0" encoding="utf-8"?>
 <p:sld xmlns:a="http://schemas.openxmlformats.org/drawingml/2006/main" xmlns:r="http://schemas.openxmlformats.org/officeDocument/2006/relationships" xmlns:p="http://schemas.openxmlformats.org/presentationml/2006/main">
   <p:cSld>
     <p:spTree>
@@ -7994,7 +8420,7 @@
               <a:pPr>
                 <a:defRPr/>
               </a:pPr>
-              <a:t>7</a:t>
+              <a:t>8</a:t>
             </a:fld>
             <a:endParaRPr lang="ru-RU" dirty="0"/>
           </a:p>
@@ -8919,159 +9345,6 @@
 </p:sld>
 </file>
 
-<file path=ppt/slides/slide8.xml><?xml version="1.0" encoding="utf-8"?>
-<p:sld xmlns:a="http://schemas.openxmlformats.org/drawingml/2006/main" xmlns:r="http://schemas.openxmlformats.org/officeDocument/2006/relationships" xmlns:p="http://schemas.openxmlformats.org/presentationml/2006/main">
-  <p:cSld>
-    <p:spTree>
-      <p:nvGrpSpPr>
-        <p:cNvPr id="1" name=""/>
-        <p:cNvGrpSpPr/>
-        <p:nvPr/>
-      </p:nvGrpSpPr>
-      <p:grpSpPr>
-        <a:xfrm>
-          <a:off x="0" y="0"/>
-          <a:ext cx="0" cy="0"/>
-          <a:chOff x="0" y="0"/>
-          <a:chExt cx="0" cy="0"/>
-        </a:xfrm>
-      </p:grpSpPr>
-      <p:sp>
-        <p:nvSpPr>
-          <p:cNvPr id="2" name="Заголовок 1"/>
-          <p:cNvSpPr>
-            <a:spLocks noGrp="1"/>
-          </p:cNvSpPr>
-          <p:nvPr>
-            <p:ph type="title"/>
-          </p:nvPr>
-        </p:nvSpPr>
-        <p:spPr/>
-        <p:txBody>
-          <a:bodyPr/>
-          <a:lstStyle/>
-          <a:p>
-            <a:r>
-              <a:rPr lang="ru-RU" dirty="0" smtClean="0"/>
-              <a:t>Реализация компонент</a:t>
-            </a:r>
-            <a:endParaRPr lang="ru-RU" dirty="0"/>
-          </a:p>
-        </p:txBody>
-      </p:sp>
-      <p:sp>
-        <p:nvSpPr>
-          <p:cNvPr id="3" name="Содержимое 2"/>
-          <p:cNvSpPr>
-            <a:spLocks noGrp="1"/>
-          </p:cNvSpPr>
-          <p:nvPr>
-            <p:ph idx="1"/>
-          </p:nvPr>
-        </p:nvSpPr>
-        <p:spPr/>
-        <p:txBody>
-          <a:bodyPr/>
-          <a:lstStyle/>
-          <a:p>
-            <a:endParaRPr lang="ru-RU" dirty="0" smtClean="0"/>
-          </a:p>
-        </p:txBody>
-      </p:sp>
-      <p:sp>
-        <p:nvSpPr>
-          <p:cNvPr id="6" name="Дата 5"/>
-          <p:cNvSpPr>
-            <a:spLocks noGrp="1"/>
-          </p:cNvSpPr>
-          <p:nvPr>
-            <p:ph type="dt" sz="half" idx="2"/>
-          </p:nvPr>
-        </p:nvSpPr>
-        <p:spPr/>
-        <p:txBody>
-          <a:bodyPr/>
-          <a:lstStyle/>
-          <a:p>
-            <a:pPr>
-              <a:defRPr/>
-            </a:pPr>
-            <a:r>
-              <a:rPr lang="ru-RU" smtClean="0"/>
-              <a:t>Нижний Новгород, 2017 г.</a:t>
-            </a:r>
-            <a:endParaRPr lang="ru-RU" dirty="0"/>
-          </a:p>
-        </p:txBody>
-      </p:sp>
-      <p:sp>
-        <p:nvSpPr>
-          <p:cNvPr id="7" name="Номер слайда 6"/>
-          <p:cNvSpPr>
-            <a:spLocks noGrp="1"/>
-          </p:cNvSpPr>
-          <p:nvPr>
-            <p:ph type="sldNum" sz="quarter" idx="4"/>
-          </p:nvPr>
-        </p:nvSpPr>
-        <p:spPr/>
-        <p:txBody>
-          <a:bodyPr/>
-          <a:lstStyle/>
-          <a:p>
-            <a:pPr>
-              <a:defRPr/>
-            </a:pPr>
-            <a:fld id="{4F2367BF-7A57-4F5A-B357-719264272D2E}" type="slidenum">
-              <a:rPr lang="ru-RU" smtClean="0"/>
-              <a:pPr>
-                <a:defRPr/>
-              </a:pPr>
-              <a:t>8</a:t>
-            </a:fld>
-            <a:endParaRPr lang="ru-RU" dirty="0"/>
-          </a:p>
-        </p:txBody>
-      </p:sp>
-      <p:sp>
-        <p:nvSpPr>
-          <p:cNvPr id="8" name="Нижний колонтитул 7"/>
-          <p:cNvSpPr>
-            <a:spLocks noGrp="1"/>
-          </p:cNvSpPr>
-          <p:nvPr>
-            <p:ph type="ftr" sz="quarter" idx="3"/>
-          </p:nvPr>
-        </p:nvSpPr>
-        <p:spPr/>
-        <p:txBody>
-          <a:bodyPr/>
-          <a:lstStyle/>
-          <a:p>
-            <a:pPr>
-              <a:defRPr/>
-            </a:pPr>
-            <a:r>
-              <a:rPr lang="ru-RU" smtClean="0"/>
-              <a:t>Мини-проект по глобальной оптимизации</a:t>
-            </a:r>
-            <a:endParaRPr lang="ru-RU" dirty="0"/>
-          </a:p>
-        </p:txBody>
-      </p:sp>
-    </p:spTree>
-    <p:extLst>
-      <p:ext uri="{BB962C8B-B14F-4D97-AF65-F5344CB8AC3E}">
-        <p14:creationId xmlns:p14="http://schemas.microsoft.com/office/powerpoint/2010/main" val="1020934698"/>
-      </p:ext>
-    </p:extLst>
-  </p:cSld>
-  <p:clrMapOvr>
-    <a:masterClrMapping/>
-  </p:clrMapOvr>
-</p:sld>
-</file>
-
 <file path=ppt/slides/slide9.xml><?xml version="1.0" encoding="utf-8"?>
 <p:sld xmlns:a="http://schemas.openxmlformats.org/drawingml/2006/main" xmlns:r="http://schemas.openxmlformats.org/officeDocument/2006/relationships" xmlns:p="http://schemas.openxmlformats.org/presentationml/2006/main">
   <p:cSld>
@@ -9106,7 +9379,7 @@
           <a:p>
             <a:r>
               <a:rPr lang="ru-RU" dirty="0" smtClean="0"/>
-              <a:t>Интерфейс</a:t>
+              <a:t>Реализация компонент</a:t>
             </a:r>
             <a:endParaRPr lang="ru-RU" dirty="0"/>
           </a:p>
@@ -9127,85 +9400,7 @@
           <a:bodyPr/>
           <a:lstStyle/>
           <a:p>
-            <a:r>
-              <a:rPr lang="ru-RU" dirty="0" smtClean="0"/>
-              <a:t>Проанализировав поставленную задачу, из двух </a:t>
-            </a:r>
-            <a:r>
-              <a:rPr lang="ru-RU" dirty="0"/>
-              <a:t>языков программирования (С++</a:t>
-            </a:r>
-            <a:r>
-              <a:rPr lang="en-US" dirty="0"/>
-              <a:t>/C#</a:t>
-            </a:r>
-            <a:r>
-              <a:rPr lang="ru-RU" dirty="0"/>
-              <a:t>), </a:t>
-            </a:r>
-            <a:r>
-              <a:rPr lang="ru-RU" dirty="0" smtClean="0"/>
-              <a:t>с помощью которых возможно реализовать </a:t>
-            </a:r>
-            <a:r>
-              <a:rPr lang="ru-RU" dirty="0" smtClean="0"/>
-              <a:t>г</a:t>
-            </a:r>
-            <a:r>
-              <a:rPr lang="ru-RU" dirty="0" smtClean="0"/>
-              <a:t>рафический интерфейс программы, был выбран язык </a:t>
-            </a:r>
-            <a:r>
-              <a:rPr lang="en-US" dirty="0" smtClean="0"/>
-              <a:t>C#</a:t>
-            </a:r>
-            <a:r>
-              <a:rPr lang="ru-RU" dirty="0" smtClean="0"/>
-              <a:t>, так как с его помощью проще реализоват</a:t>
-            </a:r>
-            <a:r>
-              <a:rPr lang="ru-RU" dirty="0" smtClean="0"/>
-              <a:t>ь данную компоненту программ</a:t>
-            </a:r>
-            <a:r>
-              <a:rPr lang="ru-RU" dirty="0"/>
-              <a:t>ы</a:t>
-            </a:r>
-            <a:r>
-              <a:rPr lang="ru-RU" dirty="0" smtClean="0"/>
-              <a:t>.</a:t>
-            </a:r>
-          </a:p>
-          <a:p>
-            <a:r>
-              <a:rPr lang="ru-RU" dirty="0" smtClean="0"/>
-              <a:t>Так же был </a:t>
-            </a:r>
-            <a:r>
-              <a:rPr lang="ru-RU" dirty="0"/>
-              <a:t>использован интерфейс программирования приложений (API), отвечающий за графический интерфейс </a:t>
-            </a:r>
-            <a:r>
-              <a:rPr lang="ru-RU" dirty="0" smtClean="0"/>
-              <a:t>пользователя, </a:t>
-            </a:r>
-            <a:r>
-              <a:rPr lang="ru-RU" dirty="0" err="1"/>
-              <a:t>Windows</a:t>
-            </a:r>
-            <a:r>
-              <a:rPr lang="ru-RU" dirty="0"/>
-              <a:t> </a:t>
-            </a:r>
-            <a:r>
-              <a:rPr lang="ru-RU" dirty="0" err="1" smtClean="0"/>
-              <a:t>Forms</a:t>
-            </a:r>
-            <a:r>
-              <a:rPr lang="ru-RU" dirty="0"/>
-              <a:t>.</a:t>
-            </a:r>
-            <a:endParaRPr lang="ru-RU" dirty="0"/>
+            <a:endParaRPr lang="ru-RU" dirty="0" smtClean="0"/>
           </a:p>
         </p:txBody>
       </p:sp>
@@ -9293,7 +9488,7 @@
     </p:spTree>
     <p:extLst>
       <p:ext uri="{BB962C8B-B14F-4D97-AF65-F5344CB8AC3E}">
-        <p14:creationId xmlns:p14="http://schemas.microsoft.com/office/powerpoint/2010/main" val="1538381172"/>
+        <p14:creationId xmlns:p14="http://schemas.microsoft.com/office/powerpoint/2010/main" val="1020934698"/>
       </p:ext>
     </p:extLst>
   </p:cSld>

--- a/storage structure.pptx
+++ b/storage structure.pptx
@@ -5,7 +5,7 @@
     <p:sldMasterId id="2147483660" r:id="rId1"/>
   </p:sldMasterIdLst>
   <p:notesMasterIdLst>
-    <p:notesMasterId r:id="rId19"/>
+    <p:notesMasterId r:id="rId20"/>
   </p:notesMasterIdLst>
   <p:sldIdLst>
     <p:sldId id="272" r:id="rId2"/>
@@ -18,13 +18,14 @@
     <p:sldId id="290" r:id="rId9"/>
     <p:sldId id="285" r:id="rId10"/>
     <p:sldId id="294" r:id="rId11"/>
-    <p:sldId id="291" r:id="rId12"/>
-    <p:sldId id="292" r:id="rId13"/>
-    <p:sldId id="293" r:id="rId14"/>
-    <p:sldId id="287" r:id="rId15"/>
-    <p:sldId id="288" r:id="rId16"/>
-    <p:sldId id="284" r:id="rId17"/>
-    <p:sldId id="282" r:id="rId18"/>
+    <p:sldId id="297" r:id="rId12"/>
+    <p:sldId id="291" r:id="rId13"/>
+    <p:sldId id="292" r:id="rId14"/>
+    <p:sldId id="293" r:id="rId15"/>
+    <p:sldId id="287" r:id="rId16"/>
+    <p:sldId id="288" r:id="rId17"/>
+    <p:sldId id="284" r:id="rId18"/>
+    <p:sldId id="282" r:id="rId19"/>
   </p:sldIdLst>
   <p:sldSz cx="9906000" cy="6858000" type="A4"/>
   <p:notesSz cx="6858000" cy="9144000"/>
@@ -246,7 +247,7 @@
             <a:fld id="{8BCA76E6-379F-489D-9220-B2F237C7F468}" type="datetimeFigureOut">
               <a:rPr lang="ru-RU" smtClean="0"/>
               <a:pPr/>
-              <a:t>11.05.2017</a:t>
+              <a:t>12.05.2017</a:t>
             </a:fld>
             <a:endParaRPr lang="ru-RU" dirty="0"/>
           </a:p>
@@ -3547,7 +3548,7 @@
           <a:p>
             <a:r>
               <a:rPr lang="ru-RU" dirty="0" smtClean="0"/>
-              <a:t>Класс - ретранслятор</a:t>
+              <a:t>Визуализация</a:t>
             </a:r>
             <a:endParaRPr lang="ru-RU" dirty="0"/>
           </a:p>
@@ -3569,73 +3570,72 @@
           <a:lstStyle/>
           <a:p>
             <a:r>
-              <a:rPr lang="ru-RU" sz="2800" dirty="0" smtClean="0"/>
-              <a:t>Суть класса:</a:t>
-            </a:r>
-          </a:p>
-          <a:p>
-            <a:pPr marL="0" indent="0">
-              <a:buNone/>
-            </a:pPr>
-            <a:r>
-              <a:rPr lang="ru-RU" sz="2800" dirty="0"/>
-              <a:t>	</a:t>
-            </a:r>
-            <a:r>
-              <a:rPr lang="ru-RU" sz="2800" dirty="0" smtClean="0"/>
-              <a:t>Работает со строкой, задаваемой пользователем</a:t>
-            </a:r>
-            <a:r>
-              <a:rPr lang="en-US" sz="2800" dirty="0" smtClean="0"/>
-              <a:t> </a:t>
-            </a:r>
-            <a:r>
-              <a:rPr lang="ru-RU" sz="2800" dirty="0" smtClean="0"/>
-              <a:t>в поле ввода функции.</a:t>
-            </a:r>
-          </a:p>
-          <a:p>
-            <a:pPr marL="0" indent="0">
-              <a:buNone/>
-            </a:pPr>
-            <a:endParaRPr lang="ru-RU" sz="2800" dirty="0" smtClean="0"/>
-          </a:p>
-          <a:p>
-            <a:r>
-              <a:rPr lang="ru-RU" sz="2800" dirty="0" smtClean="0"/>
-              <a:t>Что делает:</a:t>
-            </a:r>
-          </a:p>
-          <a:p>
-            <a:pPr marL="0" indent="0">
-              <a:buNone/>
-            </a:pPr>
-            <a:r>
-              <a:rPr lang="ru-RU" sz="2800" dirty="0"/>
-              <a:t>	</a:t>
-            </a:r>
-            <a:r>
-              <a:rPr lang="ru-RU" sz="2800" dirty="0" smtClean="0"/>
-              <a:t>1) переводит строку, содержащую функцию в инфиксном в виде, в постфиксный;</a:t>
-            </a:r>
-          </a:p>
-          <a:p>
-            <a:pPr marL="0" indent="0">
-              <a:buNone/>
-            </a:pPr>
-            <a:r>
-              <a:rPr lang="ru-RU" sz="2800" dirty="0"/>
-              <a:t>	</a:t>
-            </a:r>
-            <a:r>
-              <a:rPr lang="ru-RU" sz="2800" dirty="0" smtClean="0"/>
-              <a:t>2) считает значение функции при заданном аргументе </a:t>
-            </a:r>
-            <a:r>
-              <a:rPr lang="en-US" sz="2800" dirty="0" smtClean="0"/>
-              <a:t>‘x’.</a:t>
-            </a:r>
-            <a:endParaRPr lang="ru-RU" sz="2800" dirty="0"/>
+              <a:rPr lang="ru-RU" dirty="0" smtClean="0"/>
+              <a:t>В качестве визуализации графика функции была использована стандартная компонента </a:t>
+            </a:r>
+            <a:r>
+              <a:rPr lang="en-US" dirty="0" smtClean="0"/>
+              <a:t>Graphics</a:t>
+            </a:r>
+          </a:p>
+          <a:p>
+            <a:r>
+              <a:rPr lang="ru-RU" dirty="0" smtClean="0"/>
+              <a:t>Для отображения графика был выбран элемент </a:t>
+            </a:r>
+            <a:r>
+              <a:rPr lang="en-US" dirty="0" smtClean="0"/>
+              <a:t>Panel</a:t>
+            </a:r>
+          </a:p>
+          <a:p>
+            <a:r>
+              <a:rPr lang="ru-RU" dirty="0" smtClean="0"/>
+              <a:t>Изображение осей</a:t>
+            </a:r>
+            <a:r>
+              <a:rPr lang="en-US" dirty="0" smtClean="0"/>
+              <a:t>: </a:t>
+            </a:r>
+            <a:r>
+              <a:rPr lang="ru-RU" dirty="0" smtClean="0"/>
+              <a:t>статически, динамически.</a:t>
+            </a:r>
+          </a:p>
+          <a:p>
+            <a:r>
+              <a:rPr lang="ru-RU" dirty="0" smtClean="0"/>
+              <a:t>Изображение графика</a:t>
+            </a:r>
+            <a:r>
+              <a:rPr lang="en-US" dirty="0" smtClean="0"/>
+              <a:t>: </a:t>
+            </a:r>
+            <a:r>
+              <a:rPr lang="ru-RU" dirty="0" smtClean="0"/>
+              <a:t>масштабируется под размер </a:t>
+            </a:r>
+            <a:r>
+              <a:rPr lang="en-US" dirty="0" smtClean="0"/>
+              <a:t>Panel.</a:t>
+            </a:r>
+          </a:p>
+          <a:p>
+            <a:r>
+              <a:rPr lang="ru-RU" dirty="0" smtClean="0"/>
+              <a:t>Изображение точек</a:t>
+            </a:r>
+            <a:r>
+              <a:rPr lang="en-US" dirty="0" smtClean="0"/>
+              <a:t>: </a:t>
+            </a:r>
+            <a:r>
+              <a:rPr lang="ru-RU" dirty="0" smtClean="0"/>
+              <a:t>на графике, на осях.</a:t>
+            </a:r>
+          </a:p>
+          <a:p>
+            <a:endParaRPr lang="ru-RU" dirty="0"/>
           </a:p>
         </p:txBody>
       </p:sp>
@@ -3729,20 +3729,13 @@
     </p:spTree>
     <p:extLst>
       <p:ext uri="{BB962C8B-B14F-4D97-AF65-F5344CB8AC3E}">
-        <p14:creationId xmlns:p14="http://schemas.microsoft.com/office/powerpoint/2010/main" val="2902605297"/>
+        <p14:creationId xmlns:p14="http://schemas.microsoft.com/office/powerpoint/2010/main" val="3102399647"/>
       </p:ext>
     </p:extLst>
   </p:cSld>
   <p:clrMapOvr>
     <a:masterClrMapping/>
   </p:clrMapOvr>
-  <p:timing>
-    <p:tnLst>
-      <p:par>
-        <p:cTn id="1" dur="indefinite" restart="never" nodeType="tmRoot"/>
-      </p:par>
-    </p:tnLst>
-  </p:timing>
 </p:sld>
 </file>
 
@@ -3779,20 +3772,8 @@
           <a:lstStyle/>
           <a:p>
             <a:r>
-              <a:rPr lang="ru-RU" dirty="0"/>
-              <a:t>Класс </a:t>
-            </a:r>
-            <a:r>
               <a:rPr lang="ru-RU" dirty="0" smtClean="0"/>
-              <a:t>– ретранслятор</a:t>
-            </a:r>
-            <a:r>
-              <a:rPr lang="en-US" dirty="0" smtClean="0"/>
-              <a:t>. </a:t>
-            </a:r>
-            <a:r>
-              <a:rPr lang="ru-RU" dirty="0" smtClean="0"/>
-              <a:t>Алгоритмы</a:t>
+              <a:t>Класс - ретранслятор</a:t>
             </a:r>
             <a:endParaRPr lang="ru-RU" dirty="0"/>
           </a:p>
@@ -3815,21 +3796,29 @@
           <a:p>
             <a:r>
               <a:rPr lang="ru-RU" sz="2800" dirty="0" smtClean="0"/>
-              <a:t>В алгоритмах перевода строки из инфиксного вида в постфиксный и подсчета значения функции используется </a:t>
+              <a:t>Суть класса:</a:t>
+            </a:r>
+          </a:p>
+          <a:p>
+            <a:pPr marL="0" indent="0">
+              <a:buNone/>
+            </a:pPr>
+            <a:r>
+              <a:rPr lang="ru-RU" sz="2800" dirty="0"/>
+              <a:t>	</a:t>
+            </a:r>
+            <a:r>
+              <a:rPr lang="ru-RU" sz="2800" dirty="0" smtClean="0"/>
+              <a:t>Работает со строкой, задаваемой пользователем</a:t>
             </a:r>
             <a:r>
               <a:rPr lang="en-US" sz="2800" dirty="0" smtClean="0"/>
-              <a:t>“stack” </a:t>
+              <a:t> </a:t>
             </a:r>
             <a:r>
               <a:rPr lang="ru-RU" sz="2800" dirty="0" smtClean="0"/>
-              <a:t>стандартной библиотеки шаблонов </a:t>
-            </a:r>
-            <a:r>
-              <a:rPr lang="en-US" sz="2800" dirty="0" smtClean="0"/>
-              <a:t>(STL).</a:t>
-            </a:r>
-            <a:endParaRPr lang="ru-RU" sz="2800" dirty="0" smtClean="0"/>
+              <a:t>в поле ввода функции.</a:t>
+            </a:r>
           </a:p>
           <a:p>
             <a:pPr marL="0" indent="0">
@@ -3840,9 +3829,39 @@
           <a:p>
             <a:r>
               <a:rPr lang="ru-RU" sz="2800" dirty="0" smtClean="0"/>
-              <a:t>Сами алгоритмы обработки строки взяты из лабораторной работы по дисциплине «Алгоритмы и Структуры Данных» (обработка арифметических выражений).</a:t>
-            </a:r>
-            <a:endParaRPr lang="en-US" sz="2800" dirty="0" smtClean="0"/>
+              <a:t>Что делает:</a:t>
+            </a:r>
+          </a:p>
+          <a:p>
+            <a:pPr marL="0" indent="0">
+              <a:buNone/>
+            </a:pPr>
+            <a:r>
+              <a:rPr lang="ru-RU" sz="2800" dirty="0"/>
+              <a:t>	</a:t>
+            </a:r>
+            <a:r>
+              <a:rPr lang="ru-RU" sz="2800" dirty="0" smtClean="0"/>
+              <a:t>1) переводит строку, содержащую функцию в инфиксном в виде, в постфиксный;</a:t>
+            </a:r>
+          </a:p>
+          <a:p>
+            <a:pPr marL="0" indent="0">
+              <a:buNone/>
+            </a:pPr>
+            <a:r>
+              <a:rPr lang="ru-RU" sz="2800" dirty="0"/>
+              <a:t>	</a:t>
+            </a:r>
+            <a:r>
+              <a:rPr lang="ru-RU" sz="2800" dirty="0" smtClean="0"/>
+              <a:t>2) считает значение функции при заданном аргументе </a:t>
+            </a:r>
+            <a:r>
+              <a:rPr lang="en-US" sz="2800" dirty="0" smtClean="0"/>
+              <a:t>‘x’.</a:t>
+            </a:r>
+            <a:endParaRPr lang="ru-RU" sz="2800" dirty="0"/>
           </a:p>
         </p:txBody>
       </p:sp>
@@ -3936,7 +3955,7 @@
     </p:spTree>
     <p:extLst>
       <p:ext uri="{BB962C8B-B14F-4D97-AF65-F5344CB8AC3E}">
-        <p14:creationId xmlns:p14="http://schemas.microsoft.com/office/powerpoint/2010/main" val="1957808698"/>
+        <p14:creationId xmlns:p14="http://schemas.microsoft.com/office/powerpoint/2010/main" val="2902605297"/>
       </p:ext>
     </p:extLst>
   </p:cSld>
@@ -3986,8 +4005,20 @@
           <a:lstStyle/>
           <a:p>
             <a:r>
+              <a:rPr lang="ru-RU" dirty="0"/>
+              <a:t>Класс </a:t>
+            </a:r>
+            <a:r>
               <a:rPr lang="ru-RU" dirty="0" smtClean="0"/>
-              <a:t>Класс – ретранслятор. Возможности</a:t>
+              <a:t>– ретранслятор</a:t>
+            </a:r>
+            <a:r>
+              <a:rPr lang="en-US" dirty="0" smtClean="0"/>
+              <a:t>. </a:t>
+            </a:r>
+            <a:r>
+              <a:rPr lang="ru-RU" dirty="0" smtClean="0"/>
+              <a:t>Алгоритмы</a:t>
             </a:r>
             <a:endParaRPr lang="ru-RU" dirty="0"/>
           </a:p>
@@ -4008,198 +4039,36 @@
           <a:bodyPr/>
           <a:lstStyle/>
           <a:p>
-            <a:pPr algn="just"/>
-            <a:r>
-              <a:rPr lang="ru-RU" sz="2800" dirty="0"/>
-              <a:t>Главное допущение – аргумент функции обозначается </a:t>
-            </a:r>
             <a:r>
               <a:rPr lang="ru-RU" sz="2800" dirty="0" smtClean="0"/>
-              <a:t>ТОЛЬКО строчным </a:t>
-            </a:r>
-            <a:r>
-              <a:rPr lang="ru-RU" sz="2800" dirty="0"/>
-              <a:t>символом </a:t>
-            </a:r>
-            <a:r>
-              <a:rPr lang="en-US" sz="2800" dirty="0"/>
-              <a:t>‘x</a:t>
+              <a:t>В алгоритмах перевода строки из инфиксного вида в постфиксный и подсчета значения функции используется </a:t>
             </a:r>
             <a:r>
               <a:rPr lang="en-US" sz="2800" dirty="0" smtClean="0"/>
-              <a:t>’</a:t>
+              <a:t>“stack” </a:t>
             </a:r>
             <a:r>
               <a:rPr lang="ru-RU" sz="2800" dirty="0" smtClean="0"/>
-              <a:t>.</a:t>
-            </a:r>
-            <a:endParaRPr lang="ru-RU" sz="2800" dirty="0"/>
-          </a:p>
-          <a:p>
-            <a:pPr algn="just"/>
-            <a:r>
-              <a:rPr lang="ru-RU" sz="2800" dirty="0" smtClean="0"/>
-              <a:t>Поддерживаемые функции: </a:t>
-            </a:r>
-          </a:p>
-          <a:p>
-            <a:pPr marL="0" indent="0" algn="just">
+              <a:t>стандартной библиотеки шаблонов </a:t>
+            </a:r>
+            <a:r>
+              <a:rPr lang="en-US" sz="2800" dirty="0" smtClean="0"/>
+              <a:t>(STL).</a:t>
+            </a:r>
+            <a:endParaRPr lang="ru-RU" sz="2800" dirty="0" smtClean="0"/>
+          </a:p>
+          <a:p>
+            <a:pPr marL="0" indent="0">
               <a:buNone/>
             </a:pPr>
-            <a:r>
-              <a:rPr lang="ru-RU" sz="2800" dirty="0"/>
-              <a:t>	</a:t>
-            </a:r>
-            <a:r>
-              <a:rPr lang="en-US" sz="2800" dirty="0" smtClean="0"/>
-              <a:t>sin(), cos(), </a:t>
-            </a:r>
-            <a:r>
-              <a:rPr lang="en-US" sz="2800" dirty="0" err="1" smtClean="0"/>
-              <a:t>tg</a:t>
-            </a:r>
-            <a:r>
-              <a:rPr lang="en-US" sz="2800" dirty="0" smtClean="0"/>
-              <a:t>(), </a:t>
-            </a:r>
-            <a:r>
-              <a:rPr lang="en-US" sz="2800" dirty="0" err="1" smtClean="0"/>
-              <a:t>ctg</a:t>
-            </a:r>
-            <a:r>
-              <a:rPr lang="en-US" sz="2800" dirty="0" smtClean="0"/>
-              <a:t>(), ln(), abs()</a:t>
-            </a:r>
+            <a:endParaRPr lang="ru-RU" sz="2800" dirty="0" smtClean="0"/>
+          </a:p>
+          <a:p>
             <a:r>
               <a:rPr lang="ru-RU" sz="2800" dirty="0" smtClean="0"/>
-              <a:t>.</a:t>
-            </a:r>
-          </a:p>
-          <a:p>
-            <a:pPr algn="just"/>
-            <a:r>
-              <a:rPr lang="ru-RU" sz="2800" dirty="0" smtClean="0"/>
-              <a:t>Основные методы:</a:t>
-            </a:r>
-          </a:p>
-          <a:p>
-            <a:pPr marL="0" indent="0" algn="just">
-              <a:buNone/>
-            </a:pPr>
-            <a:r>
-              <a:rPr lang="ru-RU" sz="2800" dirty="0" smtClean="0"/>
-              <a:t>	</a:t>
-            </a:r>
-            <a:r>
-              <a:rPr lang="en-US" sz="2800" dirty="0"/>
-              <a:t>void </a:t>
-            </a:r>
-            <a:r>
-              <a:rPr lang="en-US" sz="2800" dirty="0" err="1" smtClean="0"/>
-              <a:t>SetFunction</a:t>
-            </a:r>
-            <a:r>
-              <a:rPr lang="ru-RU" sz="2800" dirty="0" smtClean="0"/>
-              <a:t> </a:t>
-            </a:r>
-            <a:r>
-              <a:rPr lang="en-US" sz="2800" dirty="0" smtClean="0"/>
-              <a:t>(string</a:t>
-            </a:r>
-            <a:r>
-              <a:rPr lang="ru-RU" sz="2800" dirty="0" smtClean="0"/>
-              <a:t> </a:t>
-            </a:r>
-            <a:r>
-              <a:rPr lang="en-US" sz="2800" dirty="0" smtClean="0">
-                <a:solidFill>
-                  <a:srgbClr val="00B050"/>
-                </a:solidFill>
-              </a:rPr>
-              <a:t>Line</a:t>
-            </a:r>
-            <a:r>
-              <a:rPr lang="en-US" sz="2800" dirty="0" smtClean="0"/>
-              <a:t>)</a:t>
-            </a:r>
-            <a:r>
-              <a:rPr lang="ru-RU" sz="2800" dirty="0" smtClean="0"/>
-              <a:t> – проверяет правильность поступившей строки </a:t>
-            </a:r>
-            <a:r>
-              <a:rPr lang="en-US" sz="2800" dirty="0" smtClean="0">
-                <a:solidFill>
-                  <a:srgbClr val="00B050"/>
-                </a:solidFill>
-              </a:rPr>
-              <a:t>Line</a:t>
-            </a:r>
-            <a:r>
-              <a:rPr lang="en-US" sz="2800" dirty="0" smtClean="0"/>
-              <a:t> </a:t>
-            </a:r>
-            <a:r>
-              <a:rPr lang="ru-RU" sz="2800" dirty="0" smtClean="0"/>
-              <a:t>и задает функцию</a:t>
-            </a:r>
-            <a:r>
-              <a:rPr lang="en-US" sz="2800" dirty="0" smtClean="0"/>
-              <a:t>;</a:t>
-            </a:r>
-          </a:p>
-          <a:p>
-            <a:pPr marL="0" indent="0" algn="just">
-              <a:buNone/>
-            </a:pPr>
-            <a:r>
-              <a:rPr lang="en-US" sz="2800" dirty="0"/>
-              <a:t>	double </a:t>
-            </a:r>
-            <a:r>
-              <a:rPr lang="en-US" sz="2800" dirty="0" smtClean="0"/>
-              <a:t>Calculate(double </a:t>
-            </a:r>
-            <a:r>
-              <a:rPr lang="en-US" sz="2800" dirty="0" smtClean="0">
-                <a:solidFill>
-                  <a:srgbClr val="00B050"/>
-                </a:solidFill>
-              </a:rPr>
-              <a:t>x</a:t>
-            </a:r>
-            <a:r>
-              <a:rPr lang="en-US" sz="2800" dirty="0" smtClean="0"/>
-              <a:t>) – </a:t>
-            </a:r>
-            <a:r>
-              <a:rPr lang="ru-RU" sz="2800" dirty="0" smtClean="0"/>
-              <a:t>подсчитывает значение функции в</a:t>
-            </a:r>
-            <a:r>
-              <a:rPr lang="en-US" sz="2800" dirty="0" smtClean="0"/>
-              <a:t> </a:t>
-            </a:r>
-            <a:r>
-              <a:rPr lang="ru-RU" sz="2800" dirty="0" smtClean="0"/>
-              <a:t>точке </a:t>
-            </a:r>
-            <a:r>
-              <a:rPr lang="en-US" sz="2800" dirty="0" smtClean="0">
-                <a:solidFill>
-                  <a:srgbClr val="00B050"/>
-                </a:solidFill>
-              </a:rPr>
-              <a:t>x</a:t>
-            </a:r>
-            <a:r>
-              <a:rPr lang="ru-RU" sz="2800" dirty="0"/>
-              <a:t>.</a:t>
-            </a:r>
-            <a:endParaRPr lang="ru-RU" sz="2800" dirty="0">
-              <a:solidFill>
-                <a:srgbClr val="00B050"/>
-              </a:solidFill>
-            </a:endParaRPr>
+              <a:t>Сами алгоритмы обработки строки взяты из лабораторной работы по дисциплине «Алгоритмы и Структуры Данных» (обработка арифметических выражений).</a:t>
+            </a:r>
+            <a:endParaRPr lang="en-US" sz="2800" dirty="0" smtClean="0"/>
           </a:p>
         </p:txBody>
       </p:sp>
@@ -4293,7 +4162,7 @@
     </p:spTree>
     <p:extLst>
       <p:ext uri="{BB962C8B-B14F-4D97-AF65-F5344CB8AC3E}">
-        <p14:creationId xmlns:p14="http://schemas.microsoft.com/office/powerpoint/2010/main" val="522996795"/>
+        <p14:creationId xmlns:p14="http://schemas.microsoft.com/office/powerpoint/2010/main" val="1957808698"/>
       </p:ext>
     </p:extLst>
   </p:cSld>
@@ -4344,7 +4213,7 @@
           <a:p>
             <a:r>
               <a:rPr lang="ru-RU" dirty="0" smtClean="0"/>
-              <a:t>Хранилище поисковой информации</a:t>
+              <a:t>Класс – ретранслятор. Возможности</a:t>
             </a:r>
             <a:endParaRPr lang="ru-RU" dirty="0"/>
           </a:p>
@@ -4365,24 +4234,198 @@
           <a:bodyPr/>
           <a:lstStyle/>
           <a:p>
-            <a:r>
-              <a:rPr lang="ru-RU" dirty="0" smtClean="0"/>
-              <a:t>Для реализации данной компоненты было предложено рассмотреть несколько структур данных: массив, список, дерево. Проанализировав сложность основных операций пришли к выводу, что для решения нашей задачи понадобится АВЛ-дерево.</a:t>
-            </a:r>
-            <a:r>
-              <a:rPr lang="en-US" dirty="0" smtClean="0"/>
+            <a:pPr algn="just"/>
+            <a:r>
+              <a:rPr lang="ru-RU" sz="2800" dirty="0"/>
+              <a:t>Главное допущение – аргумент функции обозначается </a:t>
+            </a:r>
+            <a:r>
+              <a:rPr lang="ru-RU" sz="2800" dirty="0" smtClean="0"/>
+              <a:t>ТОЛЬКО строчным </a:t>
+            </a:r>
+            <a:r>
+              <a:rPr lang="ru-RU" sz="2800" dirty="0"/>
+              <a:t>символом </a:t>
+            </a:r>
+            <a:r>
+              <a:rPr lang="en-US" sz="2800" dirty="0"/>
+              <a:t>‘x</a:t>
+            </a:r>
+            <a:r>
+              <a:rPr lang="en-US" sz="2800" dirty="0" smtClean="0"/>
+              <a:t>’</a:t>
+            </a:r>
+            <a:r>
+              <a:rPr lang="ru-RU" sz="2800" dirty="0" smtClean="0"/>
+              <a:t>.</a:t>
+            </a:r>
+            <a:endParaRPr lang="ru-RU" sz="2800" dirty="0"/>
+          </a:p>
+          <a:p>
+            <a:pPr algn="just"/>
+            <a:r>
+              <a:rPr lang="ru-RU" sz="2800" dirty="0" smtClean="0"/>
+              <a:t>Поддерживаемые функции: </a:t>
+            </a:r>
+          </a:p>
+          <a:p>
+            <a:pPr marL="0" indent="0" algn="just">
+              <a:buNone/>
+            </a:pPr>
+            <a:r>
+              <a:rPr lang="ru-RU" sz="2800" dirty="0"/>
+              <a:t>	</a:t>
+            </a:r>
+            <a:r>
+              <a:rPr lang="en-US" sz="2800" dirty="0" smtClean="0"/>
+              <a:t>sin(), cos(), </a:t>
+            </a:r>
+            <a:r>
+              <a:rPr lang="en-US" sz="2800" dirty="0" err="1" smtClean="0"/>
+              <a:t>tg</a:t>
+            </a:r>
+            <a:r>
+              <a:rPr lang="en-US" sz="2800" dirty="0" smtClean="0"/>
+              <a:t>(), </a:t>
+            </a:r>
+            <a:r>
+              <a:rPr lang="en-US" sz="2800" dirty="0" err="1" smtClean="0"/>
+              <a:t>ctg</a:t>
+            </a:r>
+            <a:r>
+              <a:rPr lang="en-US" sz="2800" dirty="0" smtClean="0"/>
+              <a:t>(), ln(), abs()</a:t>
+            </a:r>
+            <a:r>
+              <a:rPr lang="ru-RU" sz="2800" dirty="0" smtClean="0"/>
+              <a:t>.</a:t>
+            </a:r>
+          </a:p>
+          <a:p>
+            <a:pPr algn="just"/>
+            <a:r>
+              <a:rPr lang="ru-RU" sz="2800" dirty="0" smtClean="0"/>
+              <a:t>Основные методы:</a:t>
+            </a:r>
+          </a:p>
+          <a:p>
+            <a:pPr marL="0" indent="0" algn="just">
+              <a:buNone/>
+            </a:pPr>
+            <a:r>
+              <a:rPr lang="ru-RU" sz="2800" dirty="0" smtClean="0"/>
+              <a:t>	</a:t>
+            </a:r>
+            <a:r>
+              <a:rPr lang="en-US" sz="2800" dirty="0"/>
+              <a:t>void </a:t>
+            </a:r>
+            <a:r>
+              <a:rPr lang="en-US" sz="2800" dirty="0" err="1" smtClean="0"/>
+              <a:t>SetFunction</a:t>
+            </a:r>
+            <a:r>
+              <a:rPr lang="ru-RU" sz="2800" dirty="0" smtClean="0"/>
               <a:t> </a:t>
             </a:r>
-            <a:endParaRPr lang="ru-RU" dirty="0" smtClean="0"/>
-          </a:p>
-          <a:p>
-            <a:r>
-              <a:rPr lang="ru-RU" dirty="0" smtClean="0"/>
-              <a:t>Выбранная структура данных используется для построения графика введенной функции.</a:t>
-            </a:r>
-          </a:p>
-          <a:p>
-            <a:endParaRPr lang="ru-RU" dirty="0"/>
+            <a:r>
+              <a:rPr lang="en-US" sz="2800" dirty="0" smtClean="0"/>
+              <a:t>(string</a:t>
+            </a:r>
+            <a:r>
+              <a:rPr lang="ru-RU" sz="2800" dirty="0" smtClean="0"/>
+              <a:t> </a:t>
+            </a:r>
+            <a:r>
+              <a:rPr lang="en-US" sz="2800" dirty="0" smtClean="0">
+                <a:solidFill>
+                  <a:srgbClr val="00B050"/>
+                </a:solidFill>
+              </a:rPr>
+              <a:t>Line</a:t>
+            </a:r>
+            <a:r>
+              <a:rPr lang="en-US" sz="2800" dirty="0" smtClean="0"/>
+              <a:t>)</a:t>
+            </a:r>
+            <a:r>
+              <a:rPr lang="ru-RU" sz="2800" dirty="0" smtClean="0"/>
+              <a:t> – проверяет правильность поступившей строки </a:t>
+            </a:r>
+            <a:r>
+              <a:rPr lang="en-US" sz="2800" dirty="0" smtClean="0">
+                <a:solidFill>
+                  <a:srgbClr val="00B050"/>
+                </a:solidFill>
+              </a:rPr>
+              <a:t>Line</a:t>
+            </a:r>
+            <a:r>
+              <a:rPr lang="en-US" sz="2800" dirty="0" smtClean="0"/>
+              <a:t> </a:t>
+            </a:r>
+            <a:r>
+              <a:rPr lang="ru-RU" sz="2800" dirty="0" smtClean="0"/>
+              <a:t>и задает функцию</a:t>
+            </a:r>
+            <a:r>
+              <a:rPr lang="en-US" sz="2800" dirty="0" smtClean="0"/>
+              <a:t>;</a:t>
+            </a:r>
+          </a:p>
+          <a:p>
+            <a:pPr marL="0" indent="0" algn="just">
+              <a:buNone/>
+            </a:pPr>
+            <a:r>
+              <a:rPr lang="en-US" sz="2800" dirty="0"/>
+              <a:t>	double </a:t>
+            </a:r>
+            <a:r>
+              <a:rPr lang="en-US" sz="2800" dirty="0" smtClean="0"/>
+              <a:t>Calculate(double </a:t>
+            </a:r>
+            <a:r>
+              <a:rPr lang="en-US" sz="2800" dirty="0" smtClean="0">
+                <a:solidFill>
+                  <a:srgbClr val="00B050"/>
+                </a:solidFill>
+              </a:rPr>
+              <a:t>x</a:t>
+            </a:r>
+            <a:r>
+              <a:rPr lang="en-US" sz="2800" dirty="0" smtClean="0"/>
+              <a:t>) – </a:t>
+            </a:r>
+            <a:r>
+              <a:rPr lang="ru-RU" sz="2800" dirty="0" smtClean="0"/>
+              <a:t>подсчитывает значение функции в</a:t>
+            </a:r>
+            <a:r>
+              <a:rPr lang="en-US" sz="2800" dirty="0" smtClean="0"/>
+              <a:t> </a:t>
+            </a:r>
+            <a:r>
+              <a:rPr lang="ru-RU" sz="2800" dirty="0" smtClean="0"/>
+              <a:t>точке </a:t>
+            </a:r>
+            <a:r>
+              <a:rPr lang="en-US" sz="2800" dirty="0" smtClean="0">
+                <a:solidFill>
+                  <a:srgbClr val="00B050"/>
+                </a:solidFill>
+              </a:rPr>
+              <a:t>x</a:t>
+            </a:r>
+            <a:r>
+              <a:rPr lang="ru-RU" sz="2800" dirty="0"/>
+              <a:t>.</a:t>
+            </a:r>
+            <a:endParaRPr lang="ru-RU" sz="2800" dirty="0">
+              <a:solidFill>
+                <a:srgbClr val="00B050"/>
+              </a:solidFill>
+            </a:endParaRPr>
           </a:p>
         </p:txBody>
       </p:sp>
@@ -4476,13 +4519,20 @@
     </p:spTree>
     <p:extLst>
       <p:ext uri="{BB962C8B-B14F-4D97-AF65-F5344CB8AC3E}">
-        <p14:creationId xmlns:p14="http://schemas.microsoft.com/office/powerpoint/2010/main" val="3772004211"/>
+        <p14:creationId xmlns:p14="http://schemas.microsoft.com/office/powerpoint/2010/main" val="522996795"/>
       </p:ext>
     </p:extLst>
   </p:cSld>
   <p:clrMapOvr>
     <a:masterClrMapping/>
   </p:clrMapOvr>
+  <p:timing>
+    <p:tnLst>
+      <p:par>
+        <p:cTn id="1" dur="indefinite" restart="never" nodeType="tmRoot"/>
+      </p:par>
+    </p:tnLst>
+  </p:timing>
 </p:sld>
 </file>
 
@@ -4520,6 +4570,182 @@
           <a:p>
             <a:r>
               <a:rPr lang="ru-RU" dirty="0" smtClean="0"/>
+              <a:t>Хранилище поисковой информации</a:t>
+            </a:r>
+            <a:endParaRPr lang="ru-RU" dirty="0"/>
+          </a:p>
+        </p:txBody>
+      </p:sp>
+      <p:sp>
+        <p:nvSpPr>
+          <p:cNvPr id="3" name="Объект 2"/>
+          <p:cNvSpPr>
+            <a:spLocks noGrp="1"/>
+          </p:cNvSpPr>
+          <p:nvPr>
+            <p:ph idx="1"/>
+          </p:nvPr>
+        </p:nvSpPr>
+        <p:spPr/>
+        <p:txBody>
+          <a:bodyPr/>
+          <a:lstStyle/>
+          <a:p>
+            <a:r>
+              <a:rPr lang="ru-RU" dirty="0" smtClean="0"/>
+              <a:t>Для реализации данной компоненты было предложено рассмотреть несколько структур данных: массив, список, дерево. Проанализировав сложность основных операций пришли к выводу, что для решения нашей задачи понадобится АВЛ-дерево.</a:t>
+            </a:r>
+            <a:r>
+              <a:rPr lang="en-US" dirty="0" smtClean="0"/>
+              <a:t> </a:t>
+            </a:r>
+            <a:endParaRPr lang="ru-RU" dirty="0" smtClean="0"/>
+          </a:p>
+          <a:p>
+            <a:r>
+              <a:rPr lang="ru-RU" dirty="0" smtClean="0"/>
+              <a:t>Выбранная структура данных используется для построения графика введенной функции.</a:t>
+            </a:r>
+          </a:p>
+          <a:p>
+            <a:endParaRPr lang="ru-RU" dirty="0"/>
+          </a:p>
+        </p:txBody>
+      </p:sp>
+      <p:sp>
+        <p:nvSpPr>
+          <p:cNvPr id="4" name="Дата 3"/>
+          <p:cNvSpPr>
+            <a:spLocks noGrp="1"/>
+          </p:cNvSpPr>
+          <p:nvPr>
+            <p:ph type="dt" sz="half" idx="2"/>
+          </p:nvPr>
+        </p:nvSpPr>
+        <p:spPr/>
+        <p:txBody>
+          <a:bodyPr/>
+          <a:lstStyle/>
+          <a:p>
+            <a:pPr>
+              <a:lnSpc>
+                <a:spcPct val="150000"/>
+              </a:lnSpc>
+              <a:defRPr/>
+            </a:pPr>
+            <a:r>
+              <a:rPr lang="ru-RU" smtClean="0"/>
+              <a:t>Нижний Новгород, 2017 г.</a:t>
+            </a:r>
+            <a:endParaRPr lang="ru-RU" dirty="0"/>
+          </a:p>
+        </p:txBody>
+      </p:sp>
+      <p:sp>
+        <p:nvSpPr>
+          <p:cNvPr id="5" name="Нижний колонтитул 4"/>
+          <p:cNvSpPr>
+            <a:spLocks noGrp="1"/>
+          </p:cNvSpPr>
+          <p:nvPr>
+            <p:ph type="ftr" sz="quarter" idx="3"/>
+          </p:nvPr>
+        </p:nvSpPr>
+        <p:spPr/>
+        <p:txBody>
+          <a:bodyPr/>
+          <a:lstStyle/>
+          <a:p>
+            <a:pPr>
+              <a:lnSpc>
+                <a:spcPct val="150000"/>
+              </a:lnSpc>
+              <a:defRPr/>
+            </a:pPr>
+            <a:r>
+              <a:rPr lang="ru-RU" smtClean="0"/>
+              <a:t>Мини-проект по глобальной оптимизации</a:t>
+            </a:r>
+            <a:endParaRPr lang="ru-RU" dirty="0" smtClean="0"/>
+          </a:p>
+        </p:txBody>
+      </p:sp>
+      <p:sp>
+        <p:nvSpPr>
+          <p:cNvPr id="6" name="Номер слайда 5"/>
+          <p:cNvSpPr>
+            <a:spLocks noGrp="1"/>
+          </p:cNvSpPr>
+          <p:nvPr>
+            <p:ph type="sldNum" sz="quarter" idx="4"/>
+          </p:nvPr>
+        </p:nvSpPr>
+        <p:spPr/>
+        <p:txBody>
+          <a:bodyPr/>
+          <a:lstStyle/>
+          <a:p>
+            <a:pPr>
+              <a:defRPr/>
+            </a:pPr>
+            <a:fld id="{4F2367BF-7A57-4F5A-B357-719264272D2E}" type="slidenum">
+              <a:rPr lang="ru-RU" smtClean="0"/>
+              <a:pPr>
+                <a:defRPr/>
+              </a:pPr>
+              <a:t>15</a:t>
+            </a:fld>
+            <a:endParaRPr lang="ru-RU" dirty="0"/>
+          </a:p>
+        </p:txBody>
+      </p:sp>
+    </p:spTree>
+    <p:extLst>
+      <p:ext uri="{BB962C8B-B14F-4D97-AF65-F5344CB8AC3E}">
+        <p14:creationId xmlns:p14="http://schemas.microsoft.com/office/powerpoint/2010/main" val="3772004211"/>
+      </p:ext>
+    </p:extLst>
+  </p:cSld>
+  <p:clrMapOvr>
+    <a:masterClrMapping/>
+  </p:clrMapOvr>
+</p:sld>
+</file>
+
+<file path=ppt/slides/slide16.xml><?xml version="1.0" encoding="utf-8"?>
+<p:sld xmlns:a="http://schemas.openxmlformats.org/drawingml/2006/main" xmlns:r="http://schemas.openxmlformats.org/officeDocument/2006/relationships" xmlns:p="http://schemas.openxmlformats.org/presentationml/2006/main">
+  <p:cSld>
+    <p:spTree>
+      <p:nvGrpSpPr>
+        <p:cNvPr id="1" name=""/>
+        <p:cNvGrpSpPr/>
+        <p:nvPr/>
+      </p:nvGrpSpPr>
+      <p:grpSpPr>
+        <a:xfrm>
+          <a:off x="0" y="0"/>
+          <a:ext cx="0" cy="0"/>
+          <a:chOff x="0" y="0"/>
+          <a:chExt cx="0" cy="0"/>
+        </a:xfrm>
+      </p:grpSpPr>
+      <p:sp>
+        <p:nvSpPr>
+          <p:cNvPr id="2" name="Заголовок 1"/>
+          <p:cNvSpPr>
+            <a:spLocks noGrp="1"/>
+          </p:cNvSpPr>
+          <p:nvPr>
+            <p:ph type="title"/>
+          </p:nvPr>
+        </p:nvSpPr>
+        <p:spPr/>
+        <p:txBody>
+          <a:bodyPr/>
+          <a:lstStyle/>
+          <a:p>
+            <a:r>
+              <a:rPr lang="ru-RU" dirty="0" smtClean="0"/>
               <a:t>Выбор структуры хранения на основе сложности операций </a:t>
             </a:r>
             <a:endParaRPr lang="ru-RU" dirty="0"/>
@@ -4555,28 +4781,28 @@
                 <a:gridCol w="2016670">
                   <a:extLst>
                     <a:ext uri="{9D8B030D-6E8A-4147-A177-3AD203B41FA5}">
-                      <a16:colId xmlns="" xmlns:a16="http://schemas.microsoft.com/office/drawing/2014/main" val="4207553952"/>
+                      <a16:colId xmlns:a16="http://schemas.microsoft.com/office/drawing/2014/main" val="4207553952"/>
                     </a:ext>
                   </a:extLst>
                 </a:gridCol>
                 <a:gridCol w="2412268">
                   <a:extLst>
                     <a:ext uri="{9D8B030D-6E8A-4147-A177-3AD203B41FA5}">
-                      <a16:colId xmlns="" xmlns:a16="http://schemas.microsoft.com/office/drawing/2014/main" val="3459842520"/>
+                      <a16:colId xmlns:a16="http://schemas.microsoft.com/office/drawing/2014/main" val="3459842520"/>
                     </a:ext>
                   </a:extLst>
                 </a:gridCol>
                 <a:gridCol w="2412268">
                   <a:extLst>
                     <a:ext uri="{9D8B030D-6E8A-4147-A177-3AD203B41FA5}">
-                      <a16:colId xmlns="" xmlns:a16="http://schemas.microsoft.com/office/drawing/2014/main" val="3968390463"/>
+                      <a16:colId xmlns:a16="http://schemas.microsoft.com/office/drawing/2014/main" val="3968390463"/>
                     </a:ext>
                   </a:extLst>
                 </a:gridCol>
                 <a:gridCol w="2737510">
                   <a:extLst>
                     <a:ext uri="{9D8B030D-6E8A-4147-A177-3AD203B41FA5}">
-                      <a16:colId xmlns="" xmlns:a16="http://schemas.microsoft.com/office/drawing/2014/main" val="2767897215"/>
+                      <a16:colId xmlns:a16="http://schemas.microsoft.com/office/drawing/2014/main" val="2767897215"/>
                     </a:ext>
                   </a:extLst>
                 </a:gridCol>
@@ -4634,7 +4860,7 @@
                 </a:tc>
                 <a:extLst>
                   <a:ext uri="{0D108BD9-81ED-4DB2-BD59-A6C34878D82A}">
-                    <a16:rowId xmlns="" xmlns:a16="http://schemas.microsoft.com/office/drawing/2014/main" val="32717393"/>
+                    <a16:rowId xmlns:a16="http://schemas.microsoft.com/office/drawing/2014/main" val="32717393"/>
                   </a:ext>
                 </a:extLst>
               </a:tr>
@@ -4711,7 +4937,7 @@
                 </a:tc>
                 <a:extLst>
                   <a:ext uri="{0D108BD9-81ED-4DB2-BD59-A6C34878D82A}">
-                    <a16:rowId xmlns="" xmlns:a16="http://schemas.microsoft.com/office/drawing/2014/main" val="1051533820"/>
+                    <a16:rowId xmlns:a16="http://schemas.microsoft.com/office/drawing/2014/main" val="1051533820"/>
                   </a:ext>
                 </a:extLst>
               </a:tr>
@@ -4809,7 +5035,7 @@
                 </a:tc>
                 <a:extLst>
                   <a:ext uri="{0D108BD9-81ED-4DB2-BD59-A6C34878D82A}">
-                    <a16:rowId xmlns="" xmlns:a16="http://schemas.microsoft.com/office/drawing/2014/main" val="1824347035"/>
+                    <a16:rowId xmlns:a16="http://schemas.microsoft.com/office/drawing/2014/main" val="1824347035"/>
                   </a:ext>
                 </a:extLst>
               </a:tr>
@@ -4951,7 +5177,7 @@
                 </a:tc>
                 <a:extLst>
                   <a:ext uri="{0D108BD9-81ED-4DB2-BD59-A6C34878D82A}">
-                    <a16:rowId xmlns="" xmlns:a16="http://schemas.microsoft.com/office/drawing/2014/main" val="861733343"/>
+                    <a16:rowId xmlns:a16="http://schemas.microsoft.com/office/drawing/2014/main" val="861733343"/>
                   </a:ext>
                 </a:extLst>
               </a:tr>
@@ -5081,7 +5307,7 @@
                 </a:tc>
                 <a:extLst>
                   <a:ext uri="{0D108BD9-81ED-4DB2-BD59-A6C34878D82A}">
-                    <a16:rowId xmlns="" xmlns:a16="http://schemas.microsoft.com/office/drawing/2014/main" val="668560827"/>
+                    <a16:rowId xmlns:a16="http://schemas.microsoft.com/office/drawing/2014/main" val="668560827"/>
                   </a:ext>
                 </a:extLst>
               </a:tr>
@@ -5191,7 +5417,7 @@
                 </a:tc>
                 <a:extLst>
                   <a:ext uri="{0D108BD9-81ED-4DB2-BD59-A6C34878D82A}">
-                    <a16:rowId xmlns="" xmlns:a16="http://schemas.microsoft.com/office/drawing/2014/main" val="210191880"/>
+                    <a16:rowId xmlns:a16="http://schemas.microsoft.com/office/drawing/2014/main" val="210191880"/>
                   </a:ext>
                 </a:extLst>
               </a:tr>
@@ -5260,136 +5486,6 @@
       <p:sp>
         <p:nvSpPr>
           <p:cNvPr id="6" name="Номер слайда 5"/>
-          <p:cNvSpPr>
-            <a:spLocks noGrp="1"/>
-          </p:cNvSpPr>
-          <p:nvPr>
-            <p:ph type="sldNum" sz="quarter" idx="4"/>
-          </p:nvPr>
-        </p:nvSpPr>
-        <p:spPr/>
-        <p:txBody>
-          <a:bodyPr/>
-          <a:lstStyle/>
-          <a:p>
-            <a:pPr>
-              <a:defRPr/>
-            </a:pPr>
-            <a:fld id="{4F2367BF-7A57-4F5A-B357-719264272D2E}" type="slidenum">
-              <a:rPr lang="ru-RU" smtClean="0"/>
-              <a:pPr>
-                <a:defRPr/>
-              </a:pPr>
-              <a:t>15</a:t>
-            </a:fld>
-            <a:endParaRPr lang="ru-RU" dirty="0"/>
-          </a:p>
-        </p:txBody>
-      </p:sp>
-    </p:spTree>
-    <p:extLst>
-      <p:ext uri="{BB962C8B-B14F-4D97-AF65-F5344CB8AC3E}">
-        <p14:creationId xmlns:p14="http://schemas.microsoft.com/office/powerpoint/2010/main" val="1390628246"/>
-      </p:ext>
-    </p:extLst>
-  </p:cSld>
-  <p:clrMapOvr>
-    <a:masterClrMapping/>
-  </p:clrMapOvr>
-</p:sld>
-</file>
-
-<file path=ppt/slides/slide16.xml><?xml version="1.0" encoding="utf-8"?>
-<p:sld xmlns:a="http://schemas.openxmlformats.org/drawingml/2006/main" xmlns:r="http://schemas.openxmlformats.org/officeDocument/2006/relationships" xmlns:p="http://schemas.openxmlformats.org/presentationml/2006/main">
-  <p:cSld>
-    <p:spTree>
-      <p:nvGrpSpPr>
-        <p:cNvPr id="1" name=""/>
-        <p:cNvGrpSpPr/>
-        <p:nvPr/>
-      </p:nvGrpSpPr>
-      <p:grpSpPr>
-        <a:xfrm>
-          <a:off x="0" y="0"/>
-          <a:ext cx="0" cy="0"/>
-          <a:chOff x="0" y="0"/>
-          <a:chExt cx="0" cy="0"/>
-        </a:xfrm>
-      </p:grpSpPr>
-      <p:sp>
-        <p:nvSpPr>
-          <p:cNvPr id="2" name="Заголовок 1"/>
-          <p:cNvSpPr>
-            <a:spLocks noGrp="1"/>
-          </p:cNvSpPr>
-          <p:nvPr>
-            <p:ph type="title"/>
-          </p:nvPr>
-        </p:nvSpPr>
-        <p:spPr/>
-        <p:txBody>
-          <a:bodyPr/>
-          <a:lstStyle/>
-          <a:p>
-            <a:r>
-              <a:rPr lang="ru-RU" dirty="0" smtClean="0"/>
-              <a:t>Результаты </a:t>
-            </a:r>
-            <a:r>
-              <a:rPr lang="ru-RU" dirty="0"/>
-              <a:t>вычислительных экспериментов</a:t>
-            </a:r>
-          </a:p>
-        </p:txBody>
-      </p:sp>
-      <p:sp>
-        <p:nvSpPr>
-          <p:cNvPr id="3" name="Содержимое 2"/>
-          <p:cNvSpPr>
-            <a:spLocks noGrp="1"/>
-          </p:cNvSpPr>
-          <p:nvPr>
-            <p:ph idx="1"/>
-          </p:nvPr>
-        </p:nvSpPr>
-        <p:spPr/>
-        <p:txBody>
-          <a:bodyPr/>
-          <a:lstStyle/>
-          <a:p>
-            <a:endParaRPr lang="ru-RU" dirty="0" smtClean="0"/>
-          </a:p>
-        </p:txBody>
-      </p:sp>
-      <p:sp>
-        <p:nvSpPr>
-          <p:cNvPr id="6" name="Дата 5"/>
-          <p:cNvSpPr>
-            <a:spLocks noGrp="1"/>
-          </p:cNvSpPr>
-          <p:nvPr>
-            <p:ph type="dt" sz="half" idx="2"/>
-          </p:nvPr>
-        </p:nvSpPr>
-        <p:spPr/>
-        <p:txBody>
-          <a:bodyPr/>
-          <a:lstStyle/>
-          <a:p>
-            <a:pPr>
-              <a:defRPr/>
-            </a:pPr>
-            <a:r>
-              <a:rPr lang="ru-RU" smtClean="0"/>
-              <a:t>Нижний Новгород, 2017 г.</a:t>
-            </a:r>
-            <a:endParaRPr lang="ru-RU" dirty="0"/>
-          </a:p>
-        </p:txBody>
-      </p:sp>
-      <p:sp>
-        <p:nvSpPr>
-          <p:cNvPr id="7" name="Номер слайда 6"/>
           <p:cNvSpPr>
             <a:spLocks noGrp="1"/>
           </p:cNvSpPr>
@@ -5416,36 +5512,10 @@
           </a:p>
         </p:txBody>
       </p:sp>
-      <p:sp>
-        <p:nvSpPr>
-          <p:cNvPr id="8" name="Нижний колонтитул 7"/>
-          <p:cNvSpPr>
-            <a:spLocks noGrp="1"/>
-          </p:cNvSpPr>
-          <p:nvPr>
-            <p:ph type="ftr" sz="quarter" idx="3"/>
-          </p:nvPr>
-        </p:nvSpPr>
-        <p:spPr/>
-        <p:txBody>
-          <a:bodyPr/>
-          <a:lstStyle/>
-          <a:p>
-            <a:pPr>
-              <a:defRPr/>
-            </a:pPr>
-            <a:r>
-              <a:rPr lang="ru-RU" smtClean="0"/>
-              <a:t>Мини-проект по глобальной оптимизации</a:t>
-            </a:r>
-            <a:endParaRPr lang="ru-RU" dirty="0"/>
-          </a:p>
-        </p:txBody>
-      </p:sp>
     </p:spTree>
     <p:extLst>
       <p:ext uri="{BB962C8B-B14F-4D97-AF65-F5344CB8AC3E}">
-        <p14:creationId xmlns:p14="http://schemas.microsoft.com/office/powerpoint/2010/main" val="49049457"/>
+        <p14:creationId xmlns:p14="http://schemas.microsoft.com/office/powerpoint/2010/main" val="1390628246"/>
       </p:ext>
     </p:extLst>
   </p:cSld>
@@ -5489,9 +5559,12 @@
           <a:p>
             <a:r>
               <a:rPr lang="ru-RU" dirty="0" smtClean="0"/>
-              <a:t>Спасибо за внимание!</a:t>
-            </a:r>
-            <a:endParaRPr lang="en-US" dirty="0"/>
+              <a:t>Результаты </a:t>
+            </a:r>
+            <a:r>
+              <a:rPr lang="ru-RU" dirty="0"/>
+              <a:t>вычислительных экспериментов</a:t>
+            </a:r>
           </a:p>
         </p:txBody>
       </p:sp>
@@ -5510,30 +5583,7 @@
           <a:bodyPr/>
           <a:lstStyle/>
           <a:p>
-            <a:pPr algn="just"/>
             <a:endParaRPr lang="ru-RU" dirty="0" smtClean="0"/>
-          </a:p>
-          <a:p>
-            <a:pPr algn="just"/>
-            <a:endParaRPr lang="ru-RU" dirty="0"/>
-          </a:p>
-          <a:p>
-            <a:pPr algn="just"/>
-            <a:endParaRPr lang="ru-RU" dirty="0" smtClean="0"/>
-          </a:p>
-          <a:p>
-            <a:pPr algn="just"/>
-            <a:endParaRPr lang="ru-RU" dirty="0"/>
-          </a:p>
-          <a:p>
-            <a:pPr marL="0" indent="0" algn="ctr">
-              <a:buNone/>
-            </a:pPr>
-            <a:r>
-              <a:rPr lang="ru-RU" sz="3600" dirty="0" smtClean="0"/>
-              <a:t>Вопросы?</a:t>
-            </a:r>
-            <a:endParaRPr lang="en-US" sz="3600" dirty="0"/>
           </a:p>
         </p:txBody>
       </p:sp>
@@ -5587,6 +5637,182 @@
                 <a:defRPr/>
               </a:pPr>
               <a:t>17</a:t>
+            </a:fld>
+            <a:endParaRPr lang="ru-RU" dirty="0"/>
+          </a:p>
+        </p:txBody>
+      </p:sp>
+      <p:sp>
+        <p:nvSpPr>
+          <p:cNvPr id="8" name="Нижний колонтитул 7"/>
+          <p:cNvSpPr>
+            <a:spLocks noGrp="1"/>
+          </p:cNvSpPr>
+          <p:nvPr>
+            <p:ph type="ftr" sz="quarter" idx="3"/>
+          </p:nvPr>
+        </p:nvSpPr>
+        <p:spPr/>
+        <p:txBody>
+          <a:bodyPr/>
+          <a:lstStyle/>
+          <a:p>
+            <a:pPr>
+              <a:defRPr/>
+            </a:pPr>
+            <a:r>
+              <a:rPr lang="ru-RU" smtClean="0"/>
+              <a:t>Мини-проект по глобальной оптимизации</a:t>
+            </a:r>
+            <a:endParaRPr lang="ru-RU" dirty="0"/>
+          </a:p>
+        </p:txBody>
+      </p:sp>
+    </p:spTree>
+    <p:extLst>
+      <p:ext uri="{BB962C8B-B14F-4D97-AF65-F5344CB8AC3E}">
+        <p14:creationId xmlns:p14="http://schemas.microsoft.com/office/powerpoint/2010/main" val="49049457"/>
+      </p:ext>
+    </p:extLst>
+  </p:cSld>
+  <p:clrMapOvr>
+    <a:masterClrMapping/>
+  </p:clrMapOvr>
+</p:sld>
+</file>
+
+<file path=ppt/slides/slide18.xml><?xml version="1.0" encoding="utf-8"?>
+<p:sld xmlns:a="http://schemas.openxmlformats.org/drawingml/2006/main" xmlns:r="http://schemas.openxmlformats.org/officeDocument/2006/relationships" xmlns:p="http://schemas.openxmlformats.org/presentationml/2006/main">
+  <p:cSld>
+    <p:spTree>
+      <p:nvGrpSpPr>
+        <p:cNvPr id="1" name=""/>
+        <p:cNvGrpSpPr/>
+        <p:nvPr/>
+      </p:nvGrpSpPr>
+      <p:grpSpPr>
+        <a:xfrm>
+          <a:off x="0" y="0"/>
+          <a:ext cx="0" cy="0"/>
+          <a:chOff x="0" y="0"/>
+          <a:chExt cx="0" cy="0"/>
+        </a:xfrm>
+      </p:grpSpPr>
+      <p:sp>
+        <p:nvSpPr>
+          <p:cNvPr id="2" name="Заголовок 1"/>
+          <p:cNvSpPr>
+            <a:spLocks noGrp="1"/>
+          </p:cNvSpPr>
+          <p:nvPr>
+            <p:ph type="title"/>
+          </p:nvPr>
+        </p:nvSpPr>
+        <p:spPr/>
+        <p:txBody>
+          <a:bodyPr/>
+          <a:lstStyle/>
+          <a:p>
+            <a:r>
+              <a:rPr lang="ru-RU" dirty="0" smtClean="0"/>
+              <a:t>Спасибо за внимание!</a:t>
+            </a:r>
+            <a:endParaRPr lang="en-US" dirty="0"/>
+          </a:p>
+        </p:txBody>
+      </p:sp>
+      <p:sp>
+        <p:nvSpPr>
+          <p:cNvPr id="3" name="Содержимое 2"/>
+          <p:cNvSpPr>
+            <a:spLocks noGrp="1"/>
+          </p:cNvSpPr>
+          <p:nvPr>
+            <p:ph idx="1"/>
+          </p:nvPr>
+        </p:nvSpPr>
+        <p:spPr/>
+        <p:txBody>
+          <a:bodyPr/>
+          <a:lstStyle/>
+          <a:p>
+            <a:pPr algn="just"/>
+            <a:endParaRPr lang="ru-RU" dirty="0" smtClean="0"/>
+          </a:p>
+          <a:p>
+            <a:pPr algn="just"/>
+            <a:endParaRPr lang="ru-RU" dirty="0"/>
+          </a:p>
+          <a:p>
+            <a:pPr algn="just"/>
+            <a:endParaRPr lang="ru-RU" dirty="0" smtClean="0"/>
+          </a:p>
+          <a:p>
+            <a:pPr algn="just"/>
+            <a:endParaRPr lang="ru-RU" dirty="0"/>
+          </a:p>
+          <a:p>
+            <a:pPr marL="0" indent="0" algn="ctr">
+              <a:buNone/>
+            </a:pPr>
+            <a:r>
+              <a:rPr lang="ru-RU" sz="3600" dirty="0" smtClean="0"/>
+              <a:t>Вопросы?</a:t>
+            </a:r>
+            <a:endParaRPr lang="en-US" sz="3600" dirty="0"/>
+          </a:p>
+        </p:txBody>
+      </p:sp>
+      <p:sp>
+        <p:nvSpPr>
+          <p:cNvPr id="6" name="Дата 5"/>
+          <p:cNvSpPr>
+            <a:spLocks noGrp="1"/>
+          </p:cNvSpPr>
+          <p:nvPr>
+            <p:ph type="dt" sz="half" idx="2"/>
+          </p:nvPr>
+        </p:nvSpPr>
+        <p:spPr/>
+        <p:txBody>
+          <a:bodyPr/>
+          <a:lstStyle/>
+          <a:p>
+            <a:pPr>
+              <a:defRPr/>
+            </a:pPr>
+            <a:r>
+              <a:rPr lang="ru-RU" smtClean="0"/>
+              <a:t>Нижний Новгород, 2017 г.</a:t>
+            </a:r>
+            <a:endParaRPr lang="ru-RU" dirty="0"/>
+          </a:p>
+        </p:txBody>
+      </p:sp>
+      <p:sp>
+        <p:nvSpPr>
+          <p:cNvPr id="7" name="Номер слайда 6"/>
+          <p:cNvSpPr>
+            <a:spLocks noGrp="1"/>
+          </p:cNvSpPr>
+          <p:nvPr>
+            <p:ph type="sldNum" sz="quarter" idx="4"/>
+          </p:nvPr>
+        </p:nvSpPr>
+        <p:spPr/>
+        <p:txBody>
+          <a:bodyPr/>
+          <a:lstStyle/>
+          <a:p>
+            <a:pPr>
+              <a:defRPr/>
+            </a:pPr>
+            <a:fld id="{4F2367BF-7A57-4F5A-B357-719264272D2E}" type="slidenum">
+              <a:rPr lang="ru-RU" smtClean="0"/>
+              <a:pPr>
+                <a:defRPr/>
+              </a:pPr>
+              <a:t>18</a:t>
             </a:fld>
             <a:endParaRPr lang="ru-RU" dirty="0"/>
           </a:p>
@@ -6204,15 +6430,7 @@
           <a:p>
             <a:r>
               <a:rPr lang="ru-RU" sz="2800" dirty="0" smtClean="0"/>
-              <a:t>Используемые численные методы поиска глобального минимума </a:t>
-            </a:r>
-            <a:r>
-              <a:rPr lang="ru-RU" sz="2800" dirty="0" smtClean="0"/>
-              <a:t>являются </a:t>
-            </a:r>
-            <a:r>
-              <a:rPr lang="ru-RU" sz="2800" dirty="0" smtClean="0"/>
-              <a:t>характеристическими.</a:t>
+              <a:t>Используемые численные методы поиска глобального минимума являются характеристическими.</a:t>
             </a:r>
           </a:p>
           <a:p>
@@ -6225,11 +6443,7 @@
             <a:pPr lvl="1"/>
             <a:r>
               <a:rPr lang="ru-RU" sz="2800" dirty="0" smtClean="0"/>
-              <a:t>Алгоритм </a:t>
-            </a:r>
-            <a:r>
-              <a:rPr lang="ru-RU" sz="2800" dirty="0" smtClean="0"/>
-              <a:t>глобального поиска;</a:t>
+              <a:t>Алгоритм глобального поиска;</a:t>
             </a:r>
           </a:p>
           <a:p>

--- a/storage structure.pptx
+++ b/storage structure.pptx
@@ -5,7 +5,7 @@
     <p:sldMasterId id="2147483660" r:id="rId1"/>
   </p:sldMasterIdLst>
   <p:notesMasterIdLst>
-    <p:notesMasterId r:id="rId20"/>
+    <p:notesMasterId r:id="rId21"/>
   </p:notesMasterIdLst>
   <p:sldIdLst>
     <p:sldId id="272" r:id="rId2"/>
@@ -14,18 +14,19 @@
     <p:sldId id="283" r:id="rId5"/>
     <p:sldId id="296" r:id="rId6"/>
     <p:sldId id="295" r:id="rId7"/>
-    <p:sldId id="289" r:id="rId8"/>
-    <p:sldId id="290" r:id="rId9"/>
-    <p:sldId id="285" r:id="rId10"/>
-    <p:sldId id="294" r:id="rId11"/>
-    <p:sldId id="297" r:id="rId12"/>
-    <p:sldId id="291" r:id="rId13"/>
-    <p:sldId id="292" r:id="rId14"/>
-    <p:sldId id="293" r:id="rId15"/>
-    <p:sldId id="287" r:id="rId16"/>
-    <p:sldId id="288" r:id="rId17"/>
-    <p:sldId id="284" r:id="rId18"/>
-    <p:sldId id="282" r:id="rId19"/>
+    <p:sldId id="298" r:id="rId8"/>
+    <p:sldId id="289" r:id="rId9"/>
+    <p:sldId id="290" r:id="rId10"/>
+    <p:sldId id="285" r:id="rId11"/>
+    <p:sldId id="294" r:id="rId12"/>
+    <p:sldId id="297" r:id="rId13"/>
+    <p:sldId id="291" r:id="rId14"/>
+    <p:sldId id="292" r:id="rId15"/>
+    <p:sldId id="293" r:id="rId16"/>
+    <p:sldId id="287" r:id="rId17"/>
+    <p:sldId id="288" r:id="rId18"/>
+    <p:sldId id="284" r:id="rId19"/>
+    <p:sldId id="282" r:id="rId20"/>
   </p:sldIdLst>
   <p:sldSz cx="9906000" cy="6858000" type="A4"/>
   <p:notesSz cx="6858000" cy="9144000"/>
@@ -3330,7 +3331,7 @@
           <a:p>
             <a:r>
               <a:rPr lang="ru-RU" dirty="0" smtClean="0"/>
-              <a:t>Интерфейс</a:t>
+              <a:t>Реализация компонент</a:t>
             </a:r>
             <a:endParaRPr lang="ru-RU" dirty="0"/>
           </a:p>
@@ -3351,72 +3352,7 @@
           <a:bodyPr/>
           <a:lstStyle/>
           <a:p>
-            <a:r>
-              <a:rPr lang="ru-RU" dirty="0" smtClean="0"/>
-              <a:t>Проанализировав поставленную задачу, из двух </a:t>
-            </a:r>
-            <a:r>
-              <a:rPr lang="ru-RU" dirty="0"/>
-              <a:t>языков программирования (С++</a:t>
-            </a:r>
-            <a:r>
-              <a:rPr lang="en-US" dirty="0"/>
-              <a:t>/C#</a:t>
-            </a:r>
-            <a:r>
-              <a:rPr lang="ru-RU" dirty="0"/>
-              <a:t>), </a:t>
-            </a:r>
-            <a:r>
-              <a:rPr lang="ru-RU" dirty="0" smtClean="0"/>
-              <a:t>с помощью которых возможно реализовать графический интерфейс программы, был выбран язык </a:t>
-            </a:r>
-            <a:r>
-              <a:rPr lang="en-US" dirty="0" smtClean="0"/>
-              <a:t>C#</a:t>
-            </a:r>
-            <a:r>
-              <a:rPr lang="ru-RU" dirty="0" smtClean="0"/>
-              <a:t>, так как с его помощью проще реализовать данную компоненту программ</a:t>
-            </a:r>
-            <a:r>
-              <a:rPr lang="ru-RU" dirty="0"/>
-              <a:t>ы</a:t>
-            </a:r>
-            <a:r>
-              <a:rPr lang="ru-RU" dirty="0" smtClean="0"/>
-              <a:t>.</a:t>
-            </a:r>
-          </a:p>
-          <a:p>
-            <a:r>
-              <a:rPr lang="ru-RU" dirty="0" smtClean="0"/>
-              <a:t>Так же был </a:t>
-            </a:r>
-            <a:r>
-              <a:rPr lang="ru-RU" dirty="0"/>
-              <a:t>использован интерфейс программирования приложений (API), отвечающий за графический интерфейс </a:t>
-            </a:r>
-            <a:r>
-              <a:rPr lang="ru-RU" dirty="0" smtClean="0"/>
-              <a:t>пользователя, </a:t>
-            </a:r>
-            <a:r>
-              <a:rPr lang="ru-RU" dirty="0" err="1"/>
-              <a:t>Windows</a:t>
-            </a:r>
-            <a:r>
-              <a:rPr lang="ru-RU" dirty="0"/>
-              <a:t> </a:t>
-            </a:r>
-            <a:r>
-              <a:rPr lang="ru-RU" dirty="0" err="1" smtClean="0"/>
-              <a:t>Forms</a:t>
-            </a:r>
-            <a:r>
-              <a:rPr lang="ru-RU" dirty="0"/>
-              <a:t>.</a:t>
-            </a:r>
+            <a:endParaRPr lang="ru-RU" dirty="0" smtClean="0"/>
           </a:p>
         </p:txBody>
       </p:sp>
@@ -3504,7 +3440,7 @@
     </p:spTree>
     <p:extLst>
       <p:ext uri="{BB962C8B-B14F-4D97-AF65-F5344CB8AC3E}">
-        <p14:creationId xmlns:p14="http://schemas.microsoft.com/office/powerpoint/2010/main" val="1538381172"/>
+        <p14:creationId xmlns:p14="http://schemas.microsoft.com/office/powerpoint/2010/main" val="1020934698"/>
       </p:ext>
     </p:extLst>
   </p:cSld>
@@ -3548,7 +3484,7 @@
           <a:p>
             <a:r>
               <a:rPr lang="ru-RU" dirty="0" smtClean="0"/>
-              <a:t>Визуализация</a:t>
+              <a:t>Интерфейс</a:t>
             </a:r>
             <a:endParaRPr lang="ru-RU" dirty="0"/>
           </a:p>
@@ -3556,7 +3492,7 @@
       </p:sp>
       <p:sp>
         <p:nvSpPr>
-          <p:cNvPr id="3" name="Объект 2"/>
+          <p:cNvPr id="3" name="Содержимое 2"/>
           <p:cNvSpPr>
             <a:spLocks noGrp="1"/>
           </p:cNvSpPr>
@@ -3571,77 +3507,76 @@
           <a:p>
             <a:r>
               <a:rPr lang="ru-RU" dirty="0" smtClean="0"/>
-              <a:t>В качестве визуализации графика функции была использована стандартная компонента </a:t>
+              <a:t>Проанализировав поставленную задачу, из двух </a:t>
+            </a:r>
+            <a:r>
+              <a:rPr lang="ru-RU" dirty="0"/>
+              <a:t>языков программирования (С++</a:t>
+            </a:r>
+            <a:r>
+              <a:rPr lang="en-US" dirty="0"/>
+              <a:t>/C#</a:t>
+            </a:r>
+            <a:r>
+              <a:rPr lang="ru-RU" dirty="0"/>
+              <a:t>), </a:t>
+            </a:r>
+            <a:r>
+              <a:rPr lang="ru-RU" dirty="0" smtClean="0"/>
+              <a:t>с помощью которых возможно реализовать графический интерфейс программы, был выбран язык </a:t>
             </a:r>
             <a:r>
               <a:rPr lang="en-US" dirty="0" smtClean="0"/>
-              <a:t>Graphics</a:t>
-            </a:r>
-          </a:p>
-          <a:p>
+              <a:t>C#</a:t>
+            </a:r>
             <a:r>
               <a:rPr lang="ru-RU" dirty="0" smtClean="0"/>
-              <a:t>Для отображения графика был выбран элемент </a:t>
-            </a:r>
-            <a:r>
-              <a:rPr lang="en-US" dirty="0" smtClean="0"/>
-              <a:t>Panel</a:t>
-            </a:r>
-          </a:p>
-          <a:p>
+              <a:t>, так как с его помощью проще реализовать данную компоненту программ</a:t>
+            </a:r>
+            <a:r>
+              <a:rPr lang="ru-RU" dirty="0"/>
+              <a:t>ы</a:t>
+            </a:r>
             <a:r>
               <a:rPr lang="ru-RU" dirty="0" smtClean="0"/>
-              <a:t>Изображение осей</a:t>
-            </a:r>
-            <a:r>
-              <a:rPr lang="en-US" dirty="0" smtClean="0"/>
-              <a:t>: </a:t>
-            </a:r>
+              <a:t>.</a:t>
+            </a:r>
+          </a:p>
+          <a:p>
             <a:r>
               <a:rPr lang="ru-RU" dirty="0" smtClean="0"/>
-              <a:t>статически, динамически.</a:t>
-            </a:r>
-          </a:p>
-          <a:p>
+              <a:t>Так же был </a:t>
+            </a:r>
+            <a:r>
+              <a:rPr lang="ru-RU" dirty="0"/>
+              <a:t>использован интерфейс программирования приложений (API), отвечающий за графический интерфейс </a:t>
+            </a:r>
             <a:r>
               <a:rPr lang="ru-RU" dirty="0" smtClean="0"/>
-              <a:t>Изображение графика</a:t>
-            </a:r>
-            <a:r>
-              <a:rPr lang="en-US" dirty="0" smtClean="0"/>
-              <a:t>: </a:t>
-            </a:r>
-            <a:r>
-              <a:rPr lang="ru-RU" dirty="0" smtClean="0"/>
-              <a:t>масштабируется под размер </a:t>
-            </a:r>
-            <a:r>
-              <a:rPr lang="en-US" dirty="0" smtClean="0"/>
-              <a:t>Panel.</a:t>
-            </a:r>
-          </a:p>
-          <a:p>
-            <a:r>
-              <a:rPr lang="ru-RU" dirty="0" smtClean="0"/>
-              <a:t>Изображение точек</a:t>
-            </a:r>
-            <a:r>
-              <a:rPr lang="en-US" dirty="0" smtClean="0"/>
-              <a:t>: </a:t>
-            </a:r>
-            <a:r>
-              <a:rPr lang="ru-RU" dirty="0" smtClean="0"/>
-              <a:t>на графике, на осях.</a:t>
-            </a:r>
-          </a:p>
-          <a:p>
-            <a:endParaRPr lang="ru-RU" dirty="0"/>
-          </a:p>
-        </p:txBody>
-      </p:sp>
-      <p:sp>
-        <p:nvSpPr>
-          <p:cNvPr id="4" name="Дата 3"/>
+              <a:t>пользователя, </a:t>
+            </a:r>
+            <a:r>
+              <a:rPr lang="ru-RU" dirty="0" err="1"/>
+              <a:t>Windows</a:t>
+            </a:r>
+            <a:r>
+              <a:rPr lang="ru-RU" dirty="0"/>
+              <a:t> </a:t>
+            </a:r>
+            <a:r>
+              <a:rPr lang="ru-RU" dirty="0" err="1" smtClean="0"/>
+              <a:t>Forms</a:t>
+            </a:r>
+            <a:r>
+              <a:rPr lang="ru-RU" dirty="0"/>
+              <a:t>.</a:t>
+            </a:r>
+          </a:p>
+        </p:txBody>
+      </p:sp>
+      <p:sp>
+        <p:nvSpPr>
+          <p:cNvPr id="6" name="Дата 5"/>
           <p:cNvSpPr>
             <a:spLocks noGrp="1"/>
           </p:cNvSpPr>
@@ -3655,9 +3590,6 @@
           <a:lstStyle/>
           <a:p>
             <a:pPr>
-              <a:lnSpc>
-                <a:spcPct val="150000"/>
-              </a:lnSpc>
               <a:defRPr/>
             </a:pPr>
             <a:r>
@@ -3670,36 +3602,7 @@
       </p:sp>
       <p:sp>
         <p:nvSpPr>
-          <p:cNvPr id="5" name="Нижний колонтитул 4"/>
-          <p:cNvSpPr>
-            <a:spLocks noGrp="1"/>
-          </p:cNvSpPr>
-          <p:nvPr>
-            <p:ph type="ftr" sz="quarter" idx="3"/>
-          </p:nvPr>
-        </p:nvSpPr>
-        <p:spPr/>
-        <p:txBody>
-          <a:bodyPr/>
-          <a:lstStyle/>
-          <a:p>
-            <a:pPr>
-              <a:lnSpc>
-                <a:spcPct val="150000"/>
-              </a:lnSpc>
-              <a:defRPr/>
-            </a:pPr>
-            <a:r>
-              <a:rPr lang="ru-RU" smtClean="0"/>
-              <a:t>Мини-проект по глобальной оптимизации</a:t>
-            </a:r>
-            <a:endParaRPr lang="ru-RU" dirty="0" smtClean="0"/>
-          </a:p>
-        </p:txBody>
-      </p:sp>
-      <p:sp>
-        <p:nvSpPr>
-          <p:cNvPr id="6" name="Номер слайда 5"/>
+          <p:cNvPr id="7" name="Номер слайда 6"/>
           <p:cNvSpPr>
             <a:spLocks noGrp="1"/>
           </p:cNvSpPr>
@@ -3726,10 +3629,36 @@
           </a:p>
         </p:txBody>
       </p:sp>
+      <p:sp>
+        <p:nvSpPr>
+          <p:cNvPr id="8" name="Нижний колонтитул 7"/>
+          <p:cNvSpPr>
+            <a:spLocks noGrp="1"/>
+          </p:cNvSpPr>
+          <p:nvPr>
+            <p:ph type="ftr" sz="quarter" idx="3"/>
+          </p:nvPr>
+        </p:nvSpPr>
+        <p:spPr/>
+        <p:txBody>
+          <a:bodyPr/>
+          <a:lstStyle/>
+          <a:p>
+            <a:pPr>
+              <a:defRPr/>
+            </a:pPr>
+            <a:r>
+              <a:rPr lang="ru-RU" smtClean="0"/>
+              <a:t>Мини-проект по глобальной оптимизации</a:t>
+            </a:r>
+            <a:endParaRPr lang="ru-RU" dirty="0"/>
+          </a:p>
+        </p:txBody>
+      </p:sp>
     </p:spTree>
     <p:extLst>
       <p:ext uri="{BB962C8B-B14F-4D97-AF65-F5344CB8AC3E}">
-        <p14:creationId xmlns:p14="http://schemas.microsoft.com/office/powerpoint/2010/main" val="3102399647"/>
+        <p14:creationId xmlns:p14="http://schemas.microsoft.com/office/powerpoint/2010/main" val="1538381172"/>
       </p:ext>
     </p:extLst>
   </p:cSld>
@@ -3773,7 +3702,7 @@
           <a:p>
             <a:r>
               <a:rPr lang="ru-RU" dirty="0" smtClean="0"/>
-              <a:t>Класс - ретранслятор</a:t>
+              <a:t>Визуализация</a:t>
             </a:r>
             <a:endParaRPr lang="ru-RU" dirty="0"/>
           </a:p>
@@ -3795,73 +3724,72 @@
           <a:lstStyle/>
           <a:p>
             <a:r>
-              <a:rPr lang="ru-RU" sz="2800" dirty="0" smtClean="0"/>
-              <a:t>Суть класса:</a:t>
-            </a:r>
-          </a:p>
-          <a:p>
-            <a:pPr marL="0" indent="0">
-              <a:buNone/>
-            </a:pPr>
-            <a:r>
-              <a:rPr lang="ru-RU" sz="2800" dirty="0"/>
-              <a:t>	</a:t>
-            </a:r>
-            <a:r>
-              <a:rPr lang="ru-RU" sz="2800" dirty="0" smtClean="0"/>
-              <a:t>Работает со строкой, задаваемой пользователем</a:t>
-            </a:r>
-            <a:r>
-              <a:rPr lang="en-US" sz="2800" dirty="0" smtClean="0"/>
-              <a:t> </a:t>
-            </a:r>
-            <a:r>
-              <a:rPr lang="ru-RU" sz="2800" dirty="0" smtClean="0"/>
-              <a:t>в поле ввода функции.</a:t>
-            </a:r>
-          </a:p>
-          <a:p>
-            <a:pPr marL="0" indent="0">
-              <a:buNone/>
-            </a:pPr>
-            <a:endParaRPr lang="ru-RU" sz="2800" dirty="0" smtClean="0"/>
-          </a:p>
-          <a:p>
-            <a:r>
-              <a:rPr lang="ru-RU" sz="2800" dirty="0" smtClean="0"/>
-              <a:t>Что делает:</a:t>
-            </a:r>
-          </a:p>
-          <a:p>
-            <a:pPr marL="0" indent="0">
-              <a:buNone/>
-            </a:pPr>
-            <a:r>
-              <a:rPr lang="ru-RU" sz="2800" dirty="0"/>
-              <a:t>	</a:t>
-            </a:r>
-            <a:r>
-              <a:rPr lang="ru-RU" sz="2800" dirty="0" smtClean="0"/>
-              <a:t>1) переводит строку, содержащую функцию в инфиксном в виде, в постфиксный;</a:t>
-            </a:r>
-          </a:p>
-          <a:p>
-            <a:pPr marL="0" indent="0">
-              <a:buNone/>
-            </a:pPr>
-            <a:r>
-              <a:rPr lang="ru-RU" sz="2800" dirty="0"/>
-              <a:t>	</a:t>
-            </a:r>
-            <a:r>
-              <a:rPr lang="ru-RU" sz="2800" dirty="0" smtClean="0"/>
-              <a:t>2) считает значение функции при заданном аргументе </a:t>
-            </a:r>
-            <a:r>
-              <a:rPr lang="en-US" sz="2800" dirty="0" smtClean="0"/>
-              <a:t>‘x’.</a:t>
-            </a:r>
-            <a:endParaRPr lang="ru-RU" sz="2800" dirty="0"/>
+              <a:rPr lang="ru-RU" dirty="0" smtClean="0"/>
+              <a:t>В качестве визуализации графика функции была использована стандартная компонента </a:t>
+            </a:r>
+            <a:r>
+              <a:rPr lang="en-US" dirty="0" smtClean="0"/>
+              <a:t>Graphics</a:t>
+            </a:r>
+          </a:p>
+          <a:p>
+            <a:r>
+              <a:rPr lang="ru-RU" dirty="0" smtClean="0"/>
+              <a:t>Для отображения графика был выбран элемент </a:t>
+            </a:r>
+            <a:r>
+              <a:rPr lang="en-US" dirty="0" smtClean="0"/>
+              <a:t>Panel</a:t>
+            </a:r>
+          </a:p>
+          <a:p>
+            <a:r>
+              <a:rPr lang="ru-RU" dirty="0" smtClean="0"/>
+              <a:t>Изображение осей</a:t>
+            </a:r>
+            <a:r>
+              <a:rPr lang="en-US" dirty="0" smtClean="0"/>
+              <a:t>: </a:t>
+            </a:r>
+            <a:r>
+              <a:rPr lang="ru-RU" dirty="0" smtClean="0"/>
+              <a:t>статически, динамически.</a:t>
+            </a:r>
+          </a:p>
+          <a:p>
+            <a:r>
+              <a:rPr lang="ru-RU" dirty="0" smtClean="0"/>
+              <a:t>Изображение графика</a:t>
+            </a:r>
+            <a:r>
+              <a:rPr lang="en-US" dirty="0" smtClean="0"/>
+              <a:t>: </a:t>
+            </a:r>
+            <a:r>
+              <a:rPr lang="ru-RU" dirty="0" smtClean="0"/>
+              <a:t>масштабируется под размер </a:t>
+            </a:r>
+            <a:r>
+              <a:rPr lang="en-US" dirty="0" smtClean="0"/>
+              <a:t>Panel.</a:t>
+            </a:r>
+          </a:p>
+          <a:p>
+            <a:r>
+              <a:rPr lang="ru-RU" dirty="0" smtClean="0"/>
+              <a:t>Изображение точек</a:t>
+            </a:r>
+            <a:r>
+              <a:rPr lang="en-US" dirty="0" smtClean="0"/>
+              <a:t>: </a:t>
+            </a:r>
+            <a:r>
+              <a:rPr lang="ru-RU" dirty="0" smtClean="0"/>
+              <a:t>на графике, на осях.</a:t>
+            </a:r>
+          </a:p>
+          <a:p>
+            <a:endParaRPr lang="ru-RU" dirty="0"/>
           </a:p>
         </p:txBody>
       </p:sp>
@@ -3955,20 +3883,13 @@
     </p:spTree>
     <p:extLst>
       <p:ext uri="{BB962C8B-B14F-4D97-AF65-F5344CB8AC3E}">
-        <p14:creationId xmlns:p14="http://schemas.microsoft.com/office/powerpoint/2010/main" val="2902605297"/>
+        <p14:creationId xmlns:p14="http://schemas.microsoft.com/office/powerpoint/2010/main" val="3102399647"/>
       </p:ext>
     </p:extLst>
   </p:cSld>
   <p:clrMapOvr>
     <a:masterClrMapping/>
   </p:clrMapOvr>
-  <p:timing>
-    <p:tnLst>
-      <p:par>
-        <p:cTn id="1" dur="indefinite" restart="never" nodeType="tmRoot"/>
-      </p:par>
-    </p:tnLst>
-  </p:timing>
 </p:sld>
 </file>
 
@@ -4005,20 +3926,8 @@
           <a:lstStyle/>
           <a:p>
             <a:r>
-              <a:rPr lang="ru-RU" dirty="0"/>
-              <a:t>Класс </a:t>
-            </a:r>
-            <a:r>
               <a:rPr lang="ru-RU" dirty="0" smtClean="0"/>
-              <a:t>– ретранслятор</a:t>
-            </a:r>
-            <a:r>
-              <a:rPr lang="en-US" dirty="0" smtClean="0"/>
-              <a:t>. </a:t>
-            </a:r>
-            <a:r>
-              <a:rPr lang="ru-RU" dirty="0" smtClean="0"/>
-              <a:t>Алгоритмы</a:t>
+              <a:t>Класс - ретранслятор</a:t>
             </a:r>
             <a:endParaRPr lang="ru-RU" dirty="0"/>
           </a:p>
@@ -4041,21 +3950,29 @@
           <a:p>
             <a:r>
               <a:rPr lang="ru-RU" sz="2800" dirty="0" smtClean="0"/>
-              <a:t>В алгоритмах перевода строки из инфиксного вида в постфиксный и подсчета значения функции используется </a:t>
+              <a:t>Суть класса:</a:t>
+            </a:r>
+          </a:p>
+          <a:p>
+            <a:pPr marL="0" indent="0">
+              <a:buNone/>
+            </a:pPr>
+            <a:r>
+              <a:rPr lang="ru-RU" sz="2800" dirty="0"/>
+              <a:t>	</a:t>
+            </a:r>
+            <a:r>
+              <a:rPr lang="ru-RU" sz="2800" dirty="0" smtClean="0"/>
+              <a:t>Работает со строкой, задаваемой пользователем</a:t>
             </a:r>
             <a:r>
               <a:rPr lang="en-US" sz="2800" dirty="0" smtClean="0"/>
-              <a:t>“stack” </a:t>
+              <a:t> </a:t>
             </a:r>
             <a:r>
               <a:rPr lang="ru-RU" sz="2800" dirty="0" smtClean="0"/>
-              <a:t>стандартной библиотеки шаблонов </a:t>
-            </a:r>
-            <a:r>
-              <a:rPr lang="en-US" sz="2800" dirty="0" smtClean="0"/>
-              <a:t>(STL).</a:t>
-            </a:r>
-            <a:endParaRPr lang="ru-RU" sz="2800" dirty="0" smtClean="0"/>
+              <a:t>в поле ввода функции.</a:t>
+            </a:r>
           </a:p>
           <a:p>
             <a:pPr marL="0" indent="0">
@@ -4066,9 +3983,39 @@
           <a:p>
             <a:r>
               <a:rPr lang="ru-RU" sz="2800" dirty="0" smtClean="0"/>
-              <a:t>Сами алгоритмы обработки строки взяты из лабораторной работы по дисциплине «Алгоритмы и Структуры Данных» (обработка арифметических выражений).</a:t>
-            </a:r>
-            <a:endParaRPr lang="en-US" sz="2800" dirty="0" smtClean="0"/>
+              <a:t>Что делает:</a:t>
+            </a:r>
+          </a:p>
+          <a:p>
+            <a:pPr marL="0" indent="0">
+              <a:buNone/>
+            </a:pPr>
+            <a:r>
+              <a:rPr lang="ru-RU" sz="2800" dirty="0"/>
+              <a:t>	</a:t>
+            </a:r>
+            <a:r>
+              <a:rPr lang="ru-RU" sz="2800" dirty="0" smtClean="0"/>
+              <a:t>1) переводит строку, содержащую функцию в инфиксном в виде, в постфиксный;</a:t>
+            </a:r>
+          </a:p>
+          <a:p>
+            <a:pPr marL="0" indent="0">
+              <a:buNone/>
+            </a:pPr>
+            <a:r>
+              <a:rPr lang="ru-RU" sz="2800" dirty="0"/>
+              <a:t>	</a:t>
+            </a:r>
+            <a:r>
+              <a:rPr lang="ru-RU" sz="2800" dirty="0" smtClean="0"/>
+              <a:t>2) считает значение функции при заданном аргументе </a:t>
+            </a:r>
+            <a:r>
+              <a:rPr lang="en-US" sz="2800" dirty="0" smtClean="0"/>
+              <a:t>‘x’.</a:t>
+            </a:r>
+            <a:endParaRPr lang="ru-RU" sz="2800" dirty="0"/>
           </a:p>
         </p:txBody>
       </p:sp>
@@ -4162,7 +4109,7 @@
     </p:spTree>
     <p:extLst>
       <p:ext uri="{BB962C8B-B14F-4D97-AF65-F5344CB8AC3E}">
-        <p14:creationId xmlns:p14="http://schemas.microsoft.com/office/powerpoint/2010/main" val="1957808698"/>
+        <p14:creationId xmlns:p14="http://schemas.microsoft.com/office/powerpoint/2010/main" val="2902605297"/>
       </p:ext>
     </p:extLst>
   </p:cSld>
@@ -4212,8 +4159,20 @@
           <a:lstStyle/>
           <a:p>
             <a:r>
+              <a:rPr lang="ru-RU" dirty="0"/>
+              <a:t>Класс </a:t>
+            </a:r>
+            <a:r>
               <a:rPr lang="ru-RU" dirty="0" smtClean="0"/>
-              <a:t>Класс – ретранслятор. Возможности</a:t>
+              <a:t>– ретранслятор</a:t>
+            </a:r>
+            <a:r>
+              <a:rPr lang="en-US" dirty="0" smtClean="0"/>
+              <a:t>. </a:t>
+            </a:r>
+            <a:r>
+              <a:rPr lang="ru-RU" dirty="0" smtClean="0"/>
+              <a:t>Алгоритмы</a:t>
             </a:r>
             <a:endParaRPr lang="ru-RU" dirty="0"/>
           </a:p>
@@ -4234,198 +4193,36 @@
           <a:bodyPr/>
           <a:lstStyle/>
           <a:p>
-            <a:pPr algn="just"/>
-            <a:r>
-              <a:rPr lang="ru-RU" sz="2800" dirty="0"/>
-              <a:t>Главное допущение – аргумент функции обозначается </a:t>
-            </a:r>
             <a:r>
               <a:rPr lang="ru-RU" sz="2800" dirty="0" smtClean="0"/>
-              <a:t>ТОЛЬКО строчным </a:t>
-            </a:r>
-            <a:r>
-              <a:rPr lang="ru-RU" sz="2800" dirty="0"/>
-              <a:t>символом </a:t>
-            </a:r>
-            <a:r>
-              <a:rPr lang="en-US" sz="2800" dirty="0"/>
-              <a:t>‘x</a:t>
+              <a:t>В алгоритмах перевода строки из инфиксного вида в постфиксный и подсчета значения функции используется </a:t>
             </a:r>
             <a:r>
               <a:rPr lang="en-US" sz="2800" dirty="0" smtClean="0"/>
-              <a:t>’</a:t>
+              <a:t>“stack” </a:t>
             </a:r>
             <a:r>
               <a:rPr lang="ru-RU" sz="2800" dirty="0" smtClean="0"/>
-              <a:t>.</a:t>
-            </a:r>
-            <a:endParaRPr lang="ru-RU" sz="2800" dirty="0"/>
-          </a:p>
-          <a:p>
-            <a:pPr algn="just"/>
-            <a:r>
-              <a:rPr lang="ru-RU" sz="2800" dirty="0" smtClean="0"/>
-              <a:t>Поддерживаемые функции: </a:t>
-            </a:r>
-          </a:p>
-          <a:p>
-            <a:pPr marL="0" indent="0" algn="just">
+              <a:t>стандартной библиотеки шаблонов </a:t>
+            </a:r>
+            <a:r>
+              <a:rPr lang="en-US" sz="2800" dirty="0" smtClean="0"/>
+              <a:t>(STL).</a:t>
+            </a:r>
+            <a:endParaRPr lang="ru-RU" sz="2800" dirty="0" smtClean="0"/>
+          </a:p>
+          <a:p>
+            <a:pPr marL="0" indent="0">
               <a:buNone/>
             </a:pPr>
-            <a:r>
-              <a:rPr lang="ru-RU" sz="2800" dirty="0"/>
-              <a:t>	</a:t>
-            </a:r>
-            <a:r>
-              <a:rPr lang="en-US" sz="2800" dirty="0" smtClean="0"/>
-              <a:t>sin(), cos(), </a:t>
-            </a:r>
-            <a:r>
-              <a:rPr lang="en-US" sz="2800" dirty="0" err="1" smtClean="0"/>
-              <a:t>tg</a:t>
-            </a:r>
-            <a:r>
-              <a:rPr lang="en-US" sz="2800" dirty="0" smtClean="0"/>
-              <a:t>(), </a:t>
-            </a:r>
-            <a:r>
-              <a:rPr lang="en-US" sz="2800" dirty="0" err="1" smtClean="0"/>
-              <a:t>ctg</a:t>
-            </a:r>
-            <a:r>
-              <a:rPr lang="en-US" sz="2800" dirty="0" smtClean="0"/>
-              <a:t>(), ln(), abs()</a:t>
-            </a:r>
+            <a:endParaRPr lang="ru-RU" sz="2800" dirty="0" smtClean="0"/>
+          </a:p>
+          <a:p>
             <a:r>
               <a:rPr lang="ru-RU" sz="2800" dirty="0" smtClean="0"/>
-              <a:t>.</a:t>
-            </a:r>
-          </a:p>
-          <a:p>
-            <a:pPr algn="just"/>
-            <a:r>
-              <a:rPr lang="ru-RU" sz="2800" dirty="0" smtClean="0"/>
-              <a:t>Основные методы:</a:t>
-            </a:r>
-          </a:p>
-          <a:p>
-            <a:pPr marL="0" indent="0" algn="just">
-              <a:buNone/>
-            </a:pPr>
-            <a:r>
-              <a:rPr lang="ru-RU" sz="2800" dirty="0" smtClean="0"/>
-              <a:t>	</a:t>
-            </a:r>
-            <a:r>
-              <a:rPr lang="en-US" sz="2800" dirty="0"/>
-              <a:t>void </a:t>
-            </a:r>
-            <a:r>
-              <a:rPr lang="en-US" sz="2800" dirty="0" err="1" smtClean="0"/>
-              <a:t>SetFunction</a:t>
-            </a:r>
-            <a:r>
-              <a:rPr lang="ru-RU" sz="2800" dirty="0" smtClean="0"/>
-              <a:t> </a:t>
-            </a:r>
-            <a:r>
-              <a:rPr lang="en-US" sz="2800" dirty="0" smtClean="0"/>
-              <a:t>(string</a:t>
-            </a:r>
-            <a:r>
-              <a:rPr lang="ru-RU" sz="2800" dirty="0" smtClean="0"/>
-              <a:t> </a:t>
-            </a:r>
-            <a:r>
-              <a:rPr lang="en-US" sz="2800" dirty="0" smtClean="0">
-                <a:solidFill>
-                  <a:srgbClr val="00B050"/>
-                </a:solidFill>
-              </a:rPr>
-              <a:t>Line</a:t>
-            </a:r>
-            <a:r>
-              <a:rPr lang="en-US" sz="2800" dirty="0" smtClean="0"/>
-              <a:t>)</a:t>
-            </a:r>
-            <a:r>
-              <a:rPr lang="ru-RU" sz="2800" dirty="0" smtClean="0"/>
-              <a:t> – проверяет правильность поступившей строки </a:t>
-            </a:r>
-            <a:r>
-              <a:rPr lang="en-US" sz="2800" dirty="0" smtClean="0">
-                <a:solidFill>
-                  <a:srgbClr val="00B050"/>
-                </a:solidFill>
-              </a:rPr>
-              <a:t>Line</a:t>
-            </a:r>
-            <a:r>
-              <a:rPr lang="en-US" sz="2800" dirty="0" smtClean="0"/>
-              <a:t> </a:t>
-            </a:r>
-            <a:r>
-              <a:rPr lang="ru-RU" sz="2800" dirty="0" smtClean="0"/>
-              <a:t>и задает функцию</a:t>
-            </a:r>
-            <a:r>
-              <a:rPr lang="en-US" sz="2800" dirty="0" smtClean="0"/>
-              <a:t>;</a:t>
-            </a:r>
-          </a:p>
-          <a:p>
-            <a:pPr marL="0" indent="0" algn="just">
-              <a:buNone/>
-            </a:pPr>
-            <a:r>
-              <a:rPr lang="en-US" sz="2800" dirty="0"/>
-              <a:t>	double </a:t>
-            </a:r>
-            <a:r>
-              <a:rPr lang="en-US" sz="2800" dirty="0" smtClean="0"/>
-              <a:t>Calculate(double </a:t>
-            </a:r>
-            <a:r>
-              <a:rPr lang="en-US" sz="2800" dirty="0" smtClean="0">
-                <a:solidFill>
-                  <a:srgbClr val="00B050"/>
-                </a:solidFill>
-              </a:rPr>
-              <a:t>x</a:t>
-            </a:r>
-            <a:r>
-              <a:rPr lang="en-US" sz="2800" dirty="0" smtClean="0"/>
-              <a:t>) – </a:t>
-            </a:r>
-            <a:r>
-              <a:rPr lang="ru-RU" sz="2800" dirty="0" smtClean="0"/>
-              <a:t>подсчитывает значение функции в</a:t>
-            </a:r>
-            <a:r>
-              <a:rPr lang="en-US" sz="2800" dirty="0" smtClean="0"/>
-              <a:t> </a:t>
-            </a:r>
-            <a:r>
-              <a:rPr lang="ru-RU" sz="2800" dirty="0" smtClean="0"/>
-              <a:t>точке </a:t>
-            </a:r>
-            <a:r>
-              <a:rPr lang="en-US" sz="2800" dirty="0" smtClean="0">
-                <a:solidFill>
-                  <a:srgbClr val="00B050"/>
-                </a:solidFill>
-              </a:rPr>
-              <a:t>x</a:t>
-            </a:r>
-            <a:r>
-              <a:rPr lang="ru-RU" sz="2800" dirty="0"/>
-              <a:t>.</a:t>
-            </a:r>
-            <a:endParaRPr lang="ru-RU" sz="2800" dirty="0">
-              <a:solidFill>
-                <a:srgbClr val="00B050"/>
-              </a:solidFill>
-            </a:endParaRPr>
+              <a:t>Сами алгоритмы обработки строки взяты из лабораторной работы по дисциплине «Алгоритмы и Структуры Данных» (обработка арифметических выражений).</a:t>
+            </a:r>
+            <a:endParaRPr lang="en-US" sz="2800" dirty="0" smtClean="0"/>
           </a:p>
         </p:txBody>
       </p:sp>
@@ -4519,7 +4316,7 @@
     </p:spTree>
     <p:extLst>
       <p:ext uri="{BB962C8B-B14F-4D97-AF65-F5344CB8AC3E}">
-        <p14:creationId xmlns:p14="http://schemas.microsoft.com/office/powerpoint/2010/main" val="522996795"/>
+        <p14:creationId xmlns:p14="http://schemas.microsoft.com/office/powerpoint/2010/main" val="1957808698"/>
       </p:ext>
     </p:extLst>
   </p:cSld>
@@ -4570,7 +4367,7 @@
           <a:p>
             <a:r>
               <a:rPr lang="ru-RU" dirty="0" smtClean="0"/>
-              <a:t>Хранилище поисковой информации</a:t>
+              <a:t>Класс – ретранслятор. Возможности</a:t>
             </a:r>
             <a:endParaRPr lang="ru-RU" dirty="0"/>
           </a:p>
@@ -4591,24 +4388,198 @@
           <a:bodyPr/>
           <a:lstStyle/>
           <a:p>
-            <a:r>
-              <a:rPr lang="ru-RU" dirty="0" smtClean="0"/>
-              <a:t>Для реализации данной компоненты было предложено рассмотреть несколько структур данных: массив, список, дерево. Проанализировав сложность основных операций пришли к выводу, что для решения нашей задачи понадобится АВЛ-дерево.</a:t>
-            </a:r>
-            <a:r>
-              <a:rPr lang="en-US" dirty="0" smtClean="0"/>
+            <a:pPr algn="just"/>
+            <a:r>
+              <a:rPr lang="ru-RU" sz="2800" dirty="0"/>
+              <a:t>Главное допущение – аргумент функции обозначается </a:t>
+            </a:r>
+            <a:r>
+              <a:rPr lang="ru-RU" sz="2800" dirty="0" smtClean="0"/>
+              <a:t>ТОЛЬКО строчным </a:t>
+            </a:r>
+            <a:r>
+              <a:rPr lang="ru-RU" sz="2800" dirty="0"/>
+              <a:t>символом </a:t>
+            </a:r>
+            <a:r>
+              <a:rPr lang="en-US" sz="2800" dirty="0"/>
+              <a:t>‘x</a:t>
+            </a:r>
+            <a:r>
+              <a:rPr lang="en-US" sz="2800" dirty="0" smtClean="0"/>
+              <a:t>’</a:t>
+            </a:r>
+            <a:r>
+              <a:rPr lang="ru-RU" sz="2800" dirty="0" smtClean="0"/>
+              <a:t>.</a:t>
+            </a:r>
+            <a:endParaRPr lang="ru-RU" sz="2800" dirty="0"/>
+          </a:p>
+          <a:p>
+            <a:pPr algn="just"/>
+            <a:r>
+              <a:rPr lang="ru-RU" sz="2800" dirty="0" smtClean="0"/>
+              <a:t>Поддерживаемые функции: </a:t>
+            </a:r>
+          </a:p>
+          <a:p>
+            <a:pPr marL="0" indent="0" algn="just">
+              <a:buNone/>
+            </a:pPr>
+            <a:r>
+              <a:rPr lang="ru-RU" sz="2800" dirty="0"/>
+              <a:t>	</a:t>
+            </a:r>
+            <a:r>
+              <a:rPr lang="en-US" sz="2800" dirty="0" smtClean="0"/>
+              <a:t>sin(), cos(), </a:t>
+            </a:r>
+            <a:r>
+              <a:rPr lang="en-US" sz="2800" dirty="0" err="1" smtClean="0"/>
+              <a:t>tg</a:t>
+            </a:r>
+            <a:r>
+              <a:rPr lang="en-US" sz="2800" dirty="0" smtClean="0"/>
+              <a:t>(), </a:t>
+            </a:r>
+            <a:r>
+              <a:rPr lang="en-US" sz="2800" dirty="0" err="1" smtClean="0"/>
+              <a:t>ctg</a:t>
+            </a:r>
+            <a:r>
+              <a:rPr lang="en-US" sz="2800" dirty="0" smtClean="0"/>
+              <a:t>(), ln(), abs()</a:t>
+            </a:r>
+            <a:r>
+              <a:rPr lang="ru-RU" sz="2800" dirty="0" smtClean="0"/>
+              <a:t>.</a:t>
+            </a:r>
+          </a:p>
+          <a:p>
+            <a:pPr algn="just"/>
+            <a:r>
+              <a:rPr lang="ru-RU" sz="2800" dirty="0" smtClean="0"/>
+              <a:t>Основные методы:</a:t>
+            </a:r>
+          </a:p>
+          <a:p>
+            <a:pPr marL="0" indent="0" algn="just">
+              <a:buNone/>
+            </a:pPr>
+            <a:r>
+              <a:rPr lang="ru-RU" sz="2800" dirty="0" smtClean="0"/>
+              <a:t>	</a:t>
+            </a:r>
+            <a:r>
+              <a:rPr lang="en-US" sz="2800" dirty="0"/>
+              <a:t>void </a:t>
+            </a:r>
+            <a:r>
+              <a:rPr lang="en-US" sz="2800" dirty="0" err="1" smtClean="0"/>
+              <a:t>SetFunction</a:t>
+            </a:r>
+            <a:r>
+              <a:rPr lang="ru-RU" sz="2800" dirty="0" smtClean="0"/>
               <a:t> </a:t>
             </a:r>
-            <a:endParaRPr lang="ru-RU" dirty="0" smtClean="0"/>
-          </a:p>
-          <a:p>
-            <a:r>
-              <a:rPr lang="ru-RU" dirty="0" smtClean="0"/>
-              <a:t>Выбранная структура данных используется для построения графика введенной функции.</a:t>
-            </a:r>
-          </a:p>
-          <a:p>
-            <a:endParaRPr lang="ru-RU" dirty="0"/>
+            <a:r>
+              <a:rPr lang="en-US" sz="2800" dirty="0" smtClean="0"/>
+              <a:t>(string</a:t>
+            </a:r>
+            <a:r>
+              <a:rPr lang="ru-RU" sz="2800" dirty="0" smtClean="0"/>
+              <a:t> </a:t>
+            </a:r>
+            <a:r>
+              <a:rPr lang="en-US" sz="2800" dirty="0" smtClean="0">
+                <a:solidFill>
+                  <a:srgbClr val="00B050"/>
+                </a:solidFill>
+              </a:rPr>
+              <a:t>Line</a:t>
+            </a:r>
+            <a:r>
+              <a:rPr lang="en-US" sz="2800" dirty="0" smtClean="0"/>
+              <a:t>)</a:t>
+            </a:r>
+            <a:r>
+              <a:rPr lang="ru-RU" sz="2800" dirty="0" smtClean="0"/>
+              <a:t> – проверяет правильность поступившей строки </a:t>
+            </a:r>
+            <a:r>
+              <a:rPr lang="en-US" sz="2800" dirty="0" smtClean="0">
+                <a:solidFill>
+                  <a:srgbClr val="00B050"/>
+                </a:solidFill>
+              </a:rPr>
+              <a:t>Line</a:t>
+            </a:r>
+            <a:r>
+              <a:rPr lang="en-US" sz="2800" dirty="0" smtClean="0"/>
+              <a:t> </a:t>
+            </a:r>
+            <a:r>
+              <a:rPr lang="ru-RU" sz="2800" dirty="0" smtClean="0"/>
+              <a:t>и задает функцию</a:t>
+            </a:r>
+            <a:r>
+              <a:rPr lang="en-US" sz="2800" dirty="0" smtClean="0"/>
+              <a:t>;</a:t>
+            </a:r>
+          </a:p>
+          <a:p>
+            <a:pPr marL="0" indent="0" algn="just">
+              <a:buNone/>
+            </a:pPr>
+            <a:r>
+              <a:rPr lang="en-US" sz="2800" dirty="0"/>
+              <a:t>	double </a:t>
+            </a:r>
+            <a:r>
+              <a:rPr lang="en-US" sz="2800" dirty="0" smtClean="0"/>
+              <a:t>Calculate(double </a:t>
+            </a:r>
+            <a:r>
+              <a:rPr lang="en-US" sz="2800" dirty="0" smtClean="0">
+                <a:solidFill>
+                  <a:srgbClr val="00B050"/>
+                </a:solidFill>
+              </a:rPr>
+              <a:t>x</a:t>
+            </a:r>
+            <a:r>
+              <a:rPr lang="en-US" sz="2800" dirty="0" smtClean="0"/>
+              <a:t>) – </a:t>
+            </a:r>
+            <a:r>
+              <a:rPr lang="ru-RU" sz="2800" dirty="0" smtClean="0"/>
+              <a:t>подсчитывает значение функции в</a:t>
+            </a:r>
+            <a:r>
+              <a:rPr lang="en-US" sz="2800" dirty="0" smtClean="0"/>
+              <a:t> </a:t>
+            </a:r>
+            <a:r>
+              <a:rPr lang="ru-RU" sz="2800" dirty="0" smtClean="0"/>
+              <a:t>точке </a:t>
+            </a:r>
+            <a:r>
+              <a:rPr lang="en-US" sz="2800" dirty="0" smtClean="0">
+                <a:solidFill>
+                  <a:srgbClr val="00B050"/>
+                </a:solidFill>
+              </a:rPr>
+              <a:t>x</a:t>
+            </a:r>
+            <a:r>
+              <a:rPr lang="ru-RU" sz="2800" dirty="0"/>
+              <a:t>.</a:t>
+            </a:r>
+            <a:endParaRPr lang="ru-RU" sz="2800" dirty="0">
+              <a:solidFill>
+                <a:srgbClr val="00B050"/>
+              </a:solidFill>
+            </a:endParaRPr>
           </a:p>
         </p:txBody>
       </p:sp>
@@ -4694,6 +4665,189 @@
                 <a:defRPr/>
               </a:pPr>
               <a:t>15</a:t>
+            </a:fld>
+            <a:endParaRPr lang="ru-RU" dirty="0"/>
+          </a:p>
+        </p:txBody>
+      </p:sp>
+    </p:spTree>
+    <p:extLst>
+      <p:ext uri="{BB962C8B-B14F-4D97-AF65-F5344CB8AC3E}">
+        <p14:creationId xmlns:p14="http://schemas.microsoft.com/office/powerpoint/2010/main" val="522996795"/>
+      </p:ext>
+    </p:extLst>
+  </p:cSld>
+  <p:clrMapOvr>
+    <a:masterClrMapping/>
+  </p:clrMapOvr>
+  <p:timing>
+    <p:tnLst>
+      <p:par>
+        <p:cTn id="1" dur="indefinite" restart="never" nodeType="tmRoot"/>
+      </p:par>
+    </p:tnLst>
+  </p:timing>
+</p:sld>
+</file>
+
+<file path=ppt/slides/slide16.xml><?xml version="1.0" encoding="utf-8"?>
+<p:sld xmlns:a="http://schemas.openxmlformats.org/drawingml/2006/main" xmlns:r="http://schemas.openxmlformats.org/officeDocument/2006/relationships" xmlns:p="http://schemas.openxmlformats.org/presentationml/2006/main">
+  <p:cSld>
+    <p:spTree>
+      <p:nvGrpSpPr>
+        <p:cNvPr id="1" name=""/>
+        <p:cNvGrpSpPr/>
+        <p:nvPr/>
+      </p:nvGrpSpPr>
+      <p:grpSpPr>
+        <a:xfrm>
+          <a:off x="0" y="0"/>
+          <a:ext cx="0" cy="0"/>
+          <a:chOff x="0" y="0"/>
+          <a:chExt cx="0" cy="0"/>
+        </a:xfrm>
+      </p:grpSpPr>
+      <p:sp>
+        <p:nvSpPr>
+          <p:cNvPr id="2" name="Заголовок 1"/>
+          <p:cNvSpPr>
+            <a:spLocks noGrp="1"/>
+          </p:cNvSpPr>
+          <p:nvPr>
+            <p:ph type="title"/>
+          </p:nvPr>
+        </p:nvSpPr>
+        <p:spPr/>
+        <p:txBody>
+          <a:bodyPr/>
+          <a:lstStyle/>
+          <a:p>
+            <a:r>
+              <a:rPr lang="ru-RU" dirty="0" smtClean="0"/>
+              <a:t>Хранилище поисковой информации</a:t>
+            </a:r>
+            <a:endParaRPr lang="ru-RU" dirty="0"/>
+          </a:p>
+        </p:txBody>
+      </p:sp>
+      <p:sp>
+        <p:nvSpPr>
+          <p:cNvPr id="3" name="Объект 2"/>
+          <p:cNvSpPr>
+            <a:spLocks noGrp="1"/>
+          </p:cNvSpPr>
+          <p:nvPr>
+            <p:ph idx="1"/>
+          </p:nvPr>
+        </p:nvSpPr>
+        <p:spPr/>
+        <p:txBody>
+          <a:bodyPr/>
+          <a:lstStyle/>
+          <a:p>
+            <a:r>
+              <a:rPr lang="ru-RU" dirty="0" smtClean="0"/>
+              <a:t>Для реализации данной компоненты было предложено рассмотреть несколько структур данных: массив, список, дерево. Проанализировав сложность основных операций пришли к выводу, что для решения нашей задачи понадобится АВЛ-дерево.</a:t>
+            </a:r>
+            <a:r>
+              <a:rPr lang="en-US" dirty="0" smtClean="0"/>
+              <a:t> </a:t>
+            </a:r>
+            <a:endParaRPr lang="ru-RU" dirty="0" smtClean="0"/>
+          </a:p>
+          <a:p>
+            <a:r>
+              <a:rPr lang="ru-RU" dirty="0" smtClean="0"/>
+              <a:t>Выбранная структура данных используется для построения графика введенной функции.</a:t>
+            </a:r>
+          </a:p>
+          <a:p>
+            <a:endParaRPr lang="ru-RU" dirty="0"/>
+          </a:p>
+        </p:txBody>
+      </p:sp>
+      <p:sp>
+        <p:nvSpPr>
+          <p:cNvPr id="4" name="Дата 3"/>
+          <p:cNvSpPr>
+            <a:spLocks noGrp="1"/>
+          </p:cNvSpPr>
+          <p:nvPr>
+            <p:ph type="dt" sz="half" idx="2"/>
+          </p:nvPr>
+        </p:nvSpPr>
+        <p:spPr/>
+        <p:txBody>
+          <a:bodyPr/>
+          <a:lstStyle/>
+          <a:p>
+            <a:pPr>
+              <a:lnSpc>
+                <a:spcPct val="150000"/>
+              </a:lnSpc>
+              <a:defRPr/>
+            </a:pPr>
+            <a:r>
+              <a:rPr lang="ru-RU" smtClean="0"/>
+              <a:t>Нижний Новгород, 2017 г.</a:t>
+            </a:r>
+            <a:endParaRPr lang="ru-RU" dirty="0"/>
+          </a:p>
+        </p:txBody>
+      </p:sp>
+      <p:sp>
+        <p:nvSpPr>
+          <p:cNvPr id="5" name="Нижний колонтитул 4"/>
+          <p:cNvSpPr>
+            <a:spLocks noGrp="1"/>
+          </p:cNvSpPr>
+          <p:nvPr>
+            <p:ph type="ftr" sz="quarter" idx="3"/>
+          </p:nvPr>
+        </p:nvSpPr>
+        <p:spPr/>
+        <p:txBody>
+          <a:bodyPr/>
+          <a:lstStyle/>
+          <a:p>
+            <a:pPr>
+              <a:lnSpc>
+                <a:spcPct val="150000"/>
+              </a:lnSpc>
+              <a:defRPr/>
+            </a:pPr>
+            <a:r>
+              <a:rPr lang="ru-RU" smtClean="0"/>
+              <a:t>Мини-проект по глобальной оптимизации</a:t>
+            </a:r>
+            <a:endParaRPr lang="ru-RU" dirty="0" smtClean="0"/>
+          </a:p>
+        </p:txBody>
+      </p:sp>
+      <p:sp>
+        <p:nvSpPr>
+          <p:cNvPr id="6" name="Номер слайда 5"/>
+          <p:cNvSpPr>
+            <a:spLocks noGrp="1"/>
+          </p:cNvSpPr>
+          <p:nvPr>
+            <p:ph type="sldNum" sz="quarter" idx="4"/>
+          </p:nvPr>
+        </p:nvSpPr>
+        <p:spPr/>
+        <p:txBody>
+          <a:bodyPr/>
+          <a:lstStyle/>
+          <a:p>
+            <a:pPr>
+              <a:defRPr/>
+            </a:pPr>
+            <a:fld id="{4F2367BF-7A57-4F5A-B357-719264272D2E}" type="slidenum">
+              <a:rPr lang="ru-RU" smtClean="0"/>
+              <a:pPr>
+                <a:defRPr/>
+              </a:pPr>
+              <a:t>16</a:t>
             </a:fld>
             <a:endParaRPr lang="ru-RU" dirty="0"/>
           </a:p>
@@ -4712,7 +4866,7 @@
 </p:sld>
 </file>
 
-<file path=ppt/slides/slide16.xml><?xml version="1.0" encoding="utf-8"?>
+<file path=ppt/slides/slide17.xml><?xml version="1.0" encoding="utf-8"?>
 <p:sld xmlns:a="http://schemas.openxmlformats.org/drawingml/2006/main" xmlns:r="http://schemas.openxmlformats.org/officeDocument/2006/relationships" xmlns:p="http://schemas.openxmlformats.org/presentationml/2006/main">
   <p:cSld>
     <p:spTree>
@@ -5506,7 +5660,7 @@
               <a:pPr>
                 <a:defRPr/>
               </a:pPr>
-              <a:t>16</a:t>
+              <a:t>17</a:t>
             </a:fld>
             <a:endParaRPr lang="ru-RU" dirty="0"/>
           </a:p>
@@ -5516,162 +5670,6 @@
     <p:extLst>
       <p:ext uri="{BB962C8B-B14F-4D97-AF65-F5344CB8AC3E}">
         <p14:creationId xmlns:p14="http://schemas.microsoft.com/office/powerpoint/2010/main" val="1390628246"/>
-      </p:ext>
-    </p:extLst>
-  </p:cSld>
-  <p:clrMapOvr>
-    <a:masterClrMapping/>
-  </p:clrMapOvr>
-</p:sld>
-</file>
-
-<file path=ppt/slides/slide17.xml><?xml version="1.0" encoding="utf-8"?>
-<p:sld xmlns:a="http://schemas.openxmlformats.org/drawingml/2006/main" xmlns:r="http://schemas.openxmlformats.org/officeDocument/2006/relationships" xmlns:p="http://schemas.openxmlformats.org/presentationml/2006/main">
-  <p:cSld>
-    <p:spTree>
-      <p:nvGrpSpPr>
-        <p:cNvPr id="1" name=""/>
-        <p:cNvGrpSpPr/>
-        <p:nvPr/>
-      </p:nvGrpSpPr>
-      <p:grpSpPr>
-        <a:xfrm>
-          <a:off x="0" y="0"/>
-          <a:ext cx="0" cy="0"/>
-          <a:chOff x="0" y="0"/>
-          <a:chExt cx="0" cy="0"/>
-        </a:xfrm>
-      </p:grpSpPr>
-      <p:sp>
-        <p:nvSpPr>
-          <p:cNvPr id="2" name="Заголовок 1"/>
-          <p:cNvSpPr>
-            <a:spLocks noGrp="1"/>
-          </p:cNvSpPr>
-          <p:nvPr>
-            <p:ph type="title"/>
-          </p:nvPr>
-        </p:nvSpPr>
-        <p:spPr/>
-        <p:txBody>
-          <a:bodyPr/>
-          <a:lstStyle/>
-          <a:p>
-            <a:r>
-              <a:rPr lang="ru-RU" dirty="0" smtClean="0"/>
-              <a:t>Результаты </a:t>
-            </a:r>
-            <a:r>
-              <a:rPr lang="ru-RU" dirty="0"/>
-              <a:t>вычислительных экспериментов</a:t>
-            </a:r>
-          </a:p>
-        </p:txBody>
-      </p:sp>
-      <p:sp>
-        <p:nvSpPr>
-          <p:cNvPr id="3" name="Содержимое 2"/>
-          <p:cNvSpPr>
-            <a:spLocks noGrp="1"/>
-          </p:cNvSpPr>
-          <p:nvPr>
-            <p:ph idx="1"/>
-          </p:nvPr>
-        </p:nvSpPr>
-        <p:spPr/>
-        <p:txBody>
-          <a:bodyPr/>
-          <a:lstStyle/>
-          <a:p>
-            <a:endParaRPr lang="ru-RU" dirty="0" smtClean="0"/>
-          </a:p>
-        </p:txBody>
-      </p:sp>
-      <p:sp>
-        <p:nvSpPr>
-          <p:cNvPr id="6" name="Дата 5"/>
-          <p:cNvSpPr>
-            <a:spLocks noGrp="1"/>
-          </p:cNvSpPr>
-          <p:nvPr>
-            <p:ph type="dt" sz="half" idx="2"/>
-          </p:nvPr>
-        </p:nvSpPr>
-        <p:spPr/>
-        <p:txBody>
-          <a:bodyPr/>
-          <a:lstStyle/>
-          <a:p>
-            <a:pPr>
-              <a:defRPr/>
-            </a:pPr>
-            <a:r>
-              <a:rPr lang="ru-RU" smtClean="0"/>
-              <a:t>Нижний Новгород, 2017 г.</a:t>
-            </a:r>
-            <a:endParaRPr lang="ru-RU" dirty="0"/>
-          </a:p>
-        </p:txBody>
-      </p:sp>
-      <p:sp>
-        <p:nvSpPr>
-          <p:cNvPr id="7" name="Номер слайда 6"/>
-          <p:cNvSpPr>
-            <a:spLocks noGrp="1"/>
-          </p:cNvSpPr>
-          <p:nvPr>
-            <p:ph type="sldNum" sz="quarter" idx="4"/>
-          </p:nvPr>
-        </p:nvSpPr>
-        <p:spPr/>
-        <p:txBody>
-          <a:bodyPr/>
-          <a:lstStyle/>
-          <a:p>
-            <a:pPr>
-              <a:defRPr/>
-            </a:pPr>
-            <a:fld id="{4F2367BF-7A57-4F5A-B357-719264272D2E}" type="slidenum">
-              <a:rPr lang="ru-RU" smtClean="0"/>
-              <a:pPr>
-                <a:defRPr/>
-              </a:pPr>
-              <a:t>17</a:t>
-            </a:fld>
-            <a:endParaRPr lang="ru-RU" dirty="0"/>
-          </a:p>
-        </p:txBody>
-      </p:sp>
-      <p:sp>
-        <p:nvSpPr>
-          <p:cNvPr id="8" name="Нижний колонтитул 7"/>
-          <p:cNvSpPr>
-            <a:spLocks noGrp="1"/>
-          </p:cNvSpPr>
-          <p:nvPr>
-            <p:ph type="ftr" sz="quarter" idx="3"/>
-          </p:nvPr>
-        </p:nvSpPr>
-        <p:spPr/>
-        <p:txBody>
-          <a:bodyPr/>
-          <a:lstStyle/>
-          <a:p>
-            <a:pPr>
-              <a:defRPr/>
-            </a:pPr>
-            <a:r>
-              <a:rPr lang="ru-RU" smtClean="0"/>
-              <a:t>Мини-проект по глобальной оптимизации</a:t>
-            </a:r>
-            <a:endParaRPr lang="ru-RU" dirty="0"/>
-          </a:p>
-        </p:txBody>
-      </p:sp>
-    </p:spTree>
-    <p:extLst>
-      <p:ext uri="{BB962C8B-B14F-4D97-AF65-F5344CB8AC3E}">
-        <p14:creationId xmlns:p14="http://schemas.microsoft.com/office/powerpoint/2010/main" val="49049457"/>
       </p:ext>
     </p:extLst>
   </p:cSld>
@@ -5715,9 +5713,12 @@
           <a:p>
             <a:r>
               <a:rPr lang="ru-RU" dirty="0" smtClean="0"/>
-              <a:t>Спасибо за внимание!</a:t>
-            </a:r>
-            <a:endParaRPr lang="en-US" dirty="0"/>
+              <a:t>Результаты </a:t>
+            </a:r>
+            <a:r>
+              <a:rPr lang="ru-RU" dirty="0"/>
+              <a:t>вычислительных экспериментов</a:t>
+            </a:r>
           </a:p>
         </p:txBody>
       </p:sp>
@@ -5736,30 +5737,7 @@
           <a:bodyPr/>
           <a:lstStyle/>
           <a:p>
-            <a:pPr algn="just"/>
             <a:endParaRPr lang="ru-RU" dirty="0" smtClean="0"/>
-          </a:p>
-          <a:p>
-            <a:pPr algn="just"/>
-            <a:endParaRPr lang="ru-RU" dirty="0"/>
-          </a:p>
-          <a:p>
-            <a:pPr algn="just"/>
-            <a:endParaRPr lang="ru-RU" dirty="0" smtClean="0"/>
-          </a:p>
-          <a:p>
-            <a:pPr algn="just"/>
-            <a:endParaRPr lang="ru-RU" dirty="0"/>
-          </a:p>
-          <a:p>
-            <a:pPr marL="0" indent="0" algn="ctr">
-              <a:buNone/>
-            </a:pPr>
-            <a:r>
-              <a:rPr lang="ru-RU" sz="3600" dirty="0" smtClean="0"/>
-              <a:t>Вопросы?</a:t>
-            </a:r>
-            <a:endParaRPr lang="en-US" sz="3600" dirty="0"/>
           </a:p>
         </p:txBody>
       </p:sp>
@@ -5813,6 +5791,182 @@
                 <a:defRPr/>
               </a:pPr>
               <a:t>18</a:t>
+            </a:fld>
+            <a:endParaRPr lang="ru-RU" dirty="0"/>
+          </a:p>
+        </p:txBody>
+      </p:sp>
+      <p:sp>
+        <p:nvSpPr>
+          <p:cNvPr id="8" name="Нижний колонтитул 7"/>
+          <p:cNvSpPr>
+            <a:spLocks noGrp="1"/>
+          </p:cNvSpPr>
+          <p:nvPr>
+            <p:ph type="ftr" sz="quarter" idx="3"/>
+          </p:nvPr>
+        </p:nvSpPr>
+        <p:spPr/>
+        <p:txBody>
+          <a:bodyPr/>
+          <a:lstStyle/>
+          <a:p>
+            <a:pPr>
+              <a:defRPr/>
+            </a:pPr>
+            <a:r>
+              <a:rPr lang="ru-RU" smtClean="0"/>
+              <a:t>Мини-проект по глобальной оптимизации</a:t>
+            </a:r>
+            <a:endParaRPr lang="ru-RU" dirty="0"/>
+          </a:p>
+        </p:txBody>
+      </p:sp>
+    </p:spTree>
+    <p:extLst>
+      <p:ext uri="{BB962C8B-B14F-4D97-AF65-F5344CB8AC3E}">
+        <p14:creationId xmlns:p14="http://schemas.microsoft.com/office/powerpoint/2010/main" val="49049457"/>
+      </p:ext>
+    </p:extLst>
+  </p:cSld>
+  <p:clrMapOvr>
+    <a:masterClrMapping/>
+  </p:clrMapOvr>
+</p:sld>
+</file>
+
+<file path=ppt/slides/slide19.xml><?xml version="1.0" encoding="utf-8"?>
+<p:sld xmlns:a="http://schemas.openxmlformats.org/drawingml/2006/main" xmlns:r="http://schemas.openxmlformats.org/officeDocument/2006/relationships" xmlns:p="http://schemas.openxmlformats.org/presentationml/2006/main">
+  <p:cSld>
+    <p:spTree>
+      <p:nvGrpSpPr>
+        <p:cNvPr id="1" name=""/>
+        <p:cNvGrpSpPr/>
+        <p:nvPr/>
+      </p:nvGrpSpPr>
+      <p:grpSpPr>
+        <a:xfrm>
+          <a:off x="0" y="0"/>
+          <a:ext cx="0" cy="0"/>
+          <a:chOff x="0" y="0"/>
+          <a:chExt cx="0" cy="0"/>
+        </a:xfrm>
+      </p:grpSpPr>
+      <p:sp>
+        <p:nvSpPr>
+          <p:cNvPr id="2" name="Заголовок 1"/>
+          <p:cNvSpPr>
+            <a:spLocks noGrp="1"/>
+          </p:cNvSpPr>
+          <p:nvPr>
+            <p:ph type="title"/>
+          </p:nvPr>
+        </p:nvSpPr>
+        <p:spPr/>
+        <p:txBody>
+          <a:bodyPr/>
+          <a:lstStyle/>
+          <a:p>
+            <a:r>
+              <a:rPr lang="ru-RU" dirty="0" smtClean="0"/>
+              <a:t>Спасибо за внимание!</a:t>
+            </a:r>
+            <a:endParaRPr lang="en-US" dirty="0"/>
+          </a:p>
+        </p:txBody>
+      </p:sp>
+      <p:sp>
+        <p:nvSpPr>
+          <p:cNvPr id="3" name="Содержимое 2"/>
+          <p:cNvSpPr>
+            <a:spLocks noGrp="1"/>
+          </p:cNvSpPr>
+          <p:nvPr>
+            <p:ph idx="1"/>
+          </p:nvPr>
+        </p:nvSpPr>
+        <p:spPr/>
+        <p:txBody>
+          <a:bodyPr/>
+          <a:lstStyle/>
+          <a:p>
+            <a:pPr algn="just"/>
+            <a:endParaRPr lang="ru-RU" dirty="0" smtClean="0"/>
+          </a:p>
+          <a:p>
+            <a:pPr algn="just"/>
+            <a:endParaRPr lang="ru-RU" dirty="0"/>
+          </a:p>
+          <a:p>
+            <a:pPr algn="just"/>
+            <a:endParaRPr lang="ru-RU" dirty="0" smtClean="0"/>
+          </a:p>
+          <a:p>
+            <a:pPr algn="just"/>
+            <a:endParaRPr lang="ru-RU" dirty="0"/>
+          </a:p>
+          <a:p>
+            <a:pPr marL="0" indent="0" algn="ctr">
+              <a:buNone/>
+            </a:pPr>
+            <a:r>
+              <a:rPr lang="ru-RU" sz="3600" dirty="0" smtClean="0"/>
+              <a:t>Вопросы?</a:t>
+            </a:r>
+            <a:endParaRPr lang="en-US" sz="3600" dirty="0"/>
+          </a:p>
+        </p:txBody>
+      </p:sp>
+      <p:sp>
+        <p:nvSpPr>
+          <p:cNvPr id="6" name="Дата 5"/>
+          <p:cNvSpPr>
+            <a:spLocks noGrp="1"/>
+          </p:cNvSpPr>
+          <p:nvPr>
+            <p:ph type="dt" sz="half" idx="2"/>
+          </p:nvPr>
+        </p:nvSpPr>
+        <p:spPr/>
+        <p:txBody>
+          <a:bodyPr/>
+          <a:lstStyle/>
+          <a:p>
+            <a:pPr>
+              <a:defRPr/>
+            </a:pPr>
+            <a:r>
+              <a:rPr lang="ru-RU" smtClean="0"/>
+              <a:t>Нижний Новгород, 2017 г.</a:t>
+            </a:r>
+            <a:endParaRPr lang="ru-RU" dirty="0"/>
+          </a:p>
+        </p:txBody>
+      </p:sp>
+      <p:sp>
+        <p:nvSpPr>
+          <p:cNvPr id="7" name="Номер слайда 6"/>
+          <p:cNvSpPr>
+            <a:spLocks noGrp="1"/>
+          </p:cNvSpPr>
+          <p:nvPr>
+            <p:ph type="sldNum" sz="quarter" idx="4"/>
+          </p:nvPr>
+        </p:nvSpPr>
+        <p:spPr/>
+        <p:txBody>
+          <a:bodyPr/>
+          <a:lstStyle/>
+          <a:p>
+            <a:pPr>
+              <a:defRPr/>
+            </a:pPr>
+            <a:fld id="{4F2367BF-7A57-4F5A-B357-719264272D2E}" type="slidenum">
+              <a:rPr lang="ru-RU" smtClean="0"/>
+              <a:pPr>
+                <a:defRPr/>
+              </a:pPr>
+              <a:t>19</a:t>
             </a:fld>
             <a:endParaRPr lang="ru-RU" dirty="0"/>
           </a:p>
@@ -8118,262 +8272,362 @@
           <a:p>
             <a:r>
               <a:rPr lang="ru-RU" dirty="0" smtClean="0"/>
-              <a:t>Метод ломанных</a:t>
+              <a:t>Монотонный метод глобального поиска</a:t>
             </a:r>
             <a:endParaRPr lang="ru-RU" dirty="0"/>
           </a:p>
         </p:txBody>
       </p:sp>
-      <p:sp>
-        <p:nvSpPr>
-          <p:cNvPr id="3" name="Объект 2"/>
-          <p:cNvSpPr>
-            <a:spLocks noGrp="1"/>
-          </p:cNvSpPr>
-          <p:nvPr>
-            <p:ph idx="1"/>
-          </p:nvPr>
-        </p:nvSpPr>
-        <p:spPr/>
-        <p:txBody>
-          <a:bodyPr/>
-          <a:lstStyle/>
-          <a:p>
-            <a:r>
-              <a:rPr lang="ru-RU" sz="3200" dirty="0" smtClean="0"/>
-              <a:t>Характеристика интервала</a:t>
-            </a:r>
-            <a:r>
-              <a:rPr lang="en-US" sz="3200" dirty="0" smtClean="0"/>
-              <a:t> (x</a:t>
-            </a:r>
-            <a:r>
-              <a:rPr lang="en-US" sz="3200" baseline="-25000" dirty="0" smtClean="0"/>
-              <a:t>i-1,</a:t>
-            </a:r>
-            <a:r>
-              <a:rPr lang="en-US" sz="3200" dirty="0" smtClean="0"/>
-              <a:t> x</a:t>
-            </a:r>
-            <a:r>
-              <a:rPr lang="en-US" sz="3200" baseline="-25000" dirty="0" smtClean="0"/>
-              <a:t>i</a:t>
-            </a:r>
-            <a:r>
-              <a:rPr lang="en-US" sz="3200" dirty="0" smtClean="0"/>
-              <a:t>), 1 &lt; </a:t>
-            </a:r>
-            <a:r>
-              <a:rPr lang="en-US" sz="3200" dirty="0" err="1" smtClean="0"/>
-              <a:t>i</a:t>
-            </a:r>
-            <a:r>
-              <a:rPr lang="en-US" sz="3200" dirty="0" smtClean="0"/>
-              <a:t> </a:t>
-            </a:r>
-            <a:r>
-              <a:rPr lang="ru-RU" sz="3200" dirty="0" smtClean="0"/>
-              <a:t>≤</a:t>
-            </a:r>
-            <a:r>
-              <a:rPr lang="en-US" sz="3200" dirty="0" smtClean="0"/>
-              <a:t> k:</a:t>
-            </a:r>
-            <a:endParaRPr lang="en-US" sz="3200" dirty="0"/>
-          </a:p>
-          <a:p>
-            <a:pPr marL="0" indent="0">
-              <a:buNone/>
-            </a:pPr>
-            <a:r>
-              <a:rPr lang="en-US" sz="3200" dirty="0" smtClean="0"/>
-              <a:t>	R(</a:t>
-            </a:r>
-            <a:r>
-              <a:rPr lang="en-US" sz="3200" dirty="0" err="1" smtClean="0"/>
-              <a:t>i</a:t>
-            </a:r>
-            <a:r>
-              <a:rPr lang="en-US" sz="3200" dirty="0" smtClean="0"/>
-              <a:t>) = 0,5 * M * (x</a:t>
-            </a:r>
-            <a:r>
-              <a:rPr lang="en-US" sz="3200" baseline="-25000" dirty="0" smtClean="0"/>
-              <a:t>i</a:t>
-            </a:r>
-            <a:r>
-              <a:rPr lang="en-US" sz="3200" dirty="0" smtClean="0"/>
-              <a:t> – x</a:t>
-            </a:r>
-            <a:r>
-              <a:rPr lang="en-US" sz="3200" baseline="-25000" dirty="0" smtClean="0"/>
-              <a:t>i-1</a:t>
-            </a:r>
-            <a:r>
-              <a:rPr lang="en-US" sz="3200" dirty="0" smtClean="0"/>
-              <a:t>) – 0,5 * ( f(x</a:t>
-            </a:r>
-            <a:r>
-              <a:rPr lang="en-US" sz="3200" baseline="-25000" dirty="0" smtClean="0"/>
-              <a:t>i</a:t>
-            </a:r>
-            <a:r>
-              <a:rPr lang="en-US" sz="3200" dirty="0" smtClean="0"/>
-              <a:t>) + f(x</a:t>
-            </a:r>
-            <a:r>
-              <a:rPr lang="en-US" sz="3200" baseline="-25000" dirty="0" smtClean="0"/>
-              <a:t>i-1</a:t>
-            </a:r>
-            <a:r>
-              <a:rPr lang="en-US" sz="3200" dirty="0" smtClean="0"/>
-              <a:t>))</a:t>
-            </a:r>
-            <a:endParaRPr lang="ru-RU" sz="3200" dirty="0" smtClean="0"/>
-          </a:p>
-          <a:p>
-            <a:pPr marL="0" indent="0">
-              <a:buNone/>
-            </a:pPr>
-            <a:endParaRPr lang="en-US" sz="3200" dirty="0" smtClean="0"/>
-          </a:p>
-          <a:p>
-            <a:r>
-              <a:rPr lang="ru-RU" sz="3200" dirty="0" smtClean="0"/>
-              <a:t>Правило выбора точки нового испытания:</a:t>
-            </a:r>
-          </a:p>
-          <a:p>
-            <a:pPr marL="0" indent="0">
-              <a:buNone/>
-            </a:pPr>
-            <a:r>
-              <a:rPr lang="ru-RU" sz="3200" dirty="0"/>
-              <a:t>	</a:t>
-            </a:r>
-            <a:r>
-              <a:rPr lang="en-US" sz="3200" dirty="0" smtClean="0"/>
-              <a:t>x</a:t>
-            </a:r>
-            <a:r>
-              <a:rPr lang="en-US" sz="3200" baseline="30000" dirty="0" smtClean="0"/>
-              <a:t>k+1</a:t>
-            </a:r>
-            <a:r>
-              <a:rPr lang="en-US" sz="3200" dirty="0" smtClean="0"/>
-              <a:t> = </a:t>
-            </a:r>
-            <a:r>
-              <a:rPr lang="en-US" sz="3200" dirty="0"/>
-              <a:t>0,5 </a:t>
-            </a:r>
-            <a:r>
-              <a:rPr lang="en-US" sz="3200" dirty="0" smtClean="0"/>
-              <a:t>* </a:t>
-            </a:r>
-            <a:r>
-              <a:rPr lang="en-US" sz="3200" dirty="0"/>
-              <a:t>(</a:t>
-            </a:r>
-            <a:r>
-              <a:rPr lang="en-US" sz="3200" dirty="0" smtClean="0"/>
-              <a:t>x</a:t>
-            </a:r>
-            <a:r>
-              <a:rPr lang="en-US" sz="3200" baseline="-25000" dirty="0" smtClean="0"/>
-              <a:t>t-1</a:t>
-            </a:r>
-            <a:r>
-              <a:rPr lang="en-US" sz="3200" dirty="0" smtClean="0"/>
-              <a:t> + </a:t>
-            </a:r>
-            <a:r>
-              <a:rPr lang="en-US" sz="3200" dirty="0" err="1" smtClean="0"/>
-              <a:t>x</a:t>
-            </a:r>
-            <a:r>
-              <a:rPr lang="en-US" sz="3200" baseline="-25000" dirty="0" err="1"/>
-              <a:t>t</a:t>
-            </a:r>
-            <a:r>
-              <a:rPr lang="en-US" sz="3200" dirty="0" smtClean="0"/>
-              <a:t>) </a:t>
-            </a:r>
-            <a:r>
-              <a:rPr lang="en-US" sz="3200" dirty="0"/>
-              <a:t>– 0,5 * ( f(x</a:t>
-            </a:r>
-            <a:r>
-              <a:rPr lang="en-US" sz="3200" baseline="-25000" dirty="0"/>
-              <a:t>i</a:t>
-            </a:r>
-            <a:r>
-              <a:rPr lang="en-US" sz="3200" dirty="0"/>
-              <a:t>) </a:t>
-            </a:r>
-            <a:r>
-              <a:rPr lang="en-US" sz="3200" dirty="0" smtClean="0"/>
-              <a:t>- </a:t>
-            </a:r>
-            <a:r>
-              <a:rPr lang="en-US" sz="3200" dirty="0"/>
-              <a:t>f(x</a:t>
-            </a:r>
-            <a:r>
-              <a:rPr lang="en-US" sz="3200" baseline="-25000" dirty="0"/>
-              <a:t>i-1</a:t>
-            </a:r>
-            <a:r>
-              <a:rPr lang="en-US" sz="3200" dirty="0" smtClean="0"/>
-              <a:t>)) / M</a:t>
-            </a:r>
-            <a:endParaRPr lang="ru-RU" sz="3200" dirty="0" smtClean="0"/>
-          </a:p>
-          <a:p>
-            <a:pPr marL="0" indent="0">
-              <a:buNone/>
-            </a:pPr>
-            <a:endParaRPr lang="ru-RU" sz="3200" dirty="0" smtClean="0"/>
-          </a:p>
-          <a:p>
-            <a:r>
-              <a:rPr lang="en-US" sz="3200" dirty="0" smtClean="0"/>
-              <a:t>M –</a:t>
-            </a:r>
-            <a:r>
-              <a:rPr lang="ru-RU" sz="3200" dirty="0" smtClean="0"/>
-              <a:t> оценка константы Липшица функции </a:t>
-            </a:r>
-            <a:r>
-              <a:rPr lang="en-US" sz="3200" dirty="0" smtClean="0"/>
-              <a:t>f(x) </a:t>
-            </a:r>
-            <a:r>
-              <a:rPr lang="ru-RU" sz="3200" dirty="0" smtClean="0"/>
-              <a:t>на интервале </a:t>
-            </a:r>
-            <a:r>
-              <a:rPr lang="en-US" sz="3200" dirty="0" smtClean="0"/>
-              <a:t>[</a:t>
-            </a:r>
-            <a:r>
-              <a:rPr lang="en-US" sz="3200" dirty="0" err="1" smtClean="0"/>
-              <a:t>a,b</a:t>
-            </a:r>
-            <a:r>
-              <a:rPr lang="en-US" sz="3200" dirty="0" smtClean="0"/>
-              <a:t>]</a:t>
-            </a:r>
-            <a:endParaRPr lang="en-US" sz="3200" dirty="0"/>
-          </a:p>
-          <a:p>
-            <a:pPr marL="0" indent="0">
-              <a:buNone/>
-            </a:pPr>
-            <a:endParaRPr lang="en-US" dirty="0" smtClean="0"/>
-          </a:p>
-        </p:txBody>
-      </p:sp>
+      <mc:AlternateContent xmlns:mc="http://schemas.openxmlformats.org/markup-compatibility/2006">
+        <mc:Choice xmlns:a14="http://schemas.microsoft.com/office/drawing/2010/main" Requires="a14">
+          <p:sp>
+            <p:nvSpPr>
+              <p:cNvPr id="3" name="Объект 2"/>
+              <p:cNvSpPr>
+                <a:spLocks noGrp="1"/>
+              </p:cNvSpPr>
+              <p:nvPr>
+                <p:ph idx="1"/>
+              </p:nvPr>
+            </p:nvSpPr>
+            <p:spPr/>
+            <p:txBody>
+              <a:bodyPr/>
+              <a:lstStyle/>
+              <a:p>
+                <a:r>
+                  <a:rPr lang="ru-RU" dirty="0" smtClean="0"/>
+                  <a:t>Отличи</a:t>
+                </a:r>
+                <a:r>
+                  <a:rPr lang="ru-RU" dirty="0"/>
+                  <a:t>е</a:t>
+                </a:r>
+                <a:r>
+                  <a:rPr lang="ru-RU" dirty="0" smtClean="0"/>
+                  <a:t> </a:t>
+                </a:r>
+                <a:r>
+                  <a:rPr lang="ru-RU" dirty="0" smtClean="0"/>
+                  <a:t>данного метода от метода глобального поиска в том, что метод глобального поиска применяется не к самой функции, а к её преобразованию</a:t>
+                </a:r>
+                <a:r>
+                  <a:rPr lang="en-US" dirty="0" smtClean="0"/>
+                  <a:t>:</a:t>
+                </a:r>
+                <a:endParaRPr lang="ru-RU" dirty="0" smtClean="0"/>
+              </a:p>
+              <a:p>
+                <a:endParaRPr lang="ru-RU" dirty="0" smtClean="0"/>
+              </a:p>
+              <a:p>
+                <a:pPr marL="0" indent="0">
+                  <a:buNone/>
+                </a:pPr>
+                <a14:m>
+                  <m:oMathPara xmlns:m="http://schemas.openxmlformats.org/officeDocument/2006/math">
+                    <m:oMathParaPr>
+                      <m:jc m:val="centerGroup"/>
+                    </m:oMathParaPr>
+                    <m:oMath xmlns:m="http://schemas.openxmlformats.org/officeDocument/2006/math">
+                      <m:r>
+                        <a:rPr lang="en-US" i="1">
+                          <a:latin typeface="Cambria Math" panose="02040503050406030204" pitchFamily="18" charset="0"/>
+                        </a:rPr>
+                        <m:t>𝐹</m:t>
+                      </m:r>
+                      <m:d>
+                        <m:dPr>
+                          <m:ctrlPr>
+                            <a:rPr lang="en-US" i="1">
+                              <a:latin typeface="Cambria Math" panose="02040503050406030204" pitchFamily="18" charset="0"/>
+                            </a:rPr>
+                          </m:ctrlPr>
+                        </m:dPr>
+                        <m:e>
+                          <m:r>
+                            <a:rPr lang="en-US" i="1">
+                              <a:latin typeface="Cambria Math" panose="02040503050406030204" pitchFamily="18" charset="0"/>
+                            </a:rPr>
+                            <m:t>𝑥</m:t>
+                          </m:r>
+                        </m:e>
+                      </m:d>
+                      <m:r>
+                        <a:rPr lang="en-US" i="1">
+                          <a:latin typeface="Cambria Math" panose="02040503050406030204" pitchFamily="18" charset="0"/>
+                        </a:rPr>
+                        <m:t>= </m:t>
+                      </m:r>
+                      <m:rad>
+                        <m:radPr>
+                          <m:degHide m:val="on"/>
+                          <m:ctrlPr>
+                            <a:rPr lang="en-US" i="1">
+                              <a:latin typeface="Cambria Math" panose="02040503050406030204" pitchFamily="18" charset="0"/>
+                            </a:rPr>
+                          </m:ctrlPr>
+                        </m:radPr>
+                        <m:deg/>
+                        <m:e>
+                          <m:r>
+                            <a:rPr lang="en-US" i="1">
+                              <a:latin typeface="Cambria Math" panose="02040503050406030204" pitchFamily="18" charset="0"/>
+                            </a:rPr>
+                            <m:t>1−</m:t>
+                          </m:r>
+                          <m:sSup>
+                            <m:sSupPr>
+                              <m:ctrlPr>
+                                <a:rPr lang="en-US" i="1">
+                                  <a:latin typeface="Cambria Math" panose="02040503050406030204" pitchFamily="18" charset="0"/>
+                                </a:rPr>
+                              </m:ctrlPr>
+                            </m:sSupPr>
+                            <m:e>
+                              <m:d>
+                                <m:dPr>
+                                  <m:ctrlPr>
+                                    <a:rPr lang="en-US" i="1">
+                                      <a:latin typeface="Cambria Math" panose="02040503050406030204" pitchFamily="18" charset="0"/>
+                                    </a:rPr>
+                                  </m:ctrlPr>
+                                </m:dPr>
+                                <m:e>
+                                  <m:f>
+                                    <m:fPr>
+                                      <m:ctrlPr>
+                                        <a:rPr lang="en-US" i="1">
+                                          <a:latin typeface="Cambria Math" panose="02040503050406030204" pitchFamily="18" charset="0"/>
+                                        </a:rPr>
+                                      </m:ctrlPr>
+                                    </m:fPr>
+                                    <m:num>
+                                      <m:sSubSup>
+                                        <m:sSubSupPr>
+                                          <m:ctrlPr>
+                                            <a:rPr lang="en-US" i="1">
+                                              <a:latin typeface="Cambria Math" panose="02040503050406030204" pitchFamily="18" charset="0"/>
+                                            </a:rPr>
+                                          </m:ctrlPr>
+                                        </m:sSubSupPr>
+                                        <m:e>
+                                          <m:r>
+                                            <a:rPr lang="en-US" i="1">
+                                              <a:latin typeface="Cambria Math" panose="02040503050406030204" pitchFamily="18" charset="0"/>
+                                            </a:rPr>
+                                            <m:t>𝑧</m:t>
+                                          </m:r>
+                                        </m:e>
+                                        <m:sub>
+                                          <m:r>
+                                            <a:rPr lang="en-US" i="1">
+                                              <a:latin typeface="Cambria Math" panose="02040503050406030204" pitchFamily="18" charset="0"/>
+                                            </a:rPr>
+                                            <m:t>𝑘</m:t>
+                                          </m:r>
+                                        </m:sub>
+                                        <m:sup>
+                                          <m:r>
+                                            <a:rPr lang="ru-RU" i="1">
+                                              <a:latin typeface="Cambria Math" panose="02040503050406030204" pitchFamily="18" charset="0"/>
+                                            </a:rPr>
+                                            <m:t>+</m:t>
+                                          </m:r>
+                                        </m:sup>
+                                      </m:sSubSup>
+                                      <m:r>
+                                        <a:rPr lang="en-US" i="1">
+                                          <a:latin typeface="Cambria Math" panose="02040503050406030204" pitchFamily="18" charset="0"/>
+                                        </a:rPr>
+                                        <m:t>−</m:t>
+                                      </m:r>
+                                      <m:r>
+                                        <a:rPr lang="en-US" i="1">
+                                          <a:latin typeface="Cambria Math" panose="02040503050406030204" pitchFamily="18" charset="0"/>
+                                        </a:rPr>
+                                        <m:t>𝑓</m:t>
+                                      </m:r>
+                                      <m:r>
+                                        <a:rPr lang="en-US" i="1">
+                                          <a:latin typeface="Cambria Math" panose="02040503050406030204" pitchFamily="18" charset="0"/>
+                                        </a:rPr>
+                                        <m:t>(</m:t>
+                                      </m:r>
+                                      <m:r>
+                                        <a:rPr lang="en-US" i="1">
+                                          <a:latin typeface="Cambria Math" panose="02040503050406030204" pitchFamily="18" charset="0"/>
+                                        </a:rPr>
+                                        <m:t>𝑥</m:t>
+                                      </m:r>
+                                      <m:r>
+                                        <a:rPr lang="en-US" i="1">
+                                          <a:latin typeface="Cambria Math" panose="02040503050406030204" pitchFamily="18" charset="0"/>
+                                        </a:rPr>
+                                        <m:t>)</m:t>
+                                      </m:r>
+                                    </m:num>
+                                    <m:den>
+                                      <m:sSubSup>
+                                        <m:sSubSupPr>
+                                          <m:ctrlPr>
+                                            <a:rPr lang="en-US" i="1">
+                                              <a:latin typeface="Cambria Math" panose="02040503050406030204" pitchFamily="18" charset="0"/>
+                                            </a:rPr>
+                                          </m:ctrlPr>
+                                        </m:sSubSupPr>
+                                        <m:e>
+                                          <m:r>
+                                            <a:rPr lang="en-US" i="1">
+                                              <a:latin typeface="Cambria Math" panose="02040503050406030204" pitchFamily="18" charset="0"/>
+                                            </a:rPr>
+                                            <m:t>𝑧</m:t>
+                                          </m:r>
+                                        </m:e>
+                                        <m:sub>
+                                          <m:r>
+                                            <a:rPr lang="en-US" i="1">
+                                              <a:latin typeface="Cambria Math" panose="02040503050406030204" pitchFamily="18" charset="0"/>
+                                            </a:rPr>
+                                            <m:t>𝑘</m:t>
+                                          </m:r>
+                                        </m:sub>
+                                        <m:sup>
+                                          <m:r>
+                                            <a:rPr lang="en-US" i="1">
+                                              <a:latin typeface="Cambria Math" panose="02040503050406030204" pitchFamily="18" charset="0"/>
+                                            </a:rPr>
+                                            <m:t>+</m:t>
+                                          </m:r>
+                                        </m:sup>
+                                      </m:sSubSup>
+                                      <m:r>
+                                        <a:rPr lang="en-US" i="1">
+                                          <a:latin typeface="Cambria Math" panose="02040503050406030204" pitchFamily="18" charset="0"/>
+                                        </a:rPr>
+                                        <m:t>−</m:t>
+                                      </m:r>
+                                      <m:sSubSup>
+                                        <m:sSubSupPr>
+                                          <m:ctrlPr>
+                                            <a:rPr lang="en-US" i="1">
+                                              <a:latin typeface="Cambria Math" panose="02040503050406030204" pitchFamily="18" charset="0"/>
+                                            </a:rPr>
+                                          </m:ctrlPr>
+                                        </m:sSubSupPr>
+                                        <m:e>
+                                          <m:r>
+                                            <a:rPr lang="en-US" i="1">
+                                              <a:latin typeface="Cambria Math" panose="02040503050406030204" pitchFamily="18" charset="0"/>
+                                            </a:rPr>
+                                            <m:t>𝑧</m:t>
+                                          </m:r>
+                                        </m:e>
+                                        <m:sub>
+                                          <m:r>
+                                            <a:rPr lang="en-US" i="1">
+                                              <a:latin typeface="Cambria Math" panose="02040503050406030204" pitchFamily="18" charset="0"/>
+                                            </a:rPr>
+                                            <m:t>𝑘</m:t>
+                                          </m:r>
+                                        </m:sub>
+                                        <m:sup>
+                                          <m:r>
+                                            <a:rPr lang="en-US" i="1">
+                                              <a:latin typeface="Cambria Math" panose="02040503050406030204" pitchFamily="18" charset="0"/>
+                                            </a:rPr>
+                                            <m:t>∗</m:t>
+                                          </m:r>
+                                        </m:sup>
+                                      </m:sSubSup>
+                                    </m:den>
+                                  </m:f>
+                                </m:e>
+                              </m:d>
+                            </m:e>
+                            <m:sup>
+                              <m:r>
+                                <a:rPr lang="en-US" i="1">
+                                  <a:latin typeface="Cambria Math" panose="02040503050406030204" pitchFamily="18" charset="0"/>
+                                </a:rPr>
+                                <m:t>2</m:t>
+                              </m:r>
+                            </m:sup>
+                          </m:sSup>
+                        </m:e>
+                      </m:rad>
+                    </m:oMath>
+                  </m:oMathPara>
+                </a14:m>
+                <a:endParaRPr lang="ru-RU" dirty="0" smtClean="0"/>
+              </a:p>
+              <a:p>
+                <a:pPr marL="0" indent="0">
+                  <a:buNone/>
+                </a:pPr>
+                <a:endParaRPr lang="en-US" dirty="0" smtClean="0"/>
+              </a:p>
+              <a:p>
+                <a:r>
+                  <a:rPr lang="ru-RU" dirty="0" smtClean="0"/>
+                  <a:t>Данный метод сохраняет расположение точки глобального минимума, но может ускорить сходимость, если функция гладкая в окрестности минимума.</a:t>
+                </a:r>
+              </a:p>
+              <a:p>
+                <a:pPr marL="0" indent="0">
+                  <a:buNone/>
+                </a:pPr>
+                <a:endParaRPr lang="en-US" dirty="0" smtClean="0"/>
+              </a:p>
+              <a:p>
+                <a:pPr marL="0" indent="0">
+                  <a:buNone/>
+                </a:pPr>
+                <a:endParaRPr lang="en-US" dirty="0"/>
+              </a:p>
+              <a:p>
+                <a:pPr marL="0" indent="0">
+                  <a:buNone/>
+                </a:pPr>
+                <a:endParaRPr lang="ru-RU" dirty="0"/>
+              </a:p>
+            </p:txBody>
+          </p:sp>
+        </mc:Choice>
+        <mc:Fallback>
+          <p:sp>
+            <p:nvSpPr>
+              <p:cNvPr id="3" name="Объект 2"/>
+              <p:cNvSpPr>
+                <a:spLocks noGrp="1" noRot="1" noChangeAspect="1" noMove="1" noResize="1" noEditPoints="1" noAdjustHandles="1" noChangeArrowheads="1" noChangeShapeType="1" noTextEdit="1"/>
+              </p:cNvSpPr>
+              <p:nvPr>
+                <p:ph idx="1"/>
+              </p:nvPr>
+            </p:nvSpPr>
+            <p:spPr>
+              <a:blipFill>
+                <a:blip r:embed="rId2"/>
+                <a:stretch>
+                  <a:fillRect l="-513" t="-847" r="-962"/>
+                </a:stretch>
+              </a:blipFill>
+            </p:spPr>
+            <p:txBody>
+              <a:bodyPr/>
+              <a:lstStyle/>
+              <a:p>
+                <a:r>
+                  <a:rPr lang="ru-RU">
+                    <a:noFill/>
+                  </a:rPr>
+                  <a:t> </a:t>
+                </a:r>
+              </a:p>
+            </p:txBody>
+          </p:sp>
+        </mc:Fallback>
+      </mc:AlternateContent>
       <p:sp>
         <p:nvSpPr>
           <p:cNvPr id="4" name="Дата 3"/>
@@ -8456,6 +8710,396 @@
                 <a:defRPr/>
               </a:pPr>
               <a:t>7</a:t>
+            </a:fld>
+            <a:endParaRPr lang="ru-RU" dirty="0"/>
+          </a:p>
+        </p:txBody>
+      </p:sp>
+    </p:spTree>
+    <p:extLst>
+      <p:ext uri="{BB962C8B-B14F-4D97-AF65-F5344CB8AC3E}">
+        <p14:creationId xmlns:p14="http://schemas.microsoft.com/office/powerpoint/2010/main" val="1799895479"/>
+      </p:ext>
+    </p:extLst>
+  </p:cSld>
+  <p:clrMapOvr>
+    <a:masterClrMapping/>
+  </p:clrMapOvr>
+</p:sld>
+</file>
+
+<file path=ppt/slides/slide8.xml><?xml version="1.0" encoding="utf-8"?>
+<p:sld xmlns:a="http://schemas.openxmlformats.org/drawingml/2006/main" xmlns:r="http://schemas.openxmlformats.org/officeDocument/2006/relationships" xmlns:p="http://schemas.openxmlformats.org/presentationml/2006/main">
+  <p:cSld>
+    <p:spTree>
+      <p:nvGrpSpPr>
+        <p:cNvPr id="1" name=""/>
+        <p:cNvGrpSpPr/>
+        <p:nvPr/>
+      </p:nvGrpSpPr>
+      <p:grpSpPr>
+        <a:xfrm>
+          <a:off x="0" y="0"/>
+          <a:ext cx="0" cy="0"/>
+          <a:chOff x="0" y="0"/>
+          <a:chExt cx="0" cy="0"/>
+        </a:xfrm>
+      </p:grpSpPr>
+      <p:sp>
+        <p:nvSpPr>
+          <p:cNvPr id="2" name="Заголовок 1"/>
+          <p:cNvSpPr>
+            <a:spLocks noGrp="1"/>
+          </p:cNvSpPr>
+          <p:nvPr>
+            <p:ph type="title"/>
+          </p:nvPr>
+        </p:nvSpPr>
+        <p:spPr/>
+        <p:txBody>
+          <a:bodyPr/>
+          <a:lstStyle/>
+          <a:p>
+            <a:r>
+              <a:rPr lang="ru-RU" dirty="0" smtClean="0"/>
+              <a:t>Метод ломанных</a:t>
+            </a:r>
+            <a:endParaRPr lang="ru-RU" dirty="0"/>
+          </a:p>
+        </p:txBody>
+      </p:sp>
+      <p:sp>
+        <p:nvSpPr>
+          <p:cNvPr id="3" name="Объект 2"/>
+          <p:cNvSpPr>
+            <a:spLocks noGrp="1"/>
+          </p:cNvSpPr>
+          <p:nvPr>
+            <p:ph idx="1"/>
+          </p:nvPr>
+        </p:nvSpPr>
+        <p:spPr/>
+        <p:txBody>
+          <a:bodyPr/>
+          <a:lstStyle/>
+          <a:p>
+            <a:r>
+              <a:rPr lang="ru-RU" sz="3200" dirty="0" smtClean="0"/>
+              <a:t>Характеристика интервала</a:t>
+            </a:r>
+            <a:r>
+              <a:rPr lang="en-US" sz="3200" dirty="0" smtClean="0"/>
+              <a:t> (x</a:t>
+            </a:r>
+            <a:r>
+              <a:rPr lang="en-US" sz="3200" baseline="-25000" dirty="0" smtClean="0"/>
+              <a:t>i-1,</a:t>
+            </a:r>
+            <a:r>
+              <a:rPr lang="en-US" sz="3200" dirty="0" smtClean="0"/>
+              <a:t> x</a:t>
+            </a:r>
+            <a:r>
+              <a:rPr lang="en-US" sz="3200" baseline="-25000" dirty="0" smtClean="0"/>
+              <a:t>i</a:t>
+            </a:r>
+            <a:r>
+              <a:rPr lang="en-US" sz="3200" dirty="0" smtClean="0"/>
+              <a:t>), 1 &lt; </a:t>
+            </a:r>
+            <a:r>
+              <a:rPr lang="en-US" sz="3200" dirty="0" err="1" smtClean="0"/>
+              <a:t>i</a:t>
+            </a:r>
+            <a:r>
+              <a:rPr lang="en-US" sz="3200" dirty="0" smtClean="0"/>
+              <a:t> </a:t>
+            </a:r>
+            <a:r>
+              <a:rPr lang="ru-RU" sz="3200" dirty="0" smtClean="0"/>
+              <a:t>≤</a:t>
+            </a:r>
+            <a:r>
+              <a:rPr lang="en-US" sz="3200" dirty="0" smtClean="0"/>
+              <a:t> k:</a:t>
+            </a:r>
+            <a:endParaRPr lang="en-US" sz="3200" dirty="0"/>
+          </a:p>
+          <a:p>
+            <a:pPr marL="0" indent="0">
+              <a:buNone/>
+            </a:pPr>
+            <a:r>
+              <a:rPr lang="en-US" sz="3200" dirty="0" smtClean="0"/>
+              <a:t>	R(</a:t>
+            </a:r>
+            <a:r>
+              <a:rPr lang="en-US" sz="3200" dirty="0" err="1" smtClean="0"/>
+              <a:t>i</a:t>
+            </a:r>
+            <a:r>
+              <a:rPr lang="en-US" sz="3200" dirty="0" smtClean="0"/>
+              <a:t>) = 0,5 * M * (x</a:t>
+            </a:r>
+            <a:r>
+              <a:rPr lang="en-US" sz="3200" baseline="-25000" dirty="0" smtClean="0"/>
+              <a:t>i</a:t>
+            </a:r>
+            <a:r>
+              <a:rPr lang="en-US" sz="3200" dirty="0" smtClean="0"/>
+              <a:t> – x</a:t>
+            </a:r>
+            <a:r>
+              <a:rPr lang="en-US" sz="3200" baseline="-25000" dirty="0" smtClean="0"/>
+              <a:t>i-1</a:t>
+            </a:r>
+            <a:r>
+              <a:rPr lang="en-US" sz="3200" dirty="0" smtClean="0"/>
+              <a:t>) – 0,5 * ( f(x</a:t>
+            </a:r>
+            <a:r>
+              <a:rPr lang="en-US" sz="3200" baseline="-25000" dirty="0" smtClean="0"/>
+              <a:t>i</a:t>
+            </a:r>
+            <a:r>
+              <a:rPr lang="en-US" sz="3200" dirty="0" smtClean="0"/>
+              <a:t>) + f(x</a:t>
+            </a:r>
+            <a:r>
+              <a:rPr lang="en-US" sz="3200" baseline="-25000" dirty="0" smtClean="0"/>
+              <a:t>i-1</a:t>
+            </a:r>
+            <a:r>
+              <a:rPr lang="en-US" sz="3200" dirty="0" smtClean="0"/>
+              <a:t>))</a:t>
+            </a:r>
+            <a:endParaRPr lang="ru-RU" sz="3200" dirty="0" smtClean="0"/>
+          </a:p>
+          <a:p>
+            <a:pPr marL="0" indent="0">
+              <a:buNone/>
+            </a:pPr>
+            <a:endParaRPr lang="en-US" sz="3200" dirty="0" smtClean="0"/>
+          </a:p>
+          <a:p>
+            <a:r>
+              <a:rPr lang="ru-RU" sz="3200" dirty="0" smtClean="0"/>
+              <a:t>Правило выбора точки нового испытания:</a:t>
+            </a:r>
+          </a:p>
+          <a:p>
+            <a:pPr marL="0" indent="0">
+              <a:buNone/>
+            </a:pPr>
+            <a:r>
+              <a:rPr lang="ru-RU" sz="3200" dirty="0"/>
+              <a:t>	</a:t>
+            </a:r>
+            <a:r>
+              <a:rPr lang="en-US" sz="3200" dirty="0" smtClean="0"/>
+              <a:t>x</a:t>
+            </a:r>
+            <a:r>
+              <a:rPr lang="en-US" sz="3200" baseline="30000" dirty="0" smtClean="0"/>
+              <a:t>k+1</a:t>
+            </a:r>
+            <a:r>
+              <a:rPr lang="en-US" sz="3200" dirty="0" smtClean="0"/>
+              <a:t> = </a:t>
+            </a:r>
+            <a:r>
+              <a:rPr lang="en-US" sz="3200" dirty="0"/>
+              <a:t>0,5 </a:t>
+            </a:r>
+            <a:r>
+              <a:rPr lang="en-US" sz="3200" dirty="0" smtClean="0"/>
+              <a:t>* </a:t>
+            </a:r>
+            <a:r>
+              <a:rPr lang="en-US" sz="3200" dirty="0"/>
+              <a:t>(</a:t>
+            </a:r>
+            <a:r>
+              <a:rPr lang="en-US" sz="3200" dirty="0" smtClean="0"/>
+              <a:t>x</a:t>
+            </a:r>
+            <a:r>
+              <a:rPr lang="en-US" sz="3200" baseline="-25000" dirty="0" smtClean="0"/>
+              <a:t>t-1</a:t>
+            </a:r>
+            <a:r>
+              <a:rPr lang="en-US" sz="3200" dirty="0" smtClean="0"/>
+              <a:t> + </a:t>
+            </a:r>
+            <a:r>
+              <a:rPr lang="en-US" sz="3200" dirty="0" err="1" smtClean="0"/>
+              <a:t>x</a:t>
+            </a:r>
+            <a:r>
+              <a:rPr lang="en-US" sz="3200" baseline="-25000" dirty="0" err="1"/>
+              <a:t>t</a:t>
+            </a:r>
+            <a:r>
+              <a:rPr lang="en-US" sz="3200" dirty="0" smtClean="0"/>
+              <a:t>) </a:t>
+            </a:r>
+            <a:r>
+              <a:rPr lang="en-US" sz="3200" dirty="0"/>
+              <a:t>– 0,5 * ( f(x</a:t>
+            </a:r>
+            <a:r>
+              <a:rPr lang="en-US" sz="3200" baseline="-25000" dirty="0"/>
+              <a:t>i</a:t>
+            </a:r>
+            <a:r>
+              <a:rPr lang="en-US" sz="3200" dirty="0"/>
+              <a:t>) </a:t>
+            </a:r>
+            <a:r>
+              <a:rPr lang="en-US" sz="3200" dirty="0" smtClean="0"/>
+              <a:t>- </a:t>
+            </a:r>
+            <a:r>
+              <a:rPr lang="en-US" sz="3200" dirty="0"/>
+              <a:t>f(x</a:t>
+            </a:r>
+            <a:r>
+              <a:rPr lang="en-US" sz="3200" baseline="-25000" dirty="0"/>
+              <a:t>i-1</a:t>
+            </a:r>
+            <a:r>
+              <a:rPr lang="en-US" sz="3200" dirty="0" smtClean="0"/>
+              <a:t>)) / M</a:t>
+            </a:r>
+            <a:endParaRPr lang="ru-RU" sz="3200" dirty="0" smtClean="0"/>
+          </a:p>
+          <a:p>
+            <a:pPr marL="0" indent="0">
+              <a:buNone/>
+            </a:pPr>
+            <a:endParaRPr lang="ru-RU" sz="3200" dirty="0" smtClean="0"/>
+          </a:p>
+          <a:p>
+            <a:r>
+              <a:rPr lang="en-US" sz="3200" dirty="0" smtClean="0"/>
+              <a:t>M –</a:t>
+            </a:r>
+            <a:r>
+              <a:rPr lang="ru-RU" sz="3200" dirty="0" smtClean="0"/>
+              <a:t> оценка константы Липшица функции </a:t>
+            </a:r>
+            <a:r>
+              <a:rPr lang="en-US" sz="3200" dirty="0" smtClean="0"/>
+              <a:t>f(x) </a:t>
+            </a:r>
+            <a:r>
+              <a:rPr lang="ru-RU" sz="3200" dirty="0" smtClean="0"/>
+              <a:t>на интервале </a:t>
+            </a:r>
+            <a:r>
+              <a:rPr lang="en-US" sz="3200" dirty="0" smtClean="0"/>
+              <a:t>[</a:t>
+            </a:r>
+            <a:r>
+              <a:rPr lang="en-US" sz="3200" dirty="0" err="1" smtClean="0"/>
+              <a:t>a,b</a:t>
+            </a:r>
+            <a:r>
+              <a:rPr lang="en-US" sz="3200" dirty="0" smtClean="0"/>
+              <a:t>]</a:t>
+            </a:r>
+            <a:endParaRPr lang="en-US" sz="3200" dirty="0"/>
+          </a:p>
+          <a:p>
+            <a:pPr marL="0" indent="0">
+              <a:buNone/>
+            </a:pPr>
+            <a:endParaRPr lang="en-US" dirty="0" smtClean="0"/>
+          </a:p>
+        </p:txBody>
+      </p:sp>
+      <p:sp>
+        <p:nvSpPr>
+          <p:cNvPr id="4" name="Дата 3"/>
+          <p:cNvSpPr>
+            <a:spLocks noGrp="1"/>
+          </p:cNvSpPr>
+          <p:nvPr>
+            <p:ph type="dt" sz="half" idx="2"/>
+          </p:nvPr>
+        </p:nvSpPr>
+        <p:spPr/>
+        <p:txBody>
+          <a:bodyPr/>
+          <a:lstStyle/>
+          <a:p>
+            <a:pPr>
+              <a:lnSpc>
+                <a:spcPct val="150000"/>
+              </a:lnSpc>
+              <a:defRPr/>
+            </a:pPr>
+            <a:r>
+              <a:rPr lang="ru-RU" smtClean="0"/>
+              <a:t>Нижний Новгород, 2017 г.</a:t>
+            </a:r>
+            <a:endParaRPr lang="ru-RU" dirty="0"/>
+          </a:p>
+        </p:txBody>
+      </p:sp>
+      <p:sp>
+        <p:nvSpPr>
+          <p:cNvPr id="5" name="Нижний колонтитул 4"/>
+          <p:cNvSpPr>
+            <a:spLocks noGrp="1"/>
+          </p:cNvSpPr>
+          <p:nvPr>
+            <p:ph type="ftr" sz="quarter" idx="3"/>
+          </p:nvPr>
+        </p:nvSpPr>
+        <p:spPr/>
+        <p:txBody>
+          <a:bodyPr/>
+          <a:lstStyle/>
+          <a:p>
+            <a:pPr>
+              <a:lnSpc>
+                <a:spcPct val="150000"/>
+              </a:lnSpc>
+              <a:defRPr/>
+            </a:pPr>
+            <a:r>
+              <a:rPr lang="ru-RU" smtClean="0"/>
+              <a:t>Мини-проект по глобальной оптимизации</a:t>
+            </a:r>
+            <a:endParaRPr lang="ru-RU" dirty="0" smtClean="0"/>
+          </a:p>
+        </p:txBody>
+      </p:sp>
+      <p:sp>
+        <p:nvSpPr>
+          <p:cNvPr id="6" name="Номер слайда 5"/>
+          <p:cNvSpPr>
+            <a:spLocks noGrp="1"/>
+          </p:cNvSpPr>
+          <p:nvPr>
+            <p:ph type="sldNum" sz="quarter" idx="4"/>
+          </p:nvPr>
+        </p:nvSpPr>
+        <p:spPr/>
+        <p:txBody>
+          <a:bodyPr/>
+          <a:lstStyle/>
+          <a:p>
+            <a:pPr>
+              <a:defRPr/>
+            </a:pPr>
+            <a:fld id="{4F2367BF-7A57-4F5A-B357-719264272D2E}" type="slidenum">
+              <a:rPr lang="ru-RU" smtClean="0"/>
+              <a:pPr>
+                <a:defRPr/>
+              </a:pPr>
+              <a:t>8</a:t>
             </a:fld>
             <a:endParaRPr lang="ru-RU" dirty="0"/>
           </a:p>
@@ -8481,7 +9125,7 @@
 </p:sld>
 </file>
 
-<file path=ppt/slides/slide8.xml><?xml version="1.0" encoding="utf-8"?>
+<file path=ppt/slides/slide9.xml><?xml version="1.0" encoding="utf-8"?>
 <p:sld xmlns:a="http://schemas.openxmlformats.org/drawingml/2006/main" xmlns:r="http://schemas.openxmlformats.org/officeDocument/2006/relationships" xmlns:p="http://schemas.openxmlformats.org/presentationml/2006/main">
   <p:cSld>
     <p:spTree>
@@ -8634,7 +9278,7 @@
               <a:pPr>
                 <a:defRPr/>
               </a:pPr>
-              <a:t>8</a:t>
+              <a:t>9</a:t>
             </a:fld>
             <a:endParaRPr lang="ru-RU" dirty="0"/>
           </a:p>
@@ -9556,159 +10200,6 @@
       </p:par>
     </p:tnLst>
   </p:timing>
-</p:sld>
-</file>
-
-<file path=ppt/slides/slide9.xml><?xml version="1.0" encoding="utf-8"?>
-<p:sld xmlns:a="http://schemas.openxmlformats.org/drawingml/2006/main" xmlns:r="http://schemas.openxmlformats.org/officeDocument/2006/relationships" xmlns:p="http://schemas.openxmlformats.org/presentationml/2006/main">
-  <p:cSld>
-    <p:spTree>
-      <p:nvGrpSpPr>
-        <p:cNvPr id="1" name=""/>
-        <p:cNvGrpSpPr/>
-        <p:nvPr/>
-      </p:nvGrpSpPr>
-      <p:grpSpPr>
-        <a:xfrm>
-          <a:off x="0" y="0"/>
-          <a:ext cx="0" cy="0"/>
-          <a:chOff x="0" y="0"/>
-          <a:chExt cx="0" cy="0"/>
-        </a:xfrm>
-      </p:grpSpPr>
-      <p:sp>
-        <p:nvSpPr>
-          <p:cNvPr id="2" name="Заголовок 1"/>
-          <p:cNvSpPr>
-            <a:spLocks noGrp="1"/>
-          </p:cNvSpPr>
-          <p:nvPr>
-            <p:ph type="title"/>
-          </p:nvPr>
-        </p:nvSpPr>
-        <p:spPr/>
-        <p:txBody>
-          <a:bodyPr/>
-          <a:lstStyle/>
-          <a:p>
-            <a:r>
-              <a:rPr lang="ru-RU" dirty="0" smtClean="0"/>
-              <a:t>Реализация компонент</a:t>
-            </a:r>
-            <a:endParaRPr lang="ru-RU" dirty="0"/>
-          </a:p>
-        </p:txBody>
-      </p:sp>
-      <p:sp>
-        <p:nvSpPr>
-          <p:cNvPr id="3" name="Содержимое 2"/>
-          <p:cNvSpPr>
-            <a:spLocks noGrp="1"/>
-          </p:cNvSpPr>
-          <p:nvPr>
-            <p:ph idx="1"/>
-          </p:nvPr>
-        </p:nvSpPr>
-        <p:spPr/>
-        <p:txBody>
-          <a:bodyPr/>
-          <a:lstStyle/>
-          <a:p>
-            <a:endParaRPr lang="ru-RU" dirty="0" smtClean="0"/>
-          </a:p>
-        </p:txBody>
-      </p:sp>
-      <p:sp>
-        <p:nvSpPr>
-          <p:cNvPr id="6" name="Дата 5"/>
-          <p:cNvSpPr>
-            <a:spLocks noGrp="1"/>
-          </p:cNvSpPr>
-          <p:nvPr>
-            <p:ph type="dt" sz="half" idx="2"/>
-          </p:nvPr>
-        </p:nvSpPr>
-        <p:spPr/>
-        <p:txBody>
-          <a:bodyPr/>
-          <a:lstStyle/>
-          <a:p>
-            <a:pPr>
-              <a:defRPr/>
-            </a:pPr>
-            <a:r>
-              <a:rPr lang="ru-RU" smtClean="0"/>
-              <a:t>Нижний Новгород, 2017 г.</a:t>
-            </a:r>
-            <a:endParaRPr lang="ru-RU" dirty="0"/>
-          </a:p>
-        </p:txBody>
-      </p:sp>
-      <p:sp>
-        <p:nvSpPr>
-          <p:cNvPr id="7" name="Номер слайда 6"/>
-          <p:cNvSpPr>
-            <a:spLocks noGrp="1"/>
-          </p:cNvSpPr>
-          <p:nvPr>
-            <p:ph type="sldNum" sz="quarter" idx="4"/>
-          </p:nvPr>
-        </p:nvSpPr>
-        <p:spPr/>
-        <p:txBody>
-          <a:bodyPr/>
-          <a:lstStyle/>
-          <a:p>
-            <a:pPr>
-              <a:defRPr/>
-            </a:pPr>
-            <a:fld id="{4F2367BF-7A57-4F5A-B357-719264272D2E}" type="slidenum">
-              <a:rPr lang="ru-RU" smtClean="0"/>
-              <a:pPr>
-                <a:defRPr/>
-              </a:pPr>
-              <a:t>9</a:t>
-            </a:fld>
-            <a:endParaRPr lang="ru-RU" dirty="0"/>
-          </a:p>
-        </p:txBody>
-      </p:sp>
-      <p:sp>
-        <p:nvSpPr>
-          <p:cNvPr id="8" name="Нижний колонтитул 7"/>
-          <p:cNvSpPr>
-            <a:spLocks noGrp="1"/>
-          </p:cNvSpPr>
-          <p:nvPr>
-            <p:ph type="ftr" sz="quarter" idx="3"/>
-          </p:nvPr>
-        </p:nvSpPr>
-        <p:spPr/>
-        <p:txBody>
-          <a:bodyPr/>
-          <a:lstStyle/>
-          <a:p>
-            <a:pPr>
-              <a:defRPr/>
-            </a:pPr>
-            <a:r>
-              <a:rPr lang="ru-RU" smtClean="0"/>
-              <a:t>Мини-проект по глобальной оптимизации</a:t>
-            </a:r>
-            <a:endParaRPr lang="ru-RU" dirty="0"/>
-          </a:p>
-        </p:txBody>
-      </p:sp>
-    </p:spTree>
-    <p:extLst>
-      <p:ext uri="{BB962C8B-B14F-4D97-AF65-F5344CB8AC3E}">
-        <p14:creationId xmlns:p14="http://schemas.microsoft.com/office/powerpoint/2010/main" val="1020934698"/>
-      </p:ext>
-    </p:extLst>
-  </p:cSld>
-  <p:clrMapOvr>
-    <a:masterClrMapping/>
-  </p:clrMapOvr>
 </p:sld>
 </file>
 

--- a/storage structure.pptx
+++ b/storage structure.pptx
@@ -5,7 +5,7 @@
     <p:sldMasterId id="2147483660" r:id="rId1"/>
   </p:sldMasterIdLst>
   <p:notesMasterIdLst>
-    <p:notesMasterId r:id="rId21"/>
+    <p:notesMasterId r:id="rId22"/>
   </p:notesMasterIdLst>
   <p:sldIdLst>
     <p:sldId id="272" r:id="rId2"/>
@@ -25,8 +25,9 @@
     <p:sldId id="293" r:id="rId16"/>
     <p:sldId id="287" r:id="rId17"/>
     <p:sldId id="288" r:id="rId18"/>
-    <p:sldId id="284" r:id="rId19"/>
-    <p:sldId id="282" r:id="rId20"/>
+    <p:sldId id="299" r:id="rId19"/>
+    <p:sldId id="300" r:id="rId20"/>
+    <p:sldId id="282" r:id="rId21"/>
   </p:sldIdLst>
   <p:sldSz cx="9906000" cy="6858000" type="A4"/>
   <p:notesSz cx="6858000" cy="9144000"/>
@@ -3294,6 +3295,13 @@
   <p:transition spd="slow">
     <p:cut/>
   </p:transition>
+  <p:timing>
+    <p:tnLst>
+      <p:par>
+        <p:cTn id="1" dur="indefinite" restart="never" nodeType="tmRoot"/>
+      </p:par>
+    </p:tnLst>
+  </p:timing>
 </p:sld>
 </file>
 
@@ -3447,6 +3455,13 @@
   <p:clrMapOvr>
     <a:masterClrMapping/>
   </p:clrMapOvr>
+  <p:timing>
+    <p:tnLst>
+      <p:par>
+        <p:cTn id="1" dur="indefinite" restart="never" nodeType="tmRoot"/>
+      </p:par>
+    </p:tnLst>
+  </p:timing>
 </p:sld>
 </file>
 
@@ -3665,6 +3680,13 @@
   <p:clrMapOvr>
     <a:masterClrMapping/>
   </p:clrMapOvr>
+  <p:timing>
+    <p:tnLst>
+      <p:par>
+        <p:cTn id="1" dur="indefinite" restart="never" nodeType="tmRoot"/>
+      </p:par>
+    </p:tnLst>
+  </p:timing>
 </p:sld>
 </file>
 
@@ -3890,6 +3912,13 @@
   <p:clrMapOvr>
     <a:masterClrMapping/>
   </p:clrMapOvr>
+  <p:timing>
+    <p:tnLst>
+      <p:par>
+        <p:cTn id="1" dur="indefinite" restart="never" nodeType="tmRoot"/>
+      </p:par>
+    </p:tnLst>
+  </p:timing>
 </p:sld>
 </file>
 
@@ -4863,6 +4892,13 @@
   <p:clrMapOvr>
     <a:masterClrMapping/>
   </p:clrMapOvr>
+  <p:timing>
+    <p:tnLst>
+      <p:par>
+        <p:cTn id="1" dur="indefinite" restart="never" nodeType="tmRoot"/>
+      </p:par>
+    </p:tnLst>
+  </p:timing>
 </p:sld>
 </file>
 
@@ -4935,28 +4971,28 @@
                 <a:gridCol w="2016670">
                   <a:extLst>
                     <a:ext uri="{9D8B030D-6E8A-4147-A177-3AD203B41FA5}">
-                      <a16:colId xmlns:a16="http://schemas.microsoft.com/office/drawing/2014/main" val="4207553952"/>
+                      <a16:colId xmlns:a16="http://schemas.microsoft.com/office/drawing/2014/main" xmlns="" val="4207553952"/>
                     </a:ext>
                   </a:extLst>
                 </a:gridCol>
                 <a:gridCol w="2412268">
                   <a:extLst>
                     <a:ext uri="{9D8B030D-6E8A-4147-A177-3AD203B41FA5}">
-                      <a16:colId xmlns:a16="http://schemas.microsoft.com/office/drawing/2014/main" val="3459842520"/>
+                      <a16:colId xmlns:a16="http://schemas.microsoft.com/office/drawing/2014/main" xmlns="" val="3459842520"/>
                     </a:ext>
                   </a:extLst>
                 </a:gridCol>
                 <a:gridCol w="2412268">
                   <a:extLst>
                     <a:ext uri="{9D8B030D-6E8A-4147-A177-3AD203B41FA5}">
-                      <a16:colId xmlns:a16="http://schemas.microsoft.com/office/drawing/2014/main" val="3968390463"/>
+                      <a16:colId xmlns:a16="http://schemas.microsoft.com/office/drawing/2014/main" xmlns="" val="3968390463"/>
                     </a:ext>
                   </a:extLst>
                 </a:gridCol>
                 <a:gridCol w="2737510">
                   <a:extLst>
                     <a:ext uri="{9D8B030D-6E8A-4147-A177-3AD203B41FA5}">
-                      <a16:colId xmlns:a16="http://schemas.microsoft.com/office/drawing/2014/main" val="2767897215"/>
+                      <a16:colId xmlns:a16="http://schemas.microsoft.com/office/drawing/2014/main" xmlns="" val="2767897215"/>
                     </a:ext>
                   </a:extLst>
                 </a:gridCol>
@@ -5014,7 +5050,7 @@
                 </a:tc>
                 <a:extLst>
                   <a:ext uri="{0D108BD9-81ED-4DB2-BD59-A6C34878D82A}">
-                    <a16:rowId xmlns:a16="http://schemas.microsoft.com/office/drawing/2014/main" val="32717393"/>
+                    <a16:rowId xmlns:a16="http://schemas.microsoft.com/office/drawing/2014/main" xmlns="" val="32717393"/>
                   </a:ext>
                 </a:extLst>
               </a:tr>
@@ -5091,7 +5127,7 @@
                 </a:tc>
                 <a:extLst>
                   <a:ext uri="{0D108BD9-81ED-4DB2-BD59-A6C34878D82A}">
-                    <a16:rowId xmlns:a16="http://schemas.microsoft.com/office/drawing/2014/main" val="1051533820"/>
+                    <a16:rowId xmlns:a16="http://schemas.microsoft.com/office/drawing/2014/main" xmlns="" val="1051533820"/>
                   </a:ext>
                 </a:extLst>
               </a:tr>
@@ -5189,7 +5225,7 @@
                 </a:tc>
                 <a:extLst>
                   <a:ext uri="{0D108BD9-81ED-4DB2-BD59-A6C34878D82A}">
-                    <a16:rowId xmlns:a16="http://schemas.microsoft.com/office/drawing/2014/main" val="1824347035"/>
+                    <a16:rowId xmlns:a16="http://schemas.microsoft.com/office/drawing/2014/main" xmlns="" val="1824347035"/>
                   </a:ext>
                 </a:extLst>
               </a:tr>
@@ -5331,7 +5367,7 @@
                 </a:tc>
                 <a:extLst>
                   <a:ext uri="{0D108BD9-81ED-4DB2-BD59-A6C34878D82A}">
-                    <a16:rowId xmlns:a16="http://schemas.microsoft.com/office/drawing/2014/main" val="861733343"/>
+                    <a16:rowId xmlns:a16="http://schemas.microsoft.com/office/drawing/2014/main" xmlns="" val="861733343"/>
                   </a:ext>
                 </a:extLst>
               </a:tr>
@@ -5461,7 +5497,7 @@
                 </a:tc>
                 <a:extLst>
                   <a:ext uri="{0D108BD9-81ED-4DB2-BD59-A6C34878D82A}">
-                    <a16:rowId xmlns:a16="http://schemas.microsoft.com/office/drawing/2014/main" val="668560827"/>
+                    <a16:rowId xmlns:a16="http://schemas.microsoft.com/office/drawing/2014/main" xmlns="" val="668560827"/>
                   </a:ext>
                 </a:extLst>
               </a:tr>
@@ -5571,7 +5607,7 @@
                 </a:tc>
                 <a:extLst>
                   <a:ext uri="{0D108BD9-81ED-4DB2-BD59-A6C34878D82A}">
-                    <a16:rowId xmlns:a16="http://schemas.microsoft.com/office/drawing/2014/main" val="210191880"/>
+                    <a16:rowId xmlns:a16="http://schemas.microsoft.com/office/drawing/2014/main" xmlns="" val="210191880"/>
                   </a:ext>
                 </a:extLst>
               </a:tr>
@@ -5676,6 +5712,13 @@
   <p:clrMapOvr>
     <a:masterClrMapping/>
   </p:clrMapOvr>
+  <p:timing>
+    <p:tnLst>
+      <p:par>
+        <p:cTn id="1" dur="indefinite" restart="never" nodeType="tmRoot"/>
+      </p:par>
+    </p:tnLst>
+  </p:timing>
 </p:sld>
 </file>
 
@@ -5722,25 +5765,35 @@
           </a:p>
         </p:txBody>
       </p:sp>
-      <p:sp>
-        <p:nvSpPr>
-          <p:cNvPr id="3" name="Содержимое 2"/>
-          <p:cNvSpPr>
-            <a:spLocks noGrp="1"/>
-          </p:cNvSpPr>
+      <p:pic>
+        <p:nvPicPr>
+          <p:cNvPr id="4" name="Объект 3"/>
+          <p:cNvPicPr>
+            <a:picLocks noGrp="1" noChangeAspect="1"/>
+          </p:cNvPicPr>
           <p:nvPr>
             <p:ph idx="1"/>
           </p:nvPr>
-        </p:nvSpPr>
-        <p:spPr/>
-        <p:txBody>
-          <a:bodyPr/>
-          <a:lstStyle/>
-          <a:p>
-            <a:endParaRPr lang="ru-RU" dirty="0" smtClean="0"/>
-          </a:p>
-        </p:txBody>
-      </p:sp>
+        </p:nvPicPr>
+        <p:blipFill>
+          <a:blip r:embed="rId2">
+            <a:extLst>
+              <a:ext uri="{28A0092B-C50C-407E-A947-70E740481C1C}">
+                <a14:useLocalDpi xmlns:a14="http://schemas.microsoft.com/office/drawing/2010/main" val="0"/>
+              </a:ext>
+            </a:extLst>
+          </a:blip>
+          <a:stretch>
+            <a:fillRect/>
+          </a:stretch>
+        </p:blipFill>
+        <p:spPr>
+          <a:xfrm>
+            <a:off x="801310" y="1086658"/>
+            <a:ext cx="4033619" cy="5040312"/>
+          </a:xfrm>
+        </p:spPr>
+      </p:pic>
       <p:sp>
         <p:nvSpPr>
           <p:cNvPr id="6" name="Дата 5"/>
@@ -5822,16 +5875,53 @@
           </a:p>
         </p:txBody>
       </p:sp>
+      <p:pic>
+        <p:nvPicPr>
+          <p:cNvPr id="5" name="Рисунок 4"/>
+          <p:cNvPicPr>
+            <a:picLocks noChangeAspect="1"/>
+          </p:cNvPicPr>
+          <p:nvPr/>
+        </p:nvPicPr>
+        <p:blipFill>
+          <a:blip r:embed="rId3">
+            <a:extLst>
+              <a:ext uri="{28A0092B-C50C-407E-A947-70E740481C1C}">
+                <a14:useLocalDpi xmlns:a14="http://schemas.microsoft.com/office/drawing/2010/main" val="0"/>
+              </a:ext>
+            </a:extLst>
+          </a:blip>
+          <a:stretch>
+            <a:fillRect/>
+          </a:stretch>
+        </p:blipFill>
+        <p:spPr>
+          <a:xfrm>
+            <a:off x="5097016" y="1086658"/>
+            <a:ext cx="4033619" cy="5040312"/>
+          </a:xfrm>
+          <a:prstGeom prst="rect">
+            <a:avLst/>
+          </a:prstGeom>
+        </p:spPr>
+      </p:pic>
     </p:spTree>
     <p:extLst>
       <p:ext uri="{BB962C8B-B14F-4D97-AF65-F5344CB8AC3E}">
-        <p14:creationId xmlns:p14="http://schemas.microsoft.com/office/powerpoint/2010/main" val="49049457"/>
+        <p14:creationId xmlns:p14="http://schemas.microsoft.com/office/powerpoint/2010/main" val="2230530317"/>
       </p:ext>
     </p:extLst>
   </p:cSld>
   <p:clrMapOvr>
     <a:masterClrMapping/>
   </p:clrMapOvr>
+  <p:timing>
+    <p:tnLst>
+      <p:par>
+        <p:cTn id="1" dur="indefinite" restart="never" nodeType="tmRoot"/>
+      </p:par>
+    </p:tnLst>
+  </p:timing>
 </p:sld>
 </file>
 
@@ -5869,54 +5959,44 @@
           <a:p>
             <a:r>
               <a:rPr lang="ru-RU" dirty="0" smtClean="0"/>
-              <a:t>Спасибо за внимание!</a:t>
-            </a:r>
-            <a:endParaRPr lang="en-US" dirty="0"/>
-          </a:p>
-        </p:txBody>
-      </p:sp>
-      <p:sp>
-        <p:nvSpPr>
-          <p:cNvPr id="3" name="Содержимое 2"/>
-          <p:cNvSpPr>
-            <a:spLocks noGrp="1"/>
-          </p:cNvSpPr>
+              <a:t>Результаты </a:t>
+            </a:r>
+            <a:r>
+              <a:rPr lang="ru-RU" dirty="0"/>
+              <a:t>вычислительных экспериментов</a:t>
+            </a:r>
+          </a:p>
+        </p:txBody>
+      </p:sp>
+      <p:pic>
+        <p:nvPicPr>
+          <p:cNvPr id="9" name="Объект 8"/>
+          <p:cNvPicPr>
+            <a:picLocks noGrp="1" noChangeAspect="1"/>
+          </p:cNvPicPr>
           <p:nvPr>
             <p:ph idx="1"/>
           </p:nvPr>
-        </p:nvSpPr>
-        <p:spPr/>
-        <p:txBody>
-          <a:bodyPr/>
-          <a:lstStyle/>
-          <a:p>
-            <a:pPr algn="just"/>
-            <a:endParaRPr lang="ru-RU" dirty="0" smtClean="0"/>
-          </a:p>
-          <a:p>
-            <a:pPr algn="just"/>
-            <a:endParaRPr lang="ru-RU" dirty="0"/>
-          </a:p>
-          <a:p>
-            <a:pPr algn="just"/>
-            <a:endParaRPr lang="ru-RU" dirty="0" smtClean="0"/>
-          </a:p>
-          <a:p>
-            <a:pPr algn="just"/>
-            <a:endParaRPr lang="ru-RU" dirty="0"/>
-          </a:p>
-          <a:p>
-            <a:pPr marL="0" indent="0" algn="ctr">
-              <a:buNone/>
-            </a:pPr>
-            <a:r>
-              <a:rPr lang="ru-RU" sz="3600" dirty="0" smtClean="0"/>
-              <a:t>Вопросы?</a:t>
-            </a:r>
-            <a:endParaRPr lang="en-US" sz="3600" dirty="0"/>
-          </a:p>
-        </p:txBody>
-      </p:sp>
+        </p:nvPicPr>
+        <p:blipFill>
+          <a:blip r:embed="rId2">
+            <a:extLst>
+              <a:ext uri="{28A0092B-C50C-407E-A947-70E740481C1C}">
+                <a14:useLocalDpi xmlns:a14="http://schemas.microsoft.com/office/drawing/2010/main" val="0"/>
+              </a:ext>
+            </a:extLst>
+          </a:blip>
+          <a:stretch>
+            <a:fillRect/>
+          </a:stretch>
+        </p:blipFill>
+        <p:spPr>
+          <a:xfrm>
+            <a:off x="799175" y="1069180"/>
+            <a:ext cx="4033619" cy="5040312"/>
+          </a:xfrm>
+        </p:spPr>
+      </p:pic>
       <p:sp>
         <p:nvSpPr>
           <p:cNvPr id="6" name="Дата 5"/>
@@ -5998,11 +6078,53 @@
           </a:p>
         </p:txBody>
       </p:sp>
+      <p:pic>
+        <p:nvPicPr>
+          <p:cNvPr id="10" name="Рисунок 9"/>
+          <p:cNvPicPr>
+            <a:picLocks noChangeAspect="1"/>
+          </p:cNvPicPr>
+          <p:nvPr/>
+        </p:nvPicPr>
+        <p:blipFill>
+          <a:blip r:embed="rId3">
+            <a:extLst>
+              <a:ext uri="{28A0092B-C50C-407E-A947-70E740481C1C}">
+                <a14:useLocalDpi xmlns:a14="http://schemas.microsoft.com/office/drawing/2010/main" val="0"/>
+              </a:ext>
+            </a:extLst>
+          </a:blip>
+          <a:stretch>
+            <a:fillRect/>
+          </a:stretch>
+        </p:blipFill>
+        <p:spPr>
+          <a:xfrm>
+            <a:off x="5128682" y="1069181"/>
+            <a:ext cx="4033619" cy="5040312"/>
+          </a:xfrm>
+          <a:prstGeom prst="rect">
+            <a:avLst/>
+          </a:prstGeom>
+        </p:spPr>
+      </p:pic>
     </p:spTree>
+    <p:extLst>
+      <p:ext uri="{BB962C8B-B14F-4D97-AF65-F5344CB8AC3E}">
+        <p14:creationId xmlns:p14="http://schemas.microsoft.com/office/powerpoint/2010/main" val="1715014894"/>
+      </p:ext>
+    </p:extLst>
   </p:cSld>
   <p:clrMapOvr>
     <a:masterClrMapping/>
   </p:clrMapOvr>
+  <p:timing>
+    <p:tnLst>
+      <p:par>
+        <p:cTn id="1" dur="indefinite" restart="never" nodeType="tmRoot"/>
+      </p:par>
+    </p:tnLst>
+  </p:timing>
 </p:sld>
 </file>
 
@@ -6182,6 +6304,191 @@
   <p:clrMapOvr>
     <a:masterClrMapping/>
   </p:clrMapOvr>
+  <p:timing>
+    <p:tnLst>
+      <p:par>
+        <p:cTn id="1" dur="indefinite" restart="never" nodeType="tmRoot"/>
+      </p:par>
+    </p:tnLst>
+  </p:timing>
+</p:sld>
+</file>
+
+<file path=ppt/slides/slide20.xml><?xml version="1.0" encoding="utf-8"?>
+<p:sld xmlns:a="http://schemas.openxmlformats.org/drawingml/2006/main" xmlns:r="http://schemas.openxmlformats.org/officeDocument/2006/relationships" xmlns:p="http://schemas.openxmlformats.org/presentationml/2006/main">
+  <p:cSld>
+    <p:spTree>
+      <p:nvGrpSpPr>
+        <p:cNvPr id="1" name=""/>
+        <p:cNvGrpSpPr/>
+        <p:nvPr/>
+      </p:nvGrpSpPr>
+      <p:grpSpPr>
+        <a:xfrm>
+          <a:off x="0" y="0"/>
+          <a:ext cx="0" cy="0"/>
+          <a:chOff x="0" y="0"/>
+          <a:chExt cx="0" cy="0"/>
+        </a:xfrm>
+      </p:grpSpPr>
+      <p:sp>
+        <p:nvSpPr>
+          <p:cNvPr id="2" name="Заголовок 1"/>
+          <p:cNvSpPr>
+            <a:spLocks noGrp="1"/>
+          </p:cNvSpPr>
+          <p:nvPr>
+            <p:ph type="title"/>
+          </p:nvPr>
+        </p:nvSpPr>
+        <p:spPr/>
+        <p:txBody>
+          <a:bodyPr/>
+          <a:lstStyle/>
+          <a:p>
+            <a:r>
+              <a:rPr lang="ru-RU" dirty="0" smtClean="0"/>
+              <a:t>Спасибо за внимание!</a:t>
+            </a:r>
+            <a:endParaRPr lang="en-US" dirty="0"/>
+          </a:p>
+        </p:txBody>
+      </p:sp>
+      <p:sp>
+        <p:nvSpPr>
+          <p:cNvPr id="3" name="Содержимое 2"/>
+          <p:cNvSpPr>
+            <a:spLocks noGrp="1"/>
+          </p:cNvSpPr>
+          <p:nvPr>
+            <p:ph idx="1"/>
+          </p:nvPr>
+        </p:nvSpPr>
+        <p:spPr/>
+        <p:txBody>
+          <a:bodyPr/>
+          <a:lstStyle/>
+          <a:p>
+            <a:pPr algn="just"/>
+            <a:endParaRPr lang="ru-RU" dirty="0" smtClean="0"/>
+          </a:p>
+          <a:p>
+            <a:pPr algn="just"/>
+            <a:endParaRPr lang="ru-RU" dirty="0"/>
+          </a:p>
+          <a:p>
+            <a:pPr algn="just"/>
+            <a:endParaRPr lang="ru-RU" dirty="0" smtClean="0"/>
+          </a:p>
+          <a:p>
+            <a:pPr algn="just"/>
+            <a:endParaRPr lang="ru-RU" dirty="0"/>
+          </a:p>
+          <a:p>
+            <a:pPr marL="0" indent="0" algn="ctr">
+              <a:buNone/>
+            </a:pPr>
+            <a:r>
+              <a:rPr lang="ru-RU" sz="3600" dirty="0" smtClean="0"/>
+              <a:t>Вопросы?</a:t>
+            </a:r>
+            <a:endParaRPr lang="en-US" sz="3600" dirty="0"/>
+          </a:p>
+        </p:txBody>
+      </p:sp>
+      <p:sp>
+        <p:nvSpPr>
+          <p:cNvPr id="6" name="Дата 5"/>
+          <p:cNvSpPr>
+            <a:spLocks noGrp="1"/>
+          </p:cNvSpPr>
+          <p:nvPr>
+            <p:ph type="dt" sz="half" idx="2"/>
+          </p:nvPr>
+        </p:nvSpPr>
+        <p:spPr/>
+        <p:txBody>
+          <a:bodyPr/>
+          <a:lstStyle/>
+          <a:p>
+            <a:pPr>
+              <a:defRPr/>
+            </a:pPr>
+            <a:r>
+              <a:rPr lang="ru-RU" smtClean="0"/>
+              <a:t>Нижний Новгород, 2017 г.</a:t>
+            </a:r>
+            <a:endParaRPr lang="ru-RU" dirty="0"/>
+          </a:p>
+        </p:txBody>
+      </p:sp>
+      <p:sp>
+        <p:nvSpPr>
+          <p:cNvPr id="7" name="Номер слайда 6"/>
+          <p:cNvSpPr>
+            <a:spLocks noGrp="1"/>
+          </p:cNvSpPr>
+          <p:nvPr>
+            <p:ph type="sldNum" sz="quarter" idx="4"/>
+          </p:nvPr>
+        </p:nvSpPr>
+        <p:spPr/>
+        <p:txBody>
+          <a:bodyPr/>
+          <a:lstStyle/>
+          <a:p>
+            <a:pPr>
+              <a:defRPr/>
+            </a:pPr>
+            <a:fld id="{4F2367BF-7A57-4F5A-B357-719264272D2E}" type="slidenum">
+              <a:rPr lang="ru-RU" smtClean="0"/>
+              <a:pPr>
+                <a:defRPr/>
+              </a:pPr>
+              <a:t>20</a:t>
+            </a:fld>
+            <a:endParaRPr lang="ru-RU" dirty="0"/>
+          </a:p>
+        </p:txBody>
+      </p:sp>
+      <p:sp>
+        <p:nvSpPr>
+          <p:cNvPr id="8" name="Нижний колонтитул 7"/>
+          <p:cNvSpPr>
+            <a:spLocks noGrp="1"/>
+          </p:cNvSpPr>
+          <p:nvPr>
+            <p:ph type="ftr" sz="quarter" idx="3"/>
+          </p:nvPr>
+        </p:nvSpPr>
+        <p:spPr/>
+        <p:txBody>
+          <a:bodyPr/>
+          <a:lstStyle/>
+          <a:p>
+            <a:pPr>
+              <a:defRPr/>
+            </a:pPr>
+            <a:r>
+              <a:rPr lang="ru-RU" smtClean="0"/>
+              <a:t>Мини-проект по глобальной оптимизации</a:t>
+            </a:r>
+            <a:endParaRPr lang="ru-RU" dirty="0"/>
+          </a:p>
+        </p:txBody>
+      </p:sp>
+    </p:spTree>
+  </p:cSld>
+  <p:clrMapOvr>
+    <a:masterClrMapping/>
+  </p:clrMapOvr>
+  <p:timing>
+    <p:tnLst>
+      <p:par>
+        <p:cTn id="1" dur="indefinite" restart="never" nodeType="tmRoot"/>
+      </p:par>
+    </p:tnLst>
+  </p:timing>
 </p:sld>
 </file>
 
@@ -6363,6 +6670,13 @@
   <p:clrMapOvr>
     <a:masterClrMapping/>
   </p:clrMapOvr>
+  <p:timing>
+    <p:tnLst>
+      <p:par>
+        <p:cTn id="1" dur="indefinite" restart="never" nodeType="tmRoot"/>
+      </p:par>
+    </p:tnLst>
+  </p:timing>
 </p:sld>
 </file>
 
@@ -6520,6 +6834,13 @@
   <p:clrMapOvr>
     <a:masterClrMapping/>
   </p:clrMapOvr>
+  <p:timing>
+    <p:tnLst>
+      <p:par>
+        <p:cTn id="1" dur="indefinite" restart="never" nodeType="tmRoot"/>
+      </p:par>
+    </p:tnLst>
+  </p:timing>
 </p:sld>
 </file>
 
@@ -8278,8 +8599,8 @@
           </a:p>
         </p:txBody>
       </p:sp>
-      <mc:AlternateContent xmlns:mc="http://schemas.openxmlformats.org/markup-compatibility/2006">
-        <mc:Choice xmlns:a14="http://schemas.microsoft.com/office/drawing/2010/main" Requires="a14">
+      <mc:AlternateContent xmlns:mc="http://schemas.openxmlformats.org/markup-compatibility/2006" xmlns:a14="http://schemas.microsoft.com/office/drawing/2010/main">
+        <mc:Choice Requires="a14">
           <p:sp>
             <p:nvSpPr>
               <p:cNvPr id="3" name="Объект 2"/>
@@ -8305,11 +8626,7 @@
                 </a:r>
                 <a:r>
                   <a:rPr lang="ru-RU" dirty="0" smtClean="0"/>
-                  <a:t> </a:t>
-                </a:r>
-                <a:r>
-                  <a:rPr lang="ru-RU" dirty="0" smtClean="0"/>
-                  <a:t>данного метода от метода глобального поиска в том, что метод глобального поиска применяется не к самой функции, а к её преобразованию</a:t>
+                  <a:t> данного метода от метода глобального поиска в том, что метод глобального поиска применяется не к самой функции, а к её преобразованию</a:t>
                 </a:r>
                 <a:r>
                   <a:rPr lang="en-US" dirty="0" smtClean="0"/>
@@ -8594,7 +8911,7 @@
             </p:txBody>
           </p:sp>
         </mc:Choice>
-        <mc:Fallback>
+        <mc:Fallback xmlns="">
           <p:sp>
             <p:nvSpPr>
               <p:cNvPr id="3" name="Объект 2"/>
@@ -8725,6 +9042,13 @@
   <p:clrMapOvr>
     <a:masterClrMapping/>
   </p:clrMapOvr>
+  <p:timing>
+    <p:tnLst>
+      <p:par>
+        <p:cTn id="1" dur="indefinite" restart="never" nodeType="tmRoot"/>
+      </p:par>
+    </p:tnLst>
+  </p:timing>
 </p:sld>
 </file>
 
